--- a/MJsec_게임 개발 멘토링/MJsec_3주차.pptx
+++ b/MJsec_게임 개발 멘토링/MJsec_3주차.pptx
@@ -6,15 +6,6 @@
   </p:sldMasterIdLst>
   <p:sldIdLst>
     <p:sldId id="256" r:id="rId2"/>
-    <p:sldId id="261" r:id="rId3"/>
-    <p:sldId id="262" r:id="rId4"/>
-    <p:sldId id="263" r:id="rId5"/>
-    <p:sldId id="264" r:id="rId6"/>
-    <p:sldId id="265" r:id="rId7"/>
-    <p:sldId id="266" r:id="rId8"/>
-    <p:sldId id="257" r:id="rId9"/>
-    <p:sldId id="259" r:id="rId10"/>
-    <p:sldId id="260" r:id="rId11"/>
   </p:sldIdLst>
   <p:sldSz cx="12192000" cy="6858000"/>
   <p:notesSz cx="6858000" cy="9144000"/>
@@ -121,16 +112,95 @@
 </p:presentation>
 </file>
 
-<file path=ppt/revisionInfo.xml><?xml version="1.0" encoding="utf-8"?>
-<p1510:revInfo xmlns:a="http://schemas.openxmlformats.org/drawingml/2006/main" xmlns:r="http://schemas.openxmlformats.org/officeDocument/2006/relationships" xmlns:p1510="http://schemas.microsoft.com/office/powerpoint/2015/10/main">
-  <p1510:revLst>
-    <p1510:client id="{FE17DD06-4F0B-4F09-AC78-2D3F41BE8E98}" v="7" dt="2025-06-26T08:47:12.020"/>
-  </p1510:revLst>
-</p1510:revInfo>
-</file>
-
 <file path=ppt/changesInfos/changesInfo1.xml><?xml version="1.0" encoding="utf-8"?>
 <pc:chgInfo xmlns:a="http://schemas.openxmlformats.org/drawingml/2006/main" xmlns:r="http://schemas.openxmlformats.org/officeDocument/2006/relationships" xmlns:ac="http://schemas.microsoft.com/office/drawing/2013/main/command" xmlns:pc="http://schemas.microsoft.com/office/powerpoint/2013/main/command">
+  <pc:docChgLst>
+    <pc:chgData name="상진 전" userId="b279be015be064a7" providerId="LiveId" clId="{2DB46C57-ACD9-4484-8351-0F00010CD1E7}"/>
+    <pc:docChg chg="custSel delSld modSld">
+      <pc:chgData name="상진 전" userId="b279be015be064a7" providerId="LiveId" clId="{2DB46C57-ACD9-4484-8351-0F00010CD1E7}" dt="2025-06-30T03:28:21.425" v="14" actId="27636"/>
+      <pc:docMkLst>
+        <pc:docMk/>
+      </pc:docMkLst>
+      <pc:sldChg chg="modSp mod">
+        <pc:chgData name="상진 전" userId="b279be015be064a7" providerId="LiveId" clId="{2DB46C57-ACD9-4484-8351-0F00010CD1E7}" dt="2025-06-30T03:28:21.425" v="14" actId="27636"/>
+        <pc:sldMkLst>
+          <pc:docMk/>
+          <pc:sldMk cId="1580400359" sldId="256"/>
+        </pc:sldMkLst>
+        <pc:spChg chg="mod">
+          <ac:chgData name="상진 전" userId="b279be015be064a7" providerId="LiveId" clId="{2DB46C57-ACD9-4484-8351-0F00010CD1E7}" dt="2025-06-30T03:28:21.425" v="14" actId="27636"/>
+          <ac:spMkLst>
+            <pc:docMk/>
+            <pc:sldMk cId="1580400359" sldId="256"/>
+            <ac:spMk id="4" creationId="{9386B9C3-7DCE-56DF-B15A-9FC4BAA8EA59}"/>
+          </ac:spMkLst>
+        </pc:spChg>
+      </pc:sldChg>
+      <pc:sldChg chg="del">
+        <pc:chgData name="상진 전" userId="b279be015be064a7" providerId="LiveId" clId="{2DB46C57-ACD9-4484-8351-0F00010CD1E7}" dt="2025-06-30T03:28:16.861" v="6" actId="47"/>
+        <pc:sldMkLst>
+          <pc:docMk/>
+          <pc:sldMk cId="3828415265" sldId="257"/>
+        </pc:sldMkLst>
+      </pc:sldChg>
+      <pc:sldChg chg="del">
+        <pc:chgData name="상진 전" userId="b279be015be064a7" providerId="LiveId" clId="{2DB46C57-ACD9-4484-8351-0F00010CD1E7}" dt="2025-06-30T03:28:17.293" v="7" actId="47"/>
+        <pc:sldMkLst>
+          <pc:docMk/>
+          <pc:sldMk cId="1530785828" sldId="259"/>
+        </pc:sldMkLst>
+      </pc:sldChg>
+      <pc:sldChg chg="del">
+        <pc:chgData name="상진 전" userId="b279be015be064a7" providerId="LiveId" clId="{2DB46C57-ACD9-4484-8351-0F00010CD1E7}" dt="2025-06-30T03:28:17.684" v="8" actId="47"/>
+        <pc:sldMkLst>
+          <pc:docMk/>
+          <pc:sldMk cId="4266773211" sldId="260"/>
+        </pc:sldMkLst>
+      </pc:sldChg>
+      <pc:sldChg chg="del">
+        <pc:chgData name="상진 전" userId="b279be015be064a7" providerId="LiveId" clId="{2DB46C57-ACD9-4484-8351-0F00010CD1E7}" dt="2025-06-30T03:28:14.254" v="0" actId="47"/>
+        <pc:sldMkLst>
+          <pc:docMk/>
+          <pc:sldMk cId="1460768772" sldId="261"/>
+        </pc:sldMkLst>
+      </pc:sldChg>
+      <pc:sldChg chg="del">
+        <pc:chgData name="상진 전" userId="b279be015be064a7" providerId="LiveId" clId="{2DB46C57-ACD9-4484-8351-0F00010CD1E7}" dt="2025-06-30T03:28:14.732" v="1" actId="47"/>
+        <pc:sldMkLst>
+          <pc:docMk/>
+          <pc:sldMk cId="4180307804" sldId="262"/>
+        </pc:sldMkLst>
+      </pc:sldChg>
+      <pc:sldChg chg="del">
+        <pc:chgData name="상진 전" userId="b279be015be064a7" providerId="LiveId" clId="{2DB46C57-ACD9-4484-8351-0F00010CD1E7}" dt="2025-06-30T03:28:15.151" v="2" actId="47"/>
+        <pc:sldMkLst>
+          <pc:docMk/>
+          <pc:sldMk cId="4274668901" sldId="263"/>
+        </pc:sldMkLst>
+      </pc:sldChg>
+      <pc:sldChg chg="del">
+        <pc:chgData name="상진 전" userId="b279be015be064a7" providerId="LiveId" clId="{2DB46C57-ACD9-4484-8351-0F00010CD1E7}" dt="2025-06-30T03:28:15.569" v="3" actId="47"/>
+        <pc:sldMkLst>
+          <pc:docMk/>
+          <pc:sldMk cId="1981123653" sldId="264"/>
+        </pc:sldMkLst>
+      </pc:sldChg>
+      <pc:sldChg chg="del">
+        <pc:chgData name="상진 전" userId="b279be015be064a7" providerId="LiveId" clId="{2DB46C57-ACD9-4484-8351-0F00010CD1E7}" dt="2025-06-30T03:28:16.020" v="4" actId="47"/>
+        <pc:sldMkLst>
+          <pc:docMk/>
+          <pc:sldMk cId="2048155036" sldId="265"/>
+        </pc:sldMkLst>
+      </pc:sldChg>
+      <pc:sldChg chg="del">
+        <pc:chgData name="상진 전" userId="b279be015be064a7" providerId="LiveId" clId="{2DB46C57-ACD9-4484-8351-0F00010CD1E7}" dt="2025-06-30T03:28:16.427" v="5" actId="47"/>
+        <pc:sldMkLst>
+          <pc:docMk/>
+          <pc:sldMk cId="820531442" sldId="266"/>
+        </pc:sldMkLst>
+      </pc:sldChg>
+    </pc:docChg>
+  </pc:docChgLst>
   <pc:docChgLst>
     <pc:chgData name="상진 전" userId="b279be015be064a7" providerId="LiveId" clId="{FE17DD06-4F0B-4F09-AC78-2D3F41BE8E98}"/>
     <pc:docChg chg="undo custSel addSld modSld sldOrd">
@@ -144,86 +214,6 @@
           <pc:docMk/>
           <pc:sldMk cId="1981123653" sldId="264"/>
         </pc:sldMkLst>
-        <pc:spChg chg="del">
-          <ac:chgData name="상진 전" userId="b279be015be064a7" providerId="LiveId" clId="{FE17DD06-4F0B-4F09-AC78-2D3F41BE8E98}" dt="2025-06-26T08:21:25.544" v="2" actId="478"/>
-          <ac:spMkLst>
-            <pc:docMk/>
-            <pc:sldMk cId="1981123653" sldId="264"/>
-            <ac:spMk id="2" creationId="{49F90342-F5E9-A0C6-89DC-E363FF64D902}"/>
-          </ac:spMkLst>
-        </pc:spChg>
-        <pc:spChg chg="del">
-          <ac:chgData name="상진 전" userId="b279be015be064a7" providerId="LiveId" clId="{FE17DD06-4F0B-4F09-AC78-2D3F41BE8E98}" dt="2025-06-26T08:21:25.544" v="2" actId="478"/>
-          <ac:spMkLst>
-            <pc:docMk/>
-            <pc:sldMk cId="1981123653" sldId="264"/>
-            <ac:spMk id="3" creationId="{66FE2F4D-B725-F951-8089-0AB96BE3F4AF}"/>
-          </ac:spMkLst>
-        </pc:spChg>
-        <pc:spChg chg="add mod">
-          <ac:chgData name="상진 전" userId="b279be015be064a7" providerId="LiveId" clId="{FE17DD06-4F0B-4F09-AC78-2D3F41BE8E98}" dt="2025-06-26T08:37:04.066" v="1199" actId="20577"/>
-          <ac:spMkLst>
-            <pc:docMk/>
-            <pc:sldMk cId="1981123653" sldId="264"/>
-            <ac:spMk id="4" creationId="{A5F167BA-0E5C-B8D0-0608-9796B2E6B0F4}"/>
-          </ac:spMkLst>
-        </pc:spChg>
-        <pc:spChg chg="add mod">
-          <ac:chgData name="상진 전" userId="b279be015be064a7" providerId="LiveId" clId="{FE17DD06-4F0B-4F09-AC78-2D3F41BE8E98}" dt="2025-06-26T08:33:11.632" v="915" actId="20577"/>
-          <ac:spMkLst>
-            <pc:docMk/>
-            <pc:sldMk cId="1981123653" sldId="264"/>
-            <ac:spMk id="5" creationId="{AC34D1AF-9E31-DD58-349F-83B66975F815}"/>
-          </ac:spMkLst>
-        </pc:spChg>
-        <pc:spChg chg="add mod">
-          <ac:chgData name="상진 전" userId="b279be015be064a7" providerId="LiveId" clId="{FE17DD06-4F0B-4F09-AC78-2D3F41BE8E98}" dt="2025-06-26T08:37:26.633" v="1204" actId="13926"/>
-          <ac:spMkLst>
-            <pc:docMk/>
-            <pc:sldMk cId="1981123653" sldId="264"/>
-            <ac:spMk id="16" creationId="{8BEAA795-B379-8EA3-A49C-278C64D6B3AD}"/>
-          </ac:spMkLst>
-        </pc:spChg>
-        <pc:picChg chg="add mod">
-          <ac:chgData name="상진 전" userId="b279be015be064a7" providerId="LiveId" clId="{FE17DD06-4F0B-4F09-AC78-2D3F41BE8E98}" dt="2025-06-26T08:33:40.187" v="917" actId="1076"/>
-          <ac:picMkLst>
-            <pc:docMk/>
-            <pc:sldMk cId="1981123653" sldId="264"/>
-            <ac:picMk id="7" creationId="{1C8114DC-EAE6-C989-E1EA-97C46B8F4F05}"/>
-          </ac:picMkLst>
-        </pc:picChg>
-        <pc:picChg chg="add mod">
-          <ac:chgData name="상진 전" userId="b279be015be064a7" providerId="LiveId" clId="{FE17DD06-4F0B-4F09-AC78-2D3F41BE8E98}" dt="2025-06-26T08:35:14.850" v="936" actId="1076"/>
-          <ac:picMkLst>
-            <pc:docMk/>
-            <pc:sldMk cId="1981123653" sldId="264"/>
-            <ac:picMk id="9" creationId="{0B9B944D-CBEB-EDB7-9862-8B8F851EF449}"/>
-          </ac:picMkLst>
-        </pc:picChg>
-        <pc:picChg chg="add del mod">
-          <ac:chgData name="상진 전" userId="b279be015be064a7" providerId="LiveId" clId="{FE17DD06-4F0B-4F09-AC78-2D3F41BE8E98}" dt="2025-06-26T08:34:24.102" v="925" actId="478"/>
-          <ac:picMkLst>
-            <pc:docMk/>
-            <pc:sldMk cId="1981123653" sldId="264"/>
-            <ac:picMk id="11" creationId="{B66B6878-2C6D-67A0-E125-B9430FF533B1}"/>
-          </ac:picMkLst>
-        </pc:picChg>
-        <pc:picChg chg="add mod">
-          <ac:chgData name="상진 전" userId="b279be015be064a7" providerId="LiveId" clId="{FE17DD06-4F0B-4F09-AC78-2D3F41BE8E98}" dt="2025-06-26T08:34:38.911" v="927" actId="1076"/>
-          <ac:picMkLst>
-            <pc:docMk/>
-            <pc:sldMk cId="1981123653" sldId="264"/>
-            <ac:picMk id="13" creationId="{C53C8D1E-CFC1-90C8-F119-7D95C89EFB0C}"/>
-          </ac:picMkLst>
-        </pc:picChg>
-        <pc:picChg chg="add mod">
-          <ac:chgData name="상진 전" userId="b279be015be064a7" providerId="LiveId" clId="{FE17DD06-4F0B-4F09-AC78-2D3F41BE8E98}" dt="2025-06-26T08:35:18.633" v="937" actId="1076"/>
-          <ac:picMkLst>
-            <pc:docMk/>
-            <pc:sldMk cId="1981123653" sldId="264"/>
-            <ac:picMk id="15" creationId="{72C64F46-D7AE-56AF-EB54-50F9AEF7156E}"/>
-          </ac:picMkLst>
-        </pc:picChg>
       </pc:sldChg>
       <pc:sldChg chg="addSp delSp modSp new mod">
         <pc:chgData name="상진 전" userId="b279be015be064a7" providerId="LiveId" clId="{FE17DD06-4F0B-4F09-AC78-2D3F41BE8E98}" dt="2025-06-26T08:48:30.076" v="1915" actId="20577"/>
@@ -231,94 +221,6 @@
           <pc:docMk/>
           <pc:sldMk cId="2048155036" sldId="265"/>
         </pc:sldMkLst>
-        <pc:spChg chg="del">
-          <ac:chgData name="상진 전" userId="b279be015be064a7" providerId="LiveId" clId="{FE17DD06-4F0B-4F09-AC78-2D3F41BE8E98}" dt="2025-06-26T08:37:00.424" v="1198" actId="478"/>
-          <ac:spMkLst>
-            <pc:docMk/>
-            <pc:sldMk cId="2048155036" sldId="265"/>
-            <ac:spMk id="2" creationId="{89EB952D-F6D1-F8CF-7E62-191DCAF74CE1}"/>
-          </ac:spMkLst>
-        </pc:spChg>
-        <pc:spChg chg="del">
-          <ac:chgData name="상진 전" userId="b279be015be064a7" providerId="LiveId" clId="{FE17DD06-4F0B-4F09-AC78-2D3F41BE8E98}" dt="2025-06-26T08:37:00.424" v="1198" actId="478"/>
-          <ac:spMkLst>
-            <pc:docMk/>
-            <pc:sldMk cId="2048155036" sldId="265"/>
-            <ac:spMk id="3" creationId="{742E09C6-098C-DAE5-44A5-D544FABCAB68}"/>
-          </ac:spMkLst>
-        </pc:spChg>
-        <pc:spChg chg="add mod">
-          <ac:chgData name="상진 전" userId="b279be015be064a7" providerId="LiveId" clId="{FE17DD06-4F0B-4F09-AC78-2D3F41BE8E98}" dt="2025-06-26T08:37:09.755" v="1201" actId="1076"/>
-          <ac:spMkLst>
-            <pc:docMk/>
-            <pc:sldMk cId="2048155036" sldId="265"/>
-            <ac:spMk id="5" creationId="{7052F05D-3B20-858A-0F79-D0ACC6C2DDF9}"/>
-          </ac:spMkLst>
-        </pc:spChg>
-        <pc:spChg chg="add mod">
-          <ac:chgData name="상진 전" userId="b279be015be064a7" providerId="LiveId" clId="{FE17DD06-4F0B-4F09-AC78-2D3F41BE8E98}" dt="2025-06-26T08:39:21.559" v="1469" actId="20577"/>
-          <ac:spMkLst>
-            <pc:docMk/>
-            <pc:sldMk cId="2048155036" sldId="265"/>
-            <ac:spMk id="6" creationId="{870B89C0-E3C4-AF86-2780-8B0955A14622}"/>
-          </ac:spMkLst>
-        </pc:spChg>
-        <pc:spChg chg="add mod">
-          <ac:chgData name="상진 전" userId="b279be015be064a7" providerId="LiveId" clId="{FE17DD06-4F0B-4F09-AC78-2D3F41BE8E98}" dt="2025-06-26T08:43:23.672" v="1563" actId="113"/>
-          <ac:spMkLst>
-            <pc:docMk/>
-            <pc:sldMk cId="2048155036" sldId="265"/>
-            <ac:spMk id="11" creationId="{D5E5DDAD-4F4B-848D-45CC-A05B114E1BD1}"/>
-          </ac:spMkLst>
-        </pc:spChg>
-        <pc:spChg chg="add mod">
-          <ac:chgData name="상진 전" userId="b279be015be064a7" providerId="LiveId" clId="{FE17DD06-4F0B-4F09-AC78-2D3F41BE8E98}" dt="2025-06-26T08:48:30.076" v="1915" actId="20577"/>
-          <ac:spMkLst>
-            <pc:docMk/>
-            <pc:sldMk cId="2048155036" sldId="265"/>
-            <ac:spMk id="12" creationId="{77EE5360-A29D-F2B6-198D-DE3F0C2E14FD}"/>
-          </ac:spMkLst>
-        </pc:spChg>
-        <pc:spChg chg="add mod">
-          <ac:chgData name="상진 전" userId="b279be015be064a7" providerId="LiveId" clId="{FE17DD06-4F0B-4F09-AC78-2D3F41BE8E98}" dt="2025-06-26T08:48:08.105" v="1855" actId="1076"/>
-          <ac:spMkLst>
-            <pc:docMk/>
-            <pc:sldMk cId="2048155036" sldId="265"/>
-            <ac:spMk id="17" creationId="{9347DEBE-F858-5D8E-7CDA-A81D737CA0A6}"/>
-          </ac:spMkLst>
-        </pc:spChg>
-        <pc:picChg chg="add mod">
-          <ac:chgData name="상진 전" userId="b279be015be064a7" providerId="LiveId" clId="{FE17DD06-4F0B-4F09-AC78-2D3F41BE8E98}" dt="2025-06-26T08:41:30.027" v="1479" actId="14100"/>
-          <ac:picMkLst>
-            <pc:docMk/>
-            <pc:sldMk cId="2048155036" sldId="265"/>
-            <ac:picMk id="8" creationId="{B6436D6E-76A1-A58A-3997-D1BD436DB52D}"/>
-          </ac:picMkLst>
-        </pc:picChg>
-        <pc:picChg chg="add mod">
-          <ac:chgData name="상진 전" userId="b279be015be064a7" providerId="LiveId" clId="{FE17DD06-4F0B-4F09-AC78-2D3F41BE8E98}" dt="2025-06-26T08:42:23.395" v="1482" actId="1076"/>
-          <ac:picMkLst>
-            <pc:docMk/>
-            <pc:sldMk cId="2048155036" sldId="265"/>
-            <ac:picMk id="10" creationId="{BA3EE6B4-E67D-2631-BB8E-3813FC8F67C9}"/>
-          </ac:picMkLst>
-        </pc:picChg>
-        <pc:picChg chg="add mod">
-          <ac:chgData name="상진 전" userId="b279be015be064a7" providerId="LiveId" clId="{FE17DD06-4F0B-4F09-AC78-2D3F41BE8E98}" dt="2025-06-26T08:46:55.077" v="1637" actId="1076"/>
-          <ac:picMkLst>
-            <pc:docMk/>
-            <pc:sldMk cId="2048155036" sldId="265"/>
-            <ac:picMk id="14" creationId="{7EB17100-11BE-DDB5-4269-62798E7C341F}"/>
-          </ac:picMkLst>
-        </pc:picChg>
-        <pc:picChg chg="add mod">
-          <ac:chgData name="상진 전" userId="b279be015be064a7" providerId="LiveId" clId="{FE17DD06-4F0B-4F09-AC78-2D3F41BE8E98}" dt="2025-06-26T08:47:06.954" v="1639" actId="1076"/>
-          <ac:picMkLst>
-            <pc:docMk/>
-            <pc:sldMk cId="2048155036" sldId="265"/>
-            <ac:picMk id="16" creationId="{C5EE4EF9-4062-41B3-47B6-F8BBF9259FD1}"/>
-          </ac:picMkLst>
-        </pc:picChg>
       </pc:sldChg>
       <pc:sldChg chg="new">
         <pc:chgData name="상진 전" userId="b279be015be064a7" providerId="LiveId" clId="{FE17DD06-4F0B-4F09-AC78-2D3F41BE8E98}" dt="2025-06-26T08:48:33.946" v="1916" actId="680"/>
@@ -488,7 +390,7 @@
           <a:p>
             <a:fld id="{6444479B-705B-4489-957E-7E8A228BDFA0}" type="datetime1">
               <a:rPr lang="en-US" smtClean="0"/>
-              <a:t>6/26/2025</a:t>
+              <a:t>6/30/2025</a:t>
             </a:fld>
             <a:endParaRPr lang="en-US"/>
           </a:p>
@@ -688,7 +590,7 @@
           <a:p>
             <a:fld id="{C07B66AD-7C08-490A-ADA4-B47E10FB2407}" type="datetime1">
               <a:rPr lang="en-US" smtClean="0"/>
-              <a:t>6/26/2025</a:t>
+              <a:t>6/30/2025</a:t>
             </a:fld>
             <a:endParaRPr lang="en-US"/>
           </a:p>
@@ -947,7 +849,7 @@
           <a:p>
             <a:fld id="{05B95027-4255-49E7-9841-CD21BCC99996}" type="datetime1">
               <a:rPr lang="en-US" smtClean="0"/>
-              <a:t>6/26/2025</a:t>
+              <a:t>6/30/2025</a:t>
             </a:fld>
             <a:endParaRPr lang="en-US"/>
           </a:p>
@@ -1188,7 +1090,7 @@
           <a:p>
             <a:fld id="{9F89F774-3FA6-43B8-9241-99959C8FD463}" type="datetime1">
               <a:rPr lang="en-US" smtClean="0"/>
-              <a:t>6/26/2025</a:t>
+              <a:t>6/30/2025</a:t>
             </a:fld>
             <a:endParaRPr lang="en-US"/>
           </a:p>
@@ -1515,7 +1417,7 @@
           <a:p>
             <a:fld id="{F9504452-5DCC-4FE2-A5C9-8A5EF6714D65}" type="datetime1">
               <a:rPr lang="en-US" smtClean="0"/>
-              <a:t>6/26/2025</a:t>
+              <a:t>6/30/2025</a:t>
             </a:fld>
             <a:endParaRPr lang="en-US"/>
           </a:p>
@@ -1825,7 +1727,7 @@
           <a:p>
             <a:fld id="{E579ABC2-0180-4F3A-A895-A85BC724D472}" type="datetime1">
               <a:rPr lang="en-US" smtClean="0"/>
-              <a:t>6/26/2025</a:t>
+              <a:t>6/30/2025</a:t>
             </a:fld>
             <a:endParaRPr lang="en-US"/>
           </a:p>
@@ -2243,7 +2145,7 @@
           <a:p>
             <a:fld id="{6AEEA9BA-4E8F-439E-BEA4-91FBA01E3F5F}" type="datetime1">
               <a:rPr lang="en-US" smtClean="0"/>
-              <a:t>6/26/2025</a:t>
+              <a:t>6/30/2025</a:t>
             </a:fld>
             <a:endParaRPr lang="en-US"/>
           </a:p>
@@ -2385,7 +2287,7 @@
           <a:p>
             <a:fld id="{BE15BF18-0007-481C-AA29-413124BC3EE7}" type="datetime1">
               <a:rPr lang="en-US" smtClean="0"/>
-              <a:t>6/26/2025</a:t>
+              <a:t>6/30/2025</a:t>
             </a:fld>
             <a:endParaRPr lang="en-US"/>
           </a:p>
@@ -2547,7 +2449,7 @@
           <a:p>
             <a:fld id="{09BE9870-3748-43AD-B547-02A075CB4A1D}" type="datetime1">
               <a:rPr lang="en-US" smtClean="0"/>
-              <a:t>6/26/2025</a:t>
+              <a:t>6/30/2025</a:t>
             </a:fld>
             <a:endParaRPr lang="en-US"/>
           </a:p>
@@ -2864,7 +2766,7 @@
           <a:p>
             <a:fld id="{558E7897-33C5-4F1A-9307-D068E37F3DC7}" type="datetime1">
               <a:rPr lang="en-US" smtClean="0"/>
-              <a:t>6/26/2025</a:t>
+              <a:t>6/30/2025</a:t>
             </a:fld>
             <a:endParaRPr lang="en-US"/>
           </a:p>
@@ -3159,7 +3061,7 @@
           <a:p>
             <a:fld id="{82E171BA-CC09-47C8-A6DF-F5C5CB59CEEC}" type="datetime1">
               <a:rPr lang="en-US" smtClean="0"/>
-              <a:t>6/26/2025</a:t>
+              <a:t>6/30/2025</a:t>
             </a:fld>
             <a:endParaRPr lang="en-US"/>
           </a:p>
@@ -3396,7 +3298,7 @@
           <a:p>
             <a:fld id="{7DA38F49-B3E2-4BF0-BEC7-C30D34ABBB8D}" type="datetime1">
               <a:rPr lang="en-US" smtClean="0"/>
-              <a:t>6/26/2025</a:t>
+              <a:t>6/30/2025</a:t>
             </a:fld>
             <a:endParaRPr lang="en-US"/>
           </a:p>
@@ -4132,7 +4034,7 @@
               </a:spcAft>
             </a:pPr>
             <a:r>
-              <a:rPr lang="en-US" altLang="ko-KR" sz="5400" b="1" cap="all" spc="30" dirty="0">
+              <a:rPr lang="en-US" altLang="ko-KR" sz="5400" b="1" kern="1200" cap="all" spc="30">
                 <a:solidFill>
                   <a:srgbClr val="FFFFFF"/>
                 </a:solidFill>
@@ -4140,10 +4042,10 @@
                 <a:ea typeface="+mj-ea"/>
                 <a:cs typeface="+mj-cs"/>
               </a:rPr>
-              <a:t>1</a:t>
-            </a:r>
-            <a:r>
-              <a:rPr lang="ko-KR" altLang="en-US" sz="5400" b="1" kern="1200" cap="all" spc="30" dirty="0">
+              <a:t>3</a:t>
+            </a:r>
+            <a:r>
+              <a:rPr lang="ko-KR" altLang="en-US" sz="5400" b="1" kern="1200" cap="all" spc="30">
                 <a:solidFill>
                   <a:srgbClr val="FFFFFF"/>
                 </a:solidFill>
@@ -4153,6 +4055,14 @@
               </a:rPr>
               <a:t>주차</a:t>
             </a:r>
+            <a:endParaRPr lang="ko-KR" altLang="en-US" sz="5400" b="1" kern="1200" cap="all" spc="30" dirty="0">
+              <a:solidFill>
+                <a:srgbClr val="FFFFFF"/>
+              </a:solidFill>
+              <a:latin typeface="+mj-lt"/>
+              <a:ea typeface="+mj-ea"/>
+              <a:cs typeface="+mj-cs"/>
+            </a:endParaRPr>
           </a:p>
           <a:p>
             <a:pPr algn="r" latinLnBrk="0">
@@ -4235,3067 +4145,6 @@
   </p:cSld>
   <p:clrMapOvr>
     <a:overrideClrMapping bg1="dk1" tx1="lt1" bg2="dk2" tx2="lt2" accent1="accent1" accent2="accent2" accent3="accent3" accent4="accent4" accent5="accent5" accent6="accent6" hlink="hlink" folHlink="folHlink"/>
-  </p:clrMapOvr>
-</p:sld>
-</file>
-
-<file path=ppt/slides/slide10.xml><?xml version="1.0" encoding="utf-8"?>
-<p:sld xmlns:a="http://schemas.openxmlformats.org/drawingml/2006/main" xmlns:r="http://schemas.openxmlformats.org/officeDocument/2006/relationships" xmlns:p="http://schemas.openxmlformats.org/presentationml/2006/main">
-  <p:cSld>
-    <p:spTree>
-      <p:nvGrpSpPr>
-        <p:cNvPr id="1" name=""/>
-        <p:cNvGrpSpPr/>
-        <p:nvPr/>
-      </p:nvGrpSpPr>
-      <p:grpSpPr>
-        <a:xfrm>
-          <a:off x="0" y="0"/>
-          <a:ext cx="0" cy="0"/>
-          <a:chOff x="0" y="0"/>
-          <a:chExt cx="0" cy="0"/>
-        </a:xfrm>
-      </p:grpSpPr>
-      <p:sp>
-        <p:nvSpPr>
-          <p:cNvPr id="4" name="TextBox 3">
-            <a:extLst>
-              <a:ext uri="{FF2B5EF4-FFF2-40B4-BE49-F238E27FC236}">
-                <a16:creationId xmlns:a16="http://schemas.microsoft.com/office/drawing/2014/main" id="{C7CCEDFA-B218-3AF0-6E76-D6C620544A9C}"/>
-              </a:ext>
-            </a:extLst>
-          </p:cNvPr>
-          <p:cNvSpPr txBox="1"/>
-          <p:nvPr/>
-        </p:nvSpPr>
-        <p:spPr>
-          <a:xfrm>
-            <a:off x="308008" y="488162"/>
-            <a:ext cx="3936733" cy="523220"/>
-          </a:xfrm>
-          <a:prstGeom prst="rect">
-            <a:avLst/>
-          </a:prstGeom>
-          <a:noFill/>
-        </p:spPr>
-        <p:txBody>
-          <a:bodyPr wrap="square" rtlCol="0">
-            <a:spAutoFit/>
-          </a:bodyPr>
-          <a:lstStyle/>
-          <a:p>
-            <a:r>
-              <a:rPr lang="en-US" altLang="ko-KR" sz="2800" b="1" dirty="0"/>
-              <a:t>Git hub</a:t>
-            </a:r>
-            <a:r>
-              <a:rPr lang="ko-KR" altLang="en-US" sz="2800" b="1" dirty="0"/>
-              <a:t>에서 </a:t>
-            </a:r>
-            <a:r>
-              <a:rPr lang="en-US" altLang="ko-KR" sz="2800" b="1" dirty="0"/>
-              <a:t>Unity </a:t>
-            </a:r>
-            <a:r>
-              <a:rPr lang="ko-KR" altLang="en-US" sz="2800" b="1" dirty="0"/>
-              <a:t>사용</a:t>
-            </a:r>
-          </a:p>
-        </p:txBody>
-      </p:sp>
-      <p:pic>
-        <p:nvPicPr>
-          <p:cNvPr id="6" name="그림 5">
-            <a:extLst>
-              <a:ext uri="{FF2B5EF4-FFF2-40B4-BE49-F238E27FC236}">
-                <a16:creationId xmlns:a16="http://schemas.microsoft.com/office/drawing/2014/main" id="{BC60CB8D-80DC-BE5A-DAAE-F83C2B542EA1}"/>
-              </a:ext>
-            </a:extLst>
-          </p:cNvPr>
-          <p:cNvPicPr>
-            <a:picLocks noChangeAspect="1"/>
-          </p:cNvPicPr>
-          <p:nvPr/>
-        </p:nvPicPr>
-        <p:blipFill>
-          <a:blip r:embed="rId2"/>
-          <a:stretch>
-            <a:fillRect/>
-          </a:stretch>
-        </p:blipFill>
-        <p:spPr>
-          <a:xfrm>
-            <a:off x="221381" y="2378983"/>
-            <a:ext cx="7555832" cy="4370896"/>
-          </a:xfrm>
-          <a:prstGeom prst="rect">
-            <a:avLst/>
-          </a:prstGeom>
-        </p:spPr>
-      </p:pic>
-      <p:sp>
-        <p:nvSpPr>
-          <p:cNvPr id="7" name="직사각형 6">
-            <a:extLst>
-              <a:ext uri="{FF2B5EF4-FFF2-40B4-BE49-F238E27FC236}">
-                <a16:creationId xmlns:a16="http://schemas.microsoft.com/office/drawing/2014/main" id="{ACF87A60-4379-A77C-F6B7-B2B7A8027736}"/>
-              </a:ext>
-            </a:extLst>
-          </p:cNvPr>
-          <p:cNvSpPr/>
-          <p:nvPr/>
-        </p:nvSpPr>
-        <p:spPr>
-          <a:xfrm>
-            <a:off x="6042015" y="3196349"/>
-            <a:ext cx="1619694" cy="567129"/>
-          </a:xfrm>
-          <a:prstGeom prst="rect">
-            <a:avLst/>
-          </a:prstGeom>
-          <a:noFill/>
-          <a:ln w="57150">
-            <a:solidFill>
-              <a:srgbClr val="C00000"/>
-            </a:solidFill>
-          </a:ln>
-        </p:spPr>
-        <p:style>
-          <a:lnRef idx="2">
-            <a:schemeClr val="accent1">
-              <a:shade val="15000"/>
-            </a:schemeClr>
-          </a:lnRef>
-          <a:fillRef idx="1">
-            <a:schemeClr val="accent1"/>
-          </a:fillRef>
-          <a:effectRef idx="0">
-            <a:schemeClr val="accent1"/>
-          </a:effectRef>
-          <a:fontRef idx="minor">
-            <a:schemeClr val="lt1"/>
-          </a:fontRef>
-        </p:style>
-        <p:txBody>
-          <a:bodyPr rtlCol="0" anchor="ctr"/>
-          <a:lstStyle/>
-          <a:p>
-            <a:pPr algn="ctr"/>
-            <a:endParaRPr lang="ko-KR" altLang="en-US"/>
-          </a:p>
-        </p:txBody>
-      </p:sp>
-      <p:cxnSp>
-        <p:nvCxnSpPr>
-          <p:cNvPr id="8" name="직선 화살표 연결선 7">
-            <a:extLst>
-              <a:ext uri="{FF2B5EF4-FFF2-40B4-BE49-F238E27FC236}">
-                <a16:creationId xmlns:a16="http://schemas.microsoft.com/office/drawing/2014/main" id="{18B29257-C931-6D47-5379-B0CAEE901686}"/>
-              </a:ext>
-            </a:extLst>
-          </p:cNvPr>
-          <p:cNvCxnSpPr>
-            <a:cxnSpLocks/>
-            <a:stCxn id="7" idx="0"/>
-            <a:endCxn id="14" idx="1"/>
-          </p:cNvCxnSpPr>
-          <p:nvPr/>
-        </p:nvCxnSpPr>
-        <p:spPr>
-          <a:xfrm flipV="1">
-            <a:off x="6851862" y="1217935"/>
-            <a:ext cx="598091" cy="1978414"/>
-          </a:xfrm>
-          <a:prstGeom prst="straightConnector1">
-            <a:avLst/>
-          </a:prstGeom>
-          <a:ln w="57150">
-            <a:solidFill>
-              <a:srgbClr val="C00000"/>
-            </a:solidFill>
-            <a:tailEnd type="triangle"/>
-          </a:ln>
-        </p:spPr>
-        <p:style>
-          <a:lnRef idx="1">
-            <a:schemeClr val="accent1"/>
-          </a:lnRef>
-          <a:fillRef idx="0">
-            <a:schemeClr val="accent1"/>
-          </a:fillRef>
-          <a:effectRef idx="0">
-            <a:schemeClr val="accent1"/>
-          </a:effectRef>
-          <a:fontRef idx="minor">
-            <a:schemeClr val="tx1"/>
-          </a:fontRef>
-        </p:style>
-      </p:cxnSp>
-      <p:sp>
-        <p:nvSpPr>
-          <p:cNvPr id="14" name="TextBox 13">
-            <a:extLst>
-              <a:ext uri="{FF2B5EF4-FFF2-40B4-BE49-F238E27FC236}">
-                <a16:creationId xmlns:a16="http://schemas.microsoft.com/office/drawing/2014/main" id="{A4269198-ED54-CB07-3458-3AA5120B82D5}"/>
-              </a:ext>
-            </a:extLst>
-          </p:cNvPr>
-          <p:cNvSpPr txBox="1"/>
-          <p:nvPr/>
-        </p:nvSpPr>
-        <p:spPr>
-          <a:xfrm>
-            <a:off x="7449953" y="340772"/>
-            <a:ext cx="4289661" cy="1754326"/>
-          </a:xfrm>
-          <a:prstGeom prst="rect">
-            <a:avLst/>
-          </a:prstGeom>
-          <a:noFill/>
-        </p:spPr>
-        <p:txBody>
-          <a:bodyPr wrap="square" rtlCol="0">
-            <a:spAutoFit/>
-          </a:bodyPr>
-          <a:lstStyle/>
-          <a:p>
-            <a:r>
-              <a:rPr lang="en-US" altLang="ko-KR" dirty="0"/>
-              <a:t>Git</a:t>
-            </a:r>
-            <a:r>
-              <a:rPr lang="ko-KR" altLang="en-US" dirty="0"/>
-              <a:t>에서 원하는 </a:t>
-            </a:r>
-            <a:r>
-              <a:rPr lang="en-US" altLang="ko-KR" dirty="0"/>
-              <a:t>Unity project</a:t>
-            </a:r>
-            <a:r>
-              <a:rPr lang="ko-KR" altLang="en-US" dirty="0"/>
-              <a:t>를 </a:t>
-            </a:r>
-            <a:endParaRPr lang="en-US" altLang="ko-KR" dirty="0"/>
-          </a:p>
-          <a:p>
-            <a:r>
-              <a:rPr lang="en-US" altLang="ko-KR" dirty="0"/>
-              <a:t>Clone repository </a:t>
-            </a:r>
-            <a:r>
-              <a:rPr lang="ko-KR" altLang="en-US" dirty="0"/>
-              <a:t>해서 파일 다운 후</a:t>
-            </a:r>
-            <a:endParaRPr lang="en-US" altLang="ko-KR" dirty="0"/>
-          </a:p>
-          <a:p>
-            <a:endParaRPr lang="en-US" altLang="ko-KR" dirty="0"/>
-          </a:p>
-          <a:p>
-            <a:r>
-              <a:rPr lang="en-US" altLang="ko-KR" dirty="0"/>
-              <a:t>Add -&gt; project from disk </a:t>
-            </a:r>
-            <a:r>
-              <a:rPr lang="ko-KR" altLang="en-US" dirty="0"/>
-              <a:t>해서 프로젝트 가져와서 사용</a:t>
-            </a:r>
-            <a:endParaRPr lang="en-US" altLang="ko-KR" dirty="0"/>
-          </a:p>
-          <a:p>
-            <a:endParaRPr lang="ko-KR" altLang="en-US" dirty="0"/>
-          </a:p>
-        </p:txBody>
-      </p:sp>
-    </p:spTree>
-    <p:extLst>
-      <p:ext uri="{BB962C8B-B14F-4D97-AF65-F5344CB8AC3E}">
-        <p14:creationId xmlns:p14="http://schemas.microsoft.com/office/powerpoint/2010/main" val="4266773211"/>
-      </p:ext>
-    </p:extLst>
-  </p:cSld>
-  <p:clrMapOvr>
-    <a:masterClrMapping/>
-  </p:clrMapOvr>
-</p:sld>
-</file>
-
-<file path=ppt/slides/slide2.xml><?xml version="1.0" encoding="utf-8"?>
-<p:sld xmlns:a="http://schemas.openxmlformats.org/drawingml/2006/main" xmlns:r="http://schemas.openxmlformats.org/officeDocument/2006/relationships" xmlns:p="http://schemas.openxmlformats.org/presentationml/2006/main">
-  <p:cSld>
-    <p:spTree>
-      <p:nvGrpSpPr>
-        <p:cNvPr id="1" name=""/>
-        <p:cNvGrpSpPr/>
-        <p:nvPr/>
-      </p:nvGrpSpPr>
-      <p:grpSpPr>
-        <a:xfrm>
-          <a:off x="0" y="0"/>
-          <a:ext cx="0" cy="0"/>
-          <a:chOff x="0" y="0"/>
-          <a:chExt cx="0" cy="0"/>
-        </a:xfrm>
-      </p:grpSpPr>
-      <p:sp>
-        <p:nvSpPr>
-          <p:cNvPr id="4" name="TextBox 3">
-            <a:extLst>
-              <a:ext uri="{FF2B5EF4-FFF2-40B4-BE49-F238E27FC236}">
-                <a16:creationId xmlns:a16="http://schemas.microsoft.com/office/drawing/2014/main" id="{5D9C82B9-A658-B182-0F45-76A46ED08CAF}"/>
-              </a:ext>
-            </a:extLst>
-          </p:cNvPr>
-          <p:cNvSpPr txBox="1"/>
-          <p:nvPr/>
-        </p:nvSpPr>
-        <p:spPr>
-          <a:xfrm>
-            <a:off x="235368" y="333390"/>
-            <a:ext cx="3003082" cy="646331"/>
-          </a:xfrm>
-          <a:prstGeom prst="rect">
-            <a:avLst/>
-          </a:prstGeom>
-          <a:noFill/>
-        </p:spPr>
-        <p:txBody>
-          <a:bodyPr wrap="square" rtlCol="0">
-            <a:spAutoFit/>
-          </a:bodyPr>
-          <a:lstStyle/>
-          <a:p>
-            <a:r>
-              <a:rPr lang="en-US" altLang="ko-KR" sz="3600" b="1" dirty="0">
-                <a:effectLst>
-                  <a:outerShdw blurRad="38100" dist="38100" dir="2700000" algn="tl">
-                    <a:srgbClr val="000000">
-                      <a:alpha val="43137"/>
-                    </a:srgbClr>
-                  </a:outerShdw>
-                </a:effectLst>
-              </a:rPr>
-              <a:t>STUDY </a:t>
-            </a:r>
-            <a:r>
-              <a:rPr lang="ko-KR" altLang="en-US" sz="3600" b="1" dirty="0">
-                <a:effectLst>
-                  <a:outerShdw blurRad="38100" dist="38100" dir="2700000" algn="tl">
-                    <a:srgbClr val="000000">
-                      <a:alpha val="43137"/>
-                    </a:srgbClr>
-                  </a:outerShdw>
-                </a:effectLst>
-              </a:rPr>
-              <a:t>목표</a:t>
-            </a:r>
-          </a:p>
-        </p:txBody>
-      </p:sp>
-      <p:sp>
-        <p:nvSpPr>
-          <p:cNvPr id="5" name="TextBox 4">
-            <a:extLst>
-              <a:ext uri="{FF2B5EF4-FFF2-40B4-BE49-F238E27FC236}">
-                <a16:creationId xmlns:a16="http://schemas.microsoft.com/office/drawing/2014/main" id="{143CB236-4102-BD95-31BF-0F7E4674A93E}"/>
-              </a:ext>
-            </a:extLst>
-          </p:cNvPr>
-          <p:cNvSpPr txBox="1"/>
-          <p:nvPr/>
-        </p:nvSpPr>
-        <p:spPr>
-          <a:xfrm>
-            <a:off x="424873" y="1302327"/>
-            <a:ext cx="10677236" cy="3139321"/>
-          </a:xfrm>
-          <a:prstGeom prst="rect">
-            <a:avLst/>
-          </a:prstGeom>
-          <a:noFill/>
-        </p:spPr>
-        <p:txBody>
-          <a:bodyPr wrap="square" rtlCol="0">
-            <a:spAutoFit/>
-          </a:bodyPr>
-          <a:lstStyle/>
-          <a:p>
-            <a:r>
-              <a:rPr lang="ko-KR" altLang="en-US" sz="3600" b="1" dirty="0">
-                <a:effectLst>
-                  <a:outerShdw blurRad="38100" dist="38100" dir="2700000" algn="tl">
-                    <a:srgbClr val="000000">
-                      <a:alpha val="43137"/>
-                    </a:srgbClr>
-                  </a:outerShdw>
-                </a:effectLst>
-              </a:rPr>
-              <a:t>게임</a:t>
-            </a:r>
-            <a:r>
-              <a:rPr lang="en-US" altLang="ko-KR" sz="3600" b="1" dirty="0">
-                <a:effectLst>
-                  <a:outerShdw blurRad="38100" dist="38100" dir="2700000" algn="tl">
-                    <a:srgbClr val="000000">
-                      <a:alpha val="43137"/>
-                    </a:srgbClr>
-                  </a:outerShdw>
-                </a:effectLst>
-              </a:rPr>
-              <a:t>_</a:t>
-            </a:r>
-            <a:r>
-              <a:rPr lang="ko-KR" altLang="en-US" sz="3600" b="1" dirty="0">
-                <a:effectLst>
-                  <a:outerShdw blurRad="38100" dist="38100" dir="2700000" algn="tl">
-                    <a:srgbClr val="000000">
-                      <a:alpha val="43137"/>
-                    </a:srgbClr>
-                  </a:outerShdw>
-                </a:effectLst>
-              </a:rPr>
-              <a:t>개발</a:t>
-            </a:r>
-            <a:r>
-              <a:rPr lang="en-US" altLang="ko-KR" sz="3600" b="1" dirty="0">
-                <a:effectLst>
-                  <a:outerShdw blurRad="38100" dist="38100" dir="2700000" algn="tl">
-                    <a:srgbClr val="000000">
-                      <a:alpha val="43137"/>
-                    </a:srgbClr>
-                  </a:outerShdw>
-                </a:effectLst>
-              </a:rPr>
-              <a:t>_Study </a:t>
-            </a:r>
-            <a:r>
-              <a:rPr lang="ko-KR" altLang="en-US" sz="3600" b="1" dirty="0">
-                <a:effectLst>
-                  <a:outerShdw blurRad="38100" dist="38100" dir="2700000" algn="tl">
-                    <a:srgbClr val="000000">
-                      <a:alpha val="43137"/>
-                    </a:srgbClr>
-                  </a:outerShdw>
-                </a:effectLst>
-              </a:rPr>
-              <a:t>목표는 스스로 게임을 </a:t>
-            </a:r>
-            <a:endParaRPr lang="en-US" altLang="ko-KR" sz="3600" b="1" dirty="0">
-              <a:effectLst>
-                <a:outerShdw blurRad="38100" dist="38100" dir="2700000" algn="tl">
-                  <a:srgbClr val="000000">
-                    <a:alpha val="43137"/>
-                  </a:srgbClr>
-                </a:outerShdw>
-              </a:effectLst>
-            </a:endParaRPr>
-          </a:p>
-          <a:p>
-            <a:r>
-              <a:rPr lang="ko-KR" altLang="en-US" sz="3600" b="1" dirty="0">
-                <a:effectLst>
-                  <a:outerShdw blurRad="38100" dist="38100" dir="2700000" algn="tl">
-                    <a:srgbClr val="000000">
-                      <a:alpha val="43137"/>
-                    </a:srgbClr>
-                  </a:outerShdw>
-                </a:effectLst>
-              </a:rPr>
-              <a:t>제작하는 것을 목표로 합니다</a:t>
-            </a:r>
-            <a:r>
-              <a:rPr lang="en-US" altLang="ko-KR" sz="3600" b="1" dirty="0">
-                <a:effectLst>
-                  <a:outerShdw blurRad="38100" dist="38100" dir="2700000" algn="tl">
-                    <a:srgbClr val="000000">
-                      <a:alpha val="43137"/>
-                    </a:srgbClr>
-                  </a:outerShdw>
-                </a:effectLst>
-              </a:rPr>
-              <a:t>.</a:t>
-            </a:r>
-          </a:p>
-          <a:p>
-            <a:endParaRPr lang="en-US" altLang="ko-KR" dirty="0"/>
-          </a:p>
-          <a:p>
-            <a:endParaRPr lang="en-US" altLang="ko-KR" dirty="0"/>
-          </a:p>
-          <a:p>
-            <a:r>
-              <a:rPr lang="ko-KR" altLang="en-US" dirty="0"/>
-              <a:t>하지만</a:t>
-            </a:r>
-            <a:r>
-              <a:rPr lang="en-US" altLang="ko-KR" dirty="0"/>
-              <a:t>, C#</a:t>
-            </a:r>
-            <a:r>
-              <a:rPr lang="ko-KR" altLang="en-US" dirty="0"/>
-              <a:t>과 </a:t>
-            </a:r>
-            <a:r>
-              <a:rPr lang="en-US" altLang="ko-KR" dirty="0"/>
-              <a:t>class</a:t>
-            </a:r>
-            <a:r>
-              <a:rPr lang="ko-KR" altLang="en-US" dirty="0"/>
-              <a:t>에 대한 개념은 따로 학습하지 않으며</a:t>
-            </a:r>
-            <a:r>
-              <a:rPr lang="en-US" altLang="ko-KR" dirty="0"/>
-              <a:t>, </a:t>
-            </a:r>
-            <a:r>
-              <a:rPr lang="ko-KR" altLang="en-US" dirty="0"/>
-              <a:t>오로지 </a:t>
-            </a:r>
-            <a:r>
-              <a:rPr lang="en-US" altLang="ko-KR" dirty="0"/>
-              <a:t>Unity Tool</a:t>
-            </a:r>
-            <a:r>
-              <a:rPr lang="ko-KR" altLang="en-US" dirty="0"/>
-              <a:t>를 다루는 것을 목적으로 </a:t>
-            </a:r>
-            <a:r>
-              <a:rPr lang="en-US" altLang="ko-KR" dirty="0"/>
-              <a:t>Study</a:t>
-            </a:r>
-            <a:r>
-              <a:rPr lang="ko-KR" altLang="en-US" dirty="0"/>
-              <a:t>를 진행할 예정입니다</a:t>
-            </a:r>
-            <a:r>
-              <a:rPr lang="en-US" altLang="ko-KR" dirty="0"/>
-              <a:t>!</a:t>
-            </a:r>
-          </a:p>
-          <a:p>
-            <a:endParaRPr lang="en-US" altLang="ko-KR" dirty="0"/>
-          </a:p>
-          <a:p>
-            <a:r>
-              <a:rPr lang="ko-KR" altLang="en-US" dirty="0"/>
-              <a:t>또한</a:t>
-            </a:r>
-            <a:r>
-              <a:rPr lang="en-US" altLang="ko-KR" dirty="0"/>
-              <a:t>, </a:t>
-            </a:r>
-            <a:r>
-              <a:rPr lang="ko-KR" altLang="en-US" dirty="0"/>
-              <a:t>간단하게 게임 개발을 할 때 필요한 개념들을 설명할 예정이며</a:t>
-            </a:r>
-            <a:r>
-              <a:rPr lang="en-US" altLang="ko-KR" dirty="0"/>
-              <a:t>, </a:t>
-            </a:r>
-            <a:r>
-              <a:rPr lang="ko-KR" altLang="en-US" dirty="0"/>
-              <a:t>내용 자체가 많지 않아 시간이 남을 경우</a:t>
-            </a:r>
-            <a:r>
-              <a:rPr lang="en-US" altLang="ko-KR" dirty="0"/>
-              <a:t>, </a:t>
-            </a:r>
-            <a:r>
-              <a:rPr lang="ko-KR" altLang="en-US" dirty="0"/>
-              <a:t>스스로 게임을 만들어보는 시간을 가질 예정입니다</a:t>
-            </a:r>
-            <a:r>
-              <a:rPr lang="en-US" altLang="ko-KR" dirty="0"/>
-              <a:t>.</a:t>
-            </a:r>
-            <a:endParaRPr lang="ko-KR" altLang="en-US" dirty="0"/>
-          </a:p>
-        </p:txBody>
-      </p:sp>
-    </p:spTree>
-    <p:extLst>
-      <p:ext uri="{BB962C8B-B14F-4D97-AF65-F5344CB8AC3E}">
-        <p14:creationId xmlns:p14="http://schemas.microsoft.com/office/powerpoint/2010/main" val="1460768772"/>
-      </p:ext>
-    </p:extLst>
-  </p:cSld>
-  <p:clrMapOvr>
-    <a:masterClrMapping/>
-  </p:clrMapOvr>
-</p:sld>
-</file>
-
-<file path=ppt/slides/slide3.xml><?xml version="1.0" encoding="utf-8"?>
-<p:sld xmlns:a="http://schemas.openxmlformats.org/drawingml/2006/main" xmlns:r="http://schemas.openxmlformats.org/officeDocument/2006/relationships" xmlns:p="http://schemas.openxmlformats.org/presentationml/2006/main">
-  <p:cSld>
-    <p:spTree>
-      <p:nvGrpSpPr>
-        <p:cNvPr id="1" name=""/>
-        <p:cNvGrpSpPr/>
-        <p:nvPr/>
-      </p:nvGrpSpPr>
-      <p:grpSpPr>
-        <a:xfrm>
-          <a:off x="0" y="0"/>
-          <a:ext cx="0" cy="0"/>
-          <a:chOff x="0" y="0"/>
-          <a:chExt cx="0" cy="0"/>
-        </a:xfrm>
-      </p:grpSpPr>
-      <p:sp>
-        <p:nvSpPr>
-          <p:cNvPr id="4" name="TextBox 3">
-            <a:extLst>
-              <a:ext uri="{FF2B5EF4-FFF2-40B4-BE49-F238E27FC236}">
-                <a16:creationId xmlns:a16="http://schemas.microsoft.com/office/drawing/2014/main" id="{F8B5777B-E004-BCA9-F50E-39176B83ACDB}"/>
-              </a:ext>
-            </a:extLst>
-          </p:cNvPr>
-          <p:cNvSpPr txBox="1"/>
-          <p:nvPr/>
-        </p:nvSpPr>
-        <p:spPr>
-          <a:xfrm>
-            <a:off x="517237" y="581829"/>
-            <a:ext cx="2410691" cy="400110"/>
-          </a:xfrm>
-          <a:prstGeom prst="rect">
-            <a:avLst/>
-          </a:prstGeom>
-          <a:noFill/>
-        </p:spPr>
-        <p:txBody>
-          <a:bodyPr wrap="square" rtlCol="0">
-            <a:spAutoFit/>
-          </a:bodyPr>
-          <a:lstStyle/>
-          <a:p>
-            <a:r>
-              <a:rPr lang="en-US" altLang="ko-KR" sz="2000" b="1" dirty="0"/>
-              <a:t>Study </a:t>
-            </a:r>
-            <a:r>
-              <a:rPr lang="ko-KR" altLang="en-US" sz="2000" b="1" dirty="0"/>
-              <a:t>일정</a:t>
-            </a:r>
-            <a:r>
-              <a:rPr lang="en-US" altLang="ko-KR" sz="2000" b="1" dirty="0"/>
-              <a:t>1</a:t>
-            </a:r>
-            <a:endParaRPr lang="ko-KR" altLang="en-US" sz="2000" b="1" dirty="0"/>
-          </a:p>
-        </p:txBody>
-      </p:sp>
-      <p:sp>
-        <p:nvSpPr>
-          <p:cNvPr id="5" name="TextBox 4">
-            <a:extLst>
-              <a:ext uri="{FF2B5EF4-FFF2-40B4-BE49-F238E27FC236}">
-                <a16:creationId xmlns:a16="http://schemas.microsoft.com/office/drawing/2014/main" id="{E3A9EA3A-D716-35CE-8ADB-0C3156A1AEA3}"/>
-              </a:ext>
-            </a:extLst>
-          </p:cNvPr>
-          <p:cNvSpPr txBox="1"/>
-          <p:nvPr/>
-        </p:nvSpPr>
-        <p:spPr>
-          <a:xfrm>
-            <a:off x="609600" y="1191491"/>
-            <a:ext cx="10464800" cy="3970318"/>
-          </a:xfrm>
-          <a:prstGeom prst="rect">
-            <a:avLst/>
-          </a:prstGeom>
-          <a:noFill/>
-        </p:spPr>
-        <p:txBody>
-          <a:bodyPr wrap="square" rtlCol="0">
-            <a:spAutoFit/>
-          </a:bodyPr>
-          <a:lstStyle/>
-          <a:p>
-            <a:r>
-              <a:rPr lang="en-US" altLang="ko-KR" b="1" dirty="0"/>
-              <a:t>1</a:t>
-            </a:r>
-            <a:r>
-              <a:rPr lang="ko-KR" altLang="en-US" b="1" dirty="0"/>
-              <a:t>주차</a:t>
-            </a:r>
-            <a:r>
-              <a:rPr lang="en-US" altLang="ko-KR" b="1" dirty="0"/>
-              <a:t>: </a:t>
-            </a:r>
-            <a:r>
-              <a:rPr lang="en-US" altLang="ko-KR" dirty="0"/>
-              <a:t>OT </a:t>
-            </a:r>
-            <a:r>
-              <a:rPr lang="ko-KR" altLang="en-US" dirty="0"/>
-              <a:t>및 게임 기획</a:t>
-            </a:r>
-            <a:r>
-              <a:rPr lang="en-US" altLang="ko-KR" dirty="0"/>
-              <a:t>, Unity </a:t>
-            </a:r>
-            <a:r>
-              <a:rPr lang="ko-KR" altLang="en-US" dirty="0"/>
-              <a:t>설치 및 설정</a:t>
-            </a:r>
-            <a:endParaRPr lang="en-US" altLang="ko-KR" dirty="0"/>
-          </a:p>
-          <a:p>
-            <a:r>
-              <a:rPr lang="en-US" altLang="ko-KR" b="1" dirty="0">
-                <a:sym typeface="Wingdings" panose="05000000000000000000" pitchFamily="2" charset="2"/>
-              </a:rPr>
-              <a:t> </a:t>
-            </a:r>
-            <a:r>
-              <a:rPr lang="en-US" altLang="ko-KR" dirty="0">
-                <a:sym typeface="Wingdings" panose="05000000000000000000" pitchFamily="2" charset="2"/>
-              </a:rPr>
-              <a:t>Study</a:t>
-            </a:r>
-            <a:r>
-              <a:rPr lang="ko-KR" altLang="en-US" dirty="0">
-                <a:sym typeface="Wingdings" panose="05000000000000000000" pitchFamily="2" charset="2"/>
-              </a:rPr>
-              <a:t>의 목표와 일정 설명 및 </a:t>
-            </a:r>
-            <a:endParaRPr lang="en-US" altLang="ko-KR" b="1" dirty="0"/>
-          </a:p>
-          <a:p>
-            <a:endParaRPr lang="en-US" altLang="ko-KR" b="1" dirty="0"/>
-          </a:p>
-          <a:p>
-            <a:r>
-              <a:rPr lang="en-US" altLang="ko-KR" b="1" dirty="0"/>
-              <a:t>2</a:t>
-            </a:r>
-            <a:r>
-              <a:rPr lang="ko-KR" altLang="en-US" b="1" dirty="0"/>
-              <a:t>주차</a:t>
-            </a:r>
-            <a:r>
-              <a:rPr lang="en-US" altLang="ko-KR" dirty="0"/>
-              <a:t>: </a:t>
-            </a:r>
-            <a:r>
-              <a:rPr lang="ko-KR" altLang="en-US" dirty="0"/>
-              <a:t>기본 게임 </a:t>
-            </a:r>
-            <a:r>
-              <a:rPr lang="en-US" altLang="ko-KR" dirty="0"/>
-              <a:t>object</a:t>
-            </a:r>
-            <a:r>
-              <a:rPr lang="ko-KR" altLang="en-US" dirty="0"/>
-              <a:t>의 요소</a:t>
-            </a:r>
-            <a:r>
-              <a:rPr lang="en-US" altLang="ko-KR" dirty="0"/>
-              <a:t>1 – object </a:t>
-            </a:r>
-            <a:r>
-              <a:rPr lang="ko-KR" altLang="en-US" dirty="0"/>
-              <a:t>움직임</a:t>
-            </a:r>
-            <a:endParaRPr lang="en-US" altLang="ko-KR" dirty="0"/>
-          </a:p>
-          <a:p>
-            <a:r>
-              <a:rPr lang="en-US" altLang="ko-KR" dirty="0">
-                <a:sym typeface="Wingdings" panose="05000000000000000000" pitchFamily="2" charset="2"/>
-              </a:rPr>
-              <a:t></a:t>
-            </a:r>
-            <a:r>
-              <a:rPr lang="en-US" altLang="ko-KR" dirty="0"/>
-              <a:t>Scripts </a:t>
-            </a:r>
-            <a:r>
-              <a:rPr lang="ko-KR" altLang="en-US" dirty="0"/>
-              <a:t>및 </a:t>
-            </a:r>
-            <a:r>
-              <a:rPr lang="en-US" altLang="ko-KR" dirty="0"/>
-              <a:t>object</a:t>
-            </a:r>
-            <a:r>
-              <a:rPr lang="ko-KR" altLang="en-US" dirty="0"/>
-              <a:t>의 제작 방법 및 </a:t>
-            </a:r>
-            <a:r>
-              <a:rPr lang="en-US" altLang="ko-KR" dirty="0"/>
-              <a:t>Unity</a:t>
-            </a:r>
-            <a:r>
-              <a:rPr lang="ko-KR" altLang="en-US" dirty="0"/>
-              <a:t>에서 가장 많이 사용하는 </a:t>
-            </a:r>
-            <a:r>
-              <a:rPr lang="en-US" altLang="ko-KR" dirty="0"/>
-              <a:t>Mono </a:t>
-            </a:r>
-            <a:r>
-              <a:rPr lang="en-US" altLang="ko-KR" dirty="0" err="1"/>
-              <a:t>Behaviour</a:t>
-            </a:r>
-            <a:r>
-              <a:rPr lang="ko-KR" altLang="en-US" dirty="0"/>
-              <a:t>에 대해 설명하고</a:t>
-            </a:r>
-            <a:endParaRPr lang="en-US" altLang="ko-KR" dirty="0"/>
-          </a:p>
-          <a:p>
-            <a:r>
-              <a:rPr lang="en-US" altLang="ko-KR" dirty="0"/>
-              <a:t>	Rigid Body </a:t>
-            </a:r>
-            <a:r>
-              <a:rPr lang="ko-KR" altLang="en-US" dirty="0"/>
-              <a:t>와 </a:t>
-            </a:r>
-            <a:r>
-              <a:rPr lang="en-US" altLang="ko-KR" dirty="0"/>
-              <a:t>Collider </a:t>
-            </a:r>
-            <a:r>
-              <a:rPr lang="ko-KR" altLang="en-US" dirty="0"/>
-              <a:t>등을 이용한 </a:t>
-            </a:r>
-            <a:r>
-              <a:rPr lang="ko-KR" altLang="en-US" b="1" dirty="0">
-                <a:highlight>
-                  <a:srgbClr val="FFFF00"/>
-                </a:highlight>
-              </a:rPr>
-              <a:t>충돌 제어 </a:t>
-            </a:r>
-            <a:r>
-              <a:rPr lang="ko-KR" altLang="en-US" dirty="0"/>
-              <a:t>및 </a:t>
-            </a:r>
-            <a:r>
-              <a:rPr lang="ko-KR" altLang="en-US" b="1" dirty="0">
-                <a:highlight>
-                  <a:srgbClr val="FFFF00"/>
-                </a:highlight>
-              </a:rPr>
-              <a:t>움직임 제어</a:t>
-            </a:r>
-            <a:endParaRPr lang="en-US" altLang="ko-KR" b="1" dirty="0">
-              <a:highlight>
-                <a:srgbClr val="FFFF00"/>
-              </a:highlight>
-            </a:endParaRPr>
-          </a:p>
-          <a:p>
-            <a:r>
-              <a:rPr lang="en-US" altLang="ko-KR" dirty="0"/>
-              <a:t> </a:t>
-            </a:r>
-          </a:p>
-          <a:p>
-            <a:r>
-              <a:rPr lang="en-US" altLang="ko-KR" b="1" dirty="0"/>
-              <a:t>3</a:t>
-            </a:r>
-            <a:r>
-              <a:rPr lang="ko-KR" altLang="en-US" b="1" dirty="0"/>
-              <a:t>주차 </a:t>
-            </a:r>
-            <a:r>
-              <a:rPr lang="en-US" altLang="ko-KR" dirty="0"/>
-              <a:t>: </a:t>
-            </a:r>
-            <a:r>
-              <a:rPr lang="ko-KR" altLang="en-US" dirty="0"/>
-              <a:t>기본 게임 </a:t>
-            </a:r>
-            <a:r>
-              <a:rPr lang="en-US" altLang="ko-KR" dirty="0"/>
-              <a:t>Object</a:t>
-            </a:r>
-            <a:r>
-              <a:rPr lang="ko-KR" altLang="en-US" dirty="0"/>
-              <a:t>의</a:t>
-            </a:r>
-            <a:r>
-              <a:rPr lang="en-US" altLang="ko-KR" dirty="0"/>
-              <a:t> </a:t>
-            </a:r>
-            <a:r>
-              <a:rPr lang="ko-KR" altLang="en-US" dirty="0"/>
-              <a:t>요소</a:t>
-            </a:r>
-            <a:r>
-              <a:rPr lang="en-US" altLang="ko-KR" dirty="0"/>
-              <a:t>2 – image </a:t>
-            </a:r>
-            <a:r>
-              <a:rPr lang="ko-KR" altLang="en-US" dirty="0"/>
-              <a:t>움직임</a:t>
-            </a:r>
-            <a:endParaRPr lang="en-US" altLang="ko-KR" dirty="0"/>
-          </a:p>
-          <a:p>
-            <a:pPr marL="285750" indent="-285750">
-              <a:buFont typeface="Wingdings" panose="05000000000000000000" pitchFamily="2" charset="2"/>
-              <a:buChar char="à"/>
-            </a:pPr>
-            <a:r>
-              <a:rPr lang="en-US" altLang="ko-KR" dirty="0">
-                <a:sym typeface="Wingdings" panose="05000000000000000000" pitchFamily="2" charset="2"/>
-              </a:rPr>
-              <a:t>Prefabs </a:t>
-            </a:r>
-            <a:r>
-              <a:rPr lang="ko-KR" altLang="en-US" dirty="0">
-                <a:sym typeface="Wingdings" panose="05000000000000000000" pitchFamily="2" charset="2"/>
-              </a:rPr>
-              <a:t>사용하여 </a:t>
-            </a:r>
-            <a:r>
-              <a:rPr lang="en-US" altLang="ko-KR" dirty="0">
-                <a:sym typeface="Wingdings" panose="05000000000000000000" pitchFamily="2" charset="2"/>
-              </a:rPr>
-              <a:t> </a:t>
-            </a:r>
-            <a:r>
-              <a:rPr lang="ko-KR" altLang="en-US" b="1" dirty="0">
-                <a:highlight>
-                  <a:srgbClr val="FFFF00"/>
-                </a:highlight>
-                <a:sym typeface="Wingdings" panose="05000000000000000000" pitchFamily="2" charset="2"/>
-              </a:rPr>
-              <a:t>재사용 가능</a:t>
-            </a:r>
-            <a:r>
-              <a:rPr lang="ko-KR" altLang="en-US" dirty="0">
-                <a:sym typeface="Wingdings" panose="05000000000000000000" pitchFamily="2" charset="2"/>
-              </a:rPr>
-              <a:t>한 </a:t>
-            </a:r>
-            <a:r>
-              <a:rPr lang="en-US" altLang="ko-KR" dirty="0">
-                <a:sym typeface="Wingdings" panose="05000000000000000000" pitchFamily="2" charset="2"/>
-              </a:rPr>
-              <a:t>Object </a:t>
-            </a:r>
-            <a:r>
-              <a:rPr lang="ko-KR" altLang="en-US" dirty="0">
-                <a:sym typeface="Wingdings" panose="05000000000000000000" pitchFamily="2" charset="2"/>
-              </a:rPr>
-              <a:t>제작하고</a:t>
-            </a:r>
-            <a:r>
-              <a:rPr lang="en-US" altLang="ko-KR" dirty="0">
-                <a:sym typeface="Wingdings" panose="05000000000000000000" pitchFamily="2" charset="2"/>
-              </a:rPr>
-              <a:t>, Sprite Render, Animation &amp; Animator</a:t>
-            </a:r>
-            <a:r>
-              <a:rPr lang="ko-KR" altLang="en-US" dirty="0">
-                <a:sym typeface="Wingdings" panose="05000000000000000000" pitchFamily="2" charset="2"/>
-              </a:rPr>
-              <a:t>를 </a:t>
-            </a:r>
-            <a:endParaRPr lang="en-US" altLang="ko-KR" dirty="0">
-              <a:sym typeface="Wingdings" panose="05000000000000000000" pitchFamily="2" charset="2"/>
-            </a:endParaRPr>
-          </a:p>
-          <a:p>
-            <a:r>
-              <a:rPr lang="en-US" altLang="ko-KR" dirty="0">
-                <a:sym typeface="Wingdings" panose="05000000000000000000" pitchFamily="2" charset="2"/>
-              </a:rPr>
-              <a:t>	</a:t>
-            </a:r>
-            <a:r>
-              <a:rPr lang="ko-KR" altLang="en-US" dirty="0">
-                <a:sym typeface="Wingdings" panose="05000000000000000000" pitchFamily="2" charset="2"/>
-              </a:rPr>
-              <a:t>사용하여 </a:t>
-            </a:r>
-            <a:r>
-              <a:rPr lang="en-US" altLang="ko-KR" dirty="0">
-                <a:sym typeface="Wingdings" panose="05000000000000000000" pitchFamily="2" charset="2"/>
-              </a:rPr>
-              <a:t>Object </a:t>
-            </a:r>
-            <a:r>
-              <a:rPr lang="ko-KR" altLang="en-US" dirty="0">
-                <a:sym typeface="Wingdings" panose="05000000000000000000" pitchFamily="2" charset="2"/>
-              </a:rPr>
-              <a:t>이미지 </a:t>
-            </a:r>
-            <a:r>
-              <a:rPr lang="ko-KR" altLang="en-US" b="1" dirty="0">
-                <a:highlight>
-                  <a:srgbClr val="FFFF00"/>
-                </a:highlight>
-                <a:sym typeface="Wingdings" panose="05000000000000000000" pitchFamily="2" charset="2"/>
-              </a:rPr>
-              <a:t>움직임 제어</a:t>
-            </a:r>
-            <a:r>
-              <a:rPr lang="en-US" altLang="ko-KR" b="1" dirty="0">
-                <a:highlight>
-                  <a:srgbClr val="FFFF00"/>
-                </a:highlight>
-                <a:sym typeface="Wingdings" panose="05000000000000000000" pitchFamily="2" charset="2"/>
-              </a:rPr>
-              <a:t> </a:t>
-            </a:r>
-            <a:r>
-              <a:rPr lang="ko-KR" altLang="en-US" dirty="0">
-                <a:sym typeface="Wingdings" panose="05000000000000000000" pitchFamily="2" charset="2"/>
-              </a:rPr>
-              <a:t>및 </a:t>
-            </a:r>
-            <a:r>
-              <a:rPr lang="en-US" altLang="ko-KR" dirty="0">
-                <a:sym typeface="Wingdings" panose="05000000000000000000" pitchFamily="2" charset="2"/>
-              </a:rPr>
-              <a:t>Audio Source</a:t>
-            </a:r>
-            <a:r>
-              <a:rPr lang="ko-KR" altLang="en-US" dirty="0">
-                <a:sym typeface="Wingdings" panose="05000000000000000000" pitchFamily="2" charset="2"/>
-              </a:rPr>
-              <a:t>를 이용하여 </a:t>
-            </a:r>
-            <a:r>
-              <a:rPr lang="ko-KR" altLang="en-US" b="1" dirty="0">
-                <a:highlight>
-                  <a:srgbClr val="FFFF00"/>
-                </a:highlight>
-                <a:sym typeface="Wingdings" panose="05000000000000000000" pitchFamily="2" charset="2"/>
-              </a:rPr>
-              <a:t>사운드 제어</a:t>
-            </a:r>
-            <a:endParaRPr lang="en-US" altLang="ko-KR" b="1" dirty="0">
-              <a:highlight>
-                <a:srgbClr val="FFFF00"/>
-              </a:highlight>
-              <a:sym typeface="Wingdings" panose="05000000000000000000" pitchFamily="2" charset="2"/>
-            </a:endParaRPr>
-          </a:p>
-          <a:p>
-            <a:endParaRPr lang="en-US" altLang="ko-KR" dirty="0">
-              <a:sym typeface="Wingdings" panose="05000000000000000000" pitchFamily="2" charset="2"/>
-            </a:endParaRPr>
-          </a:p>
-          <a:p>
-            <a:r>
-              <a:rPr lang="en-US" altLang="ko-KR" b="1" dirty="0">
-                <a:sym typeface="Wingdings" panose="05000000000000000000" pitchFamily="2" charset="2"/>
-              </a:rPr>
-              <a:t>4</a:t>
-            </a:r>
-            <a:r>
-              <a:rPr lang="ko-KR" altLang="en-US" b="1" dirty="0">
-                <a:sym typeface="Wingdings" panose="05000000000000000000" pitchFamily="2" charset="2"/>
-              </a:rPr>
-              <a:t>주차 </a:t>
-            </a:r>
-            <a:r>
-              <a:rPr lang="en-US" altLang="ko-KR" dirty="0">
-                <a:sym typeface="Wingdings" panose="05000000000000000000" pitchFamily="2" charset="2"/>
-              </a:rPr>
-              <a:t>:  Ui </a:t>
-            </a:r>
-            <a:r>
-              <a:rPr lang="ko-KR" altLang="en-US" dirty="0">
-                <a:sym typeface="Wingdings" panose="05000000000000000000" pitchFamily="2" charset="2"/>
-              </a:rPr>
-              <a:t>기본 요소</a:t>
-            </a:r>
-            <a:endParaRPr lang="en-US" altLang="ko-KR" dirty="0">
-              <a:sym typeface="Wingdings" panose="05000000000000000000" pitchFamily="2" charset="2"/>
-            </a:endParaRPr>
-          </a:p>
-          <a:p>
-            <a:pPr marL="285750" indent="-285750">
-              <a:buFont typeface="Wingdings" panose="05000000000000000000" pitchFamily="2" charset="2"/>
-              <a:buChar char="à"/>
-            </a:pPr>
-            <a:r>
-              <a:rPr lang="en-US" altLang="ko-KR" dirty="0">
-                <a:sym typeface="Wingdings" panose="05000000000000000000" pitchFamily="2" charset="2"/>
-              </a:rPr>
-              <a:t>Canvas</a:t>
-            </a:r>
-            <a:r>
-              <a:rPr lang="ko-KR" altLang="en-US" dirty="0">
-                <a:sym typeface="Wingdings" panose="05000000000000000000" pitchFamily="2" charset="2"/>
-              </a:rPr>
-              <a:t>에서 </a:t>
-            </a:r>
-            <a:r>
-              <a:rPr lang="en-US" altLang="ko-KR" dirty="0">
-                <a:sym typeface="Wingdings" panose="05000000000000000000" pitchFamily="2" charset="2"/>
-              </a:rPr>
-              <a:t>UI</a:t>
-            </a:r>
-            <a:r>
-              <a:rPr lang="ko-KR" altLang="en-US" dirty="0">
-                <a:sym typeface="Wingdings" panose="05000000000000000000" pitchFamily="2" charset="2"/>
-              </a:rPr>
-              <a:t>인 요소들</a:t>
-            </a:r>
-            <a:r>
-              <a:rPr lang="en-US" altLang="ko-KR" dirty="0">
-                <a:sym typeface="Wingdings" panose="05000000000000000000" pitchFamily="2" charset="2"/>
-              </a:rPr>
-              <a:t>(UI</a:t>
-            </a:r>
-            <a:r>
-              <a:rPr lang="ko-KR" altLang="en-US" dirty="0">
-                <a:sym typeface="Wingdings" panose="05000000000000000000" pitchFamily="2" charset="2"/>
-              </a:rPr>
-              <a:t> </a:t>
-            </a:r>
-            <a:r>
-              <a:rPr lang="en-US" altLang="ko-KR" dirty="0">
-                <a:sym typeface="Wingdings" panose="05000000000000000000" pitchFamily="2" charset="2"/>
-              </a:rPr>
-              <a:t>Image, Button, Slider)</a:t>
-            </a:r>
-            <a:r>
-              <a:rPr lang="ko-KR" altLang="en-US" dirty="0">
-                <a:sym typeface="Wingdings" panose="05000000000000000000" pitchFamily="2" charset="2"/>
-              </a:rPr>
-              <a:t>를 제작하여 </a:t>
-            </a:r>
-            <a:r>
-              <a:rPr lang="en-US" altLang="ko-KR" b="1" dirty="0">
-                <a:highlight>
-                  <a:srgbClr val="FFFF00"/>
-                </a:highlight>
-                <a:sym typeface="Wingdings" panose="05000000000000000000" pitchFamily="2" charset="2"/>
-              </a:rPr>
-              <a:t>UI </a:t>
-            </a:r>
-            <a:r>
-              <a:rPr lang="ko-KR" altLang="en-US" b="1" dirty="0">
-                <a:highlight>
-                  <a:srgbClr val="FFFF00"/>
-                </a:highlight>
-                <a:sym typeface="Wingdings" panose="05000000000000000000" pitchFamily="2" charset="2"/>
-              </a:rPr>
-              <a:t>기능 구현</a:t>
-            </a:r>
-            <a:endParaRPr lang="en-US" altLang="ko-KR" b="1" dirty="0">
-              <a:highlight>
-                <a:srgbClr val="FFFF00"/>
-              </a:highlight>
-              <a:sym typeface="Wingdings" panose="05000000000000000000" pitchFamily="2" charset="2"/>
-            </a:endParaRPr>
-          </a:p>
-          <a:p>
-            <a:r>
-              <a:rPr lang="ko-KR" altLang="en-US" dirty="0">
-                <a:sym typeface="Wingdings" panose="05000000000000000000" pitchFamily="2" charset="2"/>
-              </a:rPr>
-              <a:t> </a:t>
-            </a:r>
-            <a:endParaRPr lang="ko-KR" altLang="en-US" dirty="0"/>
-          </a:p>
-        </p:txBody>
-      </p:sp>
-    </p:spTree>
-    <p:extLst>
-      <p:ext uri="{BB962C8B-B14F-4D97-AF65-F5344CB8AC3E}">
-        <p14:creationId xmlns:p14="http://schemas.microsoft.com/office/powerpoint/2010/main" val="4180307804"/>
-      </p:ext>
-    </p:extLst>
-  </p:cSld>
-  <p:clrMapOvr>
-    <a:masterClrMapping/>
-  </p:clrMapOvr>
-</p:sld>
-</file>
-
-<file path=ppt/slides/slide4.xml><?xml version="1.0" encoding="utf-8"?>
-<p:sld xmlns:a="http://schemas.openxmlformats.org/drawingml/2006/main" xmlns:r="http://schemas.openxmlformats.org/officeDocument/2006/relationships" xmlns:p="http://schemas.openxmlformats.org/presentationml/2006/main">
-  <p:cSld>
-    <p:spTree>
-      <p:nvGrpSpPr>
-        <p:cNvPr id="1" name=""/>
-        <p:cNvGrpSpPr/>
-        <p:nvPr/>
-      </p:nvGrpSpPr>
-      <p:grpSpPr>
-        <a:xfrm>
-          <a:off x="0" y="0"/>
-          <a:ext cx="0" cy="0"/>
-          <a:chOff x="0" y="0"/>
-          <a:chExt cx="0" cy="0"/>
-        </a:xfrm>
-      </p:grpSpPr>
-      <p:sp>
-        <p:nvSpPr>
-          <p:cNvPr id="4" name="TextBox 3">
-            <a:extLst>
-              <a:ext uri="{FF2B5EF4-FFF2-40B4-BE49-F238E27FC236}">
-                <a16:creationId xmlns:a16="http://schemas.microsoft.com/office/drawing/2014/main" id="{2A836563-F64B-37C1-87FC-30B3CC60DFA7}"/>
-              </a:ext>
-            </a:extLst>
-          </p:cNvPr>
-          <p:cNvSpPr txBox="1"/>
-          <p:nvPr/>
-        </p:nvSpPr>
-        <p:spPr>
-          <a:xfrm>
-            <a:off x="517237" y="581829"/>
-            <a:ext cx="2410691" cy="400110"/>
-          </a:xfrm>
-          <a:prstGeom prst="rect">
-            <a:avLst/>
-          </a:prstGeom>
-          <a:noFill/>
-        </p:spPr>
-        <p:txBody>
-          <a:bodyPr wrap="square" rtlCol="0">
-            <a:spAutoFit/>
-          </a:bodyPr>
-          <a:lstStyle/>
-          <a:p>
-            <a:r>
-              <a:rPr lang="en-US" altLang="ko-KR" sz="2000" b="1" dirty="0"/>
-              <a:t>Study </a:t>
-            </a:r>
-            <a:r>
-              <a:rPr lang="ko-KR" altLang="en-US" sz="2000" b="1" dirty="0"/>
-              <a:t>일정</a:t>
-            </a:r>
-            <a:r>
-              <a:rPr lang="en-US" altLang="ko-KR" sz="2000" b="1" dirty="0"/>
-              <a:t>2</a:t>
-            </a:r>
-            <a:endParaRPr lang="ko-KR" altLang="en-US" sz="2000" b="1" dirty="0"/>
-          </a:p>
-        </p:txBody>
-      </p:sp>
-      <p:sp>
-        <p:nvSpPr>
-          <p:cNvPr id="5" name="TextBox 4">
-            <a:extLst>
-              <a:ext uri="{FF2B5EF4-FFF2-40B4-BE49-F238E27FC236}">
-                <a16:creationId xmlns:a16="http://schemas.microsoft.com/office/drawing/2014/main" id="{5F32D812-D147-DEDD-57F9-9AA5EDDD2659}"/>
-              </a:ext>
-            </a:extLst>
-          </p:cNvPr>
-          <p:cNvSpPr txBox="1"/>
-          <p:nvPr/>
-        </p:nvSpPr>
-        <p:spPr>
-          <a:xfrm>
-            <a:off x="609600" y="1191491"/>
-            <a:ext cx="10464800" cy="923330"/>
-          </a:xfrm>
-          <a:prstGeom prst="rect">
-            <a:avLst/>
-          </a:prstGeom>
-          <a:noFill/>
-        </p:spPr>
-        <p:txBody>
-          <a:bodyPr wrap="square" rtlCol="0">
-            <a:spAutoFit/>
-          </a:bodyPr>
-          <a:lstStyle/>
-          <a:p>
-            <a:r>
-              <a:rPr lang="en-US" altLang="ko-KR" b="1" dirty="0"/>
-              <a:t>5</a:t>
-            </a:r>
-            <a:r>
-              <a:rPr lang="ko-KR" altLang="en-US" b="1" dirty="0"/>
-              <a:t>주차 </a:t>
-            </a:r>
-            <a:r>
-              <a:rPr lang="en-US" altLang="ko-KR" b="1" dirty="0"/>
-              <a:t>: </a:t>
-            </a:r>
-            <a:r>
-              <a:rPr lang="en-US" altLang="ko-KR" dirty="0"/>
-              <a:t>Save </a:t>
-            </a:r>
-            <a:r>
-              <a:rPr lang="ko-KR" altLang="en-US" dirty="0"/>
-              <a:t>파일에 관련한 요소 및 </a:t>
-            </a:r>
-            <a:r>
-              <a:rPr lang="en-US" altLang="ko-KR" dirty="0"/>
-              <a:t>Photon </a:t>
-            </a:r>
-            <a:r>
-              <a:rPr lang="ko-KR" altLang="en-US" dirty="0"/>
-              <a:t>서버를 이용한 멀티요소 추가</a:t>
-            </a:r>
-            <a:endParaRPr lang="en-US" altLang="ko-KR" dirty="0"/>
-          </a:p>
-          <a:p>
-            <a:pPr marL="285750" indent="-285750">
-              <a:buFont typeface="Wingdings" panose="05000000000000000000" pitchFamily="2" charset="2"/>
-              <a:buChar char="à"/>
-            </a:pPr>
-            <a:r>
-              <a:rPr lang="en-US" altLang="ko-KR" dirty="0">
-                <a:sym typeface="Wingdings" panose="05000000000000000000" pitchFamily="2" charset="2"/>
-              </a:rPr>
-              <a:t>Json </a:t>
-            </a:r>
-            <a:r>
-              <a:rPr lang="ko-KR" altLang="en-US" dirty="0">
-                <a:sym typeface="Wingdings" panose="05000000000000000000" pitchFamily="2" charset="2"/>
-              </a:rPr>
-              <a:t>파일 사용 또는 </a:t>
-            </a:r>
-            <a:r>
-              <a:rPr lang="en-US" altLang="ko-KR" dirty="0" err="1">
-                <a:sym typeface="Wingdings" panose="05000000000000000000" pitchFamily="2" charset="2"/>
-              </a:rPr>
-              <a:t>PlayerPrefabs</a:t>
-            </a:r>
-            <a:r>
-              <a:rPr lang="ko-KR" altLang="en-US" dirty="0">
-                <a:sym typeface="Wingdings" panose="05000000000000000000" pitchFamily="2" charset="2"/>
-              </a:rPr>
-              <a:t>를 이용한 </a:t>
-            </a:r>
-            <a:r>
-              <a:rPr lang="ko-KR" altLang="en-US" b="1" dirty="0">
-                <a:highlight>
-                  <a:srgbClr val="FFFF00"/>
-                </a:highlight>
-                <a:sym typeface="Wingdings" panose="05000000000000000000" pitchFamily="2" charset="2"/>
-              </a:rPr>
-              <a:t>세이브 파일 제작 </a:t>
-            </a:r>
-            <a:endParaRPr lang="en-US" altLang="ko-KR" b="1" dirty="0">
-              <a:highlight>
-                <a:srgbClr val="FFFF00"/>
-              </a:highlight>
-              <a:sym typeface="Wingdings" panose="05000000000000000000" pitchFamily="2" charset="2"/>
-            </a:endParaRPr>
-          </a:p>
-          <a:p>
-            <a:r>
-              <a:rPr lang="en-US" altLang="ko-KR" dirty="0">
-                <a:sym typeface="Wingdings" panose="05000000000000000000" pitchFamily="2" charset="2"/>
-              </a:rPr>
-              <a:t>   </a:t>
-            </a:r>
-            <a:r>
-              <a:rPr lang="ko-KR" altLang="en-US" dirty="0">
-                <a:sym typeface="Wingdings" panose="05000000000000000000" pitchFamily="2" charset="2"/>
-              </a:rPr>
-              <a:t> </a:t>
-            </a:r>
-            <a:r>
-              <a:rPr lang="en-US" altLang="ko-KR" dirty="0">
-                <a:sym typeface="Wingdings" panose="05000000000000000000" pitchFamily="2" charset="2"/>
-              </a:rPr>
-              <a:t>photon </a:t>
-            </a:r>
-            <a:r>
-              <a:rPr lang="ko-KR" altLang="en-US" dirty="0">
-                <a:sym typeface="Wingdings" panose="05000000000000000000" pitchFamily="2" charset="2"/>
-              </a:rPr>
-              <a:t>서버를 이용한 </a:t>
-            </a:r>
-            <a:r>
-              <a:rPr lang="ko-KR" altLang="en-US" b="1" dirty="0">
-                <a:highlight>
-                  <a:srgbClr val="FFFF00"/>
-                </a:highlight>
-                <a:sym typeface="Wingdings" panose="05000000000000000000" pitchFamily="2" charset="2"/>
-              </a:rPr>
-              <a:t>멀티 요소 추가</a:t>
-            </a:r>
-            <a:endParaRPr lang="en-US" altLang="ko-KR" b="1" dirty="0">
-              <a:highlight>
-                <a:srgbClr val="FFFF00"/>
-              </a:highlight>
-              <a:sym typeface="Wingdings" panose="05000000000000000000" pitchFamily="2" charset="2"/>
-            </a:endParaRPr>
-          </a:p>
-        </p:txBody>
-      </p:sp>
-    </p:spTree>
-    <p:extLst>
-      <p:ext uri="{BB962C8B-B14F-4D97-AF65-F5344CB8AC3E}">
-        <p14:creationId xmlns:p14="http://schemas.microsoft.com/office/powerpoint/2010/main" val="4274668901"/>
-      </p:ext>
-    </p:extLst>
-  </p:cSld>
-  <p:clrMapOvr>
-    <a:masterClrMapping/>
-  </p:clrMapOvr>
-</p:sld>
-</file>
-
-<file path=ppt/slides/slide5.xml><?xml version="1.0" encoding="utf-8"?>
-<p:sld xmlns:a="http://schemas.openxmlformats.org/drawingml/2006/main" xmlns:r="http://schemas.openxmlformats.org/officeDocument/2006/relationships" xmlns:p="http://schemas.openxmlformats.org/presentationml/2006/main">
-  <p:cSld>
-    <p:spTree>
-      <p:nvGrpSpPr>
-        <p:cNvPr id="1" name=""/>
-        <p:cNvGrpSpPr/>
-        <p:nvPr/>
-      </p:nvGrpSpPr>
-      <p:grpSpPr>
-        <a:xfrm>
-          <a:off x="0" y="0"/>
-          <a:ext cx="0" cy="0"/>
-          <a:chOff x="0" y="0"/>
-          <a:chExt cx="0" cy="0"/>
-        </a:xfrm>
-      </p:grpSpPr>
-      <p:sp>
-        <p:nvSpPr>
-          <p:cNvPr id="4" name="TextBox 3">
-            <a:extLst>
-              <a:ext uri="{FF2B5EF4-FFF2-40B4-BE49-F238E27FC236}">
-                <a16:creationId xmlns:a16="http://schemas.microsoft.com/office/drawing/2014/main" id="{A5F167BA-0E5C-B8D0-0608-9796B2E6B0F4}"/>
-              </a:ext>
-            </a:extLst>
-          </p:cNvPr>
-          <p:cNvSpPr txBox="1"/>
-          <p:nvPr/>
-        </p:nvSpPr>
-        <p:spPr>
-          <a:xfrm>
-            <a:off x="591671" y="611379"/>
-            <a:ext cx="2608729" cy="369332"/>
-          </a:xfrm>
-          <a:prstGeom prst="rect">
-            <a:avLst/>
-          </a:prstGeom>
-          <a:noFill/>
-        </p:spPr>
-        <p:txBody>
-          <a:bodyPr wrap="square" rtlCol="0">
-            <a:spAutoFit/>
-          </a:bodyPr>
-          <a:lstStyle/>
-          <a:p>
-            <a:r>
-              <a:rPr lang="ko-KR" altLang="en-US" b="1" dirty="0"/>
-              <a:t>게임 개발</a:t>
-            </a:r>
-          </a:p>
-        </p:txBody>
-      </p:sp>
-      <p:sp>
-        <p:nvSpPr>
-          <p:cNvPr id="5" name="TextBox 4">
-            <a:extLst>
-              <a:ext uri="{FF2B5EF4-FFF2-40B4-BE49-F238E27FC236}">
-                <a16:creationId xmlns:a16="http://schemas.microsoft.com/office/drawing/2014/main" id="{AC34D1AF-9E31-DD58-349F-83B66975F815}"/>
-              </a:ext>
-            </a:extLst>
-          </p:cNvPr>
-          <p:cNvSpPr txBox="1"/>
-          <p:nvPr/>
-        </p:nvSpPr>
-        <p:spPr>
-          <a:xfrm>
-            <a:off x="457200" y="1223681"/>
-            <a:ext cx="10643347" cy="2585323"/>
-          </a:xfrm>
-          <a:prstGeom prst="rect">
-            <a:avLst/>
-          </a:prstGeom>
-          <a:noFill/>
-        </p:spPr>
-        <p:txBody>
-          <a:bodyPr wrap="square" rtlCol="0">
-            <a:spAutoFit/>
-          </a:bodyPr>
-          <a:lstStyle/>
-          <a:p>
-            <a:r>
-              <a:rPr lang="ko-KR" altLang="en-US" dirty="0"/>
-              <a:t>게임 개발 </a:t>
-            </a:r>
-            <a:r>
-              <a:rPr lang="en-US" altLang="ko-KR" dirty="0"/>
-              <a:t>= </a:t>
-            </a:r>
-            <a:r>
-              <a:rPr lang="ko-KR" altLang="en-US" dirty="0"/>
-              <a:t>프로그램 개발</a:t>
-            </a:r>
-            <a:r>
-              <a:rPr lang="en-US" altLang="ko-KR" dirty="0"/>
-              <a:t>(Unity) + </a:t>
-            </a:r>
-            <a:r>
-              <a:rPr lang="ko-KR" altLang="en-US" dirty="0"/>
-              <a:t>게임 기획 파트  </a:t>
-            </a:r>
-            <a:r>
-              <a:rPr lang="en-US" altLang="ko-KR" dirty="0"/>
-              <a:t>+ </a:t>
-            </a:r>
-            <a:r>
-              <a:rPr lang="ko-KR" altLang="en-US" dirty="0"/>
-              <a:t>디자인 파트</a:t>
-            </a:r>
-            <a:r>
-              <a:rPr lang="en-US" altLang="ko-KR" dirty="0"/>
-              <a:t> + </a:t>
-            </a:r>
-            <a:r>
-              <a:rPr lang="ko-KR" altLang="en-US" dirty="0"/>
-              <a:t>등등으로 구성 </a:t>
-            </a:r>
-            <a:endParaRPr lang="en-US" altLang="ko-KR" dirty="0"/>
-          </a:p>
-          <a:p>
-            <a:endParaRPr lang="en-US" altLang="ko-KR" dirty="0"/>
-          </a:p>
-          <a:p>
-            <a:pPr marL="285750" indent="-285750">
-              <a:buFont typeface="Wingdings" panose="05000000000000000000" pitchFamily="2" charset="2"/>
-              <a:buChar char="è"/>
-            </a:pPr>
-            <a:r>
-              <a:rPr lang="ko-KR" altLang="en-US" dirty="0">
-                <a:sym typeface="Wingdings" panose="05000000000000000000" pitchFamily="2" charset="2"/>
-              </a:rPr>
-              <a:t>중요도 </a:t>
-            </a:r>
-            <a:r>
-              <a:rPr lang="en-US" altLang="ko-KR" dirty="0">
-                <a:sym typeface="Wingdings" panose="05000000000000000000" pitchFamily="2" charset="2"/>
-              </a:rPr>
-              <a:t>: </a:t>
-            </a:r>
-            <a:r>
-              <a:rPr lang="ko-KR" altLang="en-US" dirty="0">
-                <a:sym typeface="Wingdings" panose="05000000000000000000" pitchFamily="2" charset="2"/>
-              </a:rPr>
-              <a:t>디자인 </a:t>
-            </a:r>
-            <a:r>
-              <a:rPr lang="en-US" altLang="ko-KR" dirty="0">
-                <a:sym typeface="Wingdings" panose="05000000000000000000" pitchFamily="2" charset="2"/>
-              </a:rPr>
-              <a:t>&gt; </a:t>
-            </a:r>
-            <a:r>
-              <a:rPr lang="ko-KR" altLang="en-US" dirty="0">
-                <a:sym typeface="Wingdings" panose="05000000000000000000" pitchFamily="2" charset="2"/>
-              </a:rPr>
-              <a:t>게임 기획 </a:t>
-            </a:r>
-            <a:r>
-              <a:rPr lang="en-US" altLang="ko-KR" dirty="0">
-                <a:sym typeface="Wingdings" panose="05000000000000000000" pitchFamily="2" charset="2"/>
-              </a:rPr>
-              <a:t>&gt; </a:t>
-            </a:r>
-            <a:r>
-              <a:rPr lang="ko-KR" altLang="en-US" dirty="0">
-                <a:sym typeface="Wingdings" panose="05000000000000000000" pitchFamily="2" charset="2"/>
-              </a:rPr>
-              <a:t>프로그램 개발</a:t>
-            </a:r>
-            <a:endParaRPr lang="en-US" altLang="ko-KR" dirty="0">
-              <a:sym typeface="Wingdings" panose="05000000000000000000" pitchFamily="2" charset="2"/>
-            </a:endParaRPr>
-          </a:p>
-          <a:p>
-            <a:endParaRPr lang="en-US" altLang="ko-KR" dirty="0">
-              <a:sym typeface="Wingdings" panose="05000000000000000000" pitchFamily="2" charset="2"/>
-            </a:endParaRPr>
-          </a:p>
-          <a:p>
-            <a:r>
-              <a:rPr lang="ko-KR" altLang="en-US" b="1" dirty="0">
-                <a:sym typeface="Wingdings" panose="05000000000000000000" pitchFamily="2" charset="2"/>
-              </a:rPr>
-              <a:t>디자인</a:t>
-            </a:r>
-            <a:r>
-              <a:rPr lang="ko-KR" altLang="en-US" dirty="0">
-                <a:sym typeface="Wingdings" panose="05000000000000000000" pitchFamily="2" charset="2"/>
-              </a:rPr>
-              <a:t>이 결국 </a:t>
-            </a:r>
-            <a:r>
-              <a:rPr lang="en-US" altLang="ko-KR" dirty="0">
-                <a:sym typeface="Wingdings" panose="05000000000000000000" pitchFamily="2" charset="2"/>
-              </a:rPr>
-              <a:t>“</a:t>
-            </a:r>
-            <a:r>
-              <a:rPr lang="ko-KR" altLang="en-US" b="1" dirty="0">
-                <a:highlight>
-                  <a:srgbClr val="FFFF00"/>
-                </a:highlight>
-                <a:sym typeface="Wingdings" panose="05000000000000000000" pitchFamily="2" charset="2"/>
-              </a:rPr>
-              <a:t>유입 관문</a:t>
-            </a:r>
-            <a:r>
-              <a:rPr lang="en-US" altLang="ko-KR" dirty="0">
-                <a:sym typeface="Wingdings" panose="05000000000000000000" pitchFamily="2" charset="2"/>
-              </a:rPr>
-              <a:t>”</a:t>
-            </a:r>
-            <a:r>
-              <a:rPr lang="ko-KR" altLang="en-US" dirty="0">
-                <a:sym typeface="Wingdings" panose="05000000000000000000" pitchFamily="2" charset="2"/>
-              </a:rPr>
-              <a:t>이 되고</a:t>
-            </a:r>
-            <a:r>
-              <a:rPr lang="en-US" altLang="ko-KR" dirty="0">
-                <a:sym typeface="Wingdings" panose="05000000000000000000" pitchFamily="2" charset="2"/>
-              </a:rPr>
-              <a:t>, </a:t>
-            </a:r>
-            <a:r>
-              <a:rPr lang="ko-KR" altLang="en-US" b="1" dirty="0">
-                <a:sym typeface="Wingdings" panose="05000000000000000000" pitchFamily="2" charset="2"/>
-              </a:rPr>
-              <a:t>기획 파트</a:t>
-            </a:r>
-            <a:r>
-              <a:rPr lang="ko-KR" altLang="en-US" dirty="0">
-                <a:sym typeface="Wingdings" panose="05000000000000000000" pitchFamily="2" charset="2"/>
-              </a:rPr>
-              <a:t>가 </a:t>
-            </a:r>
-            <a:r>
-              <a:rPr lang="en-US" altLang="ko-KR" dirty="0">
-                <a:sym typeface="Wingdings" panose="05000000000000000000" pitchFamily="2" charset="2"/>
-              </a:rPr>
-              <a:t>“</a:t>
-            </a:r>
-            <a:r>
-              <a:rPr lang="ko-KR" altLang="en-US" b="1" dirty="0">
-                <a:highlight>
-                  <a:srgbClr val="FFFF00"/>
-                </a:highlight>
-                <a:sym typeface="Wingdings" panose="05000000000000000000" pitchFamily="2" charset="2"/>
-              </a:rPr>
-              <a:t>유지와 성장 동력</a:t>
-            </a:r>
-            <a:r>
-              <a:rPr lang="en-US" altLang="ko-KR" dirty="0">
-                <a:sym typeface="Wingdings" panose="05000000000000000000" pitchFamily="2" charset="2"/>
-              </a:rPr>
-              <a:t>＂</a:t>
-            </a:r>
-            <a:r>
-              <a:rPr lang="ko-KR" altLang="en-US" dirty="0">
-                <a:sym typeface="Wingdings" panose="05000000000000000000" pitchFamily="2" charset="2"/>
-              </a:rPr>
-              <a:t>이라고 생각하며</a:t>
-            </a:r>
-            <a:r>
-              <a:rPr lang="en-US" altLang="ko-KR" dirty="0">
-                <a:sym typeface="Wingdings" panose="05000000000000000000" pitchFamily="2" charset="2"/>
-              </a:rPr>
-              <a:t>, </a:t>
-            </a:r>
-            <a:r>
-              <a:rPr lang="ko-KR" altLang="en-US" dirty="0">
-                <a:sym typeface="Wingdings" panose="05000000000000000000" pitchFamily="2" charset="2"/>
-              </a:rPr>
-              <a:t>개발 파트는 게임을 흥행 시키는데 중요한 역할을 하지 못한다</a:t>
-            </a:r>
-            <a:r>
-              <a:rPr lang="en-US" altLang="ko-KR" dirty="0">
-                <a:sym typeface="Wingdings" panose="05000000000000000000" pitchFamily="2" charset="2"/>
-              </a:rPr>
-              <a:t>.</a:t>
-            </a:r>
-          </a:p>
-          <a:p>
-            <a:endParaRPr lang="en-US" altLang="ko-KR" dirty="0">
-              <a:sym typeface="Wingdings" panose="05000000000000000000" pitchFamily="2" charset="2"/>
-            </a:endParaRPr>
-          </a:p>
-          <a:p>
-            <a:endParaRPr lang="en-US" altLang="ko-KR" dirty="0">
-              <a:sym typeface="Wingdings" panose="05000000000000000000" pitchFamily="2" charset="2"/>
-            </a:endParaRPr>
-          </a:p>
-          <a:p>
-            <a:pPr marL="285750" indent="-285750">
-              <a:buFont typeface="Wingdings" panose="05000000000000000000" pitchFamily="2" charset="2"/>
-              <a:buChar char="è"/>
-            </a:pPr>
-            <a:endParaRPr lang="en-US" altLang="ko-KR" dirty="0">
-              <a:sym typeface="Wingdings" panose="05000000000000000000" pitchFamily="2" charset="2"/>
-            </a:endParaRPr>
-          </a:p>
-        </p:txBody>
-      </p:sp>
-      <p:pic>
-        <p:nvPicPr>
-          <p:cNvPr id="7" name="그림 6">
-            <a:extLst>
-              <a:ext uri="{FF2B5EF4-FFF2-40B4-BE49-F238E27FC236}">
-                <a16:creationId xmlns:a16="http://schemas.microsoft.com/office/drawing/2014/main" id="{1C8114DC-EAE6-C989-E1EA-97C46B8F4F05}"/>
-              </a:ext>
-            </a:extLst>
-          </p:cNvPr>
-          <p:cNvPicPr>
-            <a:picLocks noChangeAspect="1"/>
-          </p:cNvPicPr>
-          <p:nvPr/>
-        </p:nvPicPr>
-        <p:blipFill>
-          <a:blip r:embed="rId2"/>
-          <a:stretch>
-            <a:fillRect/>
-          </a:stretch>
-        </p:blipFill>
-        <p:spPr>
-          <a:xfrm>
-            <a:off x="591671" y="3242236"/>
-            <a:ext cx="828791" cy="809738"/>
-          </a:xfrm>
-          <a:prstGeom prst="rect">
-            <a:avLst/>
-          </a:prstGeom>
-        </p:spPr>
-      </p:pic>
-      <p:pic>
-        <p:nvPicPr>
-          <p:cNvPr id="9" name="그림 8">
-            <a:extLst>
-              <a:ext uri="{FF2B5EF4-FFF2-40B4-BE49-F238E27FC236}">
-                <a16:creationId xmlns:a16="http://schemas.microsoft.com/office/drawing/2014/main" id="{0B9B944D-CBEB-EDB7-9862-8B8F851EF449}"/>
-              </a:ext>
-            </a:extLst>
-          </p:cNvPr>
-          <p:cNvPicPr>
-            <a:picLocks noChangeAspect="1"/>
-          </p:cNvPicPr>
-          <p:nvPr/>
-        </p:nvPicPr>
-        <p:blipFill>
-          <a:blip r:embed="rId3"/>
-          <a:stretch>
-            <a:fillRect/>
-          </a:stretch>
-        </p:blipFill>
-        <p:spPr>
-          <a:xfrm>
-            <a:off x="2527722" y="3242236"/>
-            <a:ext cx="905000" cy="855274"/>
-          </a:xfrm>
-          <a:prstGeom prst="rect">
-            <a:avLst/>
-          </a:prstGeom>
-        </p:spPr>
-      </p:pic>
-      <p:pic>
-        <p:nvPicPr>
-          <p:cNvPr id="13" name="그림 12">
-            <a:extLst>
-              <a:ext uri="{FF2B5EF4-FFF2-40B4-BE49-F238E27FC236}">
-                <a16:creationId xmlns:a16="http://schemas.microsoft.com/office/drawing/2014/main" id="{C53C8D1E-CFC1-90C8-F119-7D95C89EFB0C}"/>
-              </a:ext>
-            </a:extLst>
-          </p:cNvPr>
-          <p:cNvPicPr>
-            <a:picLocks noChangeAspect="1"/>
-          </p:cNvPicPr>
-          <p:nvPr/>
-        </p:nvPicPr>
-        <p:blipFill>
-          <a:blip r:embed="rId4"/>
-          <a:stretch>
-            <a:fillRect/>
-          </a:stretch>
-        </p:blipFill>
-        <p:spPr>
-          <a:xfrm>
-            <a:off x="1564459" y="3223183"/>
-            <a:ext cx="905001" cy="847843"/>
-          </a:xfrm>
-          <a:prstGeom prst="rect">
-            <a:avLst/>
-          </a:prstGeom>
-        </p:spPr>
-      </p:pic>
-      <p:pic>
-        <p:nvPicPr>
-          <p:cNvPr id="15" name="그림 14">
-            <a:extLst>
-              <a:ext uri="{FF2B5EF4-FFF2-40B4-BE49-F238E27FC236}">
-                <a16:creationId xmlns:a16="http://schemas.microsoft.com/office/drawing/2014/main" id="{72C64F46-D7AE-56AF-EB54-50F9AEF7156E}"/>
-              </a:ext>
-            </a:extLst>
-          </p:cNvPr>
-          <p:cNvPicPr>
-            <a:picLocks noChangeAspect="1"/>
-          </p:cNvPicPr>
-          <p:nvPr/>
-        </p:nvPicPr>
-        <p:blipFill>
-          <a:blip r:embed="rId5"/>
-          <a:stretch>
-            <a:fillRect/>
-          </a:stretch>
-        </p:blipFill>
-        <p:spPr>
-          <a:xfrm>
-            <a:off x="3490984" y="3223183"/>
-            <a:ext cx="855274" cy="855274"/>
-          </a:xfrm>
-          <a:prstGeom prst="rect">
-            <a:avLst/>
-          </a:prstGeom>
-        </p:spPr>
-      </p:pic>
-      <p:sp>
-        <p:nvSpPr>
-          <p:cNvPr id="16" name="TextBox 15">
-            <a:extLst>
-              <a:ext uri="{FF2B5EF4-FFF2-40B4-BE49-F238E27FC236}">
-                <a16:creationId xmlns:a16="http://schemas.microsoft.com/office/drawing/2014/main" id="{8BEAA795-B379-8EA3-A49C-278C64D6B3AD}"/>
-              </a:ext>
-            </a:extLst>
-          </p:cNvPr>
-          <p:cNvSpPr txBox="1"/>
-          <p:nvPr/>
-        </p:nvSpPr>
-        <p:spPr>
-          <a:xfrm>
-            <a:off x="517712" y="4343400"/>
-            <a:ext cx="10744200" cy="369332"/>
-          </a:xfrm>
-          <a:prstGeom prst="rect">
-            <a:avLst/>
-          </a:prstGeom>
-          <a:noFill/>
-        </p:spPr>
-        <p:txBody>
-          <a:bodyPr wrap="square" rtlCol="0">
-            <a:spAutoFit/>
-          </a:bodyPr>
-          <a:lstStyle/>
-          <a:p>
-            <a:r>
-              <a:rPr lang="ko-KR" altLang="en-US" dirty="0"/>
-              <a:t>위 게임들</a:t>
-            </a:r>
-            <a:r>
-              <a:rPr lang="en-US" altLang="ko-KR" dirty="0"/>
-              <a:t>, </a:t>
-            </a:r>
-            <a:r>
-              <a:rPr lang="ko-KR" altLang="en-US" dirty="0"/>
-              <a:t>원신</a:t>
-            </a:r>
-            <a:r>
-              <a:rPr lang="en-US" altLang="ko-KR" dirty="0"/>
-              <a:t>, </a:t>
-            </a:r>
-            <a:r>
-              <a:rPr lang="ko-KR" altLang="en-US" dirty="0"/>
-              <a:t>명조</a:t>
-            </a:r>
-            <a:r>
-              <a:rPr lang="en-US" altLang="ko-KR" dirty="0"/>
-              <a:t>, </a:t>
-            </a:r>
-            <a:r>
-              <a:rPr lang="ko-KR" altLang="en-US" dirty="0" err="1"/>
-              <a:t>젠존제</a:t>
-            </a:r>
-            <a:r>
-              <a:rPr lang="en-US" altLang="ko-KR" dirty="0"/>
-              <a:t>, </a:t>
-            </a:r>
-            <a:r>
-              <a:rPr lang="ko-KR" altLang="en-US" dirty="0" err="1"/>
-              <a:t>니케</a:t>
-            </a:r>
-            <a:r>
-              <a:rPr lang="ko-KR" altLang="en-US" dirty="0"/>
-              <a:t> 등등 많은 게임들이 </a:t>
-            </a:r>
-            <a:r>
-              <a:rPr lang="ko-KR" altLang="en-US" b="1" dirty="0">
-                <a:highlight>
-                  <a:srgbClr val="FFFF00"/>
-                </a:highlight>
-              </a:rPr>
-              <a:t>디자인</a:t>
-            </a:r>
-            <a:r>
-              <a:rPr lang="ko-KR" altLang="en-US" dirty="0">
-                <a:highlight>
-                  <a:srgbClr val="FFFF00"/>
-                </a:highlight>
-              </a:rPr>
-              <a:t>과 </a:t>
-            </a:r>
-            <a:r>
-              <a:rPr lang="ko-KR" altLang="en-US" b="1" dirty="0">
-                <a:highlight>
-                  <a:srgbClr val="FFFF00"/>
-                </a:highlight>
-              </a:rPr>
-              <a:t>기획</a:t>
-            </a:r>
-            <a:r>
-              <a:rPr lang="en-US" altLang="ko-KR" b="1" dirty="0">
-                <a:highlight>
-                  <a:srgbClr val="FFFF00"/>
-                </a:highlight>
-              </a:rPr>
-              <a:t>(</a:t>
-            </a:r>
-            <a:r>
-              <a:rPr lang="ko-KR" altLang="en-US" b="1" dirty="0">
-                <a:highlight>
-                  <a:srgbClr val="FFFF00"/>
-                </a:highlight>
-              </a:rPr>
-              <a:t>컨텐츠</a:t>
-            </a:r>
-            <a:r>
-              <a:rPr lang="en-US" altLang="ko-KR" b="1" dirty="0">
-                <a:highlight>
-                  <a:srgbClr val="FFFF00"/>
-                </a:highlight>
-              </a:rPr>
-              <a:t>)</a:t>
-            </a:r>
-            <a:r>
-              <a:rPr lang="ko-KR" altLang="en-US" dirty="0"/>
-              <a:t>로 성공한 케이스이다</a:t>
-            </a:r>
-            <a:r>
-              <a:rPr lang="en-US" altLang="ko-KR" dirty="0"/>
-              <a:t>.</a:t>
-            </a:r>
-            <a:endParaRPr lang="ko-KR" altLang="en-US" dirty="0"/>
-          </a:p>
-        </p:txBody>
-      </p:sp>
-    </p:spTree>
-    <p:extLst>
-      <p:ext uri="{BB962C8B-B14F-4D97-AF65-F5344CB8AC3E}">
-        <p14:creationId xmlns:p14="http://schemas.microsoft.com/office/powerpoint/2010/main" val="1981123653"/>
-      </p:ext>
-    </p:extLst>
-  </p:cSld>
-  <p:clrMapOvr>
-    <a:masterClrMapping/>
-  </p:clrMapOvr>
-</p:sld>
-</file>
-
-<file path=ppt/slides/slide6.xml><?xml version="1.0" encoding="utf-8"?>
-<p:sld xmlns:a="http://schemas.openxmlformats.org/drawingml/2006/main" xmlns:r="http://schemas.openxmlformats.org/officeDocument/2006/relationships" xmlns:p="http://schemas.openxmlformats.org/presentationml/2006/main">
-  <p:cSld>
-    <p:spTree>
-      <p:nvGrpSpPr>
-        <p:cNvPr id="1" name=""/>
-        <p:cNvGrpSpPr/>
-        <p:nvPr/>
-      </p:nvGrpSpPr>
-      <p:grpSpPr>
-        <a:xfrm>
-          <a:off x="0" y="0"/>
-          <a:ext cx="0" cy="0"/>
-          <a:chOff x="0" y="0"/>
-          <a:chExt cx="0" cy="0"/>
-        </a:xfrm>
-      </p:grpSpPr>
-      <p:sp>
-        <p:nvSpPr>
-          <p:cNvPr id="5" name="TextBox 4">
-            <a:extLst>
-              <a:ext uri="{FF2B5EF4-FFF2-40B4-BE49-F238E27FC236}">
-                <a16:creationId xmlns:a16="http://schemas.microsoft.com/office/drawing/2014/main" id="{7052F05D-3B20-858A-0F79-D0ACC6C2DDF9}"/>
-              </a:ext>
-            </a:extLst>
-          </p:cNvPr>
-          <p:cNvSpPr txBox="1"/>
-          <p:nvPr/>
-        </p:nvSpPr>
-        <p:spPr>
-          <a:xfrm>
-            <a:off x="579905" y="662498"/>
-            <a:ext cx="6094878" cy="369332"/>
-          </a:xfrm>
-          <a:prstGeom prst="rect">
-            <a:avLst/>
-          </a:prstGeom>
-          <a:noFill/>
-        </p:spPr>
-        <p:txBody>
-          <a:bodyPr wrap="square">
-            <a:spAutoFit/>
-          </a:bodyPr>
-          <a:lstStyle/>
-          <a:p>
-            <a:r>
-              <a:rPr lang="ko-KR" altLang="en-US" b="1" dirty="0"/>
-              <a:t>게임 개발</a:t>
-            </a:r>
-          </a:p>
-        </p:txBody>
-      </p:sp>
-      <p:sp>
-        <p:nvSpPr>
-          <p:cNvPr id="6" name="TextBox 5">
-            <a:extLst>
-              <a:ext uri="{FF2B5EF4-FFF2-40B4-BE49-F238E27FC236}">
-                <a16:creationId xmlns:a16="http://schemas.microsoft.com/office/drawing/2014/main" id="{870B89C0-E3C4-AF86-2780-8B0955A14622}"/>
-              </a:ext>
-            </a:extLst>
-          </p:cNvPr>
-          <p:cNvSpPr txBox="1"/>
-          <p:nvPr/>
-        </p:nvSpPr>
-        <p:spPr>
-          <a:xfrm>
-            <a:off x="705971" y="1129553"/>
-            <a:ext cx="10246658" cy="923330"/>
-          </a:xfrm>
-          <a:prstGeom prst="rect">
-            <a:avLst/>
-          </a:prstGeom>
-          <a:noFill/>
-        </p:spPr>
-        <p:txBody>
-          <a:bodyPr wrap="square" rtlCol="0">
-            <a:spAutoFit/>
-          </a:bodyPr>
-          <a:lstStyle/>
-          <a:p>
-            <a:r>
-              <a:rPr lang="ko-KR" altLang="en-US" dirty="0"/>
-              <a:t>그렇다고 프로그램 개발이 없어도 되는가</a:t>
-            </a:r>
-            <a:r>
-              <a:rPr lang="en-US" altLang="ko-KR" dirty="0"/>
-              <a:t>? </a:t>
-            </a:r>
-            <a:r>
-              <a:rPr lang="en-US" altLang="ko-KR" dirty="0">
-                <a:sym typeface="Wingdings" panose="05000000000000000000" pitchFamily="2" charset="2"/>
-              </a:rPr>
-              <a:t> </a:t>
-            </a:r>
-            <a:r>
-              <a:rPr lang="ko-KR" altLang="en-US" dirty="0">
-                <a:sym typeface="Wingdings" panose="05000000000000000000" pitchFamily="2" charset="2"/>
-              </a:rPr>
-              <a:t>이것은 아니다</a:t>
-            </a:r>
-            <a:r>
-              <a:rPr lang="en-US" altLang="ko-KR" dirty="0">
-                <a:sym typeface="Wingdings" panose="05000000000000000000" pitchFamily="2" charset="2"/>
-              </a:rPr>
-              <a:t>.</a:t>
-            </a:r>
-          </a:p>
-          <a:p>
-            <a:r>
-              <a:rPr lang="ko-KR" altLang="en-US" dirty="0">
-                <a:sym typeface="Wingdings" panose="05000000000000000000" pitchFamily="2" charset="2"/>
-              </a:rPr>
-              <a:t>흥행을 시키고도 프로그램 개발</a:t>
-            </a:r>
-            <a:r>
-              <a:rPr lang="en-US" altLang="ko-KR" dirty="0">
-                <a:sym typeface="Wingdings" panose="05000000000000000000" pitchFamily="2" charset="2"/>
-              </a:rPr>
-              <a:t>, </a:t>
-            </a:r>
-            <a:r>
-              <a:rPr lang="ko-KR" altLang="en-US" dirty="0">
-                <a:sym typeface="Wingdings" panose="05000000000000000000" pitchFamily="2" charset="2"/>
-              </a:rPr>
-              <a:t>유지 보수를 못해서 나락의 길을 걸었던 게임들도 많다</a:t>
-            </a:r>
-            <a:r>
-              <a:rPr lang="en-US" altLang="ko-KR" dirty="0">
-                <a:sym typeface="Wingdings" panose="05000000000000000000" pitchFamily="2" charset="2"/>
-              </a:rPr>
-              <a:t>.</a:t>
-            </a:r>
-          </a:p>
-          <a:p>
-            <a:endParaRPr lang="ko-KR" altLang="en-US" dirty="0"/>
-          </a:p>
-        </p:txBody>
-      </p:sp>
-      <p:pic>
-        <p:nvPicPr>
-          <p:cNvPr id="8" name="그림 7">
-            <a:extLst>
-              <a:ext uri="{FF2B5EF4-FFF2-40B4-BE49-F238E27FC236}">
-                <a16:creationId xmlns:a16="http://schemas.microsoft.com/office/drawing/2014/main" id="{B6436D6E-76A1-A58A-3997-D1BD436DB52D}"/>
-              </a:ext>
-            </a:extLst>
-          </p:cNvPr>
-          <p:cNvPicPr>
-            <a:picLocks noChangeAspect="1"/>
-          </p:cNvPicPr>
-          <p:nvPr/>
-        </p:nvPicPr>
-        <p:blipFill>
-          <a:blip r:embed="rId2"/>
-          <a:stretch>
-            <a:fillRect/>
-          </a:stretch>
-        </p:blipFill>
-        <p:spPr>
-          <a:xfrm>
-            <a:off x="829738" y="1831263"/>
-            <a:ext cx="1274727" cy="1289550"/>
-          </a:xfrm>
-          <a:prstGeom prst="rect">
-            <a:avLst/>
-          </a:prstGeom>
-        </p:spPr>
-      </p:pic>
-      <p:pic>
-        <p:nvPicPr>
-          <p:cNvPr id="10" name="그림 9">
-            <a:extLst>
-              <a:ext uri="{FF2B5EF4-FFF2-40B4-BE49-F238E27FC236}">
-                <a16:creationId xmlns:a16="http://schemas.microsoft.com/office/drawing/2014/main" id="{BA3EE6B4-E67D-2631-BB8E-3813FC8F67C9}"/>
-              </a:ext>
-            </a:extLst>
-          </p:cNvPr>
-          <p:cNvPicPr>
-            <a:picLocks noChangeAspect="1"/>
-          </p:cNvPicPr>
-          <p:nvPr/>
-        </p:nvPicPr>
-        <p:blipFill>
-          <a:blip r:embed="rId3"/>
-          <a:stretch>
-            <a:fillRect/>
-          </a:stretch>
-        </p:blipFill>
-        <p:spPr>
-          <a:xfrm>
-            <a:off x="786034" y="3153099"/>
-            <a:ext cx="1362133" cy="1338848"/>
-          </a:xfrm>
-          <a:prstGeom prst="rect">
-            <a:avLst/>
-          </a:prstGeom>
-        </p:spPr>
-      </p:pic>
-      <p:sp>
-        <p:nvSpPr>
-          <p:cNvPr id="11" name="TextBox 10">
-            <a:extLst>
-              <a:ext uri="{FF2B5EF4-FFF2-40B4-BE49-F238E27FC236}">
-                <a16:creationId xmlns:a16="http://schemas.microsoft.com/office/drawing/2014/main" id="{D5E5DDAD-4F4B-848D-45CC-A05B114E1BD1}"/>
-              </a:ext>
-            </a:extLst>
-          </p:cNvPr>
-          <p:cNvSpPr txBox="1"/>
-          <p:nvPr/>
-        </p:nvSpPr>
-        <p:spPr>
-          <a:xfrm>
-            <a:off x="2148167" y="1831263"/>
-            <a:ext cx="8054789" cy="646331"/>
-          </a:xfrm>
-          <a:prstGeom prst="rect">
-            <a:avLst/>
-          </a:prstGeom>
-          <a:noFill/>
-        </p:spPr>
-        <p:txBody>
-          <a:bodyPr wrap="square" rtlCol="0">
-            <a:spAutoFit/>
-          </a:bodyPr>
-          <a:lstStyle/>
-          <a:p>
-            <a:r>
-              <a:rPr lang="en-US" altLang="ko-KR" dirty="0"/>
-              <a:t>2018</a:t>
-            </a:r>
-            <a:r>
-              <a:rPr lang="ko-KR" altLang="en-US" dirty="0"/>
-              <a:t>년도 </a:t>
-            </a:r>
-            <a:r>
-              <a:rPr lang="ko-KR" altLang="en-US" b="1" dirty="0" err="1"/>
-              <a:t>배그</a:t>
-            </a:r>
-            <a:r>
-              <a:rPr lang="ko-KR" altLang="en-US" b="1" dirty="0"/>
-              <a:t> 핵 이슈</a:t>
-            </a:r>
-            <a:endParaRPr lang="en-US" altLang="ko-KR" b="1" dirty="0"/>
-          </a:p>
-          <a:p>
-            <a:r>
-              <a:rPr lang="ko-KR" altLang="en-US" dirty="0" err="1"/>
-              <a:t>동접자</a:t>
-            </a:r>
-            <a:r>
-              <a:rPr lang="ko-KR" altLang="en-US" dirty="0"/>
-              <a:t> </a:t>
-            </a:r>
-            <a:r>
-              <a:rPr lang="en-US" altLang="ko-KR" dirty="0"/>
-              <a:t>200</a:t>
-            </a:r>
-            <a:r>
-              <a:rPr lang="ko-KR" altLang="en-US" dirty="0"/>
-              <a:t>만 </a:t>
-            </a:r>
-            <a:r>
-              <a:rPr lang="en-US" altLang="ko-KR" dirty="0">
-                <a:sym typeface="Wingdings" panose="05000000000000000000" pitchFamily="2" charset="2"/>
-              </a:rPr>
-              <a:t> 120</a:t>
-            </a:r>
-            <a:r>
-              <a:rPr lang="ko-KR" altLang="en-US" dirty="0">
-                <a:sym typeface="Wingdings" panose="05000000000000000000" pitchFamily="2" charset="2"/>
-              </a:rPr>
-              <a:t>만 이하</a:t>
-            </a:r>
-            <a:endParaRPr lang="ko-KR" altLang="en-US" dirty="0"/>
-          </a:p>
-        </p:txBody>
-      </p:sp>
-      <p:sp>
-        <p:nvSpPr>
-          <p:cNvPr id="12" name="TextBox 11">
-            <a:extLst>
-              <a:ext uri="{FF2B5EF4-FFF2-40B4-BE49-F238E27FC236}">
-                <a16:creationId xmlns:a16="http://schemas.microsoft.com/office/drawing/2014/main" id="{77EE5360-A29D-F2B6-198D-DE3F0C2E14FD}"/>
-              </a:ext>
-            </a:extLst>
-          </p:cNvPr>
-          <p:cNvSpPr txBox="1"/>
-          <p:nvPr/>
-        </p:nvSpPr>
-        <p:spPr>
-          <a:xfrm>
-            <a:off x="2148166" y="3179304"/>
-            <a:ext cx="8054789" cy="646331"/>
-          </a:xfrm>
-          <a:prstGeom prst="rect">
-            <a:avLst/>
-          </a:prstGeom>
-          <a:noFill/>
-        </p:spPr>
-        <p:txBody>
-          <a:bodyPr wrap="square" rtlCol="0">
-            <a:spAutoFit/>
-          </a:bodyPr>
-          <a:lstStyle/>
-          <a:p>
-            <a:r>
-              <a:rPr lang="ko-KR" altLang="en-US" b="1" dirty="0" err="1"/>
-              <a:t>오버워치</a:t>
-            </a:r>
-            <a:r>
-              <a:rPr lang="ko-KR" altLang="en-US" b="1" dirty="0"/>
-              <a:t> 핵 이슈</a:t>
-            </a:r>
-            <a:endParaRPr lang="en-US" altLang="ko-KR" b="1" dirty="0"/>
-          </a:p>
-          <a:p>
-            <a:r>
-              <a:rPr lang="ko-KR" altLang="en-US" dirty="0" err="1"/>
-              <a:t>동접자</a:t>
-            </a:r>
-            <a:r>
-              <a:rPr lang="ko-KR" altLang="en-US" dirty="0"/>
-              <a:t> 꾸준히 감소 </a:t>
-            </a:r>
-            <a:r>
-              <a:rPr lang="en-US" altLang="ko-KR" dirty="0"/>
-              <a:t>-&gt; </a:t>
-            </a:r>
-            <a:r>
-              <a:rPr lang="ko-KR" altLang="en-US" dirty="0"/>
-              <a:t>망하고 </a:t>
-            </a:r>
-            <a:r>
-              <a:rPr lang="ko-KR" altLang="en-US" dirty="0" err="1"/>
-              <a:t>오버워치</a:t>
-            </a:r>
-            <a:r>
-              <a:rPr lang="en-US" altLang="ko-KR" dirty="0"/>
-              <a:t>2</a:t>
-            </a:r>
-            <a:r>
-              <a:rPr lang="ko-KR" altLang="en-US" dirty="0"/>
-              <a:t>로 </a:t>
-            </a:r>
-            <a:r>
-              <a:rPr lang="ko-KR" altLang="en-US" dirty="0" err="1"/>
-              <a:t>넘어감</a:t>
-            </a:r>
-            <a:endParaRPr lang="en-US" altLang="ko-KR" dirty="0"/>
-          </a:p>
-        </p:txBody>
-      </p:sp>
-      <p:pic>
-        <p:nvPicPr>
-          <p:cNvPr id="14" name="그림 13">
-            <a:extLst>
-              <a:ext uri="{FF2B5EF4-FFF2-40B4-BE49-F238E27FC236}">
-                <a16:creationId xmlns:a16="http://schemas.microsoft.com/office/drawing/2014/main" id="{7EB17100-11BE-DDB5-4269-62798E7C341F}"/>
-              </a:ext>
-            </a:extLst>
-          </p:cNvPr>
-          <p:cNvPicPr>
-            <a:picLocks noChangeAspect="1"/>
-          </p:cNvPicPr>
-          <p:nvPr/>
-        </p:nvPicPr>
-        <p:blipFill>
-          <a:blip r:embed="rId4"/>
-          <a:stretch>
-            <a:fillRect/>
-          </a:stretch>
-        </p:blipFill>
-        <p:spPr>
-          <a:xfrm>
-            <a:off x="829738" y="4725267"/>
-            <a:ext cx="876422" cy="866896"/>
-          </a:xfrm>
-          <a:prstGeom prst="rect">
-            <a:avLst/>
-          </a:prstGeom>
-        </p:spPr>
-      </p:pic>
-      <p:pic>
-        <p:nvPicPr>
-          <p:cNvPr id="16" name="그림 15">
-            <a:extLst>
-              <a:ext uri="{FF2B5EF4-FFF2-40B4-BE49-F238E27FC236}">
-                <a16:creationId xmlns:a16="http://schemas.microsoft.com/office/drawing/2014/main" id="{C5EE4EF9-4062-41B3-47B6-F8BBF9259FD1}"/>
-              </a:ext>
-            </a:extLst>
-          </p:cNvPr>
-          <p:cNvPicPr>
-            <a:picLocks noChangeAspect="1"/>
-          </p:cNvPicPr>
-          <p:nvPr/>
-        </p:nvPicPr>
-        <p:blipFill>
-          <a:blip r:embed="rId5"/>
-          <a:stretch>
-            <a:fillRect/>
-          </a:stretch>
-        </p:blipFill>
-        <p:spPr>
-          <a:xfrm>
-            <a:off x="1796231" y="4711330"/>
-            <a:ext cx="1028844" cy="962159"/>
-          </a:xfrm>
-          <a:prstGeom prst="rect">
-            <a:avLst/>
-          </a:prstGeom>
-        </p:spPr>
-      </p:pic>
-      <p:sp>
-        <p:nvSpPr>
-          <p:cNvPr id="17" name="TextBox 16">
-            <a:extLst>
-              <a:ext uri="{FF2B5EF4-FFF2-40B4-BE49-F238E27FC236}">
-                <a16:creationId xmlns:a16="http://schemas.microsoft.com/office/drawing/2014/main" id="{9347DEBE-F858-5D8E-7CDA-A81D737CA0A6}"/>
-              </a:ext>
-            </a:extLst>
-          </p:cNvPr>
-          <p:cNvSpPr txBox="1"/>
-          <p:nvPr/>
-        </p:nvSpPr>
-        <p:spPr>
-          <a:xfrm>
-            <a:off x="2717986" y="4711330"/>
-            <a:ext cx="7913594" cy="646331"/>
-          </a:xfrm>
-          <a:prstGeom prst="rect">
-            <a:avLst/>
-          </a:prstGeom>
-          <a:noFill/>
-        </p:spPr>
-        <p:txBody>
-          <a:bodyPr wrap="square" rtlCol="0">
-            <a:spAutoFit/>
-          </a:bodyPr>
-          <a:lstStyle/>
-          <a:p>
-            <a:r>
-              <a:rPr lang="ko-KR" altLang="en-US" b="1" dirty="0"/>
-              <a:t>도타</a:t>
-            </a:r>
-            <a:r>
-              <a:rPr lang="en-US" altLang="ko-KR" b="1" dirty="0"/>
-              <a:t>2/ </a:t>
-            </a:r>
-            <a:r>
-              <a:rPr lang="ko-KR" altLang="en-US" b="1" dirty="0"/>
-              <a:t>롤 특정 챔피언 버그</a:t>
-            </a:r>
-            <a:endParaRPr lang="en-US" altLang="ko-KR" b="1" dirty="0"/>
-          </a:p>
-          <a:p>
-            <a:r>
-              <a:rPr lang="ko-KR" altLang="en-US" dirty="0"/>
-              <a:t>대회에서 버그로 인한 글로벌 밴 등의 조치를 취함 </a:t>
-            </a:r>
-          </a:p>
-        </p:txBody>
-      </p:sp>
-    </p:spTree>
-    <p:extLst>
-      <p:ext uri="{BB962C8B-B14F-4D97-AF65-F5344CB8AC3E}">
-        <p14:creationId xmlns:p14="http://schemas.microsoft.com/office/powerpoint/2010/main" val="2048155036"/>
-      </p:ext>
-    </p:extLst>
-  </p:cSld>
-  <p:clrMapOvr>
-    <a:masterClrMapping/>
-  </p:clrMapOvr>
-</p:sld>
-</file>
-
-<file path=ppt/slides/slide7.xml><?xml version="1.0" encoding="utf-8"?>
-<p:sld xmlns:a="http://schemas.openxmlformats.org/drawingml/2006/main" xmlns:r="http://schemas.openxmlformats.org/officeDocument/2006/relationships" xmlns:p="http://schemas.openxmlformats.org/presentationml/2006/main">
-  <p:cSld>
-    <p:spTree>
-      <p:nvGrpSpPr>
-        <p:cNvPr id="1" name=""/>
-        <p:cNvGrpSpPr/>
-        <p:nvPr/>
-      </p:nvGrpSpPr>
-      <p:grpSpPr>
-        <a:xfrm>
-          <a:off x="0" y="0"/>
-          <a:ext cx="0" cy="0"/>
-          <a:chOff x="0" y="0"/>
-          <a:chExt cx="0" cy="0"/>
-        </a:xfrm>
-      </p:grpSpPr>
-      <p:sp>
-        <p:nvSpPr>
-          <p:cNvPr id="2" name="제목 1">
-            <a:extLst>
-              <a:ext uri="{FF2B5EF4-FFF2-40B4-BE49-F238E27FC236}">
-                <a16:creationId xmlns:a16="http://schemas.microsoft.com/office/drawing/2014/main" id="{9FC37960-ED06-2383-4864-4D049944E971}"/>
-              </a:ext>
-            </a:extLst>
-          </p:cNvPr>
-          <p:cNvSpPr>
-            <a:spLocks noGrp="1"/>
-          </p:cNvSpPr>
-          <p:nvPr>
-            <p:ph type="title"/>
-          </p:nvPr>
-        </p:nvSpPr>
-        <p:spPr/>
-        <p:txBody>
-          <a:bodyPr/>
-          <a:lstStyle/>
-          <a:p>
-            <a:endParaRPr lang="ko-KR" altLang="en-US"/>
-          </a:p>
-        </p:txBody>
-      </p:sp>
-      <p:sp>
-        <p:nvSpPr>
-          <p:cNvPr id="3" name="내용 개체 틀 2">
-            <a:extLst>
-              <a:ext uri="{FF2B5EF4-FFF2-40B4-BE49-F238E27FC236}">
-                <a16:creationId xmlns:a16="http://schemas.microsoft.com/office/drawing/2014/main" id="{0B05DC94-F368-F851-05D1-740A2333DE0B}"/>
-              </a:ext>
-            </a:extLst>
-          </p:cNvPr>
-          <p:cNvSpPr>
-            <a:spLocks noGrp="1"/>
-          </p:cNvSpPr>
-          <p:nvPr>
-            <p:ph idx="1"/>
-          </p:nvPr>
-        </p:nvSpPr>
-        <p:spPr/>
-        <p:txBody>
-          <a:bodyPr/>
-          <a:lstStyle/>
-          <a:p>
-            <a:endParaRPr lang="ko-KR" altLang="en-US"/>
-          </a:p>
-        </p:txBody>
-      </p:sp>
-    </p:spTree>
-    <p:extLst>
-      <p:ext uri="{BB962C8B-B14F-4D97-AF65-F5344CB8AC3E}">
-        <p14:creationId xmlns:p14="http://schemas.microsoft.com/office/powerpoint/2010/main" val="820531442"/>
-      </p:ext>
-    </p:extLst>
-  </p:cSld>
-  <p:clrMapOvr>
-    <a:masterClrMapping/>
-  </p:clrMapOvr>
-</p:sld>
-</file>
-
-<file path=ppt/slides/slide8.xml><?xml version="1.0" encoding="utf-8"?>
-<p:sld xmlns:a="http://schemas.openxmlformats.org/drawingml/2006/main" xmlns:r="http://schemas.openxmlformats.org/officeDocument/2006/relationships" xmlns:p="http://schemas.openxmlformats.org/presentationml/2006/main">
-  <p:cSld>
-    <p:spTree>
-      <p:nvGrpSpPr>
-        <p:cNvPr id="1" name=""/>
-        <p:cNvGrpSpPr/>
-        <p:nvPr/>
-      </p:nvGrpSpPr>
-      <p:grpSpPr>
-        <a:xfrm>
-          <a:off x="0" y="0"/>
-          <a:ext cx="0" cy="0"/>
-          <a:chOff x="0" y="0"/>
-          <a:chExt cx="0" cy="0"/>
-        </a:xfrm>
-      </p:grpSpPr>
-      <p:sp>
-        <p:nvSpPr>
-          <p:cNvPr id="4" name="TextBox 3">
-            <a:extLst>
-              <a:ext uri="{FF2B5EF4-FFF2-40B4-BE49-F238E27FC236}">
-                <a16:creationId xmlns:a16="http://schemas.microsoft.com/office/drawing/2014/main" id="{8F457D4E-051D-F5F3-12A5-CC2FB144F321}"/>
-              </a:ext>
-            </a:extLst>
-          </p:cNvPr>
-          <p:cNvSpPr txBox="1"/>
-          <p:nvPr/>
-        </p:nvSpPr>
-        <p:spPr>
-          <a:xfrm>
-            <a:off x="192505" y="276240"/>
-            <a:ext cx="3003082" cy="646331"/>
-          </a:xfrm>
-          <a:prstGeom prst="rect">
-            <a:avLst/>
-          </a:prstGeom>
-          <a:noFill/>
-        </p:spPr>
-        <p:txBody>
-          <a:bodyPr wrap="square" rtlCol="0">
-            <a:spAutoFit/>
-          </a:bodyPr>
-          <a:lstStyle/>
-          <a:p>
-            <a:r>
-              <a:rPr lang="en-US" altLang="ko-KR" sz="3600" b="1" dirty="0"/>
-              <a:t>Unity </a:t>
-            </a:r>
-            <a:r>
-              <a:rPr lang="ko-KR" altLang="en-US" sz="3600" b="1" dirty="0"/>
-              <a:t>설치</a:t>
-            </a:r>
-          </a:p>
-        </p:txBody>
-      </p:sp>
-      <p:pic>
-        <p:nvPicPr>
-          <p:cNvPr id="6" name="그림 5">
-            <a:extLst>
-              <a:ext uri="{FF2B5EF4-FFF2-40B4-BE49-F238E27FC236}">
-                <a16:creationId xmlns:a16="http://schemas.microsoft.com/office/drawing/2014/main" id="{49AA3E83-053B-F582-2D40-50C8A5D897B7}"/>
-              </a:ext>
-            </a:extLst>
-          </p:cNvPr>
-          <p:cNvPicPr>
-            <a:picLocks noChangeAspect="1"/>
-          </p:cNvPicPr>
-          <p:nvPr/>
-        </p:nvPicPr>
-        <p:blipFill>
-          <a:blip r:embed="rId2"/>
-          <a:stretch>
-            <a:fillRect/>
-          </a:stretch>
-        </p:blipFill>
-        <p:spPr>
-          <a:xfrm>
-            <a:off x="192505" y="1431385"/>
-            <a:ext cx="8678486" cy="4829849"/>
-          </a:xfrm>
-          <a:prstGeom prst="rect">
-            <a:avLst/>
-          </a:prstGeom>
-        </p:spPr>
-      </p:pic>
-      <p:sp>
-        <p:nvSpPr>
-          <p:cNvPr id="7" name="직사각형 6">
-            <a:extLst>
-              <a:ext uri="{FF2B5EF4-FFF2-40B4-BE49-F238E27FC236}">
-                <a16:creationId xmlns:a16="http://schemas.microsoft.com/office/drawing/2014/main" id="{3F083D19-AB60-EA6B-EC1E-A831023D1DFC}"/>
-              </a:ext>
-            </a:extLst>
-          </p:cNvPr>
-          <p:cNvSpPr/>
-          <p:nvPr/>
-        </p:nvSpPr>
-        <p:spPr>
-          <a:xfrm>
-            <a:off x="1353916" y="2754746"/>
-            <a:ext cx="6481047" cy="1027982"/>
-          </a:xfrm>
-          <a:prstGeom prst="rect">
-            <a:avLst/>
-          </a:prstGeom>
-          <a:noFill/>
-          <a:ln w="57150">
-            <a:solidFill>
-              <a:srgbClr val="C00000"/>
-            </a:solidFill>
-          </a:ln>
-        </p:spPr>
-        <p:style>
-          <a:lnRef idx="2">
-            <a:schemeClr val="accent1">
-              <a:shade val="15000"/>
-            </a:schemeClr>
-          </a:lnRef>
-          <a:fillRef idx="1">
-            <a:schemeClr val="accent1"/>
-          </a:fillRef>
-          <a:effectRef idx="0">
-            <a:schemeClr val="accent1"/>
-          </a:effectRef>
-          <a:fontRef idx="minor">
-            <a:schemeClr val="lt1"/>
-          </a:fontRef>
-        </p:style>
-        <p:txBody>
-          <a:bodyPr rtlCol="0" anchor="ctr"/>
-          <a:lstStyle/>
-          <a:p>
-            <a:pPr algn="ctr"/>
-            <a:endParaRPr lang="ko-KR" altLang="en-US"/>
-          </a:p>
-        </p:txBody>
-      </p:sp>
-      <p:cxnSp>
-        <p:nvCxnSpPr>
-          <p:cNvPr id="8" name="직선 화살표 연결선 7">
-            <a:extLst>
-              <a:ext uri="{FF2B5EF4-FFF2-40B4-BE49-F238E27FC236}">
-                <a16:creationId xmlns:a16="http://schemas.microsoft.com/office/drawing/2014/main" id="{0A16FC43-EA08-0C99-8E49-BE9362E255FD}"/>
-              </a:ext>
-            </a:extLst>
-          </p:cNvPr>
-          <p:cNvCxnSpPr>
-            <a:cxnSpLocks/>
-            <a:stCxn id="7" idx="3"/>
-          </p:cNvCxnSpPr>
-          <p:nvPr/>
-        </p:nvCxnSpPr>
-        <p:spPr>
-          <a:xfrm flipV="1">
-            <a:off x="7834963" y="2050181"/>
-            <a:ext cx="1722923" cy="1218556"/>
-          </a:xfrm>
-          <a:prstGeom prst="straightConnector1">
-            <a:avLst/>
-          </a:prstGeom>
-          <a:ln w="57150">
-            <a:solidFill>
-              <a:srgbClr val="C00000"/>
-            </a:solidFill>
-            <a:tailEnd type="triangle"/>
-          </a:ln>
-        </p:spPr>
-        <p:style>
-          <a:lnRef idx="1">
-            <a:schemeClr val="accent1"/>
-          </a:lnRef>
-          <a:fillRef idx="0">
-            <a:schemeClr val="accent1"/>
-          </a:fillRef>
-          <a:effectRef idx="0">
-            <a:schemeClr val="accent1"/>
-          </a:effectRef>
-          <a:fontRef idx="minor">
-            <a:schemeClr val="tx1"/>
-          </a:fontRef>
-        </p:style>
-      </p:cxnSp>
-      <p:sp>
-        <p:nvSpPr>
-          <p:cNvPr id="10" name="TextBox 9">
-            <a:extLst>
-              <a:ext uri="{FF2B5EF4-FFF2-40B4-BE49-F238E27FC236}">
-                <a16:creationId xmlns:a16="http://schemas.microsoft.com/office/drawing/2014/main" id="{82EF6FDE-CF57-166F-115B-00E92DBCF879}"/>
-              </a:ext>
-            </a:extLst>
-          </p:cNvPr>
-          <p:cNvSpPr txBox="1"/>
-          <p:nvPr/>
-        </p:nvSpPr>
-        <p:spPr>
-          <a:xfrm>
-            <a:off x="9073415" y="1431385"/>
-            <a:ext cx="3118585" cy="646331"/>
-          </a:xfrm>
-          <a:prstGeom prst="rect">
-            <a:avLst/>
-          </a:prstGeom>
-          <a:noFill/>
-        </p:spPr>
-        <p:txBody>
-          <a:bodyPr wrap="square" rtlCol="0">
-            <a:spAutoFit/>
-          </a:bodyPr>
-          <a:lstStyle/>
-          <a:p>
-            <a:r>
-              <a:rPr lang="en-US" altLang="ko-KR" dirty="0"/>
-              <a:t>Unity</a:t>
-            </a:r>
-            <a:r>
-              <a:rPr lang="ko-KR" altLang="en-US" dirty="0"/>
-              <a:t> </a:t>
-            </a:r>
-            <a:r>
-              <a:rPr lang="en-US" altLang="ko-KR" dirty="0"/>
-              <a:t>hub</a:t>
-            </a:r>
-            <a:r>
-              <a:rPr lang="ko-KR" altLang="en-US" dirty="0"/>
-              <a:t> 깔아서 해당 파일 다운로드</a:t>
-            </a:r>
-          </a:p>
-        </p:txBody>
-      </p:sp>
-    </p:spTree>
-    <p:extLst>
-      <p:ext uri="{BB962C8B-B14F-4D97-AF65-F5344CB8AC3E}">
-        <p14:creationId xmlns:p14="http://schemas.microsoft.com/office/powerpoint/2010/main" val="3828415265"/>
-      </p:ext>
-    </p:extLst>
-  </p:cSld>
-  <p:clrMapOvr>
-    <a:masterClrMapping/>
-  </p:clrMapOvr>
-</p:sld>
-</file>
-
-<file path=ppt/slides/slide9.xml><?xml version="1.0" encoding="utf-8"?>
-<p:sld xmlns:a="http://schemas.openxmlformats.org/drawingml/2006/main" xmlns:r="http://schemas.openxmlformats.org/officeDocument/2006/relationships" xmlns:p="http://schemas.openxmlformats.org/presentationml/2006/main">
-  <p:cSld>
-    <p:spTree>
-      <p:nvGrpSpPr>
-        <p:cNvPr id="1" name=""/>
-        <p:cNvGrpSpPr/>
-        <p:nvPr/>
-      </p:nvGrpSpPr>
-      <p:grpSpPr>
-        <a:xfrm>
-          <a:off x="0" y="0"/>
-          <a:ext cx="0" cy="0"/>
-          <a:chOff x="0" y="0"/>
-          <a:chExt cx="0" cy="0"/>
-        </a:xfrm>
-      </p:grpSpPr>
-      <p:sp>
-        <p:nvSpPr>
-          <p:cNvPr id="4" name="TextBox 3">
-            <a:extLst>
-              <a:ext uri="{FF2B5EF4-FFF2-40B4-BE49-F238E27FC236}">
-                <a16:creationId xmlns:a16="http://schemas.microsoft.com/office/drawing/2014/main" id="{F31C15ED-CBDE-FB60-0AAE-DB578C130658}"/>
-              </a:ext>
-            </a:extLst>
-          </p:cNvPr>
-          <p:cNvSpPr txBox="1"/>
-          <p:nvPr/>
-        </p:nvSpPr>
-        <p:spPr>
-          <a:xfrm>
-            <a:off x="308008" y="488162"/>
-            <a:ext cx="3936733" cy="523220"/>
-          </a:xfrm>
-          <a:prstGeom prst="rect">
-            <a:avLst/>
-          </a:prstGeom>
-          <a:noFill/>
-        </p:spPr>
-        <p:txBody>
-          <a:bodyPr wrap="square" rtlCol="0">
-            <a:spAutoFit/>
-          </a:bodyPr>
-          <a:lstStyle/>
-          <a:p>
-            <a:r>
-              <a:rPr lang="en-US" altLang="ko-KR" sz="2800" b="1" dirty="0"/>
-              <a:t>Git hub</a:t>
-            </a:r>
-            <a:r>
-              <a:rPr lang="ko-KR" altLang="en-US" sz="2800" b="1" dirty="0"/>
-              <a:t>에서 </a:t>
-            </a:r>
-            <a:r>
-              <a:rPr lang="en-US" altLang="ko-KR" sz="2800" b="1" dirty="0"/>
-              <a:t>Unity </a:t>
-            </a:r>
-            <a:r>
-              <a:rPr lang="ko-KR" altLang="en-US" sz="2800" b="1" dirty="0"/>
-              <a:t>사용</a:t>
-            </a:r>
-          </a:p>
-        </p:txBody>
-      </p:sp>
-      <p:pic>
-        <p:nvPicPr>
-          <p:cNvPr id="8" name="그림 7">
-            <a:extLst>
-              <a:ext uri="{FF2B5EF4-FFF2-40B4-BE49-F238E27FC236}">
-                <a16:creationId xmlns:a16="http://schemas.microsoft.com/office/drawing/2014/main" id="{B6533132-7A38-D529-9C94-4FD3E9B05312}"/>
-              </a:ext>
-            </a:extLst>
-          </p:cNvPr>
-          <p:cNvPicPr>
-            <a:picLocks noChangeAspect="1"/>
-          </p:cNvPicPr>
-          <p:nvPr/>
-        </p:nvPicPr>
-        <p:blipFill>
-          <a:blip r:embed="rId2"/>
-          <a:stretch>
-            <a:fillRect/>
-          </a:stretch>
-        </p:blipFill>
-        <p:spPr>
-          <a:xfrm>
-            <a:off x="429892" y="1308550"/>
-            <a:ext cx="4979505" cy="5376564"/>
-          </a:xfrm>
-          <a:prstGeom prst="rect">
-            <a:avLst/>
-          </a:prstGeom>
-        </p:spPr>
-      </p:pic>
-      <p:sp>
-        <p:nvSpPr>
-          <p:cNvPr id="9" name="직사각형 8">
-            <a:extLst>
-              <a:ext uri="{FF2B5EF4-FFF2-40B4-BE49-F238E27FC236}">
-                <a16:creationId xmlns:a16="http://schemas.microsoft.com/office/drawing/2014/main" id="{D0BEC405-6B76-AD2B-6E64-F728AB2D020D}"/>
-              </a:ext>
-            </a:extLst>
-          </p:cNvPr>
-          <p:cNvSpPr/>
-          <p:nvPr/>
-        </p:nvSpPr>
-        <p:spPr>
-          <a:xfrm>
-            <a:off x="429892" y="4572001"/>
-            <a:ext cx="3362462" cy="674254"/>
-          </a:xfrm>
-          <a:prstGeom prst="rect">
-            <a:avLst/>
-          </a:prstGeom>
-          <a:noFill/>
-          <a:ln w="57150">
-            <a:solidFill>
-              <a:srgbClr val="C00000"/>
-            </a:solidFill>
-          </a:ln>
-        </p:spPr>
-        <p:style>
-          <a:lnRef idx="2">
-            <a:schemeClr val="accent1">
-              <a:shade val="15000"/>
-            </a:schemeClr>
-          </a:lnRef>
-          <a:fillRef idx="1">
-            <a:schemeClr val="accent1"/>
-          </a:fillRef>
-          <a:effectRef idx="0">
-            <a:schemeClr val="accent1"/>
-          </a:effectRef>
-          <a:fontRef idx="minor">
-            <a:schemeClr val="lt1"/>
-          </a:fontRef>
-        </p:style>
-        <p:txBody>
-          <a:bodyPr rtlCol="0" anchor="ctr"/>
-          <a:lstStyle/>
-          <a:p>
-            <a:pPr algn="ctr"/>
-            <a:endParaRPr lang="ko-KR" altLang="en-US"/>
-          </a:p>
-        </p:txBody>
-      </p:sp>
-      <p:cxnSp>
-        <p:nvCxnSpPr>
-          <p:cNvPr id="11" name="직선 화살표 연결선 10">
-            <a:extLst>
-              <a:ext uri="{FF2B5EF4-FFF2-40B4-BE49-F238E27FC236}">
-                <a16:creationId xmlns:a16="http://schemas.microsoft.com/office/drawing/2014/main" id="{400567A6-40C1-4302-FEDC-65AABB6963BC}"/>
-              </a:ext>
-            </a:extLst>
-          </p:cNvPr>
-          <p:cNvCxnSpPr>
-            <a:cxnSpLocks/>
-            <a:stCxn id="9" idx="3"/>
-          </p:cNvCxnSpPr>
-          <p:nvPr/>
-        </p:nvCxnSpPr>
-        <p:spPr>
-          <a:xfrm flipV="1">
-            <a:off x="3792354" y="2198255"/>
-            <a:ext cx="2054264" cy="2710873"/>
-          </a:xfrm>
-          <a:prstGeom prst="straightConnector1">
-            <a:avLst/>
-          </a:prstGeom>
-          <a:ln w="57150">
-            <a:solidFill>
-              <a:srgbClr val="C00000"/>
-            </a:solidFill>
-            <a:tailEnd type="triangle"/>
-          </a:ln>
-        </p:spPr>
-        <p:style>
-          <a:lnRef idx="1">
-            <a:schemeClr val="accent1"/>
-          </a:lnRef>
-          <a:fillRef idx="0">
-            <a:schemeClr val="accent1"/>
-          </a:fillRef>
-          <a:effectRef idx="0">
-            <a:schemeClr val="accent1"/>
-          </a:effectRef>
-          <a:fontRef idx="minor">
-            <a:schemeClr val="tx1"/>
-          </a:fontRef>
-        </p:style>
-      </p:cxnSp>
-      <p:sp>
-        <p:nvSpPr>
-          <p:cNvPr id="13" name="TextBox 12">
-            <a:extLst>
-              <a:ext uri="{FF2B5EF4-FFF2-40B4-BE49-F238E27FC236}">
-                <a16:creationId xmlns:a16="http://schemas.microsoft.com/office/drawing/2014/main" id="{846FC30E-F11B-BAD6-0889-C3FB48CA6B82}"/>
-              </a:ext>
-            </a:extLst>
-          </p:cNvPr>
-          <p:cNvSpPr txBox="1"/>
-          <p:nvPr/>
-        </p:nvSpPr>
-        <p:spPr>
-          <a:xfrm>
-            <a:off x="5987095" y="1162373"/>
-            <a:ext cx="5569528" cy="1200329"/>
-          </a:xfrm>
-          <a:prstGeom prst="rect">
-            <a:avLst/>
-          </a:prstGeom>
-          <a:noFill/>
-        </p:spPr>
-        <p:txBody>
-          <a:bodyPr wrap="square" rtlCol="0">
-            <a:spAutoFit/>
-          </a:bodyPr>
-          <a:lstStyle/>
-          <a:p>
-            <a:r>
-              <a:rPr lang="en-US" altLang="ko-KR" b="1" dirty="0"/>
-              <a:t>.</a:t>
-            </a:r>
-            <a:r>
-              <a:rPr lang="en-US" altLang="ko-KR" b="1" dirty="0" err="1"/>
-              <a:t>gitignore</a:t>
-            </a:r>
-            <a:r>
-              <a:rPr lang="en-US" altLang="ko-KR" b="1" dirty="0"/>
-              <a:t> </a:t>
-            </a:r>
-            <a:r>
-              <a:rPr lang="en-US" altLang="ko-KR" b="1" dirty="0">
-                <a:sym typeface="Wingdings" panose="05000000000000000000" pitchFamily="2" charset="2"/>
-              </a:rPr>
-              <a:t> .</a:t>
-            </a:r>
-            <a:r>
-              <a:rPr lang="en-US" altLang="ko-KR" b="1" dirty="0" err="1">
-                <a:sym typeface="Wingdings" panose="05000000000000000000" pitchFamily="2" charset="2"/>
-              </a:rPr>
-              <a:t>gitignore</a:t>
-            </a:r>
-            <a:r>
-              <a:rPr lang="en-US" altLang="ko-KR" b="1" dirty="0">
-                <a:sym typeface="Wingdings" panose="05000000000000000000" pitchFamily="2" charset="2"/>
-              </a:rPr>
-              <a:t> template : Unity</a:t>
-            </a:r>
-          </a:p>
-          <a:p>
-            <a:endParaRPr lang="en-US" altLang="ko-KR" dirty="0">
-              <a:sym typeface="Wingdings" panose="05000000000000000000" pitchFamily="2" charset="2"/>
-            </a:endParaRPr>
-          </a:p>
-          <a:p>
-            <a:r>
-              <a:rPr lang="ko-KR" altLang="en-US" dirty="0"/>
-              <a:t>해줘야지 </a:t>
-            </a:r>
-            <a:r>
-              <a:rPr lang="en-US" altLang="ko-KR" dirty="0"/>
-              <a:t>Unity </a:t>
-            </a:r>
-            <a:r>
-              <a:rPr lang="ko-KR" altLang="en-US" dirty="0"/>
-              <a:t>라이브러리 파일 무시하고 올라가서 </a:t>
-            </a:r>
-            <a:endParaRPr lang="en-US" altLang="ko-KR" dirty="0"/>
-          </a:p>
-          <a:p>
-            <a:r>
-              <a:rPr lang="ko-KR" altLang="en-US" dirty="0"/>
-              <a:t>용량이</a:t>
-            </a:r>
-            <a:r>
-              <a:rPr lang="en-US" altLang="ko-KR" dirty="0"/>
-              <a:t> </a:t>
-            </a:r>
-            <a:r>
-              <a:rPr lang="ko-KR" altLang="en-US" dirty="0" err="1"/>
-              <a:t>줄어듬</a:t>
-            </a:r>
-            <a:endParaRPr lang="ko-KR" altLang="en-US" dirty="0"/>
-          </a:p>
-        </p:txBody>
-      </p:sp>
-    </p:spTree>
-    <p:extLst>
-      <p:ext uri="{BB962C8B-B14F-4D97-AF65-F5344CB8AC3E}">
-        <p14:creationId xmlns:p14="http://schemas.microsoft.com/office/powerpoint/2010/main" val="1530785828"/>
-      </p:ext>
-    </p:extLst>
-  </p:cSld>
-  <p:clrMapOvr>
-    <a:masterClrMapping/>
   </p:clrMapOvr>
 </p:sld>
 </file>

--- a/MJsec_게임 개발 멘토링/MJsec_3주차.pptx
+++ b/MJsec_게임 개발 멘토링/MJsec_3주차.pptx
@@ -6,6 +6,9 @@
   </p:sldMasterIdLst>
   <p:sldIdLst>
     <p:sldId id="256" r:id="rId2"/>
+    <p:sldId id="259" r:id="rId3"/>
+    <p:sldId id="260" r:id="rId4"/>
+    <p:sldId id="258" r:id="rId5"/>
   </p:sldIdLst>
   <p:sldSz cx="12192000" cy="6858000"/>
   <p:notesSz cx="6858000" cy="9144000"/>
@@ -112,12 +115,20 @@
 </p:presentation>
 </file>
 
+<file path=ppt/revisionInfo.xml><?xml version="1.0" encoding="utf-8"?>
+<p1510:revInfo xmlns:a="http://schemas.openxmlformats.org/drawingml/2006/main" xmlns:r="http://schemas.openxmlformats.org/officeDocument/2006/relationships" xmlns:p1510="http://schemas.microsoft.com/office/powerpoint/2015/10/main">
+  <p1510:revLst>
+    <p1510:client id="{2DB46C57-ACD9-4484-8351-0F00010CD1E7}" v="21" dt="2025-06-30T05:38:43.428"/>
+  </p1510:revLst>
+</p1510:revInfo>
+</file>
+
 <file path=ppt/changesInfos/changesInfo1.xml><?xml version="1.0" encoding="utf-8"?>
 <pc:chgInfo xmlns:a="http://schemas.openxmlformats.org/drawingml/2006/main" xmlns:r="http://schemas.openxmlformats.org/officeDocument/2006/relationships" xmlns:ac="http://schemas.microsoft.com/office/drawing/2013/main/command" xmlns:pc="http://schemas.microsoft.com/office/powerpoint/2013/main/command">
   <pc:docChgLst>
     <pc:chgData name="상진 전" userId="b279be015be064a7" providerId="LiveId" clId="{2DB46C57-ACD9-4484-8351-0F00010CD1E7}"/>
-    <pc:docChg chg="custSel delSld modSld">
-      <pc:chgData name="상진 전" userId="b279be015be064a7" providerId="LiveId" clId="{2DB46C57-ACD9-4484-8351-0F00010CD1E7}" dt="2025-06-30T03:28:21.425" v="14" actId="27636"/>
+    <pc:docChg chg="undo custSel addSld delSld modSld sldOrd">
+      <pc:chgData name="상진 전" userId="b279be015be064a7" providerId="LiveId" clId="{2DB46C57-ACD9-4484-8351-0F00010CD1E7}" dt="2025-06-30T05:39:14.522" v="964" actId="20577"/>
       <pc:docMkLst>
         <pc:docMk/>
       </pc:docMkLst>
@@ -136,6 +147,85 @@
           </ac:spMkLst>
         </pc:spChg>
       </pc:sldChg>
+      <pc:sldChg chg="addSp delSp modSp new del mod">
+        <pc:chgData name="상진 전" userId="b279be015be064a7" providerId="LiveId" clId="{2DB46C57-ACD9-4484-8351-0F00010CD1E7}" dt="2025-06-30T05:09:14.769" v="207" actId="47"/>
+        <pc:sldMkLst>
+          <pc:docMk/>
+          <pc:sldMk cId="64144942" sldId="257"/>
+        </pc:sldMkLst>
+        <pc:spChg chg="del">
+          <ac:chgData name="상진 전" userId="b279be015be064a7" providerId="LiveId" clId="{2DB46C57-ACD9-4484-8351-0F00010CD1E7}" dt="2025-06-30T04:38:16.704" v="16" actId="478"/>
+          <ac:spMkLst>
+            <pc:docMk/>
+            <pc:sldMk cId="64144942" sldId="257"/>
+            <ac:spMk id="2" creationId="{4F56F1DF-9FBA-E432-6065-9560DF943EC4}"/>
+          </ac:spMkLst>
+        </pc:spChg>
+        <pc:spChg chg="del">
+          <ac:chgData name="상진 전" userId="b279be015be064a7" providerId="LiveId" clId="{2DB46C57-ACD9-4484-8351-0F00010CD1E7}" dt="2025-06-30T04:38:16.704" v="16" actId="478"/>
+          <ac:spMkLst>
+            <pc:docMk/>
+            <pc:sldMk cId="64144942" sldId="257"/>
+            <ac:spMk id="3" creationId="{D45E0846-96B4-D068-FF52-C46878E13817}"/>
+          </ac:spMkLst>
+        </pc:spChg>
+        <pc:spChg chg="add mod">
+          <ac:chgData name="상진 전" userId="b279be015be064a7" providerId="LiveId" clId="{2DB46C57-ACD9-4484-8351-0F00010CD1E7}" dt="2025-06-30T04:42:50.656" v="65" actId="1076"/>
+          <ac:spMkLst>
+            <pc:docMk/>
+            <pc:sldMk cId="64144942" sldId="257"/>
+            <ac:spMk id="6" creationId="{1E7854FD-D571-98FE-17FB-04055D7D2088}"/>
+          </ac:spMkLst>
+        </pc:spChg>
+        <pc:spChg chg="add mod">
+          <ac:chgData name="상진 전" userId="b279be015be064a7" providerId="LiveId" clId="{2DB46C57-ACD9-4484-8351-0F00010CD1E7}" dt="2025-06-30T04:43:16.490" v="72" actId="14100"/>
+          <ac:spMkLst>
+            <pc:docMk/>
+            <pc:sldMk cId="64144942" sldId="257"/>
+            <ac:spMk id="7" creationId="{9D5C8653-72F3-3423-1BBA-B72C2B045038}"/>
+          </ac:spMkLst>
+        </pc:spChg>
+        <pc:spChg chg="add mod">
+          <ac:chgData name="상진 전" userId="b279be015be064a7" providerId="LiveId" clId="{2DB46C57-ACD9-4484-8351-0F00010CD1E7}" dt="2025-06-30T04:43:25.261" v="75" actId="14100"/>
+          <ac:spMkLst>
+            <pc:docMk/>
+            <pc:sldMk cId="64144942" sldId="257"/>
+            <ac:spMk id="8" creationId="{5A5D8CAA-26C3-D45E-A486-9FDDBE8354BF}"/>
+          </ac:spMkLst>
+        </pc:spChg>
+        <pc:spChg chg="add mod">
+          <ac:chgData name="상진 전" userId="b279be015be064a7" providerId="LiveId" clId="{2DB46C57-ACD9-4484-8351-0F00010CD1E7}" dt="2025-06-30T04:43:31.123" v="78" actId="14100"/>
+          <ac:spMkLst>
+            <pc:docMk/>
+            <pc:sldMk cId="64144942" sldId="257"/>
+            <ac:spMk id="9" creationId="{19A5541A-6A2D-D005-F5E1-1658C324EBA6}"/>
+          </ac:spMkLst>
+        </pc:spChg>
+        <pc:spChg chg="add mod">
+          <ac:chgData name="상진 전" userId="b279be015be064a7" providerId="LiveId" clId="{2DB46C57-ACD9-4484-8351-0F00010CD1E7}" dt="2025-06-30T04:43:39.282" v="81" actId="14100"/>
+          <ac:spMkLst>
+            <pc:docMk/>
+            <pc:sldMk cId="64144942" sldId="257"/>
+            <ac:spMk id="10" creationId="{94249850-6CFE-119F-7BD5-AAAC8B9B42AE}"/>
+          </ac:spMkLst>
+        </pc:spChg>
+        <pc:spChg chg="add mod">
+          <ac:chgData name="상진 전" userId="b279be015be064a7" providerId="LiveId" clId="{2DB46C57-ACD9-4484-8351-0F00010CD1E7}" dt="2025-06-30T04:44:18.614" v="199" actId="20577"/>
+          <ac:spMkLst>
+            <pc:docMk/>
+            <pc:sldMk cId="64144942" sldId="257"/>
+            <ac:spMk id="11" creationId="{FEE4AE43-9D88-D94E-CF87-54AFFCFEAE83}"/>
+          </ac:spMkLst>
+        </pc:spChg>
+        <pc:picChg chg="add mod">
+          <ac:chgData name="상진 전" userId="b279be015be064a7" providerId="LiveId" clId="{2DB46C57-ACD9-4484-8351-0F00010CD1E7}" dt="2025-06-30T04:42:52.487" v="66" actId="1076"/>
+          <ac:picMkLst>
+            <pc:docMk/>
+            <pc:sldMk cId="64144942" sldId="257"/>
+            <ac:picMk id="5" creationId="{6AC447C9-84AB-457F-6BC2-B5365777195F}"/>
+          </ac:picMkLst>
+        </pc:picChg>
+      </pc:sldChg>
       <pc:sldChg chg="del">
         <pc:chgData name="상진 전" userId="b279be015be064a7" providerId="LiveId" clId="{2DB46C57-ACD9-4484-8351-0F00010CD1E7}" dt="2025-06-30T03:28:16.861" v="6" actId="47"/>
         <pc:sldMkLst>
@@ -143,12 +233,265 @@
           <pc:sldMk cId="3828415265" sldId="257"/>
         </pc:sldMkLst>
       </pc:sldChg>
+      <pc:sldChg chg="addSp delSp modSp new mod">
+        <pc:chgData name="상진 전" userId="b279be015be064a7" providerId="LiveId" clId="{2DB46C57-ACD9-4484-8351-0F00010CD1E7}" dt="2025-06-30T05:11:34.556" v="445" actId="114"/>
+        <pc:sldMkLst>
+          <pc:docMk/>
+          <pc:sldMk cId="2261106642" sldId="258"/>
+        </pc:sldMkLst>
+        <pc:spChg chg="del">
+          <ac:chgData name="상진 전" userId="b279be015be064a7" providerId="LiveId" clId="{2DB46C57-ACD9-4484-8351-0F00010CD1E7}" dt="2025-06-30T04:45:02.990" v="201" actId="478"/>
+          <ac:spMkLst>
+            <pc:docMk/>
+            <pc:sldMk cId="2261106642" sldId="258"/>
+            <ac:spMk id="2" creationId="{FE55886D-CB44-9C98-13D4-474E85472857}"/>
+          </ac:spMkLst>
+        </pc:spChg>
+        <pc:spChg chg="del">
+          <ac:chgData name="상진 전" userId="b279be015be064a7" providerId="LiveId" clId="{2DB46C57-ACD9-4484-8351-0F00010CD1E7}" dt="2025-06-30T04:45:02.990" v="201" actId="478"/>
+          <ac:spMkLst>
+            <pc:docMk/>
+            <pc:sldMk cId="2261106642" sldId="258"/>
+            <ac:spMk id="3" creationId="{4E5BD040-CC58-E0F0-9FC0-56FD6A9C1A30}"/>
+          </ac:spMkLst>
+        </pc:spChg>
+        <pc:spChg chg="add mod">
+          <ac:chgData name="상진 전" userId="b279be015be064a7" providerId="LiveId" clId="{2DB46C57-ACD9-4484-8351-0F00010CD1E7}" dt="2025-06-30T05:09:38.648" v="218" actId="14100"/>
+          <ac:spMkLst>
+            <pc:docMk/>
+            <pc:sldMk cId="2261106642" sldId="258"/>
+            <ac:spMk id="8" creationId="{C34930C1-D934-144E-7892-9F9EE4751FE9}"/>
+          </ac:spMkLst>
+        </pc:spChg>
+        <pc:spChg chg="add mod">
+          <ac:chgData name="상진 전" userId="b279be015be064a7" providerId="LiveId" clId="{2DB46C57-ACD9-4484-8351-0F00010CD1E7}" dt="2025-06-30T05:11:17.669" v="423" actId="20577"/>
+          <ac:spMkLst>
+            <pc:docMk/>
+            <pc:sldMk cId="2261106642" sldId="258"/>
+            <ac:spMk id="13" creationId="{1EF18F7C-2FD5-4499-E639-99F2A9F5D4FF}"/>
+          </ac:spMkLst>
+        </pc:spChg>
+        <pc:spChg chg="add mod">
+          <ac:chgData name="상진 전" userId="b279be015be064a7" providerId="LiveId" clId="{2DB46C57-ACD9-4484-8351-0F00010CD1E7}" dt="2025-06-30T05:11:34.556" v="445" actId="114"/>
+          <ac:spMkLst>
+            <pc:docMk/>
+            <pc:sldMk cId="2261106642" sldId="258"/>
+            <ac:spMk id="14" creationId="{BF14BED3-20C7-7DE6-649D-7A6454F5437B}"/>
+          </ac:spMkLst>
+        </pc:spChg>
+        <pc:picChg chg="add del mod">
+          <ac:chgData name="상진 전" userId="b279be015be064a7" providerId="LiveId" clId="{2DB46C57-ACD9-4484-8351-0F00010CD1E7}" dt="2025-06-30T05:09:14.076" v="206" actId="478"/>
+          <ac:picMkLst>
+            <pc:docMk/>
+            <pc:sldMk cId="2261106642" sldId="258"/>
+            <ac:picMk id="5" creationId="{1A33AD04-EA1D-1893-1F78-EB1F67DF6029}"/>
+          </ac:picMkLst>
+        </pc:picChg>
+        <pc:picChg chg="add mod">
+          <ac:chgData name="상진 전" userId="b279be015be064a7" providerId="LiveId" clId="{2DB46C57-ACD9-4484-8351-0F00010CD1E7}" dt="2025-06-30T05:09:20.789" v="211" actId="1076"/>
+          <ac:picMkLst>
+            <pc:docMk/>
+            <pc:sldMk cId="2261106642" sldId="258"/>
+            <ac:picMk id="7" creationId="{E4ECB108-857B-0979-9221-B455FB7A0C0F}"/>
+          </ac:picMkLst>
+        </pc:picChg>
+        <pc:cxnChg chg="add mod">
+          <ac:chgData name="상진 전" userId="b279be015be064a7" providerId="LiveId" clId="{2DB46C57-ACD9-4484-8351-0F00010CD1E7}" dt="2025-06-30T05:09:54.722" v="224" actId="1582"/>
+          <ac:cxnSpMkLst>
+            <pc:docMk/>
+            <pc:sldMk cId="2261106642" sldId="258"/>
+            <ac:cxnSpMk id="10" creationId="{895FD0F8-AE3A-4F4E-6E46-660FAD46B7FA}"/>
+          </ac:cxnSpMkLst>
+        </pc:cxnChg>
+      </pc:sldChg>
       <pc:sldChg chg="del">
         <pc:chgData name="상진 전" userId="b279be015be064a7" providerId="LiveId" clId="{2DB46C57-ACD9-4484-8351-0F00010CD1E7}" dt="2025-06-30T03:28:17.293" v="7" actId="47"/>
         <pc:sldMkLst>
           <pc:docMk/>
           <pc:sldMk cId="1530785828" sldId="259"/>
         </pc:sldMkLst>
+      </pc:sldChg>
+      <pc:sldChg chg="addSp delSp modSp new mod ord">
+        <pc:chgData name="상진 전" userId="b279be015be064a7" providerId="LiveId" clId="{2DB46C57-ACD9-4484-8351-0F00010CD1E7}" dt="2025-06-30T05:25:01.058" v="755" actId="1076"/>
+        <pc:sldMkLst>
+          <pc:docMk/>
+          <pc:sldMk cId="2452192229" sldId="259"/>
+        </pc:sldMkLst>
+        <pc:spChg chg="del">
+          <ac:chgData name="상진 전" userId="b279be015be064a7" providerId="LiveId" clId="{2DB46C57-ACD9-4484-8351-0F00010CD1E7}" dt="2025-06-30T05:12:16.812" v="449" actId="478"/>
+          <ac:spMkLst>
+            <pc:docMk/>
+            <pc:sldMk cId="2452192229" sldId="259"/>
+            <ac:spMk id="2" creationId="{D7368725-9064-59E9-ED19-EB36BE2A1B9C}"/>
+          </ac:spMkLst>
+        </pc:spChg>
+        <pc:spChg chg="del">
+          <ac:chgData name="상진 전" userId="b279be015be064a7" providerId="LiveId" clId="{2DB46C57-ACD9-4484-8351-0F00010CD1E7}" dt="2025-06-30T05:12:16.812" v="449" actId="478"/>
+          <ac:spMkLst>
+            <pc:docMk/>
+            <pc:sldMk cId="2452192229" sldId="259"/>
+            <ac:spMk id="3" creationId="{824FE84C-6769-1D83-97DF-1A65B79AE927}"/>
+          </ac:spMkLst>
+        </pc:spChg>
+        <pc:spChg chg="add mod">
+          <ac:chgData name="상진 전" userId="b279be015be064a7" providerId="LiveId" clId="{2DB46C57-ACD9-4484-8351-0F00010CD1E7}" dt="2025-06-30T05:12:31.959" v="470" actId="113"/>
+          <ac:spMkLst>
+            <pc:docMk/>
+            <pc:sldMk cId="2452192229" sldId="259"/>
+            <ac:spMk id="4" creationId="{BE6999CB-F386-057B-F507-C37035E498C9}"/>
+          </ac:spMkLst>
+        </pc:spChg>
+        <pc:spChg chg="add mod">
+          <ac:chgData name="상진 전" userId="b279be015be064a7" providerId="LiveId" clId="{2DB46C57-ACD9-4484-8351-0F00010CD1E7}" dt="2025-06-30T05:22:59.084" v="477" actId="14100"/>
+          <ac:spMkLst>
+            <pc:docMk/>
+            <pc:sldMk cId="2452192229" sldId="259"/>
+            <ac:spMk id="7" creationId="{3F511220-AEE3-B686-1BC3-8ED32010FA6B}"/>
+          </ac:spMkLst>
+        </pc:spChg>
+        <pc:spChg chg="add mod">
+          <ac:chgData name="상진 전" userId="b279be015be064a7" providerId="LiveId" clId="{2DB46C57-ACD9-4484-8351-0F00010CD1E7}" dt="2025-06-30T05:23:14.818" v="481" actId="14100"/>
+          <ac:spMkLst>
+            <pc:docMk/>
+            <pc:sldMk cId="2452192229" sldId="259"/>
+            <ac:spMk id="8" creationId="{9360FAE2-23E1-CA9C-A44C-2C6840AEAD94}"/>
+          </ac:spMkLst>
+        </pc:spChg>
+        <pc:spChg chg="add mod">
+          <ac:chgData name="상진 전" userId="b279be015be064a7" providerId="LiveId" clId="{2DB46C57-ACD9-4484-8351-0F00010CD1E7}" dt="2025-06-30T05:25:01.058" v="755" actId="1076"/>
+          <ac:spMkLst>
+            <pc:docMk/>
+            <pc:sldMk cId="2452192229" sldId="259"/>
+            <ac:spMk id="13" creationId="{D4EBD9FE-C4C1-7882-5442-9D0A4D9D37EF}"/>
+          </ac:spMkLst>
+        </pc:spChg>
+        <pc:picChg chg="add mod">
+          <ac:chgData name="상진 전" userId="b279be015be064a7" providerId="LiveId" clId="{2DB46C57-ACD9-4484-8351-0F00010CD1E7}" dt="2025-06-30T05:22:37.292" v="473" actId="1076"/>
+          <ac:picMkLst>
+            <pc:docMk/>
+            <pc:sldMk cId="2452192229" sldId="259"/>
+            <ac:picMk id="6" creationId="{9A6D1BFA-B1B3-FB82-1F5C-C8E9F6519044}"/>
+          </ac:picMkLst>
+        </pc:picChg>
+        <pc:cxnChg chg="add mod">
+          <ac:chgData name="상진 전" userId="b279be015be064a7" providerId="LiveId" clId="{2DB46C57-ACD9-4484-8351-0F00010CD1E7}" dt="2025-06-30T05:23:28.238" v="485" actId="14100"/>
+          <ac:cxnSpMkLst>
+            <pc:docMk/>
+            <pc:sldMk cId="2452192229" sldId="259"/>
+            <ac:cxnSpMk id="9" creationId="{02873C38-3740-F4A4-1B01-8AFB825C4BA9}"/>
+          </ac:cxnSpMkLst>
+        </pc:cxnChg>
+      </pc:sldChg>
+      <pc:sldChg chg="addSp delSp modSp new mod">
+        <pc:chgData name="상진 전" userId="b279be015be064a7" providerId="LiveId" clId="{2DB46C57-ACD9-4484-8351-0F00010CD1E7}" dt="2025-06-30T05:39:14.522" v="964" actId="20577"/>
+        <pc:sldMkLst>
+          <pc:docMk/>
+          <pc:sldMk cId="3956589633" sldId="260"/>
+        </pc:sldMkLst>
+        <pc:spChg chg="del">
+          <ac:chgData name="상진 전" userId="b279be015be064a7" providerId="LiveId" clId="{2DB46C57-ACD9-4484-8351-0F00010CD1E7}" dt="2025-06-30T05:25:08.259" v="757" actId="478"/>
+          <ac:spMkLst>
+            <pc:docMk/>
+            <pc:sldMk cId="3956589633" sldId="260"/>
+            <ac:spMk id="2" creationId="{5BEA5F67-8EEC-A8AF-9727-75D004B2F296}"/>
+          </ac:spMkLst>
+        </pc:spChg>
+        <pc:spChg chg="del">
+          <ac:chgData name="상진 전" userId="b279be015be064a7" providerId="LiveId" clId="{2DB46C57-ACD9-4484-8351-0F00010CD1E7}" dt="2025-06-30T05:25:08.259" v="757" actId="478"/>
+          <ac:spMkLst>
+            <pc:docMk/>
+            <pc:sldMk cId="3956589633" sldId="260"/>
+            <ac:spMk id="3" creationId="{FB20A086-328B-CDEC-EB3A-937806F868D5}"/>
+          </ac:spMkLst>
+        </pc:spChg>
+        <pc:spChg chg="add mod">
+          <ac:chgData name="상진 전" userId="b279be015be064a7" providerId="LiveId" clId="{2DB46C57-ACD9-4484-8351-0F00010CD1E7}" dt="2025-06-30T05:25:12.061" v="758"/>
+          <ac:spMkLst>
+            <pc:docMk/>
+            <pc:sldMk cId="3956589633" sldId="260"/>
+            <ac:spMk id="4" creationId="{EBE366E9-B1F7-A8F3-9C69-159DE11966EC}"/>
+          </ac:spMkLst>
+        </pc:spChg>
+        <pc:spChg chg="add del mod">
+          <ac:chgData name="상진 전" userId="b279be015be064a7" providerId="LiveId" clId="{2DB46C57-ACD9-4484-8351-0F00010CD1E7}" dt="2025-06-30T05:38:02.649" v="899" actId="478"/>
+          <ac:spMkLst>
+            <pc:docMk/>
+            <pc:sldMk cId="3956589633" sldId="260"/>
+            <ac:spMk id="7" creationId="{A637F551-A757-36C5-CD99-0A9F161976FF}"/>
+          </ac:spMkLst>
+        </pc:spChg>
+        <pc:spChg chg="add del mod">
+          <ac:chgData name="상진 전" userId="b279be015be064a7" providerId="LiveId" clId="{2DB46C57-ACD9-4484-8351-0F00010CD1E7}" dt="2025-06-30T05:38:04.369" v="901" actId="478"/>
+          <ac:spMkLst>
+            <pc:docMk/>
+            <pc:sldMk cId="3956589633" sldId="260"/>
+            <ac:spMk id="8" creationId="{2B6F7C6E-6876-7257-F818-BD84432710CF}"/>
+          </ac:spMkLst>
+        </pc:spChg>
+        <pc:spChg chg="add mod">
+          <ac:chgData name="상진 전" userId="b279be015be064a7" providerId="LiveId" clId="{2DB46C57-ACD9-4484-8351-0F00010CD1E7}" dt="2025-06-30T05:39:14.522" v="964" actId="20577"/>
+          <ac:spMkLst>
+            <pc:docMk/>
+            <pc:sldMk cId="3956589633" sldId="260"/>
+            <ac:spMk id="12" creationId="{F0568580-17B0-09CD-FE9C-DBDE9CA25796}"/>
+          </ac:spMkLst>
+        </pc:spChg>
+        <pc:spChg chg="add mod">
+          <ac:chgData name="상진 전" userId="b279be015be064a7" providerId="LiveId" clId="{2DB46C57-ACD9-4484-8351-0F00010CD1E7}" dt="2025-06-30T05:38:27.587" v="913" actId="1076"/>
+          <ac:spMkLst>
+            <pc:docMk/>
+            <pc:sldMk cId="3956589633" sldId="260"/>
+            <ac:spMk id="13" creationId="{395E2E58-6FFD-B4CB-6B8C-63F6B478F4C1}"/>
+          </ac:spMkLst>
+        </pc:spChg>
+        <pc:spChg chg="add mod">
+          <ac:chgData name="상진 전" userId="b279be015be064a7" providerId="LiveId" clId="{2DB46C57-ACD9-4484-8351-0F00010CD1E7}" dt="2025-06-30T05:38:21.503" v="911" actId="14100"/>
+          <ac:spMkLst>
+            <pc:docMk/>
+            <pc:sldMk cId="3956589633" sldId="260"/>
+            <ac:spMk id="16" creationId="{5813F2B7-8046-6BCA-DB64-830E90364E07}"/>
+          </ac:spMkLst>
+        </pc:spChg>
+        <pc:spChg chg="add mod">
+          <ac:chgData name="상진 전" userId="b279be015be064a7" providerId="LiveId" clId="{2DB46C57-ACD9-4484-8351-0F00010CD1E7}" dt="2025-06-30T05:38:36.529" v="918" actId="1076"/>
+          <ac:spMkLst>
+            <pc:docMk/>
+            <pc:sldMk cId="3956589633" sldId="260"/>
+            <ac:spMk id="17" creationId="{2B3BA00F-63C2-1C9B-AAFB-F21DCF4AD69A}"/>
+          </ac:spMkLst>
+        </pc:spChg>
+        <pc:picChg chg="add del mod">
+          <ac:chgData name="상진 전" userId="b279be015be064a7" providerId="LiveId" clId="{2DB46C57-ACD9-4484-8351-0F00010CD1E7}" dt="2025-06-30T05:37:49.824" v="893" actId="478"/>
+          <ac:picMkLst>
+            <pc:docMk/>
+            <pc:sldMk cId="3956589633" sldId="260"/>
+            <ac:picMk id="6" creationId="{00551EDF-8DC1-8C6E-775C-4A35AB407E79}"/>
+          </ac:picMkLst>
+        </pc:picChg>
+        <pc:picChg chg="add mod">
+          <ac:chgData name="상진 전" userId="b279be015be064a7" providerId="LiveId" clId="{2DB46C57-ACD9-4484-8351-0F00010CD1E7}" dt="2025-06-30T05:38:11.978" v="907" actId="14100"/>
+          <ac:picMkLst>
+            <pc:docMk/>
+            <pc:sldMk cId="3956589633" sldId="260"/>
+            <ac:picMk id="15" creationId="{A96F96D7-D117-C142-9F8C-887F45FDE98D}"/>
+          </ac:picMkLst>
+        </pc:picChg>
+        <pc:cxnChg chg="add del mod">
+          <ac:chgData name="상진 전" userId="b279be015be064a7" providerId="LiveId" clId="{2DB46C57-ACD9-4484-8351-0F00010CD1E7}" dt="2025-06-30T05:38:05.145" v="902" actId="478"/>
+          <ac:cxnSpMkLst>
+            <pc:docMk/>
+            <pc:sldMk cId="3956589633" sldId="260"/>
+            <ac:cxnSpMk id="9" creationId="{98148B74-5710-C16A-05C4-EB4D5EEDEC72}"/>
+          </ac:cxnSpMkLst>
+        </pc:cxnChg>
+        <pc:cxnChg chg="add mod">
+          <ac:chgData name="상진 전" userId="b279be015be064a7" providerId="LiveId" clId="{2DB46C57-ACD9-4484-8351-0F00010CD1E7}" dt="2025-06-30T05:39:14.370" v="963" actId="20577"/>
+          <ac:cxnSpMkLst>
+            <pc:docMk/>
+            <pc:sldMk cId="3956589633" sldId="260"/>
+            <ac:cxnSpMk id="18" creationId="{90E45D49-3A41-6AC1-86E1-A837481A044E}"/>
+          </ac:cxnSpMkLst>
+        </pc:cxnChg>
       </pc:sldChg>
       <pc:sldChg chg="del">
         <pc:chgData name="상진 전" userId="b279be015be064a7" providerId="LiveId" clId="{2DB46C57-ACD9-4484-8351-0F00010CD1E7}" dt="2025-06-30T03:28:17.684" v="8" actId="47"/>
@@ -4149,6 +4492,878 @@
 </p:sld>
 </file>
 
+<file path=ppt/slides/slide2.xml><?xml version="1.0" encoding="utf-8"?>
+<p:sld xmlns:a="http://schemas.openxmlformats.org/drawingml/2006/main" xmlns:r="http://schemas.openxmlformats.org/officeDocument/2006/relationships" xmlns:p="http://schemas.openxmlformats.org/presentationml/2006/main">
+  <p:cSld>
+    <p:spTree>
+      <p:nvGrpSpPr>
+        <p:cNvPr id="1" name=""/>
+        <p:cNvGrpSpPr/>
+        <p:nvPr/>
+      </p:nvGrpSpPr>
+      <p:grpSpPr>
+        <a:xfrm>
+          <a:off x="0" y="0"/>
+          <a:ext cx="0" cy="0"/>
+          <a:chOff x="0" y="0"/>
+          <a:chExt cx="0" cy="0"/>
+        </a:xfrm>
+      </p:grpSpPr>
+      <p:sp>
+        <p:nvSpPr>
+          <p:cNvPr id="4" name="TextBox 3">
+            <a:extLst>
+              <a:ext uri="{FF2B5EF4-FFF2-40B4-BE49-F238E27FC236}">
+                <a16:creationId xmlns:a16="http://schemas.microsoft.com/office/drawing/2014/main" id="{BE6999CB-F386-057B-F507-C37035E498C9}"/>
+              </a:ext>
+            </a:extLst>
+          </p:cNvPr>
+          <p:cNvSpPr txBox="1"/>
+          <p:nvPr/>
+        </p:nvSpPr>
+        <p:spPr>
+          <a:xfrm>
+            <a:off x="600075" y="600075"/>
+            <a:ext cx="2476500" cy="646331"/>
+          </a:xfrm>
+          <a:prstGeom prst="rect">
+            <a:avLst/>
+          </a:prstGeom>
+          <a:noFill/>
+        </p:spPr>
+        <p:txBody>
+          <a:bodyPr wrap="square" rtlCol="0">
+            <a:spAutoFit/>
+          </a:bodyPr>
+          <a:lstStyle/>
+          <a:p>
+            <a:r>
+              <a:rPr lang="ko-KR" altLang="en-US" b="1" dirty="0"/>
+              <a:t>배경 제작</a:t>
+            </a:r>
+            <a:endParaRPr lang="en-US" altLang="ko-KR" b="1" dirty="0"/>
+          </a:p>
+          <a:p>
+            <a:endParaRPr lang="ko-KR" altLang="en-US" dirty="0"/>
+          </a:p>
+        </p:txBody>
+      </p:sp>
+      <p:pic>
+        <p:nvPicPr>
+          <p:cNvPr id="6" name="그림 5">
+            <a:extLst>
+              <a:ext uri="{FF2B5EF4-FFF2-40B4-BE49-F238E27FC236}">
+                <a16:creationId xmlns:a16="http://schemas.microsoft.com/office/drawing/2014/main" id="{9A6D1BFA-B1B3-FB82-1F5C-C8E9F6519044}"/>
+              </a:ext>
+            </a:extLst>
+          </p:cNvPr>
+          <p:cNvPicPr>
+            <a:picLocks noChangeAspect="1"/>
+          </p:cNvPicPr>
+          <p:nvPr/>
+        </p:nvPicPr>
+        <p:blipFill>
+          <a:blip r:embed="rId2"/>
+          <a:stretch>
+            <a:fillRect/>
+          </a:stretch>
+        </p:blipFill>
+        <p:spPr>
+          <a:xfrm>
+            <a:off x="276225" y="1246406"/>
+            <a:ext cx="8103884" cy="3498334"/>
+          </a:xfrm>
+          <a:prstGeom prst="rect">
+            <a:avLst/>
+          </a:prstGeom>
+        </p:spPr>
+      </p:pic>
+      <p:sp>
+        <p:nvSpPr>
+          <p:cNvPr id="7" name="직사각형 6">
+            <a:extLst>
+              <a:ext uri="{FF2B5EF4-FFF2-40B4-BE49-F238E27FC236}">
+                <a16:creationId xmlns:a16="http://schemas.microsoft.com/office/drawing/2014/main" id="{3F511220-AEE3-B686-1BC3-8ED32010FA6B}"/>
+              </a:ext>
+            </a:extLst>
+          </p:cNvPr>
+          <p:cNvSpPr/>
+          <p:nvPr/>
+        </p:nvSpPr>
+        <p:spPr>
+          <a:xfrm>
+            <a:off x="4856630" y="1698625"/>
+            <a:ext cx="655170" cy="873126"/>
+          </a:xfrm>
+          <a:prstGeom prst="rect">
+            <a:avLst/>
+          </a:prstGeom>
+          <a:noFill/>
+          <a:ln w="57150">
+            <a:solidFill>
+              <a:srgbClr val="C00000"/>
+            </a:solidFill>
+          </a:ln>
+        </p:spPr>
+        <p:style>
+          <a:lnRef idx="2">
+            <a:schemeClr val="accent1">
+              <a:shade val="15000"/>
+            </a:schemeClr>
+          </a:lnRef>
+          <a:fillRef idx="1">
+            <a:schemeClr val="accent1"/>
+          </a:fillRef>
+          <a:effectRef idx="0">
+            <a:schemeClr val="accent1"/>
+          </a:effectRef>
+          <a:fontRef idx="minor">
+            <a:schemeClr val="lt1"/>
+          </a:fontRef>
+        </p:style>
+        <p:txBody>
+          <a:bodyPr rtlCol="0" anchor="ctr"/>
+          <a:lstStyle/>
+          <a:p>
+            <a:pPr algn="ctr"/>
+            <a:endParaRPr lang="ko-KR" altLang="en-US"/>
+          </a:p>
+        </p:txBody>
+      </p:sp>
+      <p:sp>
+        <p:nvSpPr>
+          <p:cNvPr id="8" name="직사각형 7">
+            <a:extLst>
+              <a:ext uri="{FF2B5EF4-FFF2-40B4-BE49-F238E27FC236}">
+                <a16:creationId xmlns:a16="http://schemas.microsoft.com/office/drawing/2014/main" id="{9360FAE2-23E1-CA9C-A44C-2C6840AEAD94}"/>
+              </a:ext>
+            </a:extLst>
+          </p:cNvPr>
+          <p:cNvSpPr/>
+          <p:nvPr/>
+        </p:nvSpPr>
+        <p:spPr>
+          <a:xfrm>
+            <a:off x="6997849" y="3482340"/>
+            <a:ext cx="1382259" cy="167640"/>
+          </a:xfrm>
+          <a:prstGeom prst="rect">
+            <a:avLst/>
+          </a:prstGeom>
+          <a:noFill/>
+          <a:ln w="57150">
+            <a:solidFill>
+              <a:srgbClr val="C00000"/>
+            </a:solidFill>
+          </a:ln>
+        </p:spPr>
+        <p:style>
+          <a:lnRef idx="2">
+            <a:schemeClr val="accent1">
+              <a:shade val="15000"/>
+            </a:schemeClr>
+          </a:lnRef>
+          <a:fillRef idx="1">
+            <a:schemeClr val="accent1"/>
+          </a:fillRef>
+          <a:effectRef idx="0">
+            <a:schemeClr val="accent1"/>
+          </a:effectRef>
+          <a:fontRef idx="minor">
+            <a:schemeClr val="lt1"/>
+          </a:fontRef>
+        </p:style>
+        <p:txBody>
+          <a:bodyPr rtlCol="0" anchor="ctr"/>
+          <a:lstStyle/>
+          <a:p>
+            <a:pPr algn="ctr"/>
+            <a:endParaRPr lang="ko-KR" altLang="en-US"/>
+          </a:p>
+        </p:txBody>
+      </p:sp>
+      <p:cxnSp>
+        <p:nvCxnSpPr>
+          <p:cNvPr id="9" name="직선 화살표 연결선 8">
+            <a:extLst>
+              <a:ext uri="{FF2B5EF4-FFF2-40B4-BE49-F238E27FC236}">
+                <a16:creationId xmlns:a16="http://schemas.microsoft.com/office/drawing/2014/main" id="{02873C38-3740-F4A4-1B01-8AFB825C4BA9}"/>
+              </a:ext>
+            </a:extLst>
+          </p:cNvPr>
+          <p:cNvCxnSpPr>
+            <a:cxnSpLocks/>
+            <a:stCxn id="8" idx="2"/>
+          </p:cNvCxnSpPr>
+          <p:nvPr/>
+        </p:nvCxnSpPr>
+        <p:spPr>
+          <a:xfrm flipH="1">
+            <a:off x="5194152" y="3649980"/>
+            <a:ext cx="2494827" cy="1409700"/>
+          </a:xfrm>
+          <a:prstGeom prst="straightConnector1">
+            <a:avLst/>
+          </a:prstGeom>
+          <a:ln w="57150">
+            <a:solidFill>
+              <a:srgbClr val="C00000"/>
+            </a:solidFill>
+            <a:tailEnd type="triangle"/>
+          </a:ln>
+        </p:spPr>
+        <p:style>
+          <a:lnRef idx="1">
+            <a:schemeClr val="accent1"/>
+          </a:lnRef>
+          <a:fillRef idx="0">
+            <a:schemeClr val="accent1"/>
+          </a:fillRef>
+          <a:effectRef idx="0">
+            <a:schemeClr val="accent1"/>
+          </a:effectRef>
+          <a:fontRef idx="minor">
+            <a:schemeClr val="tx1"/>
+          </a:fontRef>
+        </p:style>
+      </p:cxnSp>
+      <p:sp>
+        <p:nvSpPr>
+          <p:cNvPr id="13" name="TextBox 12">
+            <a:extLst>
+              <a:ext uri="{FF2B5EF4-FFF2-40B4-BE49-F238E27FC236}">
+                <a16:creationId xmlns:a16="http://schemas.microsoft.com/office/drawing/2014/main" id="{D4EBD9FE-C4C1-7882-5442-9D0A4D9D37EF}"/>
+              </a:ext>
+            </a:extLst>
+          </p:cNvPr>
+          <p:cNvSpPr txBox="1"/>
+          <p:nvPr/>
+        </p:nvSpPr>
+        <p:spPr>
+          <a:xfrm>
+            <a:off x="1266825" y="5159375"/>
+            <a:ext cx="8210550" cy="646331"/>
+          </a:xfrm>
+          <a:prstGeom prst="rect">
+            <a:avLst/>
+          </a:prstGeom>
+          <a:noFill/>
+        </p:spPr>
+        <p:txBody>
+          <a:bodyPr wrap="square" rtlCol="0">
+            <a:spAutoFit/>
+          </a:bodyPr>
+          <a:lstStyle/>
+          <a:p>
+            <a:r>
+              <a:rPr lang="ko-KR" altLang="en-US" dirty="0"/>
+              <a:t>캐릭터보다 배경이 위에 그려지는 것을 방지하기 위해 </a:t>
+            </a:r>
+            <a:r>
+              <a:rPr lang="en-US" altLang="ko-KR" dirty="0"/>
+              <a:t>Order in Layer</a:t>
+            </a:r>
+            <a:r>
+              <a:rPr lang="ko-KR" altLang="en-US" dirty="0"/>
+              <a:t>를 캐릭터보다 낮게 설정 </a:t>
+            </a:r>
+            <a:r>
+              <a:rPr lang="en-US" altLang="ko-KR" dirty="0"/>
+              <a:t>-&gt; </a:t>
+            </a:r>
+            <a:r>
+              <a:rPr lang="ko-KR" altLang="en-US" dirty="0"/>
+              <a:t>낮을수록 아래 그려진다 </a:t>
+            </a:r>
+          </a:p>
+        </p:txBody>
+      </p:sp>
+    </p:spTree>
+    <p:extLst>
+      <p:ext uri="{BB962C8B-B14F-4D97-AF65-F5344CB8AC3E}">
+        <p14:creationId xmlns:p14="http://schemas.microsoft.com/office/powerpoint/2010/main" val="2452192229"/>
+      </p:ext>
+    </p:extLst>
+  </p:cSld>
+  <p:clrMapOvr>
+    <a:masterClrMapping/>
+  </p:clrMapOvr>
+</p:sld>
+</file>
+
+<file path=ppt/slides/slide3.xml><?xml version="1.0" encoding="utf-8"?>
+<p:sld xmlns:a="http://schemas.openxmlformats.org/drawingml/2006/main" xmlns:r="http://schemas.openxmlformats.org/officeDocument/2006/relationships" xmlns:p="http://schemas.openxmlformats.org/presentationml/2006/main">
+  <p:cSld>
+    <p:spTree>
+      <p:nvGrpSpPr>
+        <p:cNvPr id="1" name=""/>
+        <p:cNvGrpSpPr/>
+        <p:nvPr/>
+      </p:nvGrpSpPr>
+      <p:grpSpPr>
+        <a:xfrm>
+          <a:off x="0" y="0"/>
+          <a:ext cx="0" cy="0"/>
+          <a:chOff x="0" y="0"/>
+          <a:chExt cx="0" cy="0"/>
+        </a:xfrm>
+      </p:grpSpPr>
+      <p:sp>
+        <p:nvSpPr>
+          <p:cNvPr id="4" name="TextBox 3">
+            <a:extLst>
+              <a:ext uri="{FF2B5EF4-FFF2-40B4-BE49-F238E27FC236}">
+                <a16:creationId xmlns:a16="http://schemas.microsoft.com/office/drawing/2014/main" id="{EBE366E9-B1F7-A8F3-9C69-159DE11966EC}"/>
+              </a:ext>
+            </a:extLst>
+          </p:cNvPr>
+          <p:cNvSpPr txBox="1"/>
+          <p:nvPr/>
+        </p:nvSpPr>
+        <p:spPr>
+          <a:xfrm>
+            <a:off x="600075" y="600075"/>
+            <a:ext cx="2476500" cy="646331"/>
+          </a:xfrm>
+          <a:prstGeom prst="rect">
+            <a:avLst/>
+          </a:prstGeom>
+          <a:noFill/>
+        </p:spPr>
+        <p:txBody>
+          <a:bodyPr wrap="square" rtlCol="0">
+            <a:spAutoFit/>
+          </a:bodyPr>
+          <a:lstStyle/>
+          <a:p>
+            <a:r>
+              <a:rPr lang="ko-KR" altLang="en-US" b="1" dirty="0"/>
+              <a:t>배경 제작</a:t>
+            </a:r>
+            <a:endParaRPr lang="en-US" altLang="ko-KR" b="1" dirty="0"/>
+          </a:p>
+          <a:p>
+            <a:endParaRPr lang="ko-KR" altLang="en-US" dirty="0"/>
+          </a:p>
+        </p:txBody>
+      </p:sp>
+      <p:sp>
+        <p:nvSpPr>
+          <p:cNvPr id="12" name="TextBox 11">
+            <a:extLst>
+              <a:ext uri="{FF2B5EF4-FFF2-40B4-BE49-F238E27FC236}">
+                <a16:creationId xmlns:a16="http://schemas.microsoft.com/office/drawing/2014/main" id="{F0568580-17B0-09CD-FE9C-DBDE9CA25796}"/>
+              </a:ext>
+            </a:extLst>
+          </p:cNvPr>
+          <p:cNvSpPr txBox="1"/>
+          <p:nvPr/>
+        </p:nvSpPr>
+        <p:spPr>
+          <a:xfrm>
+            <a:off x="7391400" y="6019115"/>
+            <a:ext cx="4362450" cy="369332"/>
+          </a:xfrm>
+          <a:prstGeom prst="rect">
+            <a:avLst/>
+          </a:prstGeom>
+          <a:noFill/>
+        </p:spPr>
+        <p:txBody>
+          <a:bodyPr wrap="square" rtlCol="0">
+            <a:spAutoFit/>
+          </a:bodyPr>
+          <a:lstStyle/>
+          <a:p>
+            <a:r>
+              <a:rPr lang="ko-KR" altLang="en-US" dirty="0"/>
+              <a:t>누르면 </a:t>
+            </a:r>
+            <a:r>
+              <a:rPr lang="en-US" altLang="ko-KR" dirty="0"/>
+              <a:t>Scene</a:t>
+            </a:r>
+            <a:r>
+              <a:rPr lang="ko-KR" altLang="en-US" dirty="0"/>
+              <a:t>에서 충돌 범위 조절 가능</a:t>
+            </a:r>
+          </a:p>
+        </p:txBody>
+      </p:sp>
+      <p:sp>
+        <p:nvSpPr>
+          <p:cNvPr id="13" name="TextBox 12">
+            <a:extLst>
+              <a:ext uri="{FF2B5EF4-FFF2-40B4-BE49-F238E27FC236}">
+                <a16:creationId xmlns:a16="http://schemas.microsoft.com/office/drawing/2014/main" id="{395E2E58-6FFD-B4CB-6B8C-63F6B478F4C1}"/>
+              </a:ext>
+            </a:extLst>
+          </p:cNvPr>
+          <p:cNvSpPr txBox="1"/>
+          <p:nvPr/>
+        </p:nvSpPr>
+        <p:spPr>
+          <a:xfrm>
+            <a:off x="8391527" y="830907"/>
+            <a:ext cx="4362450" cy="646331"/>
+          </a:xfrm>
+          <a:prstGeom prst="rect">
+            <a:avLst/>
+          </a:prstGeom>
+          <a:noFill/>
+        </p:spPr>
+        <p:txBody>
+          <a:bodyPr wrap="square" rtlCol="0">
+            <a:spAutoFit/>
+          </a:bodyPr>
+          <a:lstStyle/>
+          <a:p>
+            <a:r>
+              <a:rPr lang="ko-KR" altLang="en-US" dirty="0"/>
+              <a:t>배경에 물리적 바닥 추가하기</a:t>
+            </a:r>
+            <a:endParaRPr lang="en-US" altLang="ko-KR" dirty="0"/>
+          </a:p>
+          <a:p>
+            <a:endParaRPr lang="ko-KR" altLang="en-US" dirty="0"/>
+          </a:p>
+        </p:txBody>
+      </p:sp>
+      <p:pic>
+        <p:nvPicPr>
+          <p:cNvPr id="15" name="그림 14">
+            <a:extLst>
+              <a:ext uri="{FF2B5EF4-FFF2-40B4-BE49-F238E27FC236}">
+                <a16:creationId xmlns:a16="http://schemas.microsoft.com/office/drawing/2014/main" id="{A96F96D7-D117-C142-9F8C-887F45FDE98D}"/>
+              </a:ext>
+            </a:extLst>
+          </p:cNvPr>
+          <p:cNvPicPr>
+            <a:picLocks noChangeAspect="1"/>
+          </p:cNvPicPr>
+          <p:nvPr/>
+        </p:nvPicPr>
+        <p:blipFill>
+          <a:blip r:embed="rId2"/>
+          <a:stretch>
+            <a:fillRect/>
+          </a:stretch>
+        </p:blipFill>
+        <p:spPr>
+          <a:xfrm>
+            <a:off x="523875" y="1292572"/>
+            <a:ext cx="9244927" cy="4441478"/>
+          </a:xfrm>
+          <a:prstGeom prst="rect">
+            <a:avLst/>
+          </a:prstGeom>
+        </p:spPr>
+      </p:pic>
+      <p:sp>
+        <p:nvSpPr>
+          <p:cNvPr id="16" name="직사각형 15">
+            <a:extLst>
+              <a:ext uri="{FF2B5EF4-FFF2-40B4-BE49-F238E27FC236}">
+                <a16:creationId xmlns:a16="http://schemas.microsoft.com/office/drawing/2014/main" id="{5813F2B7-8046-6BCA-DB64-830E90364E07}"/>
+              </a:ext>
+            </a:extLst>
+          </p:cNvPr>
+          <p:cNvSpPr/>
+          <p:nvPr/>
+        </p:nvSpPr>
+        <p:spPr>
+          <a:xfrm>
+            <a:off x="8686800" y="1661904"/>
+            <a:ext cx="1082002" cy="4072146"/>
+          </a:xfrm>
+          <a:prstGeom prst="rect">
+            <a:avLst/>
+          </a:prstGeom>
+          <a:noFill/>
+          <a:ln w="57150">
+            <a:solidFill>
+              <a:srgbClr val="C00000"/>
+            </a:solidFill>
+          </a:ln>
+        </p:spPr>
+        <p:style>
+          <a:lnRef idx="2">
+            <a:schemeClr val="accent1">
+              <a:shade val="15000"/>
+            </a:schemeClr>
+          </a:lnRef>
+          <a:fillRef idx="1">
+            <a:schemeClr val="accent1"/>
+          </a:fillRef>
+          <a:effectRef idx="0">
+            <a:schemeClr val="accent1"/>
+          </a:effectRef>
+          <a:fontRef idx="minor">
+            <a:schemeClr val="lt1"/>
+          </a:fontRef>
+        </p:style>
+        <p:txBody>
+          <a:bodyPr rtlCol="0" anchor="ctr"/>
+          <a:lstStyle/>
+          <a:p>
+            <a:pPr algn="ctr"/>
+            <a:endParaRPr lang="ko-KR" altLang="en-US"/>
+          </a:p>
+        </p:txBody>
+      </p:sp>
+      <p:sp>
+        <p:nvSpPr>
+          <p:cNvPr id="17" name="직사각형 16">
+            <a:extLst>
+              <a:ext uri="{FF2B5EF4-FFF2-40B4-BE49-F238E27FC236}">
+                <a16:creationId xmlns:a16="http://schemas.microsoft.com/office/drawing/2014/main" id="{2B3BA00F-63C2-1C9B-AAFB-F21DCF4AD69A}"/>
+              </a:ext>
+            </a:extLst>
+          </p:cNvPr>
+          <p:cNvSpPr/>
+          <p:nvPr/>
+        </p:nvSpPr>
+        <p:spPr>
+          <a:xfrm>
+            <a:off x="9188977" y="2219325"/>
+            <a:ext cx="421748" cy="238126"/>
+          </a:xfrm>
+          <a:prstGeom prst="rect">
+            <a:avLst/>
+          </a:prstGeom>
+          <a:noFill/>
+          <a:ln w="57150">
+            <a:solidFill>
+              <a:srgbClr val="C00000"/>
+            </a:solidFill>
+          </a:ln>
+        </p:spPr>
+        <p:style>
+          <a:lnRef idx="2">
+            <a:schemeClr val="accent1">
+              <a:shade val="15000"/>
+            </a:schemeClr>
+          </a:lnRef>
+          <a:fillRef idx="1">
+            <a:schemeClr val="accent1"/>
+          </a:fillRef>
+          <a:effectRef idx="0">
+            <a:schemeClr val="accent1"/>
+          </a:effectRef>
+          <a:fontRef idx="minor">
+            <a:schemeClr val="lt1"/>
+          </a:fontRef>
+        </p:style>
+        <p:txBody>
+          <a:bodyPr rtlCol="0" anchor="ctr"/>
+          <a:lstStyle/>
+          <a:p>
+            <a:pPr algn="ctr"/>
+            <a:endParaRPr lang="ko-KR" altLang="en-US"/>
+          </a:p>
+        </p:txBody>
+      </p:sp>
+      <p:cxnSp>
+        <p:nvCxnSpPr>
+          <p:cNvPr id="18" name="직선 화살표 연결선 17">
+            <a:extLst>
+              <a:ext uri="{FF2B5EF4-FFF2-40B4-BE49-F238E27FC236}">
+                <a16:creationId xmlns:a16="http://schemas.microsoft.com/office/drawing/2014/main" id="{90E45D49-3A41-6AC1-86E1-A837481A044E}"/>
+              </a:ext>
+            </a:extLst>
+          </p:cNvPr>
+          <p:cNvCxnSpPr>
+            <a:cxnSpLocks/>
+            <a:stCxn id="17" idx="2"/>
+            <a:endCxn id="12" idx="0"/>
+          </p:cNvCxnSpPr>
+          <p:nvPr/>
+        </p:nvCxnSpPr>
+        <p:spPr>
+          <a:xfrm>
+            <a:off x="9399851" y="2457451"/>
+            <a:ext cx="172774" cy="3561664"/>
+          </a:xfrm>
+          <a:prstGeom prst="straightConnector1">
+            <a:avLst/>
+          </a:prstGeom>
+          <a:ln w="57150">
+            <a:solidFill>
+              <a:srgbClr val="C00000"/>
+            </a:solidFill>
+            <a:tailEnd type="triangle"/>
+          </a:ln>
+        </p:spPr>
+        <p:style>
+          <a:lnRef idx="1">
+            <a:schemeClr val="accent1"/>
+          </a:lnRef>
+          <a:fillRef idx="0">
+            <a:schemeClr val="accent1"/>
+          </a:fillRef>
+          <a:effectRef idx="0">
+            <a:schemeClr val="accent1"/>
+          </a:effectRef>
+          <a:fontRef idx="minor">
+            <a:schemeClr val="tx1"/>
+          </a:fontRef>
+        </p:style>
+      </p:cxnSp>
+    </p:spTree>
+    <p:extLst>
+      <p:ext uri="{BB962C8B-B14F-4D97-AF65-F5344CB8AC3E}">
+        <p14:creationId xmlns:p14="http://schemas.microsoft.com/office/powerpoint/2010/main" val="3956589633"/>
+      </p:ext>
+    </p:extLst>
+  </p:cSld>
+  <p:clrMapOvr>
+    <a:masterClrMapping/>
+  </p:clrMapOvr>
+</p:sld>
+</file>
+
+<file path=ppt/slides/slide4.xml><?xml version="1.0" encoding="utf-8"?>
+<p:sld xmlns:a="http://schemas.openxmlformats.org/drawingml/2006/main" xmlns:r="http://schemas.openxmlformats.org/officeDocument/2006/relationships" xmlns:p="http://schemas.openxmlformats.org/presentationml/2006/main">
+  <p:cSld>
+    <p:spTree>
+      <p:nvGrpSpPr>
+        <p:cNvPr id="1" name=""/>
+        <p:cNvGrpSpPr/>
+        <p:nvPr/>
+      </p:nvGrpSpPr>
+      <p:grpSpPr>
+        <a:xfrm>
+          <a:off x="0" y="0"/>
+          <a:ext cx="0" cy="0"/>
+          <a:chOff x="0" y="0"/>
+          <a:chExt cx="0" cy="0"/>
+        </a:xfrm>
+      </p:grpSpPr>
+      <p:pic>
+        <p:nvPicPr>
+          <p:cNvPr id="7" name="그림 6">
+            <a:extLst>
+              <a:ext uri="{FF2B5EF4-FFF2-40B4-BE49-F238E27FC236}">
+                <a16:creationId xmlns:a16="http://schemas.microsoft.com/office/drawing/2014/main" id="{E4ECB108-857B-0979-9221-B455FB7A0C0F}"/>
+              </a:ext>
+            </a:extLst>
+          </p:cNvPr>
+          <p:cNvPicPr>
+            <a:picLocks noChangeAspect="1"/>
+          </p:cNvPicPr>
+          <p:nvPr/>
+        </p:nvPicPr>
+        <p:blipFill>
+          <a:blip r:embed="rId2"/>
+          <a:stretch>
+            <a:fillRect/>
+          </a:stretch>
+        </p:blipFill>
+        <p:spPr>
+          <a:xfrm>
+            <a:off x="542115" y="1162049"/>
+            <a:ext cx="2621305" cy="5419725"/>
+          </a:xfrm>
+          <a:prstGeom prst="rect">
+            <a:avLst/>
+          </a:prstGeom>
+        </p:spPr>
+      </p:pic>
+      <p:sp>
+        <p:nvSpPr>
+          <p:cNvPr id="8" name="직사각형 7">
+            <a:extLst>
+              <a:ext uri="{FF2B5EF4-FFF2-40B4-BE49-F238E27FC236}">
+                <a16:creationId xmlns:a16="http://schemas.microsoft.com/office/drawing/2014/main" id="{C34930C1-D934-144E-7892-9F9EE4751FE9}"/>
+              </a:ext>
+            </a:extLst>
+          </p:cNvPr>
+          <p:cNvSpPr/>
+          <p:nvPr/>
+        </p:nvSpPr>
+        <p:spPr>
+          <a:xfrm>
+            <a:off x="1924050" y="5143499"/>
+            <a:ext cx="1239370" cy="1133475"/>
+          </a:xfrm>
+          <a:prstGeom prst="rect">
+            <a:avLst/>
+          </a:prstGeom>
+          <a:noFill/>
+          <a:ln w="57150">
+            <a:solidFill>
+              <a:srgbClr val="C00000"/>
+            </a:solidFill>
+          </a:ln>
+        </p:spPr>
+        <p:style>
+          <a:lnRef idx="2">
+            <a:schemeClr val="accent1">
+              <a:shade val="15000"/>
+            </a:schemeClr>
+          </a:lnRef>
+          <a:fillRef idx="1">
+            <a:schemeClr val="accent1"/>
+          </a:fillRef>
+          <a:effectRef idx="0">
+            <a:schemeClr val="accent1"/>
+          </a:effectRef>
+          <a:fontRef idx="minor">
+            <a:schemeClr val="lt1"/>
+          </a:fontRef>
+        </p:style>
+        <p:txBody>
+          <a:bodyPr rtlCol="0" anchor="ctr"/>
+          <a:lstStyle/>
+          <a:p>
+            <a:pPr algn="ctr"/>
+            <a:endParaRPr lang="ko-KR" altLang="en-US"/>
+          </a:p>
+        </p:txBody>
+      </p:sp>
+      <p:cxnSp>
+        <p:nvCxnSpPr>
+          <p:cNvPr id="10" name="직선 화살표 연결선 9">
+            <a:extLst>
+              <a:ext uri="{FF2B5EF4-FFF2-40B4-BE49-F238E27FC236}">
+                <a16:creationId xmlns:a16="http://schemas.microsoft.com/office/drawing/2014/main" id="{895FD0F8-AE3A-4F4E-6E46-660FAD46B7FA}"/>
+              </a:ext>
+            </a:extLst>
+          </p:cNvPr>
+          <p:cNvCxnSpPr>
+            <a:cxnSpLocks/>
+          </p:cNvCxnSpPr>
+          <p:nvPr/>
+        </p:nvCxnSpPr>
+        <p:spPr>
+          <a:xfrm flipH="1" flipV="1">
+            <a:off x="1762125" y="2362200"/>
+            <a:ext cx="781610" cy="2781299"/>
+          </a:xfrm>
+          <a:prstGeom prst="straightConnector1">
+            <a:avLst/>
+          </a:prstGeom>
+          <a:ln w="57150">
+            <a:solidFill>
+              <a:srgbClr val="C00000"/>
+            </a:solidFill>
+            <a:tailEnd type="triangle"/>
+          </a:ln>
+        </p:spPr>
+        <p:style>
+          <a:lnRef idx="1">
+            <a:schemeClr val="accent1"/>
+          </a:lnRef>
+          <a:fillRef idx="0">
+            <a:schemeClr val="accent1"/>
+          </a:fillRef>
+          <a:effectRef idx="0">
+            <a:schemeClr val="accent1"/>
+          </a:effectRef>
+          <a:fontRef idx="minor">
+            <a:schemeClr val="tx1"/>
+          </a:fontRef>
+        </p:style>
+      </p:cxnSp>
+      <p:sp>
+        <p:nvSpPr>
+          <p:cNvPr id="13" name="TextBox 12">
+            <a:extLst>
+              <a:ext uri="{FF2B5EF4-FFF2-40B4-BE49-F238E27FC236}">
+                <a16:creationId xmlns:a16="http://schemas.microsoft.com/office/drawing/2014/main" id="{1EF18F7C-2FD5-4499-E639-99F2A9F5D4FF}"/>
+              </a:ext>
+            </a:extLst>
+          </p:cNvPr>
+          <p:cNvSpPr txBox="1"/>
+          <p:nvPr/>
+        </p:nvSpPr>
+        <p:spPr>
+          <a:xfrm>
+            <a:off x="3238500" y="1228725"/>
+            <a:ext cx="7191375" cy="646331"/>
+          </a:xfrm>
+          <a:prstGeom prst="rect">
+            <a:avLst/>
+          </a:prstGeom>
+          <a:noFill/>
+        </p:spPr>
+        <p:txBody>
+          <a:bodyPr wrap="square" rtlCol="0">
+            <a:spAutoFit/>
+          </a:bodyPr>
+          <a:lstStyle/>
+          <a:p>
+            <a:r>
+              <a:rPr lang="ko-KR" altLang="en-US" dirty="0"/>
+              <a:t>이미지들을 묶어서 </a:t>
+            </a:r>
+            <a:r>
+              <a:rPr lang="en-US" altLang="ko-KR" dirty="0" err="1"/>
+              <a:t>Hirerarchy</a:t>
+            </a:r>
+            <a:r>
+              <a:rPr lang="ko-KR" altLang="en-US" dirty="0"/>
+              <a:t>에 드래그 앤 드랍 하면 이미지와 애니메이션 </a:t>
+            </a:r>
+            <a:r>
+              <a:rPr lang="ko-KR" altLang="en-US" dirty="0" err="1"/>
+              <a:t>애니메이터가</a:t>
+            </a:r>
+            <a:r>
+              <a:rPr lang="ko-KR" altLang="en-US" dirty="0"/>
+              <a:t> 자동으로 제작됨 </a:t>
+            </a:r>
+          </a:p>
+        </p:txBody>
+      </p:sp>
+      <p:sp>
+        <p:nvSpPr>
+          <p:cNvPr id="14" name="TextBox 13">
+            <a:extLst>
+              <a:ext uri="{FF2B5EF4-FFF2-40B4-BE49-F238E27FC236}">
+                <a16:creationId xmlns:a16="http://schemas.microsoft.com/office/drawing/2014/main" id="{BF14BED3-20C7-7DE6-649D-7A6454F5437B}"/>
+              </a:ext>
+            </a:extLst>
+          </p:cNvPr>
+          <p:cNvSpPr txBox="1"/>
+          <p:nvPr/>
+        </p:nvSpPr>
+        <p:spPr>
+          <a:xfrm>
+            <a:off x="504015" y="602219"/>
+            <a:ext cx="3248835" cy="369332"/>
+          </a:xfrm>
+          <a:prstGeom prst="rect">
+            <a:avLst/>
+          </a:prstGeom>
+          <a:noFill/>
+        </p:spPr>
+        <p:txBody>
+          <a:bodyPr wrap="square" rtlCol="0">
+            <a:spAutoFit/>
+          </a:bodyPr>
+          <a:lstStyle/>
+          <a:p>
+            <a:r>
+              <a:rPr lang="ko-KR" altLang="en-US" b="1" dirty="0"/>
+              <a:t>애니메이션</a:t>
+            </a:r>
+          </a:p>
+        </p:txBody>
+      </p:sp>
+    </p:spTree>
+    <p:extLst>
+      <p:ext uri="{BB962C8B-B14F-4D97-AF65-F5344CB8AC3E}">
+        <p14:creationId xmlns:p14="http://schemas.microsoft.com/office/powerpoint/2010/main" val="2261106642"/>
+      </p:ext>
+    </p:extLst>
+  </p:cSld>
+  <p:clrMapOvr>
+    <a:masterClrMapping/>
+  </p:clrMapOvr>
+</p:sld>
+</file>
+
 <file path=ppt/theme/theme1.xml><?xml version="1.0" encoding="utf-8"?>
 <a:theme xmlns:a="http://schemas.openxmlformats.org/drawingml/2006/main" name="DashVTI">
   <a:themeElements>

--- a/MJsec_게임 개발 멘토링/MJsec_3주차.pptx
+++ b/MJsec_게임 개발 멘토링/MJsec_3주차.pptx
@@ -8,7 +8,14 @@
     <p:sldId id="256" r:id="rId2"/>
     <p:sldId id="259" r:id="rId3"/>
     <p:sldId id="260" r:id="rId4"/>
-    <p:sldId id="258" r:id="rId5"/>
+    <p:sldId id="261" r:id="rId5"/>
+    <p:sldId id="258" r:id="rId6"/>
+    <p:sldId id="262" r:id="rId7"/>
+    <p:sldId id="263" r:id="rId8"/>
+    <p:sldId id="264" r:id="rId9"/>
+    <p:sldId id="265" r:id="rId10"/>
+    <p:sldId id="266" r:id="rId11"/>
+    <p:sldId id="267" r:id="rId12"/>
   </p:sldIdLst>
   <p:sldSz cx="12192000" cy="6858000"/>
   <p:notesSz cx="6858000" cy="9144000"/>
@@ -118,7 +125,7 @@
 <file path=ppt/revisionInfo.xml><?xml version="1.0" encoding="utf-8"?>
 <p1510:revInfo xmlns:a="http://schemas.openxmlformats.org/drawingml/2006/main" xmlns:r="http://schemas.openxmlformats.org/officeDocument/2006/relationships" xmlns:p1510="http://schemas.microsoft.com/office/powerpoint/2015/10/main">
   <p1510:revLst>
-    <p1510:client id="{2DB46C57-ACD9-4484-8351-0F00010CD1E7}" v="21" dt="2025-06-30T05:38:43.428"/>
+    <p1510:client id="{2DB46C57-ACD9-4484-8351-0F00010CD1E7}" v="66" dt="2025-07-01T05:53:43.177"/>
   </p1510:revLst>
 </p1510:revInfo>
 </file>
@@ -128,7 +135,7 @@
   <pc:docChgLst>
     <pc:chgData name="상진 전" userId="b279be015be064a7" providerId="LiveId" clId="{2DB46C57-ACD9-4484-8351-0F00010CD1E7}"/>
     <pc:docChg chg="undo custSel addSld delSld modSld sldOrd">
-      <pc:chgData name="상진 전" userId="b279be015be064a7" providerId="LiveId" clId="{2DB46C57-ACD9-4484-8351-0F00010CD1E7}" dt="2025-06-30T05:39:14.522" v="964" actId="20577"/>
+      <pc:chgData name="상진 전" userId="b279be015be064a7" providerId="LiveId" clId="{2DB46C57-ACD9-4484-8351-0F00010CD1E7}" dt="2025-07-01T05:54:43.253" v="2775" actId="1076"/>
       <pc:docMkLst>
         <pc:docMk/>
       </pc:docMkLst>
@@ -234,7 +241,7 @@
         </pc:sldMkLst>
       </pc:sldChg>
       <pc:sldChg chg="addSp delSp modSp new mod">
-        <pc:chgData name="상진 전" userId="b279be015be064a7" providerId="LiveId" clId="{2DB46C57-ACD9-4484-8351-0F00010CD1E7}" dt="2025-06-30T05:11:34.556" v="445" actId="114"/>
+        <pc:chgData name="상진 전" userId="b279be015be064a7" providerId="LiveId" clId="{2DB46C57-ACD9-4484-8351-0F00010CD1E7}" dt="2025-07-01T04:52:28.358" v="1195" actId="1076"/>
         <pc:sldMkLst>
           <pc:docMk/>
           <pc:sldMk cId="2261106642" sldId="258"/>
@@ -256,11 +263,27 @@
           </ac:spMkLst>
         </pc:spChg>
         <pc:spChg chg="add mod">
+          <ac:chgData name="상진 전" userId="b279be015be064a7" providerId="LiveId" clId="{2DB46C57-ACD9-4484-8351-0F00010CD1E7}" dt="2025-07-01T04:49:54.002" v="1134" actId="14100"/>
+          <ac:spMkLst>
+            <pc:docMk/>
+            <pc:sldMk cId="2261106642" sldId="258"/>
+            <ac:spMk id="5" creationId="{ABEAB51F-0E27-BC3E-6E4E-162AC38F3122}"/>
+          </ac:spMkLst>
+        </pc:spChg>
+        <pc:spChg chg="add mod">
           <ac:chgData name="상진 전" userId="b279be015be064a7" providerId="LiveId" clId="{2DB46C57-ACD9-4484-8351-0F00010CD1E7}" dt="2025-06-30T05:09:38.648" v="218" actId="14100"/>
           <ac:spMkLst>
             <pc:docMk/>
             <pc:sldMk cId="2261106642" sldId="258"/>
             <ac:spMk id="8" creationId="{C34930C1-D934-144E-7892-9F9EE4751FE9}"/>
+          </ac:spMkLst>
+        </pc:spChg>
+        <pc:spChg chg="add mod">
+          <ac:chgData name="상진 전" userId="b279be015be064a7" providerId="LiveId" clId="{2DB46C57-ACD9-4484-8351-0F00010CD1E7}" dt="2025-07-01T04:52:28.358" v="1195" actId="1076"/>
+          <ac:spMkLst>
+            <pc:docMk/>
+            <pc:sldMk cId="2261106642" sldId="258"/>
+            <ac:spMk id="12" creationId="{D91E0C0C-93AA-EC8E-F196-197F182C9CB4}"/>
           </ac:spMkLst>
         </pc:spChg>
         <pc:spChg chg="add mod">
@@ -279,6 +302,22 @@
             <ac:spMk id="14" creationId="{BF14BED3-20C7-7DE6-649D-7A6454F5437B}"/>
           </ac:spMkLst>
         </pc:spChg>
+        <pc:picChg chg="add mod">
+          <ac:chgData name="상진 전" userId="b279be015be064a7" providerId="LiveId" clId="{2DB46C57-ACD9-4484-8351-0F00010CD1E7}" dt="2025-07-01T04:49:38.866" v="1130" actId="1076"/>
+          <ac:picMkLst>
+            <pc:docMk/>
+            <pc:sldMk cId="2261106642" sldId="258"/>
+            <ac:picMk id="3" creationId="{01759584-FDA1-7897-25F2-972AC3D9BD52}"/>
+          </ac:picMkLst>
+        </pc:picChg>
+        <pc:picChg chg="add mod">
+          <ac:chgData name="상진 전" userId="b279be015be064a7" providerId="LiveId" clId="{2DB46C57-ACD9-4484-8351-0F00010CD1E7}" dt="2025-07-01T04:49:45.634" v="1131"/>
+          <ac:picMkLst>
+            <pc:docMk/>
+            <pc:sldMk cId="2261106642" sldId="258"/>
+            <ac:picMk id="4" creationId="{A3F5346D-39FD-5B5F-70DE-81AEE4AE5EEA}"/>
+          </ac:picMkLst>
+        </pc:picChg>
         <pc:picChg chg="add del mod">
           <ac:chgData name="상진 전" userId="b279be015be064a7" providerId="LiveId" clId="{2DB46C57-ACD9-4484-8351-0F00010CD1E7}" dt="2025-06-30T05:09:14.076" v="206" actId="478"/>
           <ac:picMkLst>
@@ -295,6 +334,14 @@
             <ac:picMk id="7" creationId="{E4ECB108-857B-0979-9221-B455FB7A0C0F}"/>
           </ac:picMkLst>
         </pc:picChg>
+        <pc:cxnChg chg="add mod">
+          <ac:chgData name="상진 전" userId="b279be015be064a7" providerId="LiveId" clId="{2DB46C57-ACD9-4484-8351-0F00010CD1E7}" dt="2025-07-01T04:52:03.271" v="1138" actId="14100"/>
+          <ac:cxnSpMkLst>
+            <pc:docMk/>
+            <pc:sldMk cId="2261106642" sldId="258"/>
+            <ac:cxnSpMk id="6" creationId="{E29A5EC8-7CFB-70C3-E0C8-208A71A6D25B}"/>
+          </ac:cxnSpMkLst>
+        </pc:cxnChg>
         <pc:cxnChg chg="add mod">
           <ac:chgData name="상진 전" userId="b279be015be064a7" providerId="LiveId" clId="{2DB46C57-ACD9-4484-8351-0F00010CD1E7}" dt="2025-06-30T05:09:54.722" v="224" actId="1582"/>
           <ac:cxnSpMkLst>
@@ -507,12 +554,233 @@
           <pc:sldMk cId="1460768772" sldId="261"/>
         </pc:sldMkLst>
       </pc:sldChg>
+      <pc:sldChg chg="addSp delSp modSp new mod">
+        <pc:chgData name="상진 전" userId="b279be015be064a7" providerId="LiveId" clId="{2DB46C57-ACD9-4484-8351-0F00010CD1E7}" dt="2025-07-01T04:29:37.470" v="1128" actId="1076"/>
+        <pc:sldMkLst>
+          <pc:docMk/>
+          <pc:sldMk cId="3844146376" sldId="261"/>
+        </pc:sldMkLst>
+        <pc:spChg chg="del">
+          <ac:chgData name="상진 전" userId="b279be015be064a7" providerId="LiveId" clId="{2DB46C57-ACD9-4484-8351-0F00010CD1E7}" dt="2025-07-01T04:28:49.522" v="966" actId="478"/>
+          <ac:spMkLst>
+            <pc:docMk/>
+            <pc:sldMk cId="3844146376" sldId="261"/>
+            <ac:spMk id="2" creationId="{8E769CBD-3730-ADC7-6AAF-8391D702E817}"/>
+          </ac:spMkLst>
+        </pc:spChg>
+        <pc:spChg chg="del">
+          <ac:chgData name="상진 전" userId="b279be015be064a7" providerId="LiveId" clId="{2DB46C57-ACD9-4484-8351-0F00010CD1E7}" dt="2025-07-01T04:28:49.522" v="966" actId="478"/>
+          <ac:spMkLst>
+            <pc:docMk/>
+            <pc:sldMk cId="3844146376" sldId="261"/>
+            <ac:spMk id="3" creationId="{0FC8EA03-C013-FC4C-B18E-A7EF3BD99C22}"/>
+          </ac:spMkLst>
+        </pc:spChg>
+        <pc:spChg chg="add mod">
+          <ac:chgData name="상진 전" userId="b279be015be064a7" providerId="LiveId" clId="{2DB46C57-ACD9-4484-8351-0F00010CD1E7}" dt="2025-07-01T04:28:56.899" v="970"/>
+          <ac:spMkLst>
+            <pc:docMk/>
+            <pc:sldMk cId="3844146376" sldId="261"/>
+            <ac:spMk id="6" creationId="{F7DEED7B-02DE-ABB9-3D54-FD242F6E6D51}"/>
+          </ac:spMkLst>
+        </pc:spChg>
+        <pc:spChg chg="add mod">
+          <ac:chgData name="상진 전" userId="b279be015be064a7" providerId="LiveId" clId="{2DB46C57-ACD9-4484-8351-0F00010CD1E7}" dt="2025-07-01T04:29:37.470" v="1128" actId="1076"/>
+          <ac:spMkLst>
+            <pc:docMk/>
+            <pc:sldMk cId="3844146376" sldId="261"/>
+            <ac:spMk id="7" creationId="{FABDE692-7989-3DE7-6721-175084823760}"/>
+          </ac:spMkLst>
+        </pc:spChg>
+        <pc:picChg chg="add mod">
+          <ac:chgData name="상진 전" userId="b279be015be064a7" providerId="LiveId" clId="{2DB46C57-ACD9-4484-8351-0F00010CD1E7}" dt="2025-07-01T04:28:53.640" v="969" actId="1076"/>
+          <ac:picMkLst>
+            <pc:docMk/>
+            <pc:sldMk cId="3844146376" sldId="261"/>
+            <ac:picMk id="5" creationId="{DA01DAA7-334E-08FA-AFB5-074D8938AABD}"/>
+          </ac:picMkLst>
+        </pc:picChg>
+      </pc:sldChg>
+      <pc:sldChg chg="addSp delSp modSp new mod">
+        <pc:chgData name="상진 전" userId="b279be015be064a7" providerId="LiveId" clId="{2DB46C57-ACD9-4484-8351-0F00010CD1E7}" dt="2025-07-01T05:10:40.982" v="1759"/>
+        <pc:sldMkLst>
+          <pc:docMk/>
+          <pc:sldMk cId="2915316881" sldId="262"/>
+        </pc:sldMkLst>
+        <pc:spChg chg="del">
+          <ac:chgData name="상진 전" userId="b279be015be064a7" providerId="LiveId" clId="{2DB46C57-ACD9-4484-8351-0F00010CD1E7}" dt="2025-07-01T04:59:43.851" v="1197" actId="478"/>
+          <ac:spMkLst>
+            <pc:docMk/>
+            <pc:sldMk cId="2915316881" sldId="262"/>
+            <ac:spMk id="2" creationId="{BE0F4486-26AF-E6A8-118F-E6E536BA602E}"/>
+          </ac:spMkLst>
+        </pc:spChg>
+        <pc:spChg chg="del">
+          <ac:chgData name="상진 전" userId="b279be015be064a7" providerId="LiveId" clId="{2DB46C57-ACD9-4484-8351-0F00010CD1E7}" dt="2025-07-01T04:59:43.851" v="1197" actId="478"/>
+          <ac:spMkLst>
+            <pc:docMk/>
+            <pc:sldMk cId="2915316881" sldId="262"/>
+            <ac:spMk id="3" creationId="{DC051020-B211-A427-5E60-1E7844C61F43}"/>
+          </ac:spMkLst>
+        </pc:spChg>
+        <pc:spChg chg="add mod">
+          <ac:chgData name="상진 전" userId="b279be015be064a7" providerId="LiveId" clId="{2DB46C57-ACD9-4484-8351-0F00010CD1E7}" dt="2025-07-01T05:00:02.360" v="1203" actId="14100"/>
+          <ac:spMkLst>
+            <pc:docMk/>
+            <pc:sldMk cId="2915316881" sldId="262"/>
+            <ac:spMk id="6" creationId="{230F11E4-BD36-7686-EBB1-F3DDF6979EA5}"/>
+          </ac:spMkLst>
+        </pc:spChg>
+        <pc:spChg chg="add mod">
+          <ac:chgData name="상진 전" userId="b279be015be064a7" providerId="LiveId" clId="{2DB46C57-ACD9-4484-8351-0F00010CD1E7}" dt="2025-07-01T05:00:32.749" v="1211" actId="14100"/>
+          <ac:spMkLst>
+            <pc:docMk/>
+            <pc:sldMk cId="2915316881" sldId="262"/>
+            <ac:spMk id="10" creationId="{0F2BF010-DB42-4C49-84DC-E2090E2E92B8}"/>
+          </ac:spMkLst>
+        </pc:spChg>
+        <pc:spChg chg="add mod">
+          <ac:chgData name="상진 전" userId="b279be015be064a7" providerId="LiveId" clId="{2DB46C57-ACD9-4484-8351-0F00010CD1E7}" dt="2025-07-01T05:07:59.776" v="1557" actId="20577"/>
+          <ac:spMkLst>
+            <pc:docMk/>
+            <pc:sldMk cId="2915316881" sldId="262"/>
+            <ac:spMk id="11" creationId="{ECA651C2-D802-F33A-418B-3C08F25C11A0}"/>
+          </ac:spMkLst>
+        </pc:spChg>
+        <pc:spChg chg="add mod">
+          <ac:chgData name="상진 전" userId="b279be015be064a7" providerId="LiveId" clId="{2DB46C57-ACD9-4484-8351-0F00010CD1E7}" dt="2025-07-01T05:03:40.119" v="1487" actId="1076"/>
+          <ac:spMkLst>
+            <pc:docMk/>
+            <pc:sldMk cId="2915316881" sldId="262"/>
+            <ac:spMk id="12" creationId="{7772BD45-6A36-8B13-BFAC-10722507BC55}"/>
+          </ac:spMkLst>
+        </pc:spChg>
+        <pc:spChg chg="add mod">
+          <ac:chgData name="상진 전" userId="b279be015be064a7" providerId="LiveId" clId="{2DB46C57-ACD9-4484-8351-0F00010CD1E7}" dt="2025-07-01T05:04:17.527" v="1514" actId="20577"/>
+          <ac:spMkLst>
+            <pc:docMk/>
+            <pc:sldMk cId="2915316881" sldId="262"/>
+            <ac:spMk id="16" creationId="{5EAFD933-53C9-DBA1-3949-199B39541E7A}"/>
+          </ac:spMkLst>
+        </pc:spChg>
+        <pc:spChg chg="add mod">
+          <ac:chgData name="상진 전" userId="b279be015be064a7" providerId="LiveId" clId="{2DB46C57-ACD9-4484-8351-0F00010CD1E7}" dt="2025-07-01T05:10:40.982" v="1759"/>
+          <ac:spMkLst>
+            <pc:docMk/>
+            <pc:sldMk cId="2915316881" sldId="262"/>
+            <ac:spMk id="17" creationId="{AE8C5A25-E38A-B5DD-DAE2-AF9A02173F09}"/>
+          </ac:spMkLst>
+        </pc:spChg>
+        <pc:picChg chg="add mod">
+          <ac:chgData name="상진 전" userId="b279be015be064a7" providerId="LiveId" clId="{2DB46C57-ACD9-4484-8351-0F00010CD1E7}" dt="2025-07-01T04:59:48.162" v="1200" actId="1076"/>
+          <ac:picMkLst>
+            <pc:docMk/>
+            <pc:sldMk cId="2915316881" sldId="262"/>
+            <ac:picMk id="5" creationId="{C273BA2A-6C99-AA01-2AF5-A803B2A2D361}"/>
+          </ac:picMkLst>
+        </pc:picChg>
+        <pc:cxnChg chg="add mod">
+          <ac:chgData name="상진 전" userId="b279be015be064a7" providerId="LiveId" clId="{2DB46C57-ACD9-4484-8351-0F00010CD1E7}" dt="2025-07-01T05:00:10.797" v="1207" actId="14100"/>
+          <ac:cxnSpMkLst>
+            <pc:docMk/>
+            <pc:sldMk cId="2915316881" sldId="262"/>
+            <ac:cxnSpMk id="7" creationId="{267EAD1C-664A-AAF1-DA0A-E518DB30B40F}"/>
+          </ac:cxnSpMkLst>
+        </pc:cxnChg>
+        <pc:cxnChg chg="add mod">
+          <ac:chgData name="상진 전" userId="b279be015be064a7" providerId="LiveId" clId="{2DB46C57-ACD9-4484-8351-0F00010CD1E7}" dt="2025-07-01T05:03:52.154" v="1491" actId="14100"/>
+          <ac:cxnSpMkLst>
+            <pc:docMk/>
+            <pc:sldMk cId="2915316881" sldId="262"/>
+            <ac:cxnSpMk id="13" creationId="{C7B2CF8E-F248-E82F-0E57-B94B65D40045}"/>
+          </ac:cxnSpMkLst>
+        </pc:cxnChg>
+      </pc:sldChg>
       <pc:sldChg chg="del">
         <pc:chgData name="상진 전" userId="b279be015be064a7" providerId="LiveId" clId="{2DB46C57-ACD9-4484-8351-0F00010CD1E7}" dt="2025-06-30T03:28:14.732" v="1" actId="47"/>
         <pc:sldMkLst>
           <pc:docMk/>
           <pc:sldMk cId="4180307804" sldId="262"/>
         </pc:sldMkLst>
+      </pc:sldChg>
+      <pc:sldChg chg="addSp delSp modSp new mod">
+        <pc:chgData name="상진 전" userId="b279be015be064a7" providerId="LiveId" clId="{2DB46C57-ACD9-4484-8351-0F00010CD1E7}" dt="2025-07-01T05:11:39.226" v="1771" actId="14100"/>
+        <pc:sldMkLst>
+          <pc:docMk/>
+          <pc:sldMk cId="2582996086" sldId="263"/>
+        </pc:sldMkLst>
+        <pc:spChg chg="del">
+          <ac:chgData name="상진 전" userId="b279be015be064a7" providerId="LiveId" clId="{2DB46C57-ACD9-4484-8351-0F00010CD1E7}" dt="2025-07-01T05:08:27.452" v="1559" actId="478"/>
+          <ac:spMkLst>
+            <pc:docMk/>
+            <pc:sldMk cId="2582996086" sldId="263"/>
+            <ac:spMk id="2" creationId="{9F1F0423-1E37-0769-A5E8-F4D649581237}"/>
+          </ac:spMkLst>
+        </pc:spChg>
+        <pc:spChg chg="del">
+          <ac:chgData name="상진 전" userId="b279be015be064a7" providerId="LiveId" clId="{2DB46C57-ACD9-4484-8351-0F00010CD1E7}" dt="2025-07-01T05:08:27.452" v="1559" actId="478"/>
+          <ac:spMkLst>
+            <pc:docMk/>
+            <pc:sldMk cId="2582996086" sldId="263"/>
+            <ac:spMk id="3" creationId="{BB04B5FD-0116-25B2-E692-3E4559AD643A}"/>
+          </ac:spMkLst>
+        </pc:spChg>
+        <pc:spChg chg="add mod">
+          <ac:chgData name="상진 전" userId="b279be015be064a7" providerId="LiveId" clId="{2DB46C57-ACD9-4484-8351-0F00010CD1E7}" dt="2025-07-01T05:11:30.290" v="1767" actId="1076"/>
+          <ac:spMkLst>
+            <pc:docMk/>
+            <pc:sldMk cId="2582996086" sldId="263"/>
+            <ac:spMk id="6" creationId="{AFB232CB-0F23-71E7-3AEB-5EEA471D6DC6}"/>
+          </ac:spMkLst>
+        </pc:spChg>
+        <pc:spChg chg="add mod">
+          <ac:chgData name="상진 전" userId="b279be015be064a7" providerId="LiveId" clId="{2DB46C57-ACD9-4484-8351-0F00010CD1E7}" dt="2025-07-01T05:11:22.729" v="1762" actId="14100"/>
+          <ac:spMkLst>
+            <pc:docMk/>
+            <pc:sldMk cId="2582996086" sldId="263"/>
+            <ac:spMk id="10" creationId="{B6DF2A27-F127-07F7-4B5B-20DF34CE8CF3}"/>
+          </ac:spMkLst>
+        </pc:spChg>
+        <pc:spChg chg="add mod">
+          <ac:chgData name="상진 전" userId="b279be015be064a7" providerId="LiveId" clId="{2DB46C57-ACD9-4484-8351-0F00010CD1E7}" dt="2025-07-01T05:10:42.278" v="1760"/>
+          <ac:spMkLst>
+            <pc:docMk/>
+            <pc:sldMk cId="2582996086" sldId="263"/>
+            <ac:spMk id="11" creationId="{EA7D65E2-6FD2-8635-CB59-EF1AB6CED081}"/>
+          </ac:spMkLst>
+        </pc:spChg>
+        <pc:picChg chg="add mod">
+          <ac:chgData name="상진 전" userId="b279be015be064a7" providerId="LiveId" clId="{2DB46C57-ACD9-4484-8351-0F00010CD1E7}" dt="2025-07-01T05:11:27.437" v="1766" actId="14100"/>
+          <ac:picMkLst>
+            <pc:docMk/>
+            <pc:sldMk cId="2582996086" sldId="263"/>
+            <ac:picMk id="5" creationId="{E0D45F94-812D-5AD1-696E-53DD93DAB343}"/>
+          </ac:picMkLst>
+        </pc:picChg>
+        <pc:picChg chg="add mod">
+          <ac:chgData name="상진 전" userId="b279be015be064a7" providerId="LiveId" clId="{2DB46C57-ACD9-4484-8351-0F00010CD1E7}" dt="2025-07-01T05:11:31.711" v="1768" actId="1076"/>
+          <ac:picMkLst>
+            <pc:docMk/>
+            <pc:sldMk cId="2582996086" sldId="263"/>
+            <ac:picMk id="13" creationId="{AC8AFC15-E2C4-23C1-3AB9-0A066C25F9F8}"/>
+          </ac:picMkLst>
+        </pc:picChg>
+        <pc:cxnChg chg="add mod">
+          <ac:chgData name="상진 전" userId="b279be015be064a7" providerId="LiveId" clId="{2DB46C57-ACD9-4484-8351-0F00010CD1E7}" dt="2025-07-01T05:11:30.290" v="1767" actId="1076"/>
+          <ac:cxnSpMkLst>
+            <pc:docMk/>
+            <pc:sldMk cId="2582996086" sldId="263"/>
+            <ac:cxnSpMk id="7" creationId="{1973FED4-FED8-86FD-61AF-CDF02A9808A2}"/>
+          </ac:cxnSpMkLst>
+        </pc:cxnChg>
+        <pc:cxnChg chg="add mod">
+          <ac:chgData name="상진 전" userId="b279be015be064a7" providerId="LiveId" clId="{2DB46C57-ACD9-4484-8351-0F00010CD1E7}" dt="2025-07-01T05:11:39.226" v="1771" actId="14100"/>
+          <ac:cxnSpMkLst>
+            <pc:docMk/>
+            <pc:sldMk cId="2582996086" sldId="263"/>
+            <ac:cxnSpMk id="14" creationId="{DC53E204-637A-F2A0-8FAC-B920314416FC}"/>
+          </ac:cxnSpMkLst>
+        </pc:cxnChg>
       </pc:sldChg>
       <pc:sldChg chg="del">
         <pc:chgData name="상진 전" userId="b279be015be064a7" providerId="LiveId" clId="{2DB46C57-ACD9-4484-8351-0F00010CD1E7}" dt="2025-06-30T03:28:15.151" v="2" actId="47"/>
@@ -528,6 +796,196 @@
           <pc:sldMk cId="1981123653" sldId="264"/>
         </pc:sldMkLst>
       </pc:sldChg>
+      <pc:sldChg chg="addSp delSp modSp new mod">
+        <pc:chgData name="상진 전" userId="b279be015be064a7" providerId="LiveId" clId="{2DB46C57-ACD9-4484-8351-0F00010CD1E7}" dt="2025-07-01T05:25:18.568" v="1987"/>
+        <pc:sldMkLst>
+          <pc:docMk/>
+          <pc:sldMk cId="3906307970" sldId="264"/>
+        </pc:sldMkLst>
+        <pc:spChg chg="del">
+          <ac:chgData name="상진 전" userId="b279be015be064a7" providerId="LiveId" clId="{2DB46C57-ACD9-4484-8351-0F00010CD1E7}" dt="2025-07-01T05:22:42.722" v="1773" actId="478"/>
+          <ac:spMkLst>
+            <pc:docMk/>
+            <pc:sldMk cId="3906307970" sldId="264"/>
+            <ac:spMk id="2" creationId="{523DDBEE-D415-54E6-5497-2F6C97B717A2}"/>
+          </ac:spMkLst>
+        </pc:spChg>
+        <pc:spChg chg="del">
+          <ac:chgData name="상진 전" userId="b279be015be064a7" providerId="LiveId" clId="{2DB46C57-ACD9-4484-8351-0F00010CD1E7}" dt="2025-07-01T05:22:42.722" v="1773" actId="478"/>
+          <ac:spMkLst>
+            <pc:docMk/>
+            <pc:sldMk cId="3906307970" sldId="264"/>
+            <ac:spMk id="3" creationId="{3B9F31CB-9E6F-CA76-9B0B-861D5A7836EC}"/>
+          </ac:spMkLst>
+        </pc:spChg>
+        <pc:spChg chg="add mod">
+          <ac:chgData name="상진 전" userId="b279be015be064a7" providerId="LiveId" clId="{2DB46C57-ACD9-4484-8351-0F00010CD1E7}" dt="2025-07-01T05:23:20.220" v="1786" actId="14100"/>
+          <ac:spMkLst>
+            <pc:docMk/>
+            <pc:sldMk cId="3906307970" sldId="264"/>
+            <ac:spMk id="8" creationId="{938BBE79-3A10-C382-ED22-6C8465C23E22}"/>
+          </ac:spMkLst>
+        </pc:spChg>
+        <pc:spChg chg="add mod">
+          <ac:chgData name="상진 전" userId="b279be015be064a7" providerId="LiveId" clId="{2DB46C57-ACD9-4484-8351-0F00010CD1E7}" dt="2025-07-01T05:23:28.946" v="1791" actId="14100"/>
+          <ac:spMkLst>
+            <pc:docMk/>
+            <pc:sldMk cId="3906307970" sldId="264"/>
+            <ac:spMk id="9" creationId="{DD61B149-810D-BA1D-5948-5995379BE047}"/>
+          </ac:spMkLst>
+        </pc:spChg>
+        <pc:spChg chg="add mod">
+          <ac:chgData name="상진 전" userId="b279be015be064a7" providerId="LiveId" clId="{2DB46C57-ACD9-4484-8351-0F00010CD1E7}" dt="2025-07-01T05:23:24.091" v="1789" actId="571"/>
+          <ac:spMkLst>
+            <pc:docMk/>
+            <pc:sldMk cId="3906307970" sldId="264"/>
+            <ac:spMk id="10" creationId="{692D701C-DA32-4358-CF30-2B4F7D8CBB6A}"/>
+          </ac:spMkLst>
+        </pc:spChg>
+        <pc:spChg chg="add mod">
+          <ac:chgData name="상진 전" userId="b279be015be064a7" providerId="LiveId" clId="{2DB46C57-ACD9-4484-8351-0F00010CD1E7}" dt="2025-07-01T05:24:52.853" v="1980" actId="20577"/>
+          <ac:spMkLst>
+            <pc:docMk/>
+            <pc:sldMk cId="3906307970" sldId="264"/>
+            <ac:spMk id="18" creationId="{F5C8D226-86C2-D88F-E76D-3B77E949F565}"/>
+          </ac:spMkLst>
+        </pc:spChg>
+        <pc:spChg chg="add mod">
+          <ac:chgData name="상진 전" userId="b279be015be064a7" providerId="LiveId" clId="{2DB46C57-ACD9-4484-8351-0F00010CD1E7}" dt="2025-07-01T05:25:18.568" v="1987"/>
+          <ac:spMkLst>
+            <pc:docMk/>
+            <pc:sldMk cId="3906307970" sldId="264"/>
+            <ac:spMk id="19" creationId="{1CBA5160-D1BB-8738-EA9D-9D07EA964C95}"/>
+          </ac:spMkLst>
+        </pc:spChg>
+        <pc:picChg chg="add mod">
+          <ac:chgData name="상진 전" userId="b279be015be064a7" providerId="LiveId" clId="{2DB46C57-ACD9-4484-8351-0F00010CD1E7}" dt="2025-07-01T05:22:46.344" v="1776" actId="14100"/>
+          <ac:picMkLst>
+            <pc:docMk/>
+            <pc:sldMk cId="3906307970" sldId="264"/>
+            <ac:picMk id="5" creationId="{A19A16EB-1F35-C062-4237-9806503D4505}"/>
+          </ac:picMkLst>
+        </pc:picChg>
+        <pc:picChg chg="add mod">
+          <ac:chgData name="상진 전" userId="b279be015be064a7" providerId="LiveId" clId="{2DB46C57-ACD9-4484-8351-0F00010CD1E7}" dt="2025-07-01T05:23:04.590" v="1782" actId="1076"/>
+          <ac:picMkLst>
+            <pc:docMk/>
+            <pc:sldMk cId="3906307970" sldId="264"/>
+            <ac:picMk id="7" creationId="{41303993-EB1E-1849-52E6-9168FBCF74FD}"/>
+          </ac:picMkLst>
+        </pc:picChg>
+        <pc:cxnChg chg="add mod">
+          <ac:chgData name="상진 전" userId="b279be015be064a7" providerId="LiveId" clId="{2DB46C57-ACD9-4484-8351-0F00010CD1E7}" dt="2025-07-01T05:23:39.410" v="1795" actId="14100"/>
+          <ac:cxnSpMkLst>
+            <pc:docMk/>
+            <pc:sldMk cId="3906307970" sldId="264"/>
+            <ac:cxnSpMk id="11" creationId="{3AC129E6-63B8-17C7-E239-962D22D82F3B}"/>
+          </ac:cxnSpMkLst>
+        </pc:cxnChg>
+        <pc:cxnChg chg="add mod">
+          <ac:chgData name="상진 전" userId="b279be015be064a7" providerId="LiveId" clId="{2DB46C57-ACD9-4484-8351-0F00010CD1E7}" dt="2025-07-01T05:23:58.807" v="1800" actId="14100"/>
+          <ac:cxnSpMkLst>
+            <pc:docMk/>
+            <pc:sldMk cId="3906307970" sldId="264"/>
+            <ac:cxnSpMk id="14" creationId="{3871DAA3-1640-E0D2-30C3-D70DEA729F5B}"/>
+          </ac:cxnSpMkLst>
+        </pc:cxnChg>
+      </pc:sldChg>
+      <pc:sldChg chg="addSp delSp modSp new mod">
+        <pc:chgData name="상진 전" userId="b279be015be064a7" providerId="LiveId" clId="{2DB46C57-ACD9-4484-8351-0F00010CD1E7}" dt="2025-07-01T05:53:33.300" v="2581" actId="21"/>
+        <pc:sldMkLst>
+          <pc:docMk/>
+          <pc:sldMk cId="894620890" sldId="265"/>
+        </pc:sldMkLst>
+        <pc:spChg chg="del">
+          <ac:chgData name="상진 전" userId="b279be015be064a7" providerId="LiveId" clId="{2DB46C57-ACD9-4484-8351-0F00010CD1E7}" dt="2025-07-01T05:25:26.180" v="1990" actId="478"/>
+          <ac:spMkLst>
+            <pc:docMk/>
+            <pc:sldMk cId="894620890" sldId="265"/>
+            <ac:spMk id="2" creationId="{D29AE038-4F25-9E01-CC2D-77F8712BAE18}"/>
+          </ac:spMkLst>
+        </pc:spChg>
+        <pc:spChg chg="del">
+          <ac:chgData name="상진 전" userId="b279be015be064a7" providerId="LiveId" clId="{2DB46C57-ACD9-4484-8351-0F00010CD1E7}" dt="2025-07-01T05:25:26.180" v="1990" actId="478"/>
+          <ac:spMkLst>
+            <pc:docMk/>
+            <pc:sldMk cId="894620890" sldId="265"/>
+            <ac:spMk id="3" creationId="{0460E157-F902-25FD-E61E-44FB9BA1B4C1}"/>
+          </ac:spMkLst>
+        </pc:spChg>
+        <pc:spChg chg="add mod">
+          <ac:chgData name="상진 전" userId="b279be015be064a7" providerId="LiveId" clId="{2DB46C57-ACD9-4484-8351-0F00010CD1E7}" dt="2025-07-01T05:25:23.486" v="1989"/>
+          <ac:spMkLst>
+            <pc:docMk/>
+            <pc:sldMk cId="894620890" sldId="265"/>
+            <ac:spMk id="4" creationId="{7B7E2DD0-EC11-EE18-3BD0-82F1F52D3FB2}"/>
+          </ac:spMkLst>
+        </pc:spChg>
+        <pc:spChg chg="add mod">
+          <ac:chgData name="상진 전" userId="b279be015be064a7" providerId="LiveId" clId="{2DB46C57-ACD9-4484-8351-0F00010CD1E7}" dt="2025-07-01T05:26:47.462" v="2002" actId="14100"/>
+          <ac:spMkLst>
+            <pc:docMk/>
+            <pc:sldMk cId="894620890" sldId="265"/>
+            <ac:spMk id="9" creationId="{BCA8AA2D-0B1C-B185-4ABE-2B3346AFB1D3}"/>
+          </ac:spMkLst>
+        </pc:spChg>
+        <pc:spChg chg="add mod">
+          <ac:chgData name="상진 전" userId="b279be015be064a7" providerId="LiveId" clId="{2DB46C57-ACD9-4484-8351-0F00010CD1E7}" dt="2025-07-01T05:26:59.307" v="2008" actId="14100"/>
+          <ac:spMkLst>
+            <pc:docMk/>
+            <pc:sldMk cId="894620890" sldId="265"/>
+            <ac:spMk id="10" creationId="{CC08A736-C015-1D94-65C4-E145AD361778}"/>
+          </ac:spMkLst>
+        </pc:spChg>
+        <pc:spChg chg="add mod">
+          <ac:chgData name="상진 전" userId="b279be015be064a7" providerId="LiveId" clId="{2DB46C57-ACD9-4484-8351-0F00010CD1E7}" dt="2025-07-01T05:28:28.623" v="2184" actId="1076"/>
+          <ac:spMkLst>
+            <pc:docMk/>
+            <pc:sldMk cId="894620890" sldId="265"/>
+            <ac:spMk id="14" creationId="{6B307597-D6D0-4FA3-1A18-ACA6B2BA169B}"/>
+          </ac:spMkLst>
+        </pc:spChg>
+        <pc:spChg chg="add mod">
+          <ac:chgData name="상진 전" userId="b279be015be064a7" providerId="LiveId" clId="{2DB46C57-ACD9-4484-8351-0F00010CD1E7}" dt="2025-07-01T05:29:16.672" v="2296" actId="1076"/>
+          <ac:spMkLst>
+            <pc:docMk/>
+            <pc:sldMk cId="894620890" sldId="265"/>
+            <ac:spMk id="18" creationId="{B4C044BE-0CAB-7BAD-535F-4FAF6FAE64E9}"/>
+          </ac:spMkLst>
+        </pc:spChg>
+        <pc:picChg chg="add mod">
+          <ac:chgData name="상진 전" userId="b279be015be064a7" providerId="LiveId" clId="{2DB46C57-ACD9-4484-8351-0F00010CD1E7}" dt="2025-07-01T05:26:49.572" v="2005" actId="1076"/>
+          <ac:picMkLst>
+            <pc:docMk/>
+            <pc:sldMk cId="894620890" sldId="265"/>
+            <ac:picMk id="6" creationId="{171971C8-7FEA-314A-7199-3F4FEA3A5D41}"/>
+          </ac:picMkLst>
+        </pc:picChg>
+        <pc:picChg chg="add mod">
+          <ac:chgData name="상진 전" userId="b279be015be064a7" providerId="LiveId" clId="{2DB46C57-ACD9-4484-8351-0F00010CD1E7}" dt="2025-07-01T05:26:43.929" v="2001" actId="1076"/>
+          <ac:picMkLst>
+            <pc:docMk/>
+            <pc:sldMk cId="894620890" sldId="265"/>
+            <ac:picMk id="8" creationId="{D8E34E8C-E7BD-8413-C395-753DC4CEB2CB}"/>
+          </ac:picMkLst>
+        </pc:picChg>
+        <pc:cxnChg chg="add del mod">
+          <ac:chgData name="상진 전" userId="b279be015be064a7" providerId="LiveId" clId="{2DB46C57-ACD9-4484-8351-0F00010CD1E7}" dt="2025-07-01T05:53:33.300" v="2581" actId="21"/>
+          <ac:cxnSpMkLst>
+            <pc:docMk/>
+            <pc:sldMk cId="894620890" sldId="265"/>
+            <ac:cxnSpMk id="11" creationId="{5998C6F9-13A1-425E-4151-DD216002B67A}"/>
+          </ac:cxnSpMkLst>
+        </pc:cxnChg>
+        <pc:cxnChg chg="add mod">
+          <ac:chgData name="상진 전" userId="b279be015be064a7" providerId="LiveId" clId="{2DB46C57-ACD9-4484-8351-0F00010CD1E7}" dt="2025-07-01T05:28:38.475" v="2187" actId="14100"/>
+          <ac:cxnSpMkLst>
+            <pc:docMk/>
+            <pc:sldMk cId="894620890" sldId="265"/>
+            <ac:cxnSpMk id="15" creationId="{69C5D304-F777-615E-55A2-9AFC200AF079}"/>
+          </ac:cxnSpMkLst>
+        </pc:cxnChg>
+      </pc:sldChg>
       <pc:sldChg chg="del">
         <pc:chgData name="상진 전" userId="b279be015be064a7" providerId="LiveId" clId="{2DB46C57-ACD9-4484-8351-0F00010CD1E7}" dt="2025-06-30T03:28:16.020" v="4" actId="47"/>
         <pc:sldMkLst>
@@ -535,12 +993,154 @@
           <pc:sldMk cId="2048155036" sldId="265"/>
         </pc:sldMkLst>
       </pc:sldChg>
+      <pc:sldChg chg="addSp delSp modSp new mod">
+        <pc:chgData name="상진 전" userId="b279be015be064a7" providerId="LiveId" clId="{2DB46C57-ACD9-4484-8351-0F00010CD1E7}" dt="2025-07-01T05:40:53.402" v="2548" actId="20577"/>
+        <pc:sldMkLst>
+          <pc:docMk/>
+          <pc:sldMk cId="368024196" sldId="266"/>
+        </pc:sldMkLst>
+        <pc:spChg chg="del">
+          <ac:chgData name="상진 전" userId="b279be015be064a7" providerId="LiveId" clId="{2DB46C57-ACD9-4484-8351-0F00010CD1E7}" dt="2025-07-01T05:37:45.372" v="2299" actId="478"/>
+          <ac:spMkLst>
+            <pc:docMk/>
+            <pc:sldMk cId="368024196" sldId="266"/>
+            <ac:spMk id="2" creationId="{ED646A82-48F2-57F2-F6A9-FD21A041C791}"/>
+          </ac:spMkLst>
+        </pc:spChg>
+        <pc:spChg chg="del">
+          <ac:chgData name="상진 전" userId="b279be015be064a7" providerId="LiveId" clId="{2DB46C57-ACD9-4484-8351-0F00010CD1E7}" dt="2025-07-01T05:37:45.372" v="2299" actId="478"/>
+          <ac:spMkLst>
+            <pc:docMk/>
+            <pc:sldMk cId="368024196" sldId="266"/>
+            <ac:spMk id="3" creationId="{3D7D0C39-0A4A-3235-8D24-433191A56F70}"/>
+          </ac:spMkLst>
+        </pc:spChg>
+        <pc:spChg chg="add mod">
+          <ac:chgData name="상진 전" userId="b279be015be064a7" providerId="LiveId" clId="{2DB46C57-ACD9-4484-8351-0F00010CD1E7}" dt="2025-07-01T05:38:51.662" v="2303"/>
+          <ac:spMkLst>
+            <pc:docMk/>
+            <pc:sldMk cId="368024196" sldId="266"/>
+            <ac:spMk id="8" creationId="{7D47BCC4-7379-11E3-FFDC-E2A92E22B4F1}"/>
+          </ac:spMkLst>
+        </pc:spChg>
+        <pc:spChg chg="add mod">
+          <ac:chgData name="상진 전" userId="b279be015be064a7" providerId="LiveId" clId="{2DB46C57-ACD9-4484-8351-0F00010CD1E7}" dt="2025-07-01T05:39:25.107" v="2314" actId="14100"/>
+          <ac:spMkLst>
+            <pc:docMk/>
+            <pc:sldMk cId="368024196" sldId="266"/>
+            <ac:spMk id="14" creationId="{E34684DB-6656-6A75-C623-B1BE43D7384D}"/>
+          </ac:spMkLst>
+        </pc:spChg>
+        <pc:spChg chg="add mod">
+          <ac:chgData name="상진 전" userId="b279be015be064a7" providerId="LiveId" clId="{2DB46C57-ACD9-4484-8351-0F00010CD1E7}" dt="2025-07-01T05:40:53.402" v="2548" actId="20577"/>
+          <ac:spMkLst>
+            <pc:docMk/>
+            <pc:sldMk cId="368024196" sldId="266"/>
+            <ac:spMk id="18" creationId="{701BB604-8763-8808-99F9-F295F8C1D085}"/>
+          </ac:spMkLst>
+        </pc:spChg>
+        <pc:picChg chg="add del">
+          <ac:chgData name="상진 전" userId="b279be015be064a7" providerId="LiveId" clId="{2DB46C57-ACD9-4484-8351-0F00010CD1E7}" dt="2025-07-01T05:37:45.372" v="2299" actId="478"/>
+          <ac:picMkLst>
+            <pc:docMk/>
+            <pc:sldMk cId="368024196" sldId="266"/>
+            <ac:picMk id="5" creationId="{7FC81B2F-6133-8461-72EA-A8CF6DC5B2D3}"/>
+          </ac:picMkLst>
+        </pc:picChg>
+        <pc:picChg chg="add mod">
+          <ac:chgData name="상진 전" userId="b279be015be064a7" providerId="LiveId" clId="{2DB46C57-ACD9-4484-8351-0F00010CD1E7}" dt="2025-07-01T05:39:05.569" v="2307" actId="1076"/>
+          <ac:picMkLst>
+            <pc:docMk/>
+            <pc:sldMk cId="368024196" sldId="266"/>
+            <ac:picMk id="7" creationId="{7F4C9E6E-0A0C-DEF4-FC58-15E9B99FF305}"/>
+          </ac:picMkLst>
+        </pc:picChg>
+        <pc:picChg chg="add mod">
+          <ac:chgData name="상진 전" userId="b279be015be064a7" providerId="LiveId" clId="{2DB46C57-ACD9-4484-8351-0F00010CD1E7}" dt="2025-07-01T05:39:03.097" v="2306" actId="1076"/>
+          <ac:picMkLst>
+            <pc:docMk/>
+            <pc:sldMk cId="368024196" sldId="266"/>
+            <ac:picMk id="10" creationId="{03FF3D1E-A00A-20BC-922B-BCE20742BF3B}"/>
+          </ac:picMkLst>
+        </pc:picChg>
+        <pc:cxnChg chg="add mod">
+          <ac:chgData name="상진 전" userId="b279be015be064a7" providerId="LiveId" clId="{2DB46C57-ACD9-4484-8351-0F00010CD1E7}" dt="2025-07-01T05:39:15.034" v="2310" actId="14100"/>
+          <ac:cxnSpMkLst>
+            <pc:docMk/>
+            <pc:sldMk cId="368024196" sldId="266"/>
+            <ac:cxnSpMk id="11" creationId="{392557BA-C687-71B5-EFB9-9F368175407F}"/>
+          </ac:cxnSpMkLst>
+        </pc:cxnChg>
+        <pc:cxnChg chg="add mod">
+          <ac:chgData name="상진 전" userId="b279be015be064a7" providerId="LiveId" clId="{2DB46C57-ACD9-4484-8351-0F00010CD1E7}" dt="2025-07-01T05:39:31.844" v="2318" actId="14100"/>
+          <ac:cxnSpMkLst>
+            <pc:docMk/>
+            <pc:sldMk cId="368024196" sldId="266"/>
+            <ac:cxnSpMk id="15" creationId="{AFE4A75F-B236-9E90-2A30-2268B9FF7CFB}"/>
+          </ac:cxnSpMkLst>
+        </pc:cxnChg>
+      </pc:sldChg>
       <pc:sldChg chg="del">
         <pc:chgData name="상진 전" userId="b279be015be064a7" providerId="LiveId" clId="{2DB46C57-ACD9-4484-8351-0F00010CD1E7}" dt="2025-06-30T03:28:16.427" v="5" actId="47"/>
         <pc:sldMkLst>
           <pc:docMk/>
           <pc:sldMk cId="820531442" sldId="266"/>
         </pc:sldMkLst>
+      </pc:sldChg>
+      <pc:sldChg chg="addSp delSp modSp new mod">
+        <pc:chgData name="상진 전" userId="b279be015be064a7" providerId="LiveId" clId="{2DB46C57-ACD9-4484-8351-0F00010CD1E7}" dt="2025-07-01T05:54:43.253" v="2775" actId="1076"/>
+        <pc:sldMkLst>
+          <pc:docMk/>
+          <pc:sldMk cId="2821530507" sldId="267"/>
+        </pc:sldMkLst>
+        <pc:spChg chg="del">
+          <ac:chgData name="상진 전" userId="b279be015be064a7" providerId="LiveId" clId="{2DB46C57-ACD9-4484-8351-0F00010CD1E7}" dt="2025-07-01T05:53:04.425" v="2550" actId="478"/>
+          <ac:spMkLst>
+            <pc:docMk/>
+            <pc:sldMk cId="2821530507" sldId="267"/>
+            <ac:spMk id="2" creationId="{283F14BA-E16A-7085-58D2-E840BFA17D18}"/>
+          </ac:spMkLst>
+        </pc:spChg>
+        <pc:spChg chg="del">
+          <ac:chgData name="상진 전" userId="b279be015be064a7" providerId="LiveId" clId="{2DB46C57-ACD9-4484-8351-0F00010CD1E7}" dt="2025-07-01T05:53:04.425" v="2550" actId="478"/>
+          <ac:spMkLst>
+            <pc:docMk/>
+            <pc:sldMk cId="2821530507" sldId="267"/>
+            <ac:spMk id="3" creationId="{9A584671-C178-890E-F8AC-9D248EF5E947}"/>
+          </ac:spMkLst>
+        </pc:spChg>
+        <pc:spChg chg="add mod">
+          <ac:chgData name="상진 전" userId="b279be015be064a7" providerId="LiveId" clId="{2DB46C57-ACD9-4484-8351-0F00010CD1E7}" dt="2025-07-01T05:53:29.191" v="2579" actId="20577"/>
+          <ac:spMkLst>
+            <pc:docMk/>
+            <pc:sldMk cId="2821530507" sldId="267"/>
+            <ac:spMk id="6" creationId="{CF91A2E8-C43F-6B39-C583-0BA8609380A7}"/>
+          </ac:spMkLst>
+        </pc:spChg>
+        <pc:spChg chg="add mod">
+          <ac:chgData name="상진 전" userId="b279be015be064a7" providerId="LiveId" clId="{2DB46C57-ACD9-4484-8351-0F00010CD1E7}" dt="2025-07-01T05:54:43.253" v="2775" actId="1076"/>
+          <ac:spMkLst>
+            <pc:docMk/>
+            <pc:sldMk cId="2821530507" sldId="267"/>
+            <ac:spMk id="10" creationId="{ABBEF741-A7D7-FC40-3E95-C8A6FCA3404F}"/>
+          </ac:spMkLst>
+        </pc:spChg>
+        <pc:picChg chg="add mod">
+          <ac:chgData name="상진 전" userId="b279be015be064a7" providerId="LiveId" clId="{2DB46C57-ACD9-4484-8351-0F00010CD1E7}" dt="2025-07-01T05:53:06.412" v="2552" actId="1076"/>
+          <ac:picMkLst>
+            <pc:docMk/>
+            <pc:sldMk cId="2821530507" sldId="267"/>
+            <ac:picMk id="5" creationId="{79AA5608-1CC1-9024-C8D3-F9314B26433F}"/>
+          </ac:picMkLst>
+        </pc:picChg>
+        <pc:cxnChg chg="add mod">
+          <ac:chgData name="상진 전" userId="b279be015be064a7" providerId="LiveId" clId="{2DB46C57-ACD9-4484-8351-0F00010CD1E7}" dt="2025-07-01T05:53:41.031" v="2585" actId="14100"/>
+          <ac:cxnSpMkLst>
+            <pc:docMk/>
+            <pc:sldMk cId="2821530507" sldId="267"/>
+            <ac:cxnSpMk id="7" creationId="{5A6D66F1-A109-373C-1908-342C834677A0}"/>
+          </ac:cxnSpMkLst>
+        </pc:cxnChg>
       </pc:sldChg>
     </pc:docChg>
   </pc:docChgLst>
@@ -733,7 +1333,7 @@
           <a:p>
             <a:fld id="{6444479B-705B-4489-957E-7E8A228BDFA0}" type="datetime1">
               <a:rPr lang="en-US" smtClean="0"/>
-              <a:t>6/30/2025</a:t>
+              <a:t>7/1/2025</a:t>
             </a:fld>
             <a:endParaRPr lang="en-US"/>
           </a:p>
@@ -933,7 +1533,7 @@
           <a:p>
             <a:fld id="{C07B66AD-7C08-490A-ADA4-B47E10FB2407}" type="datetime1">
               <a:rPr lang="en-US" smtClean="0"/>
-              <a:t>6/30/2025</a:t>
+              <a:t>7/1/2025</a:t>
             </a:fld>
             <a:endParaRPr lang="en-US"/>
           </a:p>
@@ -1192,7 +1792,7 @@
           <a:p>
             <a:fld id="{05B95027-4255-49E7-9841-CD21BCC99996}" type="datetime1">
               <a:rPr lang="en-US" smtClean="0"/>
-              <a:t>6/30/2025</a:t>
+              <a:t>7/1/2025</a:t>
             </a:fld>
             <a:endParaRPr lang="en-US"/>
           </a:p>
@@ -1433,7 +2033,7 @@
           <a:p>
             <a:fld id="{9F89F774-3FA6-43B8-9241-99959C8FD463}" type="datetime1">
               <a:rPr lang="en-US" smtClean="0"/>
-              <a:t>6/30/2025</a:t>
+              <a:t>7/1/2025</a:t>
             </a:fld>
             <a:endParaRPr lang="en-US"/>
           </a:p>
@@ -1760,7 +2360,7 @@
           <a:p>
             <a:fld id="{F9504452-5DCC-4FE2-A5C9-8A5EF6714D65}" type="datetime1">
               <a:rPr lang="en-US" smtClean="0"/>
-              <a:t>6/30/2025</a:t>
+              <a:t>7/1/2025</a:t>
             </a:fld>
             <a:endParaRPr lang="en-US"/>
           </a:p>
@@ -2070,7 +2670,7 @@
           <a:p>
             <a:fld id="{E579ABC2-0180-4F3A-A895-A85BC724D472}" type="datetime1">
               <a:rPr lang="en-US" smtClean="0"/>
-              <a:t>6/30/2025</a:t>
+              <a:t>7/1/2025</a:t>
             </a:fld>
             <a:endParaRPr lang="en-US"/>
           </a:p>
@@ -2488,7 +3088,7 @@
           <a:p>
             <a:fld id="{6AEEA9BA-4E8F-439E-BEA4-91FBA01E3F5F}" type="datetime1">
               <a:rPr lang="en-US" smtClean="0"/>
-              <a:t>6/30/2025</a:t>
+              <a:t>7/1/2025</a:t>
             </a:fld>
             <a:endParaRPr lang="en-US"/>
           </a:p>
@@ -2630,7 +3230,7 @@
           <a:p>
             <a:fld id="{BE15BF18-0007-481C-AA29-413124BC3EE7}" type="datetime1">
               <a:rPr lang="en-US" smtClean="0"/>
-              <a:t>6/30/2025</a:t>
+              <a:t>7/1/2025</a:t>
             </a:fld>
             <a:endParaRPr lang="en-US"/>
           </a:p>
@@ -2792,7 +3392,7 @@
           <a:p>
             <a:fld id="{09BE9870-3748-43AD-B547-02A075CB4A1D}" type="datetime1">
               <a:rPr lang="en-US" smtClean="0"/>
-              <a:t>6/30/2025</a:t>
+              <a:t>7/1/2025</a:t>
             </a:fld>
             <a:endParaRPr lang="en-US"/>
           </a:p>
@@ -3109,7 +3709,7 @@
           <a:p>
             <a:fld id="{558E7897-33C5-4F1A-9307-D068E37F3DC7}" type="datetime1">
               <a:rPr lang="en-US" smtClean="0"/>
-              <a:t>6/30/2025</a:t>
+              <a:t>7/1/2025</a:t>
             </a:fld>
             <a:endParaRPr lang="en-US"/>
           </a:p>
@@ -3404,7 +4004,7 @@
           <a:p>
             <a:fld id="{82E171BA-CC09-47C8-A6DF-F5C5CB59CEEC}" type="datetime1">
               <a:rPr lang="en-US" smtClean="0"/>
-              <a:t>6/30/2025</a:t>
+              <a:t>7/1/2025</a:t>
             </a:fld>
             <a:endParaRPr lang="en-US"/>
           </a:p>
@@ -3641,7 +4241,7 @@
           <a:p>
             <a:fld id="{7DA38F49-B3E2-4BF0-BEC7-C30D34ABBB8D}" type="datetime1">
               <a:rPr lang="en-US" smtClean="0"/>
-              <a:t>6/30/2025</a:t>
+              <a:t>7/1/2025</a:t>
             </a:fld>
             <a:endParaRPr lang="en-US"/>
           </a:p>
@@ -4492,6 +5092,540 @@
 </p:sld>
 </file>
 
+<file path=ppt/slides/slide10.xml><?xml version="1.0" encoding="utf-8"?>
+<p:sld xmlns:a="http://schemas.openxmlformats.org/drawingml/2006/main" xmlns:r="http://schemas.openxmlformats.org/officeDocument/2006/relationships" xmlns:p="http://schemas.openxmlformats.org/presentationml/2006/main">
+  <p:cSld>
+    <p:spTree>
+      <p:nvGrpSpPr>
+        <p:cNvPr id="1" name=""/>
+        <p:cNvGrpSpPr/>
+        <p:nvPr/>
+      </p:nvGrpSpPr>
+      <p:grpSpPr>
+        <a:xfrm>
+          <a:off x="0" y="0"/>
+          <a:ext cx="0" cy="0"/>
+          <a:chOff x="0" y="0"/>
+          <a:chExt cx="0" cy="0"/>
+        </a:xfrm>
+      </p:grpSpPr>
+      <p:pic>
+        <p:nvPicPr>
+          <p:cNvPr id="7" name="그림 6">
+            <a:extLst>
+              <a:ext uri="{FF2B5EF4-FFF2-40B4-BE49-F238E27FC236}">
+                <a16:creationId xmlns:a16="http://schemas.microsoft.com/office/drawing/2014/main" id="{7F4C9E6E-0A0C-DEF4-FC58-15E9B99FF305}"/>
+              </a:ext>
+            </a:extLst>
+          </p:cNvPr>
+          <p:cNvPicPr>
+            <a:picLocks noChangeAspect="1"/>
+          </p:cNvPicPr>
+          <p:nvPr/>
+        </p:nvPicPr>
+        <p:blipFill>
+          <a:blip r:embed="rId2"/>
+          <a:stretch>
+            <a:fillRect/>
+          </a:stretch>
+        </p:blipFill>
+        <p:spPr>
+          <a:xfrm>
+            <a:off x="5986084" y="1152339"/>
+            <a:ext cx="5420481" cy="1667108"/>
+          </a:xfrm>
+          <a:prstGeom prst="rect">
+            <a:avLst/>
+          </a:prstGeom>
+        </p:spPr>
+      </p:pic>
+      <p:sp>
+        <p:nvSpPr>
+          <p:cNvPr id="8" name="TextBox 7">
+            <a:extLst>
+              <a:ext uri="{FF2B5EF4-FFF2-40B4-BE49-F238E27FC236}">
+                <a16:creationId xmlns:a16="http://schemas.microsoft.com/office/drawing/2014/main" id="{7D47BCC4-7379-11E3-FFDC-E2A92E22B4F1}"/>
+              </a:ext>
+            </a:extLst>
+          </p:cNvPr>
+          <p:cNvSpPr txBox="1"/>
+          <p:nvPr/>
+        </p:nvSpPr>
+        <p:spPr>
+          <a:xfrm>
+            <a:off x="504015" y="602219"/>
+            <a:ext cx="3248835" cy="369332"/>
+          </a:xfrm>
+          <a:prstGeom prst="rect">
+            <a:avLst/>
+          </a:prstGeom>
+          <a:noFill/>
+        </p:spPr>
+        <p:txBody>
+          <a:bodyPr wrap="square" rtlCol="0">
+            <a:spAutoFit/>
+          </a:bodyPr>
+          <a:lstStyle/>
+          <a:p>
+            <a:r>
+              <a:rPr lang="ko-KR" altLang="en-US" b="1" dirty="0" err="1"/>
+              <a:t>애니메이터</a:t>
+            </a:r>
+            <a:endParaRPr lang="ko-KR" altLang="en-US" b="1" dirty="0"/>
+          </a:p>
+        </p:txBody>
+      </p:sp>
+      <p:pic>
+        <p:nvPicPr>
+          <p:cNvPr id="10" name="그림 9">
+            <a:extLst>
+              <a:ext uri="{FF2B5EF4-FFF2-40B4-BE49-F238E27FC236}">
+                <a16:creationId xmlns:a16="http://schemas.microsoft.com/office/drawing/2014/main" id="{03FF3D1E-A00A-20BC-922B-BCE20742BF3B}"/>
+              </a:ext>
+            </a:extLst>
+          </p:cNvPr>
+          <p:cNvPicPr>
+            <a:picLocks noChangeAspect="1"/>
+          </p:cNvPicPr>
+          <p:nvPr/>
+        </p:nvPicPr>
+        <p:blipFill>
+          <a:blip r:embed="rId3"/>
+          <a:stretch>
+            <a:fillRect/>
+          </a:stretch>
+        </p:blipFill>
+        <p:spPr>
+          <a:xfrm>
+            <a:off x="504015" y="1152339"/>
+            <a:ext cx="4953691" cy="2667372"/>
+          </a:xfrm>
+          <a:prstGeom prst="rect">
+            <a:avLst/>
+          </a:prstGeom>
+        </p:spPr>
+      </p:pic>
+      <p:cxnSp>
+        <p:nvCxnSpPr>
+          <p:cNvPr id="11" name="직선 화살표 연결선 10">
+            <a:extLst>
+              <a:ext uri="{FF2B5EF4-FFF2-40B4-BE49-F238E27FC236}">
+                <a16:creationId xmlns:a16="http://schemas.microsoft.com/office/drawing/2014/main" id="{392557BA-C687-71B5-EFB9-9F368175407F}"/>
+              </a:ext>
+            </a:extLst>
+          </p:cNvPr>
+          <p:cNvCxnSpPr>
+            <a:cxnSpLocks/>
+            <a:endCxn id="7" idx="1"/>
+          </p:cNvCxnSpPr>
+          <p:nvPr/>
+        </p:nvCxnSpPr>
+        <p:spPr>
+          <a:xfrm flipV="1">
+            <a:off x="3752850" y="1985893"/>
+            <a:ext cx="2233234" cy="1166882"/>
+          </a:xfrm>
+          <a:prstGeom prst="straightConnector1">
+            <a:avLst/>
+          </a:prstGeom>
+          <a:ln w="57150">
+            <a:solidFill>
+              <a:srgbClr val="C00000"/>
+            </a:solidFill>
+            <a:tailEnd type="triangle"/>
+          </a:ln>
+        </p:spPr>
+        <p:style>
+          <a:lnRef idx="1">
+            <a:schemeClr val="accent1"/>
+          </a:lnRef>
+          <a:fillRef idx="0">
+            <a:schemeClr val="accent1"/>
+          </a:fillRef>
+          <a:effectRef idx="0">
+            <a:schemeClr val="accent1"/>
+          </a:effectRef>
+          <a:fontRef idx="minor">
+            <a:schemeClr val="tx1"/>
+          </a:fontRef>
+        </p:style>
+      </p:cxnSp>
+      <p:sp>
+        <p:nvSpPr>
+          <p:cNvPr id="14" name="직사각형 13">
+            <a:extLst>
+              <a:ext uri="{FF2B5EF4-FFF2-40B4-BE49-F238E27FC236}">
+                <a16:creationId xmlns:a16="http://schemas.microsoft.com/office/drawing/2014/main" id="{E34684DB-6656-6A75-C623-B1BE43D7384D}"/>
+              </a:ext>
+            </a:extLst>
+          </p:cNvPr>
+          <p:cNvSpPr/>
+          <p:nvPr/>
+        </p:nvSpPr>
+        <p:spPr>
+          <a:xfrm>
+            <a:off x="6657529" y="2088398"/>
+            <a:ext cx="2049011" cy="283328"/>
+          </a:xfrm>
+          <a:prstGeom prst="rect">
+            <a:avLst/>
+          </a:prstGeom>
+          <a:noFill/>
+          <a:ln w="57150">
+            <a:solidFill>
+              <a:srgbClr val="C00000"/>
+            </a:solidFill>
+          </a:ln>
+        </p:spPr>
+        <p:style>
+          <a:lnRef idx="2">
+            <a:schemeClr val="accent1">
+              <a:shade val="15000"/>
+            </a:schemeClr>
+          </a:lnRef>
+          <a:fillRef idx="1">
+            <a:schemeClr val="accent1"/>
+          </a:fillRef>
+          <a:effectRef idx="0">
+            <a:schemeClr val="accent1"/>
+          </a:effectRef>
+          <a:fontRef idx="minor">
+            <a:schemeClr val="lt1"/>
+          </a:fontRef>
+        </p:style>
+        <p:txBody>
+          <a:bodyPr rtlCol="0" anchor="ctr"/>
+          <a:lstStyle/>
+          <a:p>
+            <a:pPr algn="ctr"/>
+            <a:endParaRPr lang="ko-KR" altLang="en-US"/>
+          </a:p>
+        </p:txBody>
+      </p:sp>
+      <p:cxnSp>
+        <p:nvCxnSpPr>
+          <p:cNvPr id="15" name="직선 화살표 연결선 14">
+            <a:extLst>
+              <a:ext uri="{FF2B5EF4-FFF2-40B4-BE49-F238E27FC236}">
+                <a16:creationId xmlns:a16="http://schemas.microsoft.com/office/drawing/2014/main" id="{AFE4A75F-B236-9E90-2A30-2268B9FF7CFB}"/>
+              </a:ext>
+            </a:extLst>
+          </p:cNvPr>
+          <p:cNvCxnSpPr>
+            <a:cxnSpLocks/>
+            <a:stCxn id="14" idx="2"/>
+          </p:cNvCxnSpPr>
+          <p:nvPr/>
+        </p:nvCxnSpPr>
+        <p:spPr>
+          <a:xfrm flipH="1">
+            <a:off x="7010400" y="2371726"/>
+            <a:ext cx="671635" cy="1590674"/>
+          </a:xfrm>
+          <a:prstGeom prst="straightConnector1">
+            <a:avLst/>
+          </a:prstGeom>
+          <a:ln w="57150">
+            <a:solidFill>
+              <a:srgbClr val="C00000"/>
+            </a:solidFill>
+            <a:tailEnd type="triangle"/>
+          </a:ln>
+        </p:spPr>
+        <p:style>
+          <a:lnRef idx="1">
+            <a:schemeClr val="accent1"/>
+          </a:lnRef>
+          <a:fillRef idx="0">
+            <a:schemeClr val="accent1"/>
+          </a:fillRef>
+          <a:effectRef idx="0">
+            <a:schemeClr val="accent1"/>
+          </a:effectRef>
+          <a:fontRef idx="minor">
+            <a:schemeClr val="tx1"/>
+          </a:fontRef>
+        </p:style>
+      </p:cxnSp>
+      <p:sp>
+        <p:nvSpPr>
+          <p:cNvPr id="18" name="TextBox 17">
+            <a:extLst>
+              <a:ext uri="{FF2B5EF4-FFF2-40B4-BE49-F238E27FC236}">
+                <a16:creationId xmlns:a16="http://schemas.microsoft.com/office/drawing/2014/main" id="{701BB604-8763-8808-99F9-F295F8C1D085}"/>
+              </a:ext>
+            </a:extLst>
+          </p:cNvPr>
+          <p:cNvSpPr txBox="1"/>
+          <p:nvPr/>
+        </p:nvSpPr>
+        <p:spPr>
+          <a:xfrm>
+            <a:off x="4705350" y="4245728"/>
+            <a:ext cx="5772150" cy="646331"/>
+          </a:xfrm>
+          <a:prstGeom prst="rect">
+            <a:avLst/>
+          </a:prstGeom>
+          <a:noFill/>
+        </p:spPr>
+        <p:txBody>
+          <a:bodyPr wrap="square" rtlCol="0">
+            <a:spAutoFit/>
+          </a:bodyPr>
+          <a:lstStyle/>
+          <a:p>
+            <a:r>
+              <a:rPr lang="en-US" altLang="ko-KR" dirty="0"/>
+              <a:t>Animator </a:t>
+            </a:r>
+            <a:r>
+              <a:rPr lang="ko-KR" altLang="en-US" dirty="0"/>
+              <a:t>다음 그림처럼 만들고</a:t>
+            </a:r>
+            <a:r>
+              <a:rPr lang="en-US" altLang="ko-KR" dirty="0"/>
+              <a:t>, </a:t>
+            </a:r>
+            <a:r>
+              <a:rPr lang="ko-KR" altLang="en-US" dirty="0"/>
+              <a:t>코드로 </a:t>
+            </a:r>
+            <a:r>
+              <a:rPr lang="en-US" altLang="ko-KR" dirty="0"/>
+              <a:t>animator </a:t>
+            </a:r>
+            <a:r>
+              <a:rPr lang="ko-KR" altLang="en-US" dirty="0"/>
+              <a:t>연결 후 </a:t>
+            </a:r>
+            <a:r>
+              <a:rPr lang="en-US" altLang="ko-KR" dirty="0"/>
+              <a:t>Set</a:t>
+            </a:r>
+            <a:r>
+              <a:rPr lang="ko-KR" altLang="en-US" dirty="0"/>
+              <a:t>자료형 하면 해당 파라미터를 조절할 수 있음</a:t>
+            </a:r>
+          </a:p>
+        </p:txBody>
+      </p:sp>
+    </p:spTree>
+    <p:extLst>
+      <p:ext uri="{BB962C8B-B14F-4D97-AF65-F5344CB8AC3E}">
+        <p14:creationId xmlns:p14="http://schemas.microsoft.com/office/powerpoint/2010/main" val="368024196"/>
+      </p:ext>
+    </p:extLst>
+  </p:cSld>
+  <p:clrMapOvr>
+    <a:masterClrMapping/>
+  </p:clrMapOvr>
+</p:sld>
+</file>
+
+<file path=ppt/slides/slide11.xml><?xml version="1.0" encoding="utf-8"?>
+<p:sld xmlns:a="http://schemas.openxmlformats.org/drawingml/2006/main" xmlns:r="http://schemas.openxmlformats.org/officeDocument/2006/relationships" xmlns:p="http://schemas.openxmlformats.org/presentationml/2006/main">
+  <p:cSld>
+    <p:spTree>
+      <p:nvGrpSpPr>
+        <p:cNvPr id="1" name=""/>
+        <p:cNvGrpSpPr/>
+        <p:nvPr/>
+      </p:nvGrpSpPr>
+      <p:grpSpPr>
+        <a:xfrm>
+          <a:off x="0" y="0"/>
+          <a:ext cx="0" cy="0"/>
+          <a:chOff x="0" y="0"/>
+          <a:chExt cx="0" cy="0"/>
+        </a:xfrm>
+      </p:grpSpPr>
+      <p:pic>
+        <p:nvPicPr>
+          <p:cNvPr id="5" name="그림 4">
+            <a:extLst>
+              <a:ext uri="{FF2B5EF4-FFF2-40B4-BE49-F238E27FC236}">
+                <a16:creationId xmlns:a16="http://schemas.microsoft.com/office/drawing/2014/main" id="{79AA5608-1CC1-9024-C8D3-F9314B26433F}"/>
+              </a:ext>
+            </a:extLst>
+          </p:cNvPr>
+          <p:cNvPicPr>
+            <a:picLocks noChangeAspect="1"/>
+          </p:cNvPicPr>
+          <p:nvPr/>
+        </p:nvPicPr>
+        <p:blipFill>
+          <a:blip r:embed="rId2"/>
+          <a:stretch>
+            <a:fillRect/>
+          </a:stretch>
+        </p:blipFill>
+        <p:spPr>
+          <a:xfrm>
+            <a:off x="680914" y="1476102"/>
+            <a:ext cx="1762371" cy="1952898"/>
+          </a:xfrm>
+          <a:prstGeom prst="rect">
+            <a:avLst/>
+          </a:prstGeom>
+        </p:spPr>
+      </p:pic>
+      <p:sp>
+        <p:nvSpPr>
+          <p:cNvPr id="6" name="TextBox 5">
+            <a:extLst>
+              <a:ext uri="{FF2B5EF4-FFF2-40B4-BE49-F238E27FC236}">
+                <a16:creationId xmlns:a16="http://schemas.microsoft.com/office/drawing/2014/main" id="{CF91A2E8-C43F-6B39-C583-0BA8609380A7}"/>
+              </a:ext>
+            </a:extLst>
+          </p:cNvPr>
+          <p:cNvSpPr txBox="1"/>
+          <p:nvPr/>
+        </p:nvSpPr>
+        <p:spPr>
+          <a:xfrm>
+            <a:off x="504015" y="602219"/>
+            <a:ext cx="3248835" cy="369332"/>
+          </a:xfrm>
+          <a:prstGeom prst="rect">
+            <a:avLst/>
+          </a:prstGeom>
+          <a:noFill/>
+        </p:spPr>
+        <p:txBody>
+          <a:bodyPr wrap="square" rtlCol="0">
+            <a:spAutoFit/>
+          </a:bodyPr>
+          <a:lstStyle/>
+          <a:p>
+            <a:r>
+              <a:rPr lang="ko-KR" altLang="en-US" b="1" dirty="0"/>
+              <a:t>장애물 제작하기</a:t>
+            </a:r>
+          </a:p>
+        </p:txBody>
+      </p:sp>
+      <p:cxnSp>
+        <p:nvCxnSpPr>
+          <p:cNvPr id="7" name="직선 화살표 연결선 6">
+            <a:extLst>
+              <a:ext uri="{FF2B5EF4-FFF2-40B4-BE49-F238E27FC236}">
+                <a16:creationId xmlns:a16="http://schemas.microsoft.com/office/drawing/2014/main" id="{5A6D66F1-A109-373C-1908-342C834677A0}"/>
+              </a:ext>
+            </a:extLst>
+          </p:cNvPr>
+          <p:cNvCxnSpPr>
+            <a:cxnSpLocks/>
+            <a:stCxn id="5" idx="3"/>
+          </p:cNvCxnSpPr>
+          <p:nvPr/>
+        </p:nvCxnSpPr>
+        <p:spPr>
+          <a:xfrm flipV="1">
+            <a:off x="2443285" y="2200275"/>
+            <a:ext cx="2328740" cy="252276"/>
+          </a:xfrm>
+          <a:prstGeom prst="straightConnector1">
+            <a:avLst/>
+          </a:prstGeom>
+          <a:ln w="57150">
+            <a:solidFill>
+              <a:srgbClr val="C00000"/>
+            </a:solidFill>
+            <a:tailEnd type="triangle"/>
+          </a:ln>
+        </p:spPr>
+        <p:style>
+          <a:lnRef idx="1">
+            <a:schemeClr val="accent1"/>
+          </a:lnRef>
+          <a:fillRef idx="0">
+            <a:schemeClr val="accent1"/>
+          </a:fillRef>
+          <a:effectRef idx="0">
+            <a:schemeClr val="accent1"/>
+          </a:effectRef>
+          <a:fontRef idx="minor">
+            <a:schemeClr val="tx1"/>
+          </a:fontRef>
+        </p:style>
+      </p:cxnSp>
+      <p:sp>
+        <p:nvSpPr>
+          <p:cNvPr id="10" name="TextBox 9">
+            <a:extLst>
+              <a:ext uri="{FF2B5EF4-FFF2-40B4-BE49-F238E27FC236}">
+                <a16:creationId xmlns:a16="http://schemas.microsoft.com/office/drawing/2014/main" id="{ABBEF741-A7D7-FC40-3E95-C8A6FCA3404F}"/>
+              </a:ext>
+            </a:extLst>
+          </p:cNvPr>
+          <p:cNvSpPr txBox="1"/>
+          <p:nvPr/>
+        </p:nvSpPr>
+        <p:spPr>
+          <a:xfrm>
+            <a:off x="4953000" y="1877109"/>
+            <a:ext cx="5915025" cy="646331"/>
+          </a:xfrm>
+          <a:prstGeom prst="rect">
+            <a:avLst/>
+          </a:prstGeom>
+          <a:noFill/>
+        </p:spPr>
+        <p:txBody>
+          <a:bodyPr wrap="square" rtlCol="0">
+            <a:spAutoFit/>
+          </a:bodyPr>
+          <a:lstStyle/>
+          <a:p>
+            <a:r>
+              <a:rPr lang="en-US" altLang="ko-KR" dirty="0"/>
+              <a:t>Cactus A,B,C </a:t>
+            </a:r>
+            <a:r>
+              <a:rPr lang="ko-KR" altLang="en-US" dirty="0"/>
+              <a:t>장애물 제작하고 닿으면 체력이 깎이도록 제작</a:t>
+            </a:r>
+            <a:r>
+              <a:rPr lang="en-US" altLang="ko-KR" dirty="0"/>
+              <a:t>(</a:t>
+            </a:r>
+            <a:r>
+              <a:rPr lang="ko-KR" altLang="en-US" dirty="0"/>
+              <a:t>체력은 </a:t>
+            </a:r>
+            <a:r>
+              <a:rPr lang="en-US" altLang="ko-KR" dirty="0"/>
+              <a:t>3, </a:t>
+            </a:r>
+            <a:r>
+              <a:rPr lang="ko-KR" altLang="en-US" dirty="0"/>
+              <a:t>다 죽으면 사망</a:t>
+            </a:r>
+            <a:r>
+              <a:rPr lang="en-US" altLang="ko-KR" dirty="0"/>
+              <a:t>) -&gt; </a:t>
+            </a:r>
+            <a:r>
+              <a:rPr lang="ko-KR" altLang="en-US" dirty="0"/>
+              <a:t>애니메이션 작업까지</a:t>
+            </a:r>
+          </a:p>
+        </p:txBody>
+      </p:sp>
+    </p:spTree>
+    <p:extLst>
+      <p:ext uri="{BB962C8B-B14F-4D97-AF65-F5344CB8AC3E}">
+        <p14:creationId xmlns:p14="http://schemas.microsoft.com/office/powerpoint/2010/main" val="2821530507"/>
+      </p:ext>
+    </p:extLst>
+  </p:cSld>
+  <p:clrMapOvr>
+    <a:masterClrMapping/>
+  </p:clrMapOvr>
+</p:sld>
+</file>
+
 <file path=ppt/slides/slide2.xml><?xml version="1.0" encoding="utf-8"?>
 <p:sld xmlns:a="http://schemas.openxmlformats.org/drawingml/2006/main" xmlns:r="http://schemas.openxmlformats.org/officeDocument/2006/relationships" xmlns:p="http://schemas.openxmlformats.org/presentationml/2006/main">
   <p:cSld>
@@ -5141,10 +6275,10 @@
       </p:grpSpPr>
       <p:pic>
         <p:nvPicPr>
-          <p:cNvPr id="7" name="그림 6">
-            <a:extLst>
-              <a:ext uri="{FF2B5EF4-FFF2-40B4-BE49-F238E27FC236}">
-                <a16:creationId xmlns:a16="http://schemas.microsoft.com/office/drawing/2014/main" id="{E4ECB108-857B-0979-9221-B455FB7A0C0F}"/>
+          <p:cNvPr id="5" name="그림 4">
+            <a:extLst>
+              <a:ext uri="{FF2B5EF4-FFF2-40B4-BE49-F238E27FC236}">
+                <a16:creationId xmlns:a16="http://schemas.microsoft.com/office/drawing/2014/main" id="{DA01DAA7-334E-08FA-AFB5-074D8938AABD}"/>
               </a:ext>
             </a:extLst>
           </p:cNvPr>
@@ -5161,6 +6295,144 @@
         </p:blipFill>
         <p:spPr>
           <a:xfrm>
+            <a:off x="384928" y="1376009"/>
+            <a:ext cx="8679213" cy="3672241"/>
+          </a:xfrm>
+          <a:prstGeom prst="rect">
+            <a:avLst/>
+          </a:prstGeom>
+        </p:spPr>
+      </p:pic>
+      <p:sp>
+        <p:nvSpPr>
+          <p:cNvPr id="6" name="TextBox 5">
+            <a:extLst>
+              <a:ext uri="{FF2B5EF4-FFF2-40B4-BE49-F238E27FC236}">
+                <a16:creationId xmlns:a16="http://schemas.microsoft.com/office/drawing/2014/main" id="{F7DEED7B-02DE-ABB9-3D54-FD242F6E6D51}"/>
+              </a:ext>
+            </a:extLst>
+          </p:cNvPr>
+          <p:cNvSpPr txBox="1"/>
+          <p:nvPr/>
+        </p:nvSpPr>
+        <p:spPr>
+          <a:xfrm>
+            <a:off x="600075" y="600075"/>
+            <a:ext cx="2476500" cy="646331"/>
+          </a:xfrm>
+          <a:prstGeom prst="rect">
+            <a:avLst/>
+          </a:prstGeom>
+          <a:noFill/>
+        </p:spPr>
+        <p:txBody>
+          <a:bodyPr wrap="square" rtlCol="0">
+            <a:spAutoFit/>
+          </a:bodyPr>
+          <a:lstStyle/>
+          <a:p>
+            <a:r>
+              <a:rPr lang="ko-KR" altLang="en-US" b="1" dirty="0"/>
+              <a:t>배경 제작</a:t>
+            </a:r>
+            <a:endParaRPr lang="en-US" altLang="ko-KR" b="1" dirty="0"/>
+          </a:p>
+          <a:p>
+            <a:endParaRPr lang="ko-KR" altLang="en-US" dirty="0"/>
+          </a:p>
+        </p:txBody>
+      </p:sp>
+      <p:sp>
+        <p:nvSpPr>
+          <p:cNvPr id="7" name="TextBox 6">
+            <a:extLst>
+              <a:ext uri="{FF2B5EF4-FFF2-40B4-BE49-F238E27FC236}">
+                <a16:creationId xmlns:a16="http://schemas.microsoft.com/office/drawing/2014/main" id="{FABDE692-7989-3DE7-6721-175084823760}"/>
+              </a:ext>
+            </a:extLst>
+          </p:cNvPr>
+          <p:cNvSpPr txBox="1"/>
+          <p:nvPr/>
+        </p:nvSpPr>
+        <p:spPr>
+          <a:xfrm>
+            <a:off x="384928" y="5168328"/>
+            <a:ext cx="10791825" cy="369332"/>
+          </a:xfrm>
+          <a:prstGeom prst="rect">
+            <a:avLst/>
+          </a:prstGeom>
+          <a:noFill/>
+        </p:spPr>
+        <p:txBody>
+          <a:bodyPr wrap="square" rtlCol="0">
+            <a:spAutoFit/>
+          </a:bodyPr>
+          <a:lstStyle/>
+          <a:p>
+            <a:r>
+              <a:rPr lang="ko-KR" altLang="en-US" dirty="0"/>
+              <a:t>같은 배경을 두개 만든 후 </a:t>
+            </a:r>
+            <a:r>
+              <a:rPr lang="ko-KR" altLang="en-US"/>
+              <a:t>두 개를 번갈아 가면서 재사용</a:t>
+            </a:r>
+          </a:p>
+        </p:txBody>
+      </p:sp>
+    </p:spTree>
+    <p:extLst>
+      <p:ext uri="{BB962C8B-B14F-4D97-AF65-F5344CB8AC3E}">
+        <p14:creationId xmlns:p14="http://schemas.microsoft.com/office/powerpoint/2010/main" val="3844146376"/>
+      </p:ext>
+    </p:extLst>
+  </p:cSld>
+  <p:clrMapOvr>
+    <a:masterClrMapping/>
+  </p:clrMapOvr>
+</p:sld>
+</file>
+
+<file path=ppt/slides/slide5.xml><?xml version="1.0" encoding="utf-8"?>
+<p:sld xmlns:a="http://schemas.openxmlformats.org/drawingml/2006/main" xmlns:r="http://schemas.openxmlformats.org/officeDocument/2006/relationships" xmlns:p="http://schemas.openxmlformats.org/presentationml/2006/main">
+  <p:cSld>
+    <p:spTree>
+      <p:nvGrpSpPr>
+        <p:cNvPr id="1" name=""/>
+        <p:cNvGrpSpPr/>
+        <p:nvPr/>
+      </p:nvGrpSpPr>
+      <p:grpSpPr>
+        <a:xfrm>
+          <a:off x="0" y="0"/>
+          <a:ext cx="0" cy="0"/>
+          <a:chOff x="0" y="0"/>
+          <a:chExt cx="0" cy="0"/>
+        </a:xfrm>
+      </p:grpSpPr>
+      <p:pic>
+        <p:nvPicPr>
+          <p:cNvPr id="7" name="그림 6">
+            <a:extLst>
+              <a:ext uri="{FF2B5EF4-FFF2-40B4-BE49-F238E27FC236}">
+                <a16:creationId xmlns:a16="http://schemas.microsoft.com/office/drawing/2014/main" id="{E4ECB108-857B-0979-9221-B455FB7A0C0F}"/>
+              </a:ext>
+            </a:extLst>
+          </p:cNvPr>
+          <p:cNvPicPr>
+            <a:picLocks noChangeAspect="1"/>
+          </p:cNvPicPr>
+          <p:nvPr/>
+        </p:nvPicPr>
+        <p:blipFill>
+          <a:blip r:embed="rId2"/>
+          <a:stretch>
+            <a:fillRect/>
+          </a:stretch>
+        </p:blipFill>
+        <p:spPr>
+          <a:xfrm>
             <a:off x="542115" y="1162049"/>
             <a:ext cx="2621305" cy="5419725"/>
           </a:xfrm>
@@ -5351,10 +6623,1776 @@
           </a:p>
         </p:txBody>
       </p:sp>
+      <p:pic>
+        <p:nvPicPr>
+          <p:cNvPr id="3" name="그림 2">
+            <a:extLst>
+              <a:ext uri="{FF2B5EF4-FFF2-40B4-BE49-F238E27FC236}">
+                <a16:creationId xmlns:a16="http://schemas.microsoft.com/office/drawing/2014/main" id="{01759584-FDA1-7897-25F2-972AC3D9BD52}"/>
+              </a:ext>
+            </a:extLst>
+          </p:cNvPr>
+          <p:cNvPicPr>
+            <a:picLocks noChangeAspect="1"/>
+          </p:cNvPicPr>
+          <p:nvPr/>
+        </p:nvPicPr>
+        <p:blipFill>
+          <a:blip r:embed="rId3"/>
+          <a:stretch>
+            <a:fillRect/>
+          </a:stretch>
+        </p:blipFill>
+        <p:spPr>
+          <a:xfrm>
+            <a:off x="3395440" y="3095137"/>
+            <a:ext cx="3191320" cy="3486637"/>
+          </a:xfrm>
+          <a:prstGeom prst="rect">
+            <a:avLst/>
+          </a:prstGeom>
+        </p:spPr>
+      </p:pic>
+      <p:sp>
+        <p:nvSpPr>
+          <p:cNvPr id="5" name="직사각형 4">
+            <a:extLst>
+              <a:ext uri="{FF2B5EF4-FFF2-40B4-BE49-F238E27FC236}">
+                <a16:creationId xmlns:a16="http://schemas.microsoft.com/office/drawing/2014/main" id="{ABEAB51F-0E27-BC3E-6E4E-162AC38F3122}"/>
+              </a:ext>
+            </a:extLst>
+          </p:cNvPr>
+          <p:cNvSpPr/>
+          <p:nvPr/>
+        </p:nvSpPr>
+        <p:spPr>
+          <a:xfrm>
+            <a:off x="3395439" y="3871911"/>
+            <a:ext cx="1871885" cy="566739"/>
+          </a:xfrm>
+          <a:prstGeom prst="rect">
+            <a:avLst/>
+          </a:prstGeom>
+          <a:noFill/>
+          <a:ln w="57150">
+            <a:solidFill>
+              <a:srgbClr val="C00000"/>
+            </a:solidFill>
+          </a:ln>
+        </p:spPr>
+        <p:style>
+          <a:lnRef idx="2">
+            <a:schemeClr val="accent1">
+              <a:shade val="15000"/>
+            </a:schemeClr>
+          </a:lnRef>
+          <a:fillRef idx="1">
+            <a:schemeClr val="accent1"/>
+          </a:fillRef>
+          <a:effectRef idx="0">
+            <a:schemeClr val="accent1"/>
+          </a:effectRef>
+          <a:fontRef idx="minor">
+            <a:schemeClr val="lt1"/>
+          </a:fontRef>
+        </p:style>
+        <p:txBody>
+          <a:bodyPr rtlCol="0" anchor="ctr"/>
+          <a:lstStyle/>
+          <a:p>
+            <a:pPr algn="ctr"/>
+            <a:endParaRPr lang="ko-KR" altLang="en-US"/>
+          </a:p>
+        </p:txBody>
+      </p:sp>
+      <p:cxnSp>
+        <p:nvCxnSpPr>
+          <p:cNvPr id="6" name="직선 화살표 연결선 5">
+            <a:extLst>
+              <a:ext uri="{FF2B5EF4-FFF2-40B4-BE49-F238E27FC236}">
+                <a16:creationId xmlns:a16="http://schemas.microsoft.com/office/drawing/2014/main" id="{E29A5EC8-7CFB-70C3-E0C8-208A71A6D25B}"/>
+              </a:ext>
+            </a:extLst>
+          </p:cNvPr>
+          <p:cNvCxnSpPr>
+            <a:cxnSpLocks/>
+            <a:stCxn id="5" idx="3"/>
+          </p:cNvCxnSpPr>
+          <p:nvPr/>
+        </p:nvCxnSpPr>
+        <p:spPr>
+          <a:xfrm>
+            <a:off x="5267324" y="4155281"/>
+            <a:ext cx="3147102" cy="606028"/>
+          </a:xfrm>
+          <a:prstGeom prst="straightConnector1">
+            <a:avLst/>
+          </a:prstGeom>
+          <a:ln w="57150">
+            <a:solidFill>
+              <a:srgbClr val="C00000"/>
+            </a:solidFill>
+            <a:tailEnd type="triangle"/>
+          </a:ln>
+        </p:spPr>
+        <p:style>
+          <a:lnRef idx="1">
+            <a:schemeClr val="accent1"/>
+          </a:lnRef>
+          <a:fillRef idx="0">
+            <a:schemeClr val="accent1"/>
+          </a:fillRef>
+          <a:effectRef idx="0">
+            <a:schemeClr val="accent1"/>
+          </a:effectRef>
+          <a:fontRef idx="minor">
+            <a:schemeClr val="tx1"/>
+          </a:fontRef>
+        </p:style>
+      </p:cxnSp>
+      <p:sp>
+        <p:nvSpPr>
+          <p:cNvPr id="12" name="TextBox 11">
+            <a:extLst>
+              <a:ext uri="{FF2B5EF4-FFF2-40B4-BE49-F238E27FC236}">
+                <a16:creationId xmlns:a16="http://schemas.microsoft.com/office/drawing/2014/main" id="{D91E0C0C-93AA-EC8E-F196-197F182C9CB4}"/>
+              </a:ext>
+            </a:extLst>
+          </p:cNvPr>
+          <p:cNvSpPr txBox="1"/>
+          <p:nvPr/>
+        </p:nvSpPr>
+        <p:spPr>
+          <a:xfrm>
+            <a:off x="7437809" y="4860013"/>
+            <a:ext cx="4212076" cy="369332"/>
+          </a:xfrm>
+          <a:prstGeom prst="rect">
+            <a:avLst/>
+          </a:prstGeom>
+          <a:noFill/>
+        </p:spPr>
+        <p:txBody>
+          <a:bodyPr wrap="square" rtlCol="0">
+            <a:spAutoFit/>
+          </a:bodyPr>
+          <a:lstStyle/>
+          <a:p>
+            <a:r>
+              <a:rPr lang="ko-KR" altLang="en-US" dirty="0"/>
+              <a:t>새로운 </a:t>
+            </a:r>
+            <a:r>
+              <a:rPr lang="en-US" altLang="ko-KR" dirty="0"/>
+              <a:t>animation clip </a:t>
+            </a:r>
+            <a:r>
+              <a:rPr lang="ko-KR" altLang="en-US" dirty="0"/>
+              <a:t>제작 가능</a:t>
+            </a:r>
+          </a:p>
+        </p:txBody>
+      </p:sp>
     </p:spTree>
     <p:extLst>
       <p:ext uri="{BB962C8B-B14F-4D97-AF65-F5344CB8AC3E}">
         <p14:creationId xmlns:p14="http://schemas.microsoft.com/office/powerpoint/2010/main" val="2261106642"/>
+      </p:ext>
+    </p:extLst>
+  </p:cSld>
+  <p:clrMapOvr>
+    <a:masterClrMapping/>
+  </p:clrMapOvr>
+</p:sld>
+</file>
+
+<file path=ppt/slides/slide6.xml><?xml version="1.0" encoding="utf-8"?>
+<p:sld xmlns:a="http://schemas.openxmlformats.org/drawingml/2006/main" xmlns:r="http://schemas.openxmlformats.org/officeDocument/2006/relationships" xmlns:p="http://schemas.openxmlformats.org/presentationml/2006/main">
+  <p:cSld>
+    <p:spTree>
+      <p:nvGrpSpPr>
+        <p:cNvPr id="1" name=""/>
+        <p:cNvGrpSpPr/>
+        <p:nvPr/>
+      </p:nvGrpSpPr>
+      <p:grpSpPr>
+        <a:xfrm>
+          <a:off x="0" y="0"/>
+          <a:ext cx="0" cy="0"/>
+          <a:chOff x="0" y="0"/>
+          <a:chExt cx="0" cy="0"/>
+        </a:xfrm>
+      </p:grpSpPr>
+      <p:pic>
+        <p:nvPicPr>
+          <p:cNvPr id="5" name="그림 4">
+            <a:extLst>
+              <a:ext uri="{FF2B5EF4-FFF2-40B4-BE49-F238E27FC236}">
+                <a16:creationId xmlns:a16="http://schemas.microsoft.com/office/drawing/2014/main" id="{C273BA2A-6C99-AA01-2AF5-A803B2A2D361}"/>
+              </a:ext>
+            </a:extLst>
+          </p:cNvPr>
+          <p:cNvPicPr>
+            <a:picLocks noChangeAspect="1"/>
+          </p:cNvPicPr>
+          <p:nvPr/>
+        </p:nvPicPr>
+        <p:blipFill>
+          <a:blip r:embed="rId2"/>
+          <a:stretch>
+            <a:fillRect/>
+          </a:stretch>
+        </p:blipFill>
+        <p:spPr>
+          <a:xfrm>
+            <a:off x="352425" y="1235794"/>
+            <a:ext cx="8524875" cy="4386411"/>
+          </a:xfrm>
+          <a:prstGeom prst="rect">
+            <a:avLst/>
+          </a:prstGeom>
+        </p:spPr>
+      </p:pic>
+      <p:sp>
+        <p:nvSpPr>
+          <p:cNvPr id="6" name="직사각형 5">
+            <a:extLst>
+              <a:ext uri="{FF2B5EF4-FFF2-40B4-BE49-F238E27FC236}">
+                <a16:creationId xmlns:a16="http://schemas.microsoft.com/office/drawing/2014/main" id="{230F11E4-BD36-7686-EBB1-F3DDF6979EA5}"/>
+              </a:ext>
+            </a:extLst>
+          </p:cNvPr>
+          <p:cNvSpPr/>
+          <p:nvPr/>
+        </p:nvSpPr>
+        <p:spPr>
+          <a:xfrm>
+            <a:off x="6881589" y="3938586"/>
+            <a:ext cx="967011" cy="871539"/>
+          </a:xfrm>
+          <a:prstGeom prst="rect">
+            <a:avLst/>
+          </a:prstGeom>
+          <a:noFill/>
+          <a:ln w="57150">
+            <a:solidFill>
+              <a:srgbClr val="C00000"/>
+            </a:solidFill>
+          </a:ln>
+        </p:spPr>
+        <p:style>
+          <a:lnRef idx="2">
+            <a:schemeClr val="accent1">
+              <a:shade val="15000"/>
+            </a:schemeClr>
+          </a:lnRef>
+          <a:fillRef idx="1">
+            <a:schemeClr val="accent1"/>
+          </a:fillRef>
+          <a:effectRef idx="0">
+            <a:schemeClr val="accent1"/>
+          </a:effectRef>
+          <a:fontRef idx="minor">
+            <a:schemeClr val="lt1"/>
+          </a:fontRef>
+        </p:style>
+        <p:txBody>
+          <a:bodyPr rtlCol="0" anchor="ctr"/>
+          <a:lstStyle/>
+          <a:p>
+            <a:pPr algn="ctr"/>
+            <a:endParaRPr lang="ko-KR" altLang="en-US"/>
+          </a:p>
+        </p:txBody>
+      </p:sp>
+      <p:cxnSp>
+        <p:nvCxnSpPr>
+          <p:cNvPr id="7" name="직선 화살표 연결선 6">
+            <a:extLst>
+              <a:ext uri="{FF2B5EF4-FFF2-40B4-BE49-F238E27FC236}">
+                <a16:creationId xmlns:a16="http://schemas.microsoft.com/office/drawing/2014/main" id="{267EAD1C-664A-AAF1-DA0A-E518DB30B40F}"/>
+              </a:ext>
+            </a:extLst>
+          </p:cNvPr>
+          <p:cNvCxnSpPr>
+            <a:cxnSpLocks/>
+            <a:stCxn id="6" idx="3"/>
+          </p:cNvCxnSpPr>
+          <p:nvPr/>
+        </p:nvCxnSpPr>
+        <p:spPr>
+          <a:xfrm>
+            <a:off x="7848600" y="4374356"/>
+            <a:ext cx="1809750" cy="692944"/>
+          </a:xfrm>
+          <a:prstGeom prst="straightConnector1">
+            <a:avLst/>
+          </a:prstGeom>
+          <a:ln w="57150">
+            <a:solidFill>
+              <a:srgbClr val="C00000"/>
+            </a:solidFill>
+            <a:tailEnd type="triangle"/>
+          </a:ln>
+        </p:spPr>
+        <p:style>
+          <a:lnRef idx="1">
+            <a:schemeClr val="accent1"/>
+          </a:lnRef>
+          <a:fillRef idx="0">
+            <a:schemeClr val="accent1"/>
+          </a:fillRef>
+          <a:effectRef idx="0">
+            <a:schemeClr val="accent1"/>
+          </a:effectRef>
+          <a:fontRef idx="minor">
+            <a:schemeClr val="tx1"/>
+          </a:fontRef>
+        </p:style>
+      </p:cxnSp>
+      <p:sp>
+        <p:nvSpPr>
+          <p:cNvPr id="10" name="직사각형 9">
+            <a:extLst>
+              <a:ext uri="{FF2B5EF4-FFF2-40B4-BE49-F238E27FC236}">
+                <a16:creationId xmlns:a16="http://schemas.microsoft.com/office/drawing/2014/main" id="{0F2BF010-DB42-4C49-84DC-E2090E2E92B8}"/>
+              </a:ext>
+            </a:extLst>
+          </p:cNvPr>
+          <p:cNvSpPr/>
+          <p:nvPr/>
+        </p:nvSpPr>
+        <p:spPr>
+          <a:xfrm>
+            <a:off x="6205315" y="1695450"/>
+            <a:ext cx="852710" cy="133350"/>
+          </a:xfrm>
+          <a:prstGeom prst="rect">
+            <a:avLst/>
+          </a:prstGeom>
+          <a:noFill/>
+          <a:ln w="57150">
+            <a:solidFill>
+              <a:srgbClr val="C00000"/>
+            </a:solidFill>
+          </a:ln>
+        </p:spPr>
+        <p:style>
+          <a:lnRef idx="2">
+            <a:schemeClr val="accent1">
+              <a:shade val="15000"/>
+            </a:schemeClr>
+          </a:lnRef>
+          <a:fillRef idx="1">
+            <a:schemeClr val="accent1"/>
+          </a:fillRef>
+          <a:effectRef idx="0">
+            <a:schemeClr val="accent1"/>
+          </a:effectRef>
+          <a:fontRef idx="minor">
+            <a:schemeClr val="lt1"/>
+          </a:fontRef>
+        </p:style>
+        <p:txBody>
+          <a:bodyPr rtlCol="0" anchor="ctr"/>
+          <a:lstStyle/>
+          <a:p>
+            <a:pPr algn="ctr"/>
+            <a:endParaRPr lang="ko-KR" altLang="en-US"/>
+          </a:p>
+        </p:txBody>
+      </p:sp>
+      <p:sp>
+        <p:nvSpPr>
+          <p:cNvPr id="11" name="TextBox 10">
+            <a:extLst>
+              <a:ext uri="{FF2B5EF4-FFF2-40B4-BE49-F238E27FC236}">
+                <a16:creationId xmlns:a16="http://schemas.microsoft.com/office/drawing/2014/main" id="{ECA651C2-D802-F33A-418B-3C08F25C11A0}"/>
+              </a:ext>
+            </a:extLst>
+          </p:cNvPr>
+          <p:cNvSpPr txBox="1"/>
+          <p:nvPr/>
+        </p:nvSpPr>
+        <p:spPr>
+          <a:xfrm>
+            <a:off x="6534150" y="5688643"/>
+            <a:ext cx="5467350" cy="923330"/>
+          </a:xfrm>
+          <a:prstGeom prst="rect">
+            <a:avLst/>
+          </a:prstGeom>
+          <a:noFill/>
+        </p:spPr>
+        <p:txBody>
+          <a:bodyPr wrap="square" rtlCol="0">
+            <a:spAutoFit/>
+          </a:bodyPr>
+          <a:lstStyle/>
+          <a:p>
+            <a:r>
+              <a:rPr lang="en-US" altLang="ko-KR" dirty="0"/>
+              <a:t>Project </a:t>
+            </a:r>
+            <a:r>
+              <a:rPr lang="ko-KR" altLang="en-US" dirty="0"/>
+              <a:t>파일에서 </a:t>
+            </a:r>
+            <a:r>
+              <a:rPr lang="en-US" altLang="ko-KR" dirty="0"/>
+              <a:t>animation clip</a:t>
+            </a:r>
+            <a:r>
+              <a:rPr lang="ko-KR" altLang="en-US" dirty="0"/>
+              <a:t> 만들고 해당 </a:t>
+            </a:r>
+            <a:r>
+              <a:rPr lang="en-US" altLang="ko-KR" dirty="0"/>
+              <a:t>clip</a:t>
+            </a:r>
+            <a:r>
+              <a:rPr lang="ko-KR" altLang="en-US" dirty="0"/>
+              <a:t>을 누르고 </a:t>
+            </a:r>
+            <a:r>
+              <a:rPr lang="en-US" altLang="ko-KR" dirty="0"/>
+              <a:t>animator </a:t>
+            </a:r>
+            <a:r>
+              <a:rPr lang="ko-KR" altLang="en-US" dirty="0"/>
+              <a:t>컴포넌트가 붙어있는 </a:t>
+            </a:r>
+            <a:r>
+              <a:rPr lang="en-US" altLang="ko-KR" dirty="0"/>
+              <a:t>Game </a:t>
+            </a:r>
+            <a:r>
+              <a:rPr lang="en-US" altLang="ko-KR" dirty="0" err="1"/>
+              <a:t>objec</a:t>
+            </a:r>
+            <a:r>
+              <a:rPr lang="ko-KR" altLang="en-US" dirty="0"/>
+              <a:t>를  드래그 앤 드롭 </a:t>
+            </a:r>
+            <a:r>
+              <a:rPr lang="en-US" altLang="ko-KR" dirty="0"/>
+              <a:t>animation </a:t>
+            </a:r>
+            <a:r>
+              <a:rPr lang="ko-KR" altLang="en-US" dirty="0"/>
+              <a:t>제작 가능 </a:t>
+            </a:r>
+          </a:p>
+        </p:txBody>
+      </p:sp>
+      <p:sp>
+        <p:nvSpPr>
+          <p:cNvPr id="12" name="직사각형 11">
+            <a:extLst>
+              <a:ext uri="{FF2B5EF4-FFF2-40B4-BE49-F238E27FC236}">
+                <a16:creationId xmlns:a16="http://schemas.microsoft.com/office/drawing/2014/main" id="{7772BD45-6A36-8B13-BFAC-10722507BC55}"/>
+              </a:ext>
+            </a:extLst>
+          </p:cNvPr>
+          <p:cNvSpPr/>
+          <p:nvPr/>
+        </p:nvSpPr>
+        <p:spPr>
+          <a:xfrm>
+            <a:off x="352425" y="3832621"/>
+            <a:ext cx="5600700" cy="1776414"/>
+          </a:xfrm>
+          <a:prstGeom prst="rect">
+            <a:avLst/>
+          </a:prstGeom>
+          <a:noFill/>
+          <a:ln w="57150">
+            <a:solidFill>
+              <a:srgbClr val="C00000"/>
+            </a:solidFill>
+          </a:ln>
+        </p:spPr>
+        <p:style>
+          <a:lnRef idx="2">
+            <a:schemeClr val="accent1">
+              <a:shade val="15000"/>
+            </a:schemeClr>
+          </a:lnRef>
+          <a:fillRef idx="1">
+            <a:schemeClr val="accent1"/>
+          </a:fillRef>
+          <a:effectRef idx="0">
+            <a:schemeClr val="accent1"/>
+          </a:effectRef>
+          <a:fontRef idx="minor">
+            <a:schemeClr val="lt1"/>
+          </a:fontRef>
+        </p:style>
+        <p:txBody>
+          <a:bodyPr rtlCol="0" anchor="ctr"/>
+          <a:lstStyle/>
+          <a:p>
+            <a:pPr algn="ctr"/>
+            <a:endParaRPr lang="ko-KR" altLang="en-US"/>
+          </a:p>
+        </p:txBody>
+      </p:sp>
+      <p:cxnSp>
+        <p:nvCxnSpPr>
+          <p:cNvPr id="13" name="직선 화살표 연결선 12">
+            <a:extLst>
+              <a:ext uri="{FF2B5EF4-FFF2-40B4-BE49-F238E27FC236}">
+                <a16:creationId xmlns:a16="http://schemas.microsoft.com/office/drawing/2014/main" id="{C7B2CF8E-F248-E82F-0E57-B94B65D40045}"/>
+              </a:ext>
+            </a:extLst>
+          </p:cNvPr>
+          <p:cNvCxnSpPr>
+            <a:cxnSpLocks/>
+          </p:cNvCxnSpPr>
+          <p:nvPr/>
+        </p:nvCxnSpPr>
+        <p:spPr>
+          <a:xfrm flipH="1">
+            <a:off x="2790825" y="5067300"/>
+            <a:ext cx="180975" cy="1083008"/>
+          </a:xfrm>
+          <a:prstGeom prst="straightConnector1">
+            <a:avLst/>
+          </a:prstGeom>
+          <a:ln w="57150">
+            <a:solidFill>
+              <a:srgbClr val="C00000"/>
+            </a:solidFill>
+            <a:tailEnd type="triangle"/>
+          </a:ln>
+        </p:spPr>
+        <p:style>
+          <a:lnRef idx="1">
+            <a:schemeClr val="accent1"/>
+          </a:lnRef>
+          <a:fillRef idx="0">
+            <a:schemeClr val="accent1"/>
+          </a:fillRef>
+          <a:effectRef idx="0">
+            <a:schemeClr val="accent1"/>
+          </a:effectRef>
+          <a:fontRef idx="minor">
+            <a:schemeClr val="tx1"/>
+          </a:fontRef>
+        </p:style>
+      </p:cxnSp>
+      <p:sp>
+        <p:nvSpPr>
+          <p:cNvPr id="16" name="TextBox 15">
+            <a:extLst>
+              <a:ext uri="{FF2B5EF4-FFF2-40B4-BE49-F238E27FC236}">
+                <a16:creationId xmlns:a16="http://schemas.microsoft.com/office/drawing/2014/main" id="{5EAFD933-53C9-DBA1-3949-199B39541E7A}"/>
+              </a:ext>
+            </a:extLst>
+          </p:cNvPr>
+          <p:cNvSpPr txBox="1"/>
+          <p:nvPr/>
+        </p:nvSpPr>
+        <p:spPr>
+          <a:xfrm>
+            <a:off x="1571625" y="6150308"/>
+            <a:ext cx="3771900" cy="646331"/>
+          </a:xfrm>
+          <a:prstGeom prst="rect">
+            <a:avLst/>
+          </a:prstGeom>
+          <a:noFill/>
+        </p:spPr>
+        <p:txBody>
+          <a:bodyPr wrap="square" rtlCol="0">
+            <a:spAutoFit/>
+          </a:bodyPr>
+          <a:lstStyle/>
+          <a:p>
+            <a:r>
+              <a:rPr lang="en-US" altLang="ko-KR" dirty="0"/>
+              <a:t>Animation</a:t>
+            </a:r>
+            <a:r>
+              <a:rPr lang="ko-KR" altLang="en-US" dirty="0"/>
+              <a:t> 창</a:t>
+            </a:r>
+            <a:endParaRPr lang="en-US" altLang="ko-KR" dirty="0"/>
+          </a:p>
+          <a:p>
+            <a:endParaRPr lang="ko-KR" altLang="en-US" dirty="0"/>
+          </a:p>
+        </p:txBody>
+      </p:sp>
+      <p:sp>
+        <p:nvSpPr>
+          <p:cNvPr id="17" name="TextBox 16">
+            <a:extLst>
+              <a:ext uri="{FF2B5EF4-FFF2-40B4-BE49-F238E27FC236}">
+                <a16:creationId xmlns:a16="http://schemas.microsoft.com/office/drawing/2014/main" id="{AE8C5A25-E38A-B5DD-DAE2-AF9A02173F09}"/>
+              </a:ext>
+            </a:extLst>
+          </p:cNvPr>
+          <p:cNvSpPr txBox="1"/>
+          <p:nvPr/>
+        </p:nvSpPr>
+        <p:spPr>
+          <a:xfrm>
+            <a:off x="504015" y="602219"/>
+            <a:ext cx="3248835" cy="369332"/>
+          </a:xfrm>
+          <a:prstGeom prst="rect">
+            <a:avLst/>
+          </a:prstGeom>
+          <a:noFill/>
+        </p:spPr>
+        <p:txBody>
+          <a:bodyPr wrap="square" rtlCol="0">
+            <a:spAutoFit/>
+          </a:bodyPr>
+          <a:lstStyle/>
+          <a:p>
+            <a:r>
+              <a:rPr lang="ko-KR" altLang="en-US" b="1" dirty="0"/>
+              <a:t>애니메이션</a:t>
+            </a:r>
+          </a:p>
+        </p:txBody>
+      </p:sp>
+    </p:spTree>
+    <p:extLst>
+      <p:ext uri="{BB962C8B-B14F-4D97-AF65-F5344CB8AC3E}">
+        <p14:creationId xmlns:p14="http://schemas.microsoft.com/office/powerpoint/2010/main" val="2915316881"/>
+      </p:ext>
+    </p:extLst>
+  </p:cSld>
+  <p:clrMapOvr>
+    <a:masterClrMapping/>
+  </p:clrMapOvr>
+</p:sld>
+</file>
+
+<file path=ppt/slides/slide7.xml><?xml version="1.0" encoding="utf-8"?>
+<p:sld xmlns:a="http://schemas.openxmlformats.org/drawingml/2006/main" xmlns:r="http://schemas.openxmlformats.org/officeDocument/2006/relationships" xmlns:p="http://schemas.openxmlformats.org/presentationml/2006/main">
+  <p:cSld>
+    <p:spTree>
+      <p:nvGrpSpPr>
+        <p:cNvPr id="1" name=""/>
+        <p:cNvGrpSpPr/>
+        <p:nvPr/>
+      </p:nvGrpSpPr>
+      <p:grpSpPr>
+        <a:xfrm>
+          <a:off x="0" y="0"/>
+          <a:ext cx="0" cy="0"/>
+          <a:chOff x="0" y="0"/>
+          <a:chExt cx="0" cy="0"/>
+        </a:xfrm>
+      </p:grpSpPr>
+      <p:pic>
+        <p:nvPicPr>
+          <p:cNvPr id="5" name="그림 4">
+            <a:extLst>
+              <a:ext uri="{FF2B5EF4-FFF2-40B4-BE49-F238E27FC236}">
+                <a16:creationId xmlns:a16="http://schemas.microsoft.com/office/drawing/2014/main" id="{E0D45F94-812D-5AD1-696E-53DD93DAB343}"/>
+              </a:ext>
+            </a:extLst>
+          </p:cNvPr>
+          <p:cNvPicPr>
+            <a:picLocks noChangeAspect="1"/>
+          </p:cNvPicPr>
+          <p:nvPr/>
+        </p:nvPicPr>
+        <p:blipFill>
+          <a:blip r:embed="rId2"/>
+          <a:stretch>
+            <a:fillRect/>
+          </a:stretch>
+        </p:blipFill>
+        <p:spPr>
+          <a:xfrm>
+            <a:off x="113465" y="1076327"/>
+            <a:ext cx="7613069" cy="2466974"/>
+          </a:xfrm>
+          <a:prstGeom prst="rect">
+            <a:avLst/>
+          </a:prstGeom>
+        </p:spPr>
+      </p:pic>
+      <p:sp>
+        <p:nvSpPr>
+          <p:cNvPr id="6" name="직사각형 5">
+            <a:extLst>
+              <a:ext uri="{FF2B5EF4-FFF2-40B4-BE49-F238E27FC236}">
+                <a16:creationId xmlns:a16="http://schemas.microsoft.com/office/drawing/2014/main" id="{AFB232CB-0F23-71E7-3AEB-5EEA471D6DC6}"/>
+              </a:ext>
+            </a:extLst>
+          </p:cNvPr>
+          <p:cNvSpPr/>
+          <p:nvPr/>
+        </p:nvSpPr>
+        <p:spPr>
+          <a:xfrm>
+            <a:off x="399240" y="1190625"/>
+            <a:ext cx="209550" cy="209550"/>
+          </a:xfrm>
+          <a:prstGeom prst="rect">
+            <a:avLst/>
+          </a:prstGeom>
+          <a:noFill/>
+          <a:ln w="57150">
+            <a:solidFill>
+              <a:srgbClr val="C00000"/>
+            </a:solidFill>
+          </a:ln>
+        </p:spPr>
+        <p:style>
+          <a:lnRef idx="2">
+            <a:schemeClr val="accent1">
+              <a:shade val="15000"/>
+            </a:schemeClr>
+          </a:lnRef>
+          <a:fillRef idx="1">
+            <a:schemeClr val="accent1"/>
+          </a:fillRef>
+          <a:effectRef idx="0">
+            <a:schemeClr val="accent1"/>
+          </a:effectRef>
+          <a:fontRef idx="minor">
+            <a:schemeClr val="lt1"/>
+          </a:fontRef>
+        </p:style>
+        <p:txBody>
+          <a:bodyPr rtlCol="0" anchor="ctr"/>
+          <a:lstStyle/>
+          <a:p>
+            <a:pPr algn="ctr"/>
+            <a:endParaRPr lang="ko-KR" altLang="en-US"/>
+          </a:p>
+        </p:txBody>
+      </p:sp>
+      <p:cxnSp>
+        <p:nvCxnSpPr>
+          <p:cNvPr id="7" name="직선 화살표 연결선 6">
+            <a:extLst>
+              <a:ext uri="{FF2B5EF4-FFF2-40B4-BE49-F238E27FC236}">
+                <a16:creationId xmlns:a16="http://schemas.microsoft.com/office/drawing/2014/main" id="{1973FED4-FED8-86FD-61AF-CDF02A9808A2}"/>
+              </a:ext>
+            </a:extLst>
+          </p:cNvPr>
+          <p:cNvCxnSpPr>
+            <a:cxnSpLocks/>
+            <a:stCxn id="6" idx="2"/>
+          </p:cNvCxnSpPr>
+          <p:nvPr/>
+        </p:nvCxnSpPr>
+        <p:spPr>
+          <a:xfrm>
+            <a:off x="504015" y="1400175"/>
+            <a:ext cx="1809750" cy="3914775"/>
+          </a:xfrm>
+          <a:prstGeom prst="straightConnector1">
+            <a:avLst/>
+          </a:prstGeom>
+          <a:ln w="57150">
+            <a:solidFill>
+              <a:srgbClr val="C00000"/>
+            </a:solidFill>
+            <a:tailEnd type="triangle"/>
+          </a:ln>
+        </p:spPr>
+        <p:style>
+          <a:lnRef idx="1">
+            <a:schemeClr val="accent1"/>
+          </a:lnRef>
+          <a:fillRef idx="0">
+            <a:schemeClr val="accent1"/>
+          </a:fillRef>
+          <a:effectRef idx="0">
+            <a:schemeClr val="accent1"/>
+          </a:effectRef>
+          <a:fontRef idx="minor">
+            <a:schemeClr val="tx1"/>
+          </a:fontRef>
+        </p:style>
+      </p:cxnSp>
+      <p:sp>
+        <p:nvSpPr>
+          <p:cNvPr id="10" name="TextBox 9">
+            <a:extLst>
+              <a:ext uri="{FF2B5EF4-FFF2-40B4-BE49-F238E27FC236}">
+                <a16:creationId xmlns:a16="http://schemas.microsoft.com/office/drawing/2014/main" id="{B6DF2A27-F127-07F7-4B5B-20DF34CE8CF3}"/>
+              </a:ext>
+            </a:extLst>
+          </p:cNvPr>
+          <p:cNvSpPr txBox="1"/>
+          <p:nvPr/>
+        </p:nvSpPr>
+        <p:spPr>
+          <a:xfrm>
+            <a:off x="113465" y="5543550"/>
+            <a:ext cx="5163385" cy="923330"/>
+          </a:xfrm>
+          <a:prstGeom prst="rect">
+            <a:avLst/>
+          </a:prstGeom>
+          <a:noFill/>
+        </p:spPr>
+        <p:txBody>
+          <a:bodyPr wrap="square" rtlCol="0">
+            <a:spAutoFit/>
+          </a:bodyPr>
+          <a:lstStyle/>
+          <a:p>
+            <a:r>
+              <a:rPr lang="ko-KR" altLang="en-US" dirty="0"/>
+              <a:t>누르면 </a:t>
+            </a:r>
+            <a:r>
+              <a:rPr lang="en-US" altLang="ko-KR" dirty="0"/>
+              <a:t>record </a:t>
+            </a:r>
+            <a:r>
+              <a:rPr lang="ko-KR" altLang="en-US" dirty="0"/>
+              <a:t>모드로 전환되어 해당 </a:t>
+            </a:r>
+            <a:r>
+              <a:rPr lang="en-US" altLang="ko-KR" dirty="0"/>
+              <a:t>Game object Inspector </a:t>
+            </a:r>
+            <a:r>
+              <a:rPr lang="ko-KR" altLang="en-US" dirty="0"/>
+              <a:t>창의 변경 사항이 </a:t>
+            </a:r>
+            <a:r>
+              <a:rPr lang="en-US" altLang="ko-KR" dirty="0"/>
+              <a:t>animation</a:t>
+            </a:r>
+            <a:r>
+              <a:rPr lang="ko-KR" altLang="en-US" dirty="0"/>
+              <a:t>창에</a:t>
+            </a:r>
+            <a:endParaRPr lang="en-US" altLang="ko-KR" dirty="0"/>
+          </a:p>
+          <a:p>
+            <a:r>
+              <a:rPr lang="ko-KR" altLang="en-US" dirty="0"/>
+              <a:t>저장됨</a:t>
+            </a:r>
+          </a:p>
+        </p:txBody>
+      </p:sp>
+      <p:sp>
+        <p:nvSpPr>
+          <p:cNvPr id="11" name="TextBox 10">
+            <a:extLst>
+              <a:ext uri="{FF2B5EF4-FFF2-40B4-BE49-F238E27FC236}">
+                <a16:creationId xmlns:a16="http://schemas.microsoft.com/office/drawing/2014/main" id="{EA7D65E2-6FD2-8635-CB59-EF1AB6CED081}"/>
+              </a:ext>
+            </a:extLst>
+          </p:cNvPr>
+          <p:cNvSpPr txBox="1"/>
+          <p:nvPr/>
+        </p:nvSpPr>
+        <p:spPr>
+          <a:xfrm>
+            <a:off x="504015" y="602219"/>
+            <a:ext cx="3248835" cy="369332"/>
+          </a:xfrm>
+          <a:prstGeom prst="rect">
+            <a:avLst/>
+          </a:prstGeom>
+          <a:noFill/>
+        </p:spPr>
+        <p:txBody>
+          <a:bodyPr wrap="square" rtlCol="0">
+            <a:spAutoFit/>
+          </a:bodyPr>
+          <a:lstStyle/>
+          <a:p>
+            <a:r>
+              <a:rPr lang="ko-KR" altLang="en-US" b="1" dirty="0"/>
+              <a:t>애니메이션</a:t>
+            </a:r>
+          </a:p>
+        </p:txBody>
+      </p:sp>
+      <p:pic>
+        <p:nvPicPr>
+          <p:cNvPr id="13" name="그림 12">
+            <a:extLst>
+              <a:ext uri="{FF2B5EF4-FFF2-40B4-BE49-F238E27FC236}">
+                <a16:creationId xmlns:a16="http://schemas.microsoft.com/office/drawing/2014/main" id="{AC8AFC15-E2C4-23C1-3AB9-0A066C25F9F8}"/>
+              </a:ext>
+            </a:extLst>
+          </p:cNvPr>
+          <p:cNvPicPr>
+            <a:picLocks noChangeAspect="1"/>
+          </p:cNvPicPr>
+          <p:nvPr/>
+        </p:nvPicPr>
+        <p:blipFill>
+          <a:blip r:embed="rId3"/>
+          <a:stretch>
+            <a:fillRect/>
+          </a:stretch>
+        </p:blipFill>
+        <p:spPr>
+          <a:xfrm>
+            <a:off x="8201027" y="3085033"/>
+            <a:ext cx="3324689" cy="3381847"/>
+          </a:xfrm>
+          <a:prstGeom prst="rect">
+            <a:avLst/>
+          </a:prstGeom>
+        </p:spPr>
+      </p:pic>
+      <p:cxnSp>
+        <p:nvCxnSpPr>
+          <p:cNvPr id="14" name="직선 화살표 연결선 13">
+            <a:extLst>
+              <a:ext uri="{FF2B5EF4-FFF2-40B4-BE49-F238E27FC236}">
+                <a16:creationId xmlns:a16="http://schemas.microsoft.com/office/drawing/2014/main" id="{DC53E204-637A-F2A0-8FAC-B920314416FC}"/>
+              </a:ext>
+            </a:extLst>
+          </p:cNvPr>
+          <p:cNvCxnSpPr>
+            <a:cxnSpLocks/>
+          </p:cNvCxnSpPr>
+          <p:nvPr/>
+        </p:nvCxnSpPr>
+        <p:spPr>
+          <a:xfrm flipV="1">
+            <a:off x="4352925" y="3962400"/>
+            <a:ext cx="3943350" cy="1562100"/>
+          </a:xfrm>
+          <a:prstGeom prst="straightConnector1">
+            <a:avLst/>
+          </a:prstGeom>
+          <a:ln w="57150">
+            <a:solidFill>
+              <a:srgbClr val="C00000"/>
+            </a:solidFill>
+            <a:tailEnd type="triangle"/>
+          </a:ln>
+        </p:spPr>
+        <p:style>
+          <a:lnRef idx="1">
+            <a:schemeClr val="accent1"/>
+          </a:lnRef>
+          <a:fillRef idx="0">
+            <a:schemeClr val="accent1"/>
+          </a:fillRef>
+          <a:effectRef idx="0">
+            <a:schemeClr val="accent1"/>
+          </a:effectRef>
+          <a:fontRef idx="minor">
+            <a:schemeClr val="tx1"/>
+          </a:fontRef>
+        </p:style>
+      </p:cxnSp>
+    </p:spTree>
+    <p:extLst>
+      <p:ext uri="{BB962C8B-B14F-4D97-AF65-F5344CB8AC3E}">
+        <p14:creationId xmlns:p14="http://schemas.microsoft.com/office/powerpoint/2010/main" val="2582996086"/>
+      </p:ext>
+    </p:extLst>
+  </p:cSld>
+  <p:clrMapOvr>
+    <a:masterClrMapping/>
+  </p:clrMapOvr>
+</p:sld>
+</file>
+
+<file path=ppt/slides/slide8.xml><?xml version="1.0" encoding="utf-8"?>
+<p:sld xmlns:a="http://schemas.openxmlformats.org/drawingml/2006/main" xmlns:r="http://schemas.openxmlformats.org/officeDocument/2006/relationships" xmlns:p="http://schemas.openxmlformats.org/presentationml/2006/main">
+  <p:cSld>
+    <p:spTree>
+      <p:nvGrpSpPr>
+        <p:cNvPr id="1" name=""/>
+        <p:cNvGrpSpPr/>
+        <p:nvPr/>
+      </p:nvGrpSpPr>
+      <p:grpSpPr>
+        <a:xfrm>
+          <a:off x="0" y="0"/>
+          <a:ext cx="0" cy="0"/>
+          <a:chOff x="0" y="0"/>
+          <a:chExt cx="0" cy="0"/>
+        </a:xfrm>
+      </p:grpSpPr>
+      <p:pic>
+        <p:nvPicPr>
+          <p:cNvPr id="5" name="그림 4">
+            <a:extLst>
+              <a:ext uri="{FF2B5EF4-FFF2-40B4-BE49-F238E27FC236}">
+                <a16:creationId xmlns:a16="http://schemas.microsoft.com/office/drawing/2014/main" id="{A19A16EB-1F35-C062-4237-9806503D4505}"/>
+              </a:ext>
+            </a:extLst>
+          </p:cNvPr>
+          <p:cNvPicPr>
+            <a:picLocks noChangeAspect="1"/>
+          </p:cNvPicPr>
+          <p:nvPr/>
+        </p:nvPicPr>
+        <p:blipFill>
+          <a:blip r:embed="rId2"/>
+          <a:stretch>
+            <a:fillRect/>
+          </a:stretch>
+        </p:blipFill>
+        <p:spPr>
+          <a:xfrm>
+            <a:off x="332888" y="1266470"/>
+            <a:ext cx="5582137" cy="4072215"/>
+          </a:xfrm>
+          <a:prstGeom prst="rect">
+            <a:avLst/>
+          </a:prstGeom>
+        </p:spPr>
+      </p:pic>
+      <p:pic>
+        <p:nvPicPr>
+          <p:cNvPr id="7" name="그림 6">
+            <a:extLst>
+              <a:ext uri="{FF2B5EF4-FFF2-40B4-BE49-F238E27FC236}">
+                <a16:creationId xmlns:a16="http://schemas.microsoft.com/office/drawing/2014/main" id="{41303993-EB1E-1849-52E6-9168FBCF74FD}"/>
+              </a:ext>
+            </a:extLst>
+          </p:cNvPr>
+          <p:cNvPicPr>
+            <a:picLocks noChangeAspect="1"/>
+          </p:cNvPicPr>
+          <p:nvPr/>
+        </p:nvPicPr>
+        <p:blipFill>
+          <a:blip r:embed="rId3"/>
+          <a:stretch>
+            <a:fillRect/>
+          </a:stretch>
+        </p:blipFill>
+        <p:spPr>
+          <a:xfrm>
+            <a:off x="6096000" y="1404697"/>
+            <a:ext cx="5528015" cy="3843578"/>
+          </a:xfrm>
+          <a:prstGeom prst="rect">
+            <a:avLst/>
+          </a:prstGeom>
+        </p:spPr>
+      </p:pic>
+      <p:sp>
+        <p:nvSpPr>
+          <p:cNvPr id="8" name="직사각형 7">
+            <a:extLst>
+              <a:ext uri="{FF2B5EF4-FFF2-40B4-BE49-F238E27FC236}">
+                <a16:creationId xmlns:a16="http://schemas.microsoft.com/office/drawing/2014/main" id="{938BBE79-3A10-C382-ED22-6C8465C23E22}"/>
+              </a:ext>
+            </a:extLst>
+          </p:cNvPr>
+          <p:cNvSpPr/>
+          <p:nvPr/>
+        </p:nvSpPr>
+        <p:spPr>
+          <a:xfrm>
+            <a:off x="742950" y="1414539"/>
+            <a:ext cx="571499" cy="233285"/>
+          </a:xfrm>
+          <a:prstGeom prst="rect">
+            <a:avLst/>
+          </a:prstGeom>
+          <a:noFill/>
+          <a:ln w="57150">
+            <a:solidFill>
+              <a:srgbClr val="C00000"/>
+            </a:solidFill>
+          </a:ln>
+        </p:spPr>
+        <p:style>
+          <a:lnRef idx="2">
+            <a:schemeClr val="accent1">
+              <a:shade val="15000"/>
+            </a:schemeClr>
+          </a:lnRef>
+          <a:fillRef idx="1">
+            <a:schemeClr val="accent1"/>
+          </a:fillRef>
+          <a:effectRef idx="0">
+            <a:schemeClr val="accent1"/>
+          </a:effectRef>
+          <a:fontRef idx="minor">
+            <a:schemeClr val="lt1"/>
+          </a:fontRef>
+        </p:style>
+        <p:txBody>
+          <a:bodyPr rtlCol="0" anchor="ctr"/>
+          <a:lstStyle/>
+          <a:p>
+            <a:pPr algn="ctr"/>
+            <a:endParaRPr lang="ko-KR" altLang="en-US"/>
+          </a:p>
+        </p:txBody>
+      </p:sp>
+      <p:sp>
+        <p:nvSpPr>
+          <p:cNvPr id="9" name="직사각형 8">
+            <a:extLst>
+              <a:ext uri="{FF2B5EF4-FFF2-40B4-BE49-F238E27FC236}">
+                <a16:creationId xmlns:a16="http://schemas.microsoft.com/office/drawing/2014/main" id="{DD61B149-810D-BA1D-5948-5995379BE047}"/>
+              </a:ext>
+            </a:extLst>
+          </p:cNvPr>
+          <p:cNvSpPr/>
+          <p:nvPr/>
+        </p:nvSpPr>
+        <p:spPr>
+          <a:xfrm>
+            <a:off x="6896100" y="1609725"/>
+            <a:ext cx="257175" cy="219075"/>
+          </a:xfrm>
+          <a:prstGeom prst="rect">
+            <a:avLst/>
+          </a:prstGeom>
+          <a:noFill/>
+          <a:ln w="57150">
+            <a:solidFill>
+              <a:srgbClr val="C00000"/>
+            </a:solidFill>
+          </a:ln>
+        </p:spPr>
+        <p:style>
+          <a:lnRef idx="2">
+            <a:schemeClr val="accent1">
+              <a:shade val="15000"/>
+            </a:schemeClr>
+          </a:lnRef>
+          <a:fillRef idx="1">
+            <a:schemeClr val="accent1"/>
+          </a:fillRef>
+          <a:effectRef idx="0">
+            <a:schemeClr val="accent1"/>
+          </a:effectRef>
+          <a:fontRef idx="minor">
+            <a:schemeClr val="lt1"/>
+          </a:fontRef>
+        </p:style>
+        <p:txBody>
+          <a:bodyPr rtlCol="0" anchor="ctr"/>
+          <a:lstStyle/>
+          <a:p>
+            <a:pPr algn="ctr"/>
+            <a:endParaRPr lang="ko-KR" altLang="en-US"/>
+          </a:p>
+        </p:txBody>
+      </p:sp>
+      <p:cxnSp>
+        <p:nvCxnSpPr>
+          <p:cNvPr id="11" name="직선 화살표 연결선 10">
+            <a:extLst>
+              <a:ext uri="{FF2B5EF4-FFF2-40B4-BE49-F238E27FC236}">
+                <a16:creationId xmlns:a16="http://schemas.microsoft.com/office/drawing/2014/main" id="{3AC129E6-63B8-17C7-E239-962D22D82F3B}"/>
+              </a:ext>
+            </a:extLst>
+          </p:cNvPr>
+          <p:cNvCxnSpPr>
+            <a:cxnSpLocks/>
+          </p:cNvCxnSpPr>
+          <p:nvPr/>
+        </p:nvCxnSpPr>
+        <p:spPr>
+          <a:xfrm>
+            <a:off x="1314449" y="1609725"/>
+            <a:ext cx="5581651" cy="109537"/>
+          </a:xfrm>
+          <a:prstGeom prst="straightConnector1">
+            <a:avLst/>
+          </a:prstGeom>
+          <a:ln w="57150">
+            <a:solidFill>
+              <a:srgbClr val="C00000"/>
+            </a:solidFill>
+            <a:tailEnd type="triangle"/>
+          </a:ln>
+        </p:spPr>
+        <p:style>
+          <a:lnRef idx="1">
+            <a:schemeClr val="accent1"/>
+          </a:lnRef>
+          <a:fillRef idx="0">
+            <a:schemeClr val="accent1"/>
+          </a:fillRef>
+          <a:effectRef idx="0">
+            <a:schemeClr val="accent1"/>
+          </a:effectRef>
+          <a:fontRef idx="minor">
+            <a:schemeClr val="tx1"/>
+          </a:fontRef>
+        </p:style>
+      </p:cxnSp>
+      <p:cxnSp>
+        <p:nvCxnSpPr>
+          <p:cNvPr id="14" name="직선 화살표 연결선 13">
+            <a:extLst>
+              <a:ext uri="{FF2B5EF4-FFF2-40B4-BE49-F238E27FC236}">
+                <a16:creationId xmlns:a16="http://schemas.microsoft.com/office/drawing/2014/main" id="{3871DAA3-1640-E0D2-30C3-D70DEA729F5B}"/>
+              </a:ext>
+            </a:extLst>
+          </p:cNvPr>
+          <p:cNvCxnSpPr>
+            <a:cxnSpLocks/>
+          </p:cNvCxnSpPr>
+          <p:nvPr/>
+        </p:nvCxnSpPr>
+        <p:spPr>
+          <a:xfrm flipH="1">
+            <a:off x="4200525" y="1828800"/>
+            <a:ext cx="2824162" cy="3762730"/>
+          </a:xfrm>
+          <a:prstGeom prst="straightConnector1">
+            <a:avLst/>
+          </a:prstGeom>
+          <a:ln w="57150">
+            <a:solidFill>
+              <a:srgbClr val="C00000"/>
+            </a:solidFill>
+            <a:tailEnd type="triangle"/>
+          </a:ln>
+        </p:spPr>
+        <p:style>
+          <a:lnRef idx="1">
+            <a:schemeClr val="accent1"/>
+          </a:lnRef>
+          <a:fillRef idx="0">
+            <a:schemeClr val="accent1"/>
+          </a:fillRef>
+          <a:effectRef idx="0">
+            <a:schemeClr val="accent1"/>
+          </a:effectRef>
+          <a:fontRef idx="minor">
+            <a:schemeClr val="tx1"/>
+          </a:fontRef>
+        </p:style>
+      </p:cxnSp>
+      <p:sp>
+        <p:nvSpPr>
+          <p:cNvPr id="18" name="TextBox 17">
+            <a:extLst>
+              <a:ext uri="{FF2B5EF4-FFF2-40B4-BE49-F238E27FC236}">
+                <a16:creationId xmlns:a16="http://schemas.microsoft.com/office/drawing/2014/main" id="{F5C8D226-86C2-D88F-E76D-3B77E949F565}"/>
+              </a:ext>
+            </a:extLst>
+          </p:cNvPr>
+          <p:cNvSpPr txBox="1"/>
+          <p:nvPr/>
+        </p:nvSpPr>
+        <p:spPr>
+          <a:xfrm>
+            <a:off x="2162175" y="5753100"/>
+            <a:ext cx="8658225" cy="646331"/>
+          </a:xfrm>
+          <a:prstGeom prst="rect">
+            <a:avLst/>
+          </a:prstGeom>
+          <a:noFill/>
+        </p:spPr>
+        <p:txBody>
+          <a:bodyPr wrap="square" rtlCol="0">
+            <a:spAutoFit/>
+          </a:bodyPr>
+          <a:lstStyle/>
+          <a:p>
+            <a:r>
+              <a:rPr lang="en-US" altLang="ko-KR" dirty="0"/>
+              <a:t>Parameters </a:t>
+            </a:r>
+            <a:r>
+              <a:rPr lang="ko-KR" altLang="en-US" dirty="0"/>
+              <a:t>눌러서 추가하면 </a:t>
+            </a:r>
+            <a:r>
+              <a:rPr lang="en-US" altLang="ko-KR" dirty="0"/>
+              <a:t>animation</a:t>
+            </a:r>
+            <a:r>
+              <a:rPr lang="ko-KR" altLang="en-US" dirty="0"/>
+              <a:t>을 조절하는 기준을 만들어주는 값들을 설정할 수 있음</a:t>
+            </a:r>
+          </a:p>
+        </p:txBody>
+      </p:sp>
+      <p:sp>
+        <p:nvSpPr>
+          <p:cNvPr id="19" name="TextBox 18">
+            <a:extLst>
+              <a:ext uri="{FF2B5EF4-FFF2-40B4-BE49-F238E27FC236}">
+                <a16:creationId xmlns:a16="http://schemas.microsoft.com/office/drawing/2014/main" id="{1CBA5160-D1BB-8738-EA9D-9D07EA964C95}"/>
+              </a:ext>
+            </a:extLst>
+          </p:cNvPr>
+          <p:cNvSpPr txBox="1"/>
+          <p:nvPr/>
+        </p:nvSpPr>
+        <p:spPr>
+          <a:xfrm>
+            <a:off x="504015" y="602219"/>
+            <a:ext cx="3248835" cy="369332"/>
+          </a:xfrm>
+          <a:prstGeom prst="rect">
+            <a:avLst/>
+          </a:prstGeom>
+          <a:noFill/>
+        </p:spPr>
+        <p:txBody>
+          <a:bodyPr wrap="square" rtlCol="0">
+            <a:spAutoFit/>
+          </a:bodyPr>
+          <a:lstStyle/>
+          <a:p>
+            <a:r>
+              <a:rPr lang="ko-KR" altLang="en-US" b="1" dirty="0" err="1"/>
+              <a:t>애니메이터</a:t>
+            </a:r>
+            <a:endParaRPr lang="ko-KR" altLang="en-US" b="1" dirty="0"/>
+          </a:p>
+        </p:txBody>
+      </p:sp>
+    </p:spTree>
+    <p:extLst>
+      <p:ext uri="{BB962C8B-B14F-4D97-AF65-F5344CB8AC3E}">
+        <p14:creationId xmlns:p14="http://schemas.microsoft.com/office/powerpoint/2010/main" val="3906307970"/>
+      </p:ext>
+    </p:extLst>
+  </p:cSld>
+  <p:clrMapOvr>
+    <a:masterClrMapping/>
+  </p:clrMapOvr>
+</p:sld>
+</file>
+
+<file path=ppt/slides/slide9.xml><?xml version="1.0" encoding="utf-8"?>
+<p:sld xmlns:a="http://schemas.openxmlformats.org/drawingml/2006/main" xmlns:r="http://schemas.openxmlformats.org/officeDocument/2006/relationships" xmlns:p="http://schemas.openxmlformats.org/presentationml/2006/main">
+  <p:cSld>
+    <p:spTree>
+      <p:nvGrpSpPr>
+        <p:cNvPr id="1" name=""/>
+        <p:cNvGrpSpPr/>
+        <p:nvPr/>
+      </p:nvGrpSpPr>
+      <p:grpSpPr>
+        <a:xfrm>
+          <a:off x="0" y="0"/>
+          <a:ext cx="0" cy="0"/>
+          <a:chOff x="0" y="0"/>
+          <a:chExt cx="0" cy="0"/>
+        </a:xfrm>
+      </p:grpSpPr>
+      <p:sp>
+        <p:nvSpPr>
+          <p:cNvPr id="4" name="TextBox 3">
+            <a:extLst>
+              <a:ext uri="{FF2B5EF4-FFF2-40B4-BE49-F238E27FC236}">
+                <a16:creationId xmlns:a16="http://schemas.microsoft.com/office/drawing/2014/main" id="{7B7E2DD0-EC11-EE18-3BD0-82F1F52D3FB2}"/>
+              </a:ext>
+            </a:extLst>
+          </p:cNvPr>
+          <p:cNvSpPr txBox="1"/>
+          <p:nvPr/>
+        </p:nvSpPr>
+        <p:spPr>
+          <a:xfrm>
+            <a:off x="504015" y="602219"/>
+            <a:ext cx="3248835" cy="369332"/>
+          </a:xfrm>
+          <a:prstGeom prst="rect">
+            <a:avLst/>
+          </a:prstGeom>
+          <a:noFill/>
+        </p:spPr>
+        <p:txBody>
+          <a:bodyPr wrap="square" rtlCol="0">
+            <a:spAutoFit/>
+          </a:bodyPr>
+          <a:lstStyle/>
+          <a:p>
+            <a:r>
+              <a:rPr lang="ko-KR" altLang="en-US" b="1" dirty="0" err="1"/>
+              <a:t>애니메이터</a:t>
+            </a:r>
+            <a:endParaRPr lang="ko-KR" altLang="en-US" b="1" dirty="0"/>
+          </a:p>
+        </p:txBody>
+      </p:sp>
+      <p:pic>
+        <p:nvPicPr>
+          <p:cNvPr id="6" name="그림 5">
+            <a:extLst>
+              <a:ext uri="{FF2B5EF4-FFF2-40B4-BE49-F238E27FC236}">
+                <a16:creationId xmlns:a16="http://schemas.microsoft.com/office/drawing/2014/main" id="{171971C8-7FEA-314A-7199-3F4FEA3A5D41}"/>
+              </a:ext>
+            </a:extLst>
+          </p:cNvPr>
+          <p:cNvPicPr>
+            <a:picLocks noChangeAspect="1"/>
+          </p:cNvPicPr>
+          <p:nvPr/>
+        </p:nvPicPr>
+        <p:blipFill>
+          <a:blip r:embed="rId2"/>
+          <a:stretch>
+            <a:fillRect/>
+          </a:stretch>
+        </p:blipFill>
+        <p:spPr>
+          <a:xfrm>
+            <a:off x="714100" y="1314342"/>
+            <a:ext cx="3943900" cy="1543265"/>
+          </a:xfrm>
+          <a:prstGeom prst="rect">
+            <a:avLst/>
+          </a:prstGeom>
+        </p:spPr>
+      </p:pic>
+      <p:pic>
+        <p:nvPicPr>
+          <p:cNvPr id="8" name="그림 7">
+            <a:extLst>
+              <a:ext uri="{FF2B5EF4-FFF2-40B4-BE49-F238E27FC236}">
+                <a16:creationId xmlns:a16="http://schemas.microsoft.com/office/drawing/2014/main" id="{D8E34E8C-E7BD-8413-C395-753DC4CEB2CB}"/>
+              </a:ext>
+            </a:extLst>
+          </p:cNvPr>
+          <p:cNvPicPr>
+            <a:picLocks noChangeAspect="1"/>
+          </p:cNvPicPr>
+          <p:nvPr/>
+        </p:nvPicPr>
+        <p:blipFill>
+          <a:blip r:embed="rId3"/>
+          <a:stretch>
+            <a:fillRect/>
+          </a:stretch>
+        </p:blipFill>
+        <p:spPr>
+          <a:xfrm>
+            <a:off x="8191056" y="862012"/>
+            <a:ext cx="1696444" cy="5133975"/>
+          </a:xfrm>
+          <a:prstGeom prst="rect">
+            <a:avLst/>
+          </a:prstGeom>
+        </p:spPr>
+      </p:pic>
+      <p:sp>
+        <p:nvSpPr>
+          <p:cNvPr id="9" name="직사각형 8">
+            <a:extLst>
+              <a:ext uri="{FF2B5EF4-FFF2-40B4-BE49-F238E27FC236}">
+                <a16:creationId xmlns:a16="http://schemas.microsoft.com/office/drawing/2014/main" id="{BCA8AA2D-0B1C-B185-4ABE-2B3346AFB1D3}"/>
+              </a:ext>
+            </a:extLst>
+          </p:cNvPr>
+          <p:cNvSpPr/>
+          <p:nvPr/>
+        </p:nvSpPr>
+        <p:spPr>
+          <a:xfrm>
+            <a:off x="2247900" y="1566939"/>
+            <a:ext cx="933450" cy="280911"/>
+          </a:xfrm>
+          <a:prstGeom prst="rect">
+            <a:avLst/>
+          </a:prstGeom>
+          <a:noFill/>
+          <a:ln w="57150">
+            <a:solidFill>
+              <a:srgbClr val="C00000"/>
+            </a:solidFill>
+          </a:ln>
+        </p:spPr>
+        <p:style>
+          <a:lnRef idx="2">
+            <a:schemeClr val="accent1">
+              <a:shade val="15000"/>
+            </a:schemeClr>
+          </a:lnRef>
+          <a:fillRef idx="1">
+            <a:schemeClr val="accent1"/>
+          </a:fillRef>
+          <a:effectRef idx="0">
+            <a:schemeClr val="accent1"/>
+          </a:effectRef>
+          <a:fontRef idx="minor">
+            <a:schemeClr val="lt1"/>
+          </a:fontRef>
+        </p:style>
+        <p:txBody>
+          <a:bodyPr rtlCol="0" anchor="ctr"/>
+          <a:lstStyle/>
+          <a:p>
+            <a:pPr algn="ctr"/>
+            <a:endParaRPr lang="ko-KR" altLang="en-US"/>
+          </a:p>
+        </p:txBody>
+      </p:sp>
+      <p:sp>
+        <p:nvSpPr>
+          <p:cNvPr id="10" name="직사각형 9">
+            <a:extLst>
+              <a:ext uri="{FF2B5EF4-FFF2-40B4-BE49-F238E27FC236}">
+                <a16:creationId xmlns:a16="http://schemas.microsoft.com/office/drawing/2014/main" id="{CC08A736-C015-1D94-65C4-E145AD361778}"/>
+              </a:ext>
+            </a:extLst>
+          </p:cNvPr>
+          <p:cNvSpPr/>
+          <p:nvPr/>
+        </p:nvSpPr>
+        <p:spPr>
+          <a:xfrm>
+            <a:off x="8191055" y="3167138"/>
+            <a:ext cx="1696444" cy="461887"/>
+          </a:xfrm>
+          <a:prstGeom prst="rect">
+            <a:avLst/>
+          </a:prstGeom>
+          <a:noFill/>
+          <a:ln w="57150">
+            <a:solidFill>
+              <a:srgbClr val="C00000"/>
+            </a:solidFill>
+          </a:ln>
+        </p:spPr>
+        <p:style>
+          <a:lnRef idx="2">
+            <a:schemeClr val="accent1">
+              <a:shade val="15000"/>
+            </a:schemeClr>
+          </a:lnRef>
+          <a:fillRef idx="1">
+            <a:schemeClr val="accent1"/>
+          </a:fillRef>
+          <a:effectRef idx="0">
+            <a:schemeClr val="accent1"/>
+          </a:effectRef>
+          <a:fontRef idx="minor">
+            <a:schemeClr val="lt1"/>
+          </a:fontRef>
+        </p:style>
+        <p:txBody>
+          <a:bodyPr rtlCol="0" anchor="ctr"/>
+          <a:lstStyle/>
+          <a:p>
+            <a:pPr algn="ctr"/>
+            <a:endParaRPr lang="ko-KR" altLang="en-US"/>
+          </a:p>
+        </p:txBody>
+      </p:sp>
+      <p:cxnSp>
+        <p:nvCxnSpPr>
+          <p:cNvPr id="11" name="직선 화살표 연결선 10">
+            <a:extLst>
+              <a:ext uri="{FF2B5EF4-FFF2-40B4-BE49-F238E27FC236}">
+                <a16:creationId xmlns:a16="http://schemas.microsoft.com/office/drawing/2014/main" id="{5998C6F9-13A1-425E-4151-DD216002B67A}"/>
+              </a:ext>
+            </a:extLst>
+          </p:cNvPr>
+          <p:cNvCxnSpPr>
+            <a:cxnSpLocks/>
+            <a:stCxn id="9" idx="3"/>
+            <a:endCxn id="10" idx="1"/>
+          </p:cNvCxnSpPr>
+          <p:nvPr/>
+        </p:nvCxnSpPr>
+        <p:spPr>
+          <a:xfrm>
+            <a:off x="3181350" y="1707395"/>
+            <a:ext cx="5009705" cy="1690687"/>
+          </a:xfrm>
+          <a:prstGeom prst="straightConnector1">
+            <a:avLst/>
+          </a:prstGeom>
+          <a:ln w="57150">
+            <a:solidFill>
+              <a:srgbClr val="C00000"/>
+            </a:solidFill>
+            <a:tailEnd type="triangle"/>
+          </a:ln>
+        </p:spPr>
+        <p:style>
+          <a:lnRef idx="1">
+            <a:schemeClr val="accent1"/>
+          </a:lnRef>
+          <a:fillRef idx="0">
+            <a:schemeClr val="accent1"/>
+          </a:fillRef>
+          <a:effectRef idx="0">
+            <a:schemeClr val="accent1"/>
+          </a:effectRef>
+          <a:fontRef idx="minor">
+            <a:schemeClr val="tx1"/>
+          </a:fontRef>
+        </p:style>
+      </p:cxnSp>
+      <p:sp>
+        <p:nvSpPr>
+          <p:cNvPr id="14" name="TextBox 13">
+            <a:extLst>
+              <a:ext uri="{FF2B5EF4-FFF2-40B4-BE49-F238E27FC236}">
+                <a16:creationId xmlns:a16="http://schemas.microsoft.com/office/drawing/2014/main" id="{6B307597-D6D0-4FA3-1A18-ACA6B2BA169B}"/>
+              </a:ext>
+            </a:extLst>
+          </p:cNvPr>
+          <p:cNvSpPr txBox="1"/>
+          <p:nvPr/>
+        </p:nvSpPr>
+        <p:spPr>
+          <a:xfrm>
+            <a:off x="5129127" y="1247685"/>
+            <a:ext cx="2733402" cy="1200329"/>
+          </a:xfrm>
+          <a:prstGeom prst="rect">
+            <a:avLst/>
+          </a:prstGeom>
+          <a:noFill/>
+        </p:spPr>
+        <p:txBody>
+          <a:bodyPr wrap="square" rtlCol="0">
+            <a:spAutoFit/>
+          </a:bodyPr>
+          <a:lstStyle/>
+          <a:p>
+            <a:r>
+              <a:rPr lang="en-US" altLang="ko-KR" dirty="0"/>
+              <a:t>Animation </a:t>
+            </a:r>
+            <a:r>
+              <a:rPr lang="ko-KR" altLang="en-US" dirty="0" err="1"/>
+              <a:t>우클릭시</a:t>
+            </a:r>
+            <a:r>
+              <a:rPr lang="ko-KR" altLang="en-US" dirty="0"/>
+              <a:t> </a:t>
+            </a:r>
+            <a:r>
+              <a:rPr lang="en-US" altLang="ko-KR" dirty="0"/>
+              <a:t>Make Transition</a:t>
+            </a:r>
+            <a:r>
+              <a:rPr lang="ko-KR" altLang="en-US" dirty="0"/>
+              <a:t>이 나오고</a:t>
+            </a:r>
+            <a:endParaRPr lang="en-US" altLang="ko-KR" dirty="0"/>
+          </a:p>
+          <a:p>
+            <a:r>
+              <a:rPr lang="en-US" altLang="ko-KR" dirty="0"/>
+              <a:t>Transition</a:t>
+            </a:r>
+            <a:r>
+              <a:rPr lang="ko-KR" altLang="en-US" dirty="0"/>
+              <a:t>을 누르면 저런 </a:t>
+            </a:r>
+            <a:endParaRPr lang="en-US" altLang="ko-KR" dirty="0"/>
+          </a:p>
+          <a:p>
+            <a:r>
+              <a:rPr lang="en-US" altLang="ko-KR" dirty="0"/>
+              <a:t>Inspector </a:t>
+            </a:r>
+            <a:r>
+              <a:rPr lang="ko-KR" altLang="en-US" dirty="0"/>
+              <a:t>창이 나옴</a:t>
+            </a:r>
+          </a:p>
+        </p:txBody>
+      </p:sp>
+      <p:cxnSp>
+        <p:nvCxnSpPr>
+          <p:cNvPr id="15" name="직선 화살표 연결선 14">
+            <a:extLst>
+              <a:ext uri="{FF2B5EF4-FFF2-40B4-BE49-F238E27FC236}">
+                <a16:creationId xmlns:a16="http://schemas.microsoft.com/office/drawing/2014/main" id="{69C5D304-F777-615E-55A2-9AFC200AF079}"/>
+              </a:ext>
+            </a:extLst>
+          </p:cNvPr>
+          <p:cNvCxnSpPr>
+            <a:cxnSpLocks/>
+            <a:stCxn id="10" idx="2"/>
+          </p:cNvCxnSpPr>
+          <p:nvPr/>
+        </p:nvCxnSpPr>
+        <p:spPr>
+          <a:xfrm flipH="1">
+            <a:off x="6972300" y="3629025"/>
+            <a:ext cx="2066977" cy="447675"/>
+          </a:xfrm>
+          <a:prstGeom prst="straightConnector1">
+            <a:avLst/>
+          </a:prstGeom>
+          <a:ln w="57150">
+            <a:solidFill>
+              <a:srgbClr val="C00000"/>
+            </a:solidFill>
+            <a:tailEnd type="triangle"/>
+          </a:ln>
+        </p:spPr>
+        <p:style>
+          <a:lnRef idx="1">
+            <a:schemeClr val="accent1"/>
+          </a:lnRef>
+          <a:fillRef idx="0">
+            <a:schemeClr val="accent1"/>
+          </a:fillRef>
+          <a:effectRef idx="0">
+            <a:schemeClr val="accent1"/>
+          </a:effectRef>
+          <a:fontRef idx="minor">
+            <a:schemeClr val="tx1"/>
+          </a:fontRef>
+        </p:style>
+      </p:cxnSp>
+      <p:sp>
+        <p:nvSpPr>
+          <p:cNvPr id="18" name="TextBox 17">
+            <a:extLst>
+              <a:ext uri="{FF2B5EF4-FFF2-40B4-BE49-F238E27FC236}">
+                <a16:creationId xmlns:a16="http://schemas.microsoft.com/office/drawing/2014/main" id="{B4C044BE-0CAB-7BAD-535F-4FAF6FAE64E9}"/>
+              </a:ext>
+            </a:extLst>
+          </p:cNvPr>
+          <p:cNvSpPr txBox="1"/>
+          <p:nvPr/>
+        </p:nvSpPr>
+        <p:spPr>
+          <a:xfrm>
+            <a:off x="3038475" y="3791135"/>
+            <a:ext cx="3686347" cy="646331"/>
+          </a:xfrm>
+          <a:prstGeom prst="rect">
+            <a:avLst/>
+          </a:prstGeom>
+          <a:noFill/>
+        </p:spPr>
+        <p:txBody>
+          <a:bodyPr wrap="square" rtlCol="0">
+            <a:spAutoFit/>
+          </a:bodyPr>
+          <a:lstStyle/>
+          <a:p>
+            <a:r>
+              <a:rPr lang="en-US" altLang="ko-KR" dirty="0"/>
+              <a:t>Conditions </a:t>
+            </a:r>
+            <a:r>
+              <a:rPr lang="ko-KR" altLang="en-US" dirty="0"/>
+              <a:t>눌려서 애니메이션 재생 조건을 추가할 수 있음</a:t>
+            </a:r>
+          </a:p>
+        </p:txBody>
+      </p:sp>
+    </p:spTree>
+    <p:extLst>
+      <p:ext uri="{BB962C8B-B14F-4D97-AF65-F5344CB8AC3E}">
+        <p14:creationId xmlns:p14="http://schemas.microsoft.com/office/powerpoint/2010/main" val="894620890"/>
       </p:ext>
     </p:extLst>
   </p:cSld>

--- a/MJsec_게임 개발 멘토링/MJsec_3주차.pptx
+++ b/MJsec_게임 개발 멘토링/MJsec_3주차.pptx
@@ -9,13 +9,14 @@
     <p:sldId id="259" r:id="rId3"/>
     <p:sldId id="260" r:id="rId4"/>
     <p:sldId id="261" r:id="rId5"/>
-    <p:sldId id="258" r:id="rId6"/>
-    <p:sldId id="262" r:id="rId7"/>
-    <p:sldId id="263" r:id="rId8"/>
-    <p:sldId id="264" r:id="rId9"/>
-    <p:sldId id="265" r:id="rId10"/>
-    <p:sldId id="266" r:id="rId11"/>
-    <p:sldId id="267" r:id="rId12"/>
+    <p:sldId id="268" r:id="rId6"/>
+    <p:sldId id="258" r:id="rId7"/>
+    <p:sldId id="262" r:id="rId8"/>
+    <p:sldId id="263" r:id="rId9"/>
+    <p:sldId id="264" r:id="rId10"/>
+    <p:sldId id="265" r:id="rId11"/>
+    <p:sldId id="266" r:id="rId12"/>
+    <p:sldId id="267" r:id="rId13"/>
   </p:sldIdLst>
   <p:sldSz cx="12192000" cy="6858000"/>
   <p:notesSz cx="6858000" cy="9144000"/>
@@ -125,7 +126,7 @@
 <file path=ppt/revisionInfo.xml><?xml version="1.0" encoding="utf-8"?>
 <p1510:revInfo xmlns:a="http://schemas.openxmlformats.org/drawingml/2006/main" xmlns:r="http://schemas.openxmlformats.org/officeDocument/2006/relationships" xmlns:p1510="http://schemas.microsoft.com/office/powerpoint/2015/10/main">
   <p1510:revLst>
-    <p1510:client id="{2DB46C57-ACD9-4484-8351-0F00010CD1E7}" v="66" dt="2025-07-01T05:53:43.177"/>
+    <p1510:client id="{2DB46C57-ACD9-4484-8351-0F00010CD1E7}" v="73" dt="2025-07-06T11:20:20.394"/>
   </p1510:revLst>
 </p1510:revInfo>
 </file>
@@ -135,7 +136,7 @@
   <pc:docChgLst>
     <pc:chgData name="상진 전" userId="b279be015be064a7" providerId="LiveId" clId="{2DB46C57-ACD9-4484-8351-0F00010CD1E7}"/>
     <pc:docChg chg="undo custSel addSld delSld modSld sldOrd">
-      <pc:chgData name="상진 전" userId="b279be015be064a7" providerId="LiveId" clId="{2DB46C57-ACD9-4484-8351-0F00010CD1E7}" dt="2025-07-01T05:54:43.253" v="2775" actId="1076"/>
+      <pc:chgData name="상진 전" userId="b279be015be064a7" providerId="LiveId" clId="{2DB46C57-ACD9-4484-8351-0F00010CD1E7}" dt="2025-07-06T11:22:15.926" v="3263" actId="20577"/>
       <pc:docMkLst>
         <pc:docMk/>
       </pc:docMkLst>
@@ -160,78 +161,6 @@
           <pc:docMk/>
           <pc:sldMk cId="64144942" sldId="257"/>
         </pc:sldMkLst>
-        <pc:spChg chg="del">
-          <ac:chgData name="상진 전" userId="b279be015be064a7" providerId="LiveId" clId="{2DB46C57-ACD9-4484-8351-0F00010CD1E7}" dt="2025-06-30T04:38:16.704" v="16" actId="478"/>
-          <ac:spMkLst>
-            <pc:docMk/>
-            <pc:sldMk cId="64144942" sldId="257"/>
-            <ac:spMk id="2" creationId="{4F56F1DF-9FBA-E432-6065-9560DF943EC4}"/>
-          </ac:spMkLst>
-        </pc:spChg>
-        <pc:spChg chg="del">
-          <ac:chgData name="상진 전" userId="b279be015be064a7" providerId="LiveId" clId="{2DB46C57-ACD9-4484-8351-0F00010CD1E7}" dt="2025-06-30T04:38:16.704" v="16" actId="478"/>
-          <ac:spMkLst>
-            <pc:docMk/>
-            <pc:sldMk cId="64144942" sldId="257"/>
-            <ac:spMk id="3" creationId="{D45E0846-96B4-D068-FF52-C46878E13817}"/>
-          </ac:spMkLst>
-        </pc:spChg>
-        <pc:spChg chg="add mod">
-          <ac:chgData name="상진 전" userId="b279be015be064a7" providerId="LiveId" clId="{2DB46C57-ACD9-4484-8351-0F00010CD1E7}" dt="2025-06-30T04:42:50.656" v="65" actId="1076"/>
-          <ac:spMkLst>
-            <pc:docMk/>
-            <pc:sldMk cId="64144942" sldId="257"/>
-            <ac:spMk id="6" creationId="{1E7854FD-D571-98FE-17FB-04055D7D2088}"/>
-          </ac:spMkLst>
-        </pc:spChg>
-        <pc:spChg chg="add mod">
-          <ac:chgData name="상진 전" userId="b279be015be064a7" providerId="LiveId" clId="{2DB46C57-ACD9-4484-8351-0F00010CD1E7}" dt="2025-06-30T04:43:16.490" v="72" actId="14100"/>
-          <ac:spMkLst>
-            <pc:docMk/>
-            <pc:sldMk cId="64144942" sldId="257"/>
-            <ac:spMk id="7" creationId="{9D5C8653-72F3-3423-1BBA-B72C2B045038}"/>
-          </ac:spMkLst>
-        </pc:spChg>
-        <pc:spChg chg="add mod">
-          <ac:chgData name="상진 전" userId="b279be015be064a7" providerId="LiveId" clId="{2DB46C57-ACD9-4484-8351-0F00010CD1E7}" dt="2025-06-30T04:43:25.261" v="75" actId="14100"/>
-          <ac:spMkLst>
-            <pc:docMk/>
-            <pc:sldMk cId="64144942" sldId="257"/>
-            <ac:spMk id="8" creationId="{5A5D8CAA-26C3-D45E-A486-9FDDBE8354BF}"/>
-          </ac:spMkLst>
-        </pc:spChg>
-        <pc:spChg chg="add mod">
-          <ac:chgData name="상진 전" userId="b279be015be064a7" providerId="LiveId" clId="{2DB46C57-ACD9-4484-8351-0F00010CD1E7}" dt="2025-06-30T04:43:31.123" v="78" actId="14100"/>
-          <ac:spMkLst>
-            <pc:docMk/>
-            <pc:sldMk cId="64144942" sldId="257"/>
-            <ac:spMk id="9" creationId="{19A5541A-6A2D-D005-F5E1-1658C324EBA6}"/>
-          </ac:spMkLst>
-        </pc:spChg>
-        <pc:spChg chg="add mod">
-          <ac:chgData name="상진 전" userId="b279be015be064a7" providerId="LiveId" clId="{2DB46C57-ACD9-4484-8351-0F00010CD1E7}" dt="2025-06-30T04:43:39.282" v="81" actId="14100"/>
-          <ac:spMkLst>
-            <pc:docMk/>
-            <pc:sldMk cId="64144942" sldId="257"/>
-            <ac:spMk id="10" creationId="{94249850-6CFE-119F-7BD5-AAAC8B9B42AE}"/>
-          </ac:spMkLst>
-        </pc:spChg>
-        <pc:spChg chg="add mod">
-          <ac:chgData name="상진 전" userId="b279be015be064a7" providerId="LiveId" clId="{2DB46C57-ACD9-4484-8351-0F00010CD1E7}" dt="2025-06-30T04:44:18.614" v="199" actId="20577"/>
-          <ac:spMkLst>
-            <pc:docMk/>
-            <pc:sldMk cId="64144942" sldId="257"/>
-            <ac:spMk id="11" creationId="{FEE4AE43-9D88-D94E-CF87-54AFFCFEAE83}"/>
-          </ac:spMkLst>
-        </pc:spChg>
-        <pc:picChg chg="add mod">
-          <ac:chgData name="상진 전" userId="b279be015be064a7" providerId="LiveId" clId="{2DB46C57-ACD9-4484-8351-0F00010CD1E7}" dt="2025-06-30T04:42:52.487" v="66" actId="1076"/>
-          <ac:picMkLst>
-            <pc:docMk/>
-            <pc:sldMk cId="64144942" sldId="257"/>
-            <ac:picMk id="5" creationId="{6AC447C9-84AB-457F-6BC2-B5365777195F}"/>
-          </ac:picMkLst>
-        </pc:picChg>
       </pc:sldChg>
       <pc:sldChg chg="del">
         <pc:chgData name="상진 전" userId="b279be015be064a7" providerId="LiveId" clId="{2DB46C57-ACD9-4484-8351-0F00010CD1E7}" dt="2025-06-30T03:28:16.861" v="6" actId="47"/>
@@ -246,22 +175,6 @@
           <pc:docMk/>
           <pc:sldMk cId="2261106642" sldId="258"/>
         </pc:sldMkLst>
-        <pc:spChg chg="del">
-          <ac:chgData name="상진 전" userId="b279be015be064a7" providerId="LiveId" clId="{2DB46C57-ACD9-4484-8351-0F00010CD1E7}" dt="2025-06-30T04:45:02.990" v="201" actId="478"/>
-          <ac:spMkLst>
-            <pc:docMk/>
-            <pc:sldMk cId="2261106642" sldId="258"/>
-            <ac:spMk id="2" creationId="{FE55886D-CB44-9C98-13D4-474E85472857}"/>
-          </ac:spMkLst>
-        </pc:spChg>
-        <pc:spChg chg="del">
-          <ac:chgData name="상진 전" userId="b279be015be064a7" providerId="LiveId" clId="{2DB46C57-ACD9-4484-8351-0F00010CD1E7}" dt="2025-06-30T04:45:02.990" v="201" actId="478"/>
-          <ac:spMkLst>
-            <pc:docMk/>
-            <pc:sldMk cId="2261106642" sldId="258"/>
-            <ac:spMk id="3" creationId="{4E5BD040-CC58-E0F0-9FC0-56FD6A9C1A30}"/>
-          </ac:spMkLst>
-        </pc:spChg>
         <pc:spChg chg="add mod">
           <ac:chgData name="상진 전" userId="b279be015be064a7" providerId="LiveId" clId="{2DB46C57-ACD9-4484-8351-0F00010CD1E7}" dt="2025-07-01T04:49:54.002" v="1134" actId="14100"/>
           <ac:spMkLst>
@@ -311,22 +224,6 @@
           </ac:picMkLst>
         </pc:picChg>
         <pc:picChg chg="add mod">
-          <ac:chgData name="상진 전" userId="b279be015be064a7" providerId="LiveId" clId="{2DB46C57-ACD9-4484-8351-0F00010CD1E7}" dt="2025-07-01T04:49:45.634" v="1131"/>
-          <ac:picMkLst>
-            <pc:docMk/>
-            <pc:sldMk cId="2261106642" sldId="258"/>
-            <ac:picMk id="4" creationId="{A3F5346D-39FD-5B5F-70DE-81AEE4AE5EEA}"/>
-          </ac:picMkLst>
-        </pc:picChg>
-        <pc:picChg chg="add del mod">
-          <ac:chgData name="상진 전" userId="b279be015be064a7" providerId="LiveId" clId="{2DB46C57-ACD9-4484-8351-0F00010CD1E7}" dt="2025-06-30T05:09:14.076" v="206" actId="478"/>
-          <ac:picMkLst>
-            <pc:docMk/>
-            <pc:sldMk cId="2261106642" sldId="258"/>
-            <ac:picMk id="5" creationId="{1A33AD04-EA1D-1893-1F78-EB1F67DF6029}"/>
-          </ac:picMkLst>
-        </pc:picChg>
-        <pc:picChg chg="add mod">
           <ac:chgData name="상진 전" userId="b279be015be064a7" providerId="LiveId" clId="{2DB46C57-ACD9-4484-8351-0F00010CD1E7}" dt="2025-06-30T05:09:20.789" v="211" actId="1076"/>
           <ac:picMkLst>
             <pc:docMk/>
@@ -364,22 +261,6 @@
           <pc:docMk/>
           <pc:sldMk cId="2452192229" sldId="259"/>
         </pc:sldMkLst>
-        <pc:spChg chg="del">
-          <ac:chgData name="상진 전" userId="b279be015be064a7" providerId="LiveId" clId="{2DB46C57-ACD9-4484-8351-0F00010CD1E7}" dt="2025-06-30T05:12:16.812" v="449" actId="478"/>
-          <ac:spMkLst>
-            <pc:docMk/>
-            <pc:sldMk cId="2452192229" sldId="259"/>
-            <ac:spMk id="2" creationId="{D7368725-9064-59E9-ED19-EB36BE2A1B9C}"/>
-          </ac:spMkLst>
-        </pc:spChg>
-        <pc:spChg chg="del">
-          <ac:chgData name="상진 전" userId="b279be015be064a7" providerId="LiveId" clId="{2DB46C57-ACD9-4484-8351-0F00010CD1E7}" dt="2025-06-30T05:12:16.812" v="449" actId="478"/>
-          <ac:spMkLst>
-            <pc:docMk/>
-            <pc:sldMk cId="2452192229" sldId="259"/>
-            <ac:spMk id="3" creationId="{824FE84C-6769-1D83-97DF-1A65B79AE927}"/>
-          </ac:spMkLst>
-        </pc:spChg>
         <pc:spChg chg="add mod">
           <ac:chgData name="상진 전" userId="b279be015be064a7" providerId="LiveId" clId="{2DB46C57-ACD9-4484-8351-0F00010CD1E7}" dt="2025-06-30T05:12:31.959" v="470" actId="113"/>
           <ac:spMkLst>
@@ -435,44 +316,12 @@
           <pc:docMk/>
           <pc:sldMk cId="3956589633" sldId="260"/>
         </pc:sldMkLst>
-        <pc:spChg chg="del">
-          <ac:chgData name="상진 전" userId="b279be015be064a7" providerId="LiveId" clId="{2DB46C57-ACD9-4484-8351-0F00010CD1E7}" dt="2025-06-30T05:25:08.259" v="757" actId="478"/>
-          <ac:spMkLst>
-            <pc:docMk/>
-            <pc:sldMk cId="3956589633" sldId="260"/>
-            <ac:spMk id="2" creationId="{5BEA5F67-8EEC-A8AF-9727-75D004B2F296}"/>
-          </ac:spMkLst>
-        </pc:spChg>
-        <pc:spChg chg="del">
-          <ac:chgData name="상진 전" userId="b279be015be064a7" providerId="LiveId" clId="{2DB46C57-ACD9-4484-8351-0F00010CD1E7}" dt="2025-06-30T05:25:08.259" v="757" actId="478"/>
-          <ac:spMkLst>
-            <pc:docMk/>
-            <pc:sldMk cId="3956589633" sldId="260"/>
-            <ac:spMk id="3" creationId="{FB20A086-328B-CDEC-EB3A-937806F868D5}"/>
-          </ac:spMkLst>
-        </pc:spChg>
         <pc:spChg chg="add mod">
           <ac:chgData name="상진 전" userId="b279be015be064a7" providerId="LiveId" clId="{2DB46C57-ACD9-4484-8351-0F00010CD1E7}" dt="2025-06-30T05:25:12.061" v="758"/>
           <ac:spMkLst>
             <pc:docMk/>
             <pc:sldMk cId="3956589633" sldId="260"/>
             <ac:spMk id="4" creationId="{EBE366E9-B1F7-A8F3-9C69-159DE11966EC}"/>
-          </ac:spMkLst>
-        </pc:spChg>
-        <pc:spChg chg="add del mod">
-          <ac:chgData name="상진 전" userId="b279be015be064a7" providerId="LiveId" clId="{2DB46C57-ACD9-4484-8351-0F00010CD1E7}" dt="2025-06-30T05:38:02.649" v="899" actId="478"/>
-          <ac:spMkLst>
-            <pc:docMk/>
-            <pc:sldMk cId="3956589633" sldId="260"/>
-            <ac:spMk id="7" creationId="{A637F551-A757-36C5-CD99-0A9F161976FF}"/>
-          </ac:spMkLst>
-        </pc:spChg>
-        <pc:spChg chg="add del mod">
-          <ac:chgData name="상진 전" userId="b279be015be064a7" providerId="LiveId" clId="{2DB46C57-ACD9-4484-8351-0F00010CD1E7}" dt="2025-06-30T05:38:04.369" v="901" actId="478"/>
-          <ac:spMkLst>
-            <pc:docMk/>
-            <pc:sldMk cId="3956589633" sldId="260"/>
-            <ac:spMk id="8" creationId="{2B6F7C6E-6876-7257-F818-BD84432710CF}"/>
           </ac:spMkLst>
         </pc:spChg>
         <pc:spChg chg="add mod">
@@ -507,14 +356,6 @@
             <ac:spMk id="17" creationId="{2B3BA00F-63C2-1C9B-AAFB-F21DCF4AD69A}"/>
           </ac:spMkLst>
         </pc:spChg>
-        <pc:picChg chg="add del mod">
-          <ac:chgData name="상진 전" userId="b279be015be064a7" providerId="LiveId" clId="{2DB46C57-ACD9-4484-8351-0F00010CD1E7}" dt="2025-06-30T05:37:49.824" v="893" actId="478"/>
-          <ac:picMkLst>
-            <pc:docMk/>
-            <pc:sldMk cId="3956589633" sldId="260"/>
-            <ac:picMk id="6" creationId="{00551EDF-8DC1-8C6E-775C-4A35AB407E79}"/>
-          </ac:picMkLst>
-        </pc:picChg>
         <pc:picChg chg="add mod">
           <ac:chgData name="상진 전" userId="b279be015be064a7" providerId="LiveId" clId="{2DB46C57-ACD9-4484-8351-0F00010CD1E7}" dt="2025-06-30T05:38:11.978" v="907" actId="14100"/>
           <ac:picMkLst>
@@ -523,14 +364,6 @@
             <ac:picMk id="15" creationId="{A96F96D7-D117-C142-9F8C-887F45FDE98D}"/>
           </ac:picMkLst>
         </pc:picChg>
-        <pc:cxnChg chg="add del mod">
-          <ac:chgData name="상진 전" userId="b279be015be064a7" providerId="LiveId" clId="{2DB46C57-ACD9-4484-8351-0F00010CD1E7}" dt="2025-06-30T05:38:05.145" v="902" actId="478"/>
-          <ac:cxnSpMkLst>
-            <pc:docMk/>
-            <pc:sldMk cId="3956589633" sldId="260"/>
-            <ac:cxnSpMk id="9" creationId="{98148B74-5710-C16A-05C4-EB4D5EEDEC72}"/>
-          </ac:cxnSpMkLst>
-        </pc:cxnChg>
         <pc:cxnChg chg="add mod">
           <ac:chgData name="상진 전" userId="b279be015be064a7" providerId="LiveId" clId="{2DB46C57-ACD9-4484-8351-0F00010CD1E7}" dt="2025-06-30T05:39:14.370" v="963" actId="20577"/>
           <ac:cxnSpMkLst>
@@ -560,22 +393,6 @@
           <pc:docMk/>
           <pc:sldMk cId="3844146376" sldId="261"/>
         </pc:sldMkLst>
-        <pc:spChg chg="del">
-          <ac:chgData name="상진 전" userId="b279be015be064a7" providerId="LiveId" clId="{2DB46C57-ACD9-4484-8351-0F00010CD1E7}" dt="2025-07-01T04:28:49.522" v="966" actId="478"/>
-          <ac:spMkLst>
-            <pc:docMk/>
-            <pc:sldMk cId="3844146376" sldId="261"/>
-            <ac:spMk id="2" creationId="{8E769CBD-3730-ADC7-6AAF-8391D702E817}"/>
-          </ac:spMkLst>
-        </pc:spChg>
-        <pc:spChg chg="del">
-          <ac:chgData name="상진 전" userId="b279be015be064a7" providerId="LiveId" clId="{2DB46C57-ACD9-4484-8351-0F00010CD1E7}" dt="2025-07-01T04:28:49.522" v="966" actId="478"/>
-          <ac:spMkLst>
-            <pc:docMk/>
-            <pc:sldMk cId="3844146376" sldId="261"/>
-            <ac:spMk id="3" creationId="{0FC8EA03-C013-FC4C-B18E-A7EF3BD99C22}"/>
-          </ac:spMkLst>
-        </pc:spChg>
         <pc:spChg chg="add mod">
           <ac:chgData name="상진 전" userId="b279be015be064a7" providerId="LiveId" clId="{2DB46C57-ACD9-4484-8351-0F00010CD1E7}" dt="2025-07-01T04:28:56.899" v="970"/>
           <ac:spMkLst>
@@ -607,22 +424,6 @@
           <pc:docMk/>
           <pc:sldMk cId="2915316881" sldId="262"/>
         </pc:sldMkLst>
-        <pc:spChg chg="del">
-          <ac:chgData name="상진 전" userId="b279be015be064a7" providerId="LiveId" clId="{2DB46C57-ACD9-4484-8351-0F00010CD1E7}" dt="2025-07-01T04:59:43.851" v="1197" actId="478"/>
-          <ac:spMkLst>
-            <pc:docMk/>
-            <pc:sldMk cId="2915316881" sldId="262"/>
-            <ac:spMk id="2" creationId="{BE0F4486-26AF-E6A8-118F-E6E536BA602E}"/>
-          </ac:spMkLst>
-        </pc:spChg>
-        <pc:spChg chg="del">
-          <ac:chgData name="상진 전" userId="b279be015be064a7" providerId="LiveId" clId="{2DB46C57-ACD9-4484-8351-0F00010CD1E7}" dt="2025-07-01T04:59:43.851" v="1197" actId="478"/>
-          <ac:spMkLst>
-            <pc:docMk/>
-            <pc:sldMk cId="2915316881" sldId="262"/>
-            <ac:spMk id="3" creationId="{DC051020-B211-A427-5E60-1E7844C61F43}"/>
-          </ac:spMkLst>
-        </pc:spChg>
         <pc:spChg chg="add mod">
           <ac:chgData name="상진 전" userId="b279be015be064a7" providerId="LiveId" clId="{2DB46C57-ACD9-4484-8351-0F00010CD1E7}" dt="2025-07-01T05:00:02.360" v="1203" actId="14100"/>
           <ac:spMkLst>
@@ -709,22 +510,6 @@
           <pc:docMk/>
           <pc:sldMk cId="2582996086" sldId="263"/>
         </pc:sldMkLst>
-        <pc:spChg chg="del">
-          <ac:chgData name="상진 전" userId="b279be015be064a7" providerId="LiveId" clId="{2DB46C57-ACD9-4484-8351-0F00010CD1E7}" dt="2025-07-01T05:08:27.452" v="1559" actId="478"/>
-          <ac:spMkLst>
-            <pc:docMk/>
-            <pc:sldMk cId="2582996086" sldId="263"/>
-            <ac:spMk id="2" creationId="{9F1F0423-1E37-0769-A5E8-F4D649581237}"/>
-          </ac:spMkLst>
-        </pc:spChg>
-        <pc:spChg chg="del">
-          <ac:chgData name="상진 전" userId="b279be015be064a7" providerId="LiveId" clId="{2DB46C57-ACD9-4484-8351-0F00010CD1E7}" dt="2025-07-01T05:08:27.452" v="1559" actId="478"/>
-          <ac:spMkLst>
-            <pc:docMk/>
-            <pc:sldMk cId="2582996086" sldId="263"/>
-            <ac:spMk id="3" creationId="{BB04B5FD-0116-25B2-E692-3E4559AD643A}"/>
-          </ac:spMkLst>
-        </pc:spChg>
         <pc:spChg chg="add mod">
           <ac:chgData name="상진 전" userId="b279be015be064a7" providerId="LiveId" clId="{2DB46C57-ACD9-4484-8351-0F00010CD1E7}" dt="2025-07-01T05:11:30.290" v="1767" actId="1076"/>
           <ac:spMkLst>
@@ -802,22 +587,6 @@
           <pc:docMk/>
           <pc:sldMk cId="3906307970" sldId="264"/>
         </pc:sldMkLst>
-        <pc:spChg chg="del">
-          <ac:chgData name="상진 전" userId="b279be015be064a7" providerId="LiveId" clId="{2DB46C57-ACD9-4484-8351-0F00010CD1E7}" dt="2025-07-01T05:22:42.722" v="1773" actId="478"/>
-          <ac:spMkLst>
-            <pc:docMk/>
-            <pc:sldMk cId="3906307970" sldId="264"/>
-            <ac:spMk id="2" creationId="{523DDBEE-D415-54E6-5497-2F6C97B717A2}"/>
-          </ac:spMkLst>
-        </pc:spChg>
-        <pc:spChg chg="del">
-          <ac:chgData name="상진 전" userId="b279be015be064a7" providerId="LiveId" clId="{2DB46C57-ACD9-4484-8351-0F00010CD1E7}" dt="2025-07-01T05:22:42.722" v="1773" actId="478"/>
-          <ac:spMkLst>
-            <pc:docMk/>
-            <pc:sldMk cId="3906307970" sldId="264"/>
-            <ac:spMk id="3" creationId="{3B9F31CB-9E6F-CA76-9B0B-861D5A7836EC}"/>
-          </ac:spMkLst>
-        </pc:spChg>
         <pc:spChg chg="add mod">
           <ac:chgData name="상진 전" userId="b279be015be064a7" providerId="LiveId" clId="{2DB46C57-ACD9-4484-8351-0F00010CD1E7}" dt="2025-07-01T05:23:20.220" v="1786" actId="14100"/>
           <ac:spMkLst>
@@ -832,14 +601,6 @@
             <pc:docMk/>
             <pc:sldMk cId="3906307970" sldId="264"/>
             <ac:spMk id="9" creationId="{DD61B149-810D-BA1D-5948-5995379BE047}"/>
-          </ac:spMkLst>
-        </pc:spChg>
-        <pc:spChg chg="add mod">
-          <ac:chgData name="상진 전" userId="b279be015be064a7" providerId="LiveId" clId="{2DB46C57-ACD9-4484-8351-0F00010CD1E7}" dt="2025-07-01T05:23:24.091" v="1789" actId="571"/>
-          <ac:spMkLst>
-            <pc:docMk/>
-            <pc:sldMk cId="3906307970" sldId="264"/>
-            <ac:spMk id="10" creationId="{692D701C-DA32-4358-CF30-2B4F7D8CBB6A}"/>
           </ac:spMkLst>
         </pc:spChg>
         <pc:spChg chg="add mod">
@@ -897,22 +658,6 @@
           <pc:docMk/>
           <pc:sldMk cId="894620890" sldId="265"/>
         </pc:sldMkLst>
-        <pc:spChg chg="del">
-          <ac:chgData name="상진 전" userId="b279be015be064a7" providerId="LiveId" clId="{2DB46C57-ACD9-4484-8351-0F00010CD1E7}" dt="2025-07-01T05:25:26.180" v="1990" actId="478"/>
-          <ac:spMkLst>
-            <pc:docMk/>
-            <pc:sldMk cId="894620890" sldId="265"/>
-            <ac:spMk id="2" creationId="{D29AE038-4F25-9E01-CC2D-77F8712BAE18}"/>
-          </ac:spMkLst>
-        </pc:spChg>
-        <pc:spChg chg="del">
-          <ac:chgData name="상진 전" userId="b279be015be064a7" providerId="LiveId" clId="{2DB46C57-ACD9-4484-8351-0F00010CD1E7}" dt="2025-07-01T05:25:26.180" v="1990" actId="478"/>
-          <ac:spMkLst>
-            <pc:docMk/>
-            <pc:sldMk cId="894620890" sldId="265"/>
-            <ac:spMk id="3" creationId="{0460E157-F902-25FD-E61E-44FB9BA1B4C1}"/>
-          </ac:spMkLst>
-        </pc:spChg>
         <pc:spChg chg="add mod">
           <ac:chgData name="상진 전" userId="b279be015be064a7" providerId="LiveId" clId="{2DB46C57-ACD9-4484-8351-0F00010CD1E7}" dt="2025-07-01T05:25:23.486" v="1989"/>
           <ac:spMkLst>
@@ -999,22 +744,6 @@
           <pc:docMk/>
           <pc:sldMk cId="368024196" sldId="266"/>
         </pc:sldMkLst>
-        <pc:spChg chg="del">
-          <ac:chgData name="상진 전" userId="b279be015be064a7" providerId="LiveId" clId="{2DB46C57-ACD9-4484-8351-0F00010CD1E7}" dt="2025-07-01T05:37:45.372" v="2299" actId="478"/>
-          <ac:spMkLst>
-            <pc:docMk/>
-            <pc:sldMk cId="368024196" sldId="266"/>
-            <ac:spMk id="2" creationId="{ED646A82-48F2-57F2-F6A9-FD21A041C791}"/>
-          </ac:spMkLst>
-        </pc:spChg>
-        <pc:spChg chg="del">
-          <ac:chgData name="상진 전" userId="b279be015be064a7" providerId="LiveId" clId="{2DB46C57-ACD9-4484-8351-0F00010CD1E7}" dt="2025-07-01T05:37:45.372" v="2299" actId="478"/>
-          <ac:spMkLst>
-            <pc:docMk/>
-            <pc:sldMk cId="368024196" sldId="266"/>
-            <ac:spMk id="3" creationId="{3D7D0C39-0A4A-3235-8D24-433191A56F70}"/>
-          </ac:spMkLst>
-        </pc:spChg>
         <pc:spChg chg="add mod">
           <ac:chgData name="상진 전" userId="b279be015be064a7" providerId="LiveId" clId="{2DB46C57-ACD9-4484-8351-0F00010CD1E7}" dt="2025-07-01T05:38:51.662" v="2303"/>
           <ac:spMkLst>
@@ -1039,14 +768,6 @@
             <ac:spMk id="18" creationId="{701BB604-8763-8808-99F9-F295F8C1D085}"/>
           </ac:spMkLst>
         </pc:spChg>
-        <pc:picChg chg="add del">
-          <ac:chgData name="상진 전" userId="b279be015be064a7" providerId="LiveId" clId="{2DB46C57-ACD9-4484-8351-0F00010CD1E7}" dt="2025-07-01T05:37:45.372" v="2299" actId="478"/>
-          <ac:picMkLst>
-            <pc:docMk/>
-            <pc:sldMk cId="368024196" sldId="266"/>
-            <ac:picMk id="5" creationId="{7FC81B2F-6133-8461-72EA-A8CF6DC5B2D3}"/>
-          </ac:picMkLst>
-        </pc:picChg>
         <pc:picChg chg="add mod">
           <ac:chgData name="상진 전" userId="b279be015be064a7" providerId="LiveId" clId="{2DB46C57-ACD9-4484-8351-0F00010CD1E7}" dt="2025-07-01T05:39:05.569" v="2307" actId="1076"/>
           <ac:picMkLst>
@@ -1088,27 +809,11 @@
         </pc:sldMkLst>
       </pc:sldChg>
       <pc:sldChg chg="addSp delSp modSp new mod">
-        <pc:chgData name="상진 전" userId="b279be015be064a7" providerId="LiveId" clId="{2DB46C57-ACD9-4484-8351-0F00010CD1E7}" dt="2025-07-01T05:54:43.253" v="2775" actId="1076"/>
+        <pc:chgData name="상진 전" userId="b279be015be064a7" providerId="LiveId" clId="{2DB46C57-ACD9-4484-8351-0F00010CD1E7}" dt="2025-07-06T11:22:15.926" v="3263" actId="20577"/>
         <pc:sldMkLst>
           <pc:docMk/>
           <pc:sldMk cId="2821530507" sldId="267"/>
         </pc:sldMkLst>
-        <pc:spChg chg="del">
-          <ac:chgData name="상진 전" userId="b279be015be064a7" providerId="LiveId" clId="{2DB46C57-ACD9-4484-8351-0F00010CD1E7}" dt="2025-07-01T05:53:04.425" v="2550" actId="478"/>
-          <ac:spMkLst>
-            <pc:docMk/>
-            <pc:sldMk cId="2821530507" sldId="267"/>
-            <ac:spMk id="2" creationId="{283F14BA-E16A-7085-58D2-E840BFA17D18}"/>
-          </ac:spMkLst>
-        </pc:spChg>
-        <pc:spChg chg="del">
-          <ac:chgData name="상진 전" userId="b279be015be064a7" providerId="LiveId" clId="{2DB46C57-ACD9-4484-8351-0F00010CD1E7}" dt="2025-07-01T05:53:04.425" v="2550" actId="478"/>
-          <ac:spMkLst>
-            <pc:docMk/>
-            <pc:sldMk cId="2821530507" sldId="267"/>
-            <ac:spMk id="3" creationId="{9A584671-C178-890E-F8AC-9D248EF5E947}"/>
-          </ac:spMkLst>
-        </pc:spChg>
         <pc:spChg chg="add mod">
           <ac:chgData name="상진 전" userId="b279be015be064a7" providerId="LiveId" clId="{2DB46C57-ACD9-4484-8351-0F00010CD1E7}" dt="2025-07-01T05:53:29.191" v="2579" actId="20577"/>
           <ac:spMkLst>
@@ -1117,14 +822,30 @@
             <ac:spMk id="6" creationId="{CF91A2E8-C43F-6B39-C583-0BA8609380A7}"/>
           </ac:spMkLst>
         </pc:spChg>
-        <pc:spChg chg="add mod">
-          <ac:chgData name="상진 전" userId="b279be015be064a7" providerId="LiveId" clId="{2DB46C57-ACD9-4484-8351-0F00010CD1E7}" dt="2025-07-01T05:54:43.253" v="2775" actId="1076"/>
+        <pc:spChg chg="add del mod">
+          <ac:chgData name="상진 전" userId="b279be015be064a7" providerId="LiveId" clId="{2DB46C57-ACD9-4484-8351-0F00010CD1E7}" dt="2025-07-06T11:18:58.848" v="2952" actId="478"/>
           <ac:spMkLst>
             <pc:docMk/>
             <pc:sldMk cId="2821530507" sldId="267"/>
             <ac:spMk id="10" creationId="{ABBEF741-A7D7-FC40-3E95-C8A6FCA3404F}"/>
           </ac:spMkLst>
         </pc:spChg>
+        <pc:spChg chg="add mod">
+          <ac:chgData name="상진 전" userId="b279be015be064a7" providerId="LiveId" clId="{2DB46C57-ACD9-4484-8351-0F00010CD1E7}" dt="2025-07-06T11:22:15.926" v="3263" actId="20577"/>
+          <ac:spMkLst>
+            <pc:docMk/>
+            <pc:sldMk cId="2821530507" sldId="267"/>
+            <ac:spMk id="15" creationId="{E5B972EB-C663-D662-D022-B8F837E05ACE}"/>
+          </ac:spMkLst>
+        </pc:spChg>
+        <pc:picChg chg="add mod">
+          <ac:chgData name="상진 전" userId="b279be015be064a7" providerId="LiveId" clId="{2DB46C57-ACD9-4484-8351-0F00010CD1E7}" dt="2025-07-06T11:20:00.220" v="2960" actId="1076"/>
+          <ac:picMkLst>
+            <pc:docMk/>
+            <pc:sldMk cId="2821530507" sldId="267"/>
+            <ac:picMk id="3" creationId="{8392547B-678B-3CF3-7C15-7E10686687B9}"/>
+          </ac:picMkLst>
+        </pc:picChg>
         <pc:picChg chg="add mod">
           <ac:chgData name="상진 전" userId="b279be015be064a7" providerId="LiveId" clId="{2DB46C57-ACD9-4484-8351-0F00010CD1E7}" dt="2025-07-01T05:53:06.412" v="2552" actId="1076"/>
           <ac:picMkLst>
@@ -1133,12 +854,107 @@
             <ac:picMk id="5" creationId="{79AA5608-1CC1-9024-C8D3-F9314B26433F}"/>
           </ac:picMkLst>
         </pc:picChg>
-        <pc:cxnChg chg="add mod">
-          <ac:chgData name="상진 전" userId="b279be015be064a7" providerId="LiveId" clId="{2DB46C57-ACD9-4484-8351-0F00010CD1E7}" dt="2025-07-01T05:53:41.031" v="2585" actId="14100"/>
+        <pc:picChg chg="add mod">
+          <ac:chgData name="상진 전" userId="b279be015be064a7" providerId="LiveId" clId="{2DB46C57-ACD9-4484-8351-0F00010CD1E7}" dt="2025-07-06T11:19:56.141" v="2958" actId="1076"/>
+          <ac:picMkLst>
+            <pc:docMk/>
+            <pc:sldMk cId="2821530507" sldId="267"/>
+            <ac:picMk id="8" creationId="{09648022-B90E-20CD-B616-0F82A2723D65}"/>
+          </ac:picMkLst>
+        </pc:picChg>
+        <pc:cxnChg chg="add del mod">
+          <ac:chgData name="상진 전" userId="b279be015be064a7" providerId="LiveId" clId="{2DB46C57-ACD9-4484-8351-0F00010CD1E7}" dt="2025-07-06T11:18:51.735" v="2951" actId="478"/>
           <ac:cxnSpMkLst>
             <pc:docMk/>
             <pc:sldMk cId="2821530507" sldId="267"/>
             <ac:cxnSpMk id="7" creationId="{5A6D66F1-A109-373C-1908-342C834677A0}"/>
+          </ac:cxnSpMkLst>
+        </pc:cxnChg>
+        <pc:cxnChg chg="add mod">
+          <ac:chgData name="상진 전" userId="b279be015be064a7" providerId="LiveId" clId="{2DB46C57-ACD9-4484-8351-0F00010CD1E7}" dt="2025-07-06T11:20:10.949" v="2963" actId="14100"/>
+          <ac:cxnSpMkLst>
+            <pc:docMk/>
+            <pc:sldMk cId="2821530507" sldId="267"/>
+            <ac:cxnSpMk id="9" creationId="{C25DCA69-CAA1-C11F-A09C-56E3CCE4D0E2}"/>
+          </ac:cxnSpMkLst>
+        </pc:cxnChg>
+        <pc:cxnChg chg="add mod">
+          <ac:chgData name="상진 전" userId="b279be015be064a7" providerId="LiveId" clId="{2DB46C57-ACD9-4484-8351-0F00010CD1E7}" dt="2025-07-06T11:20:15.526" v="2966" actId="14100"/>
+          <ac:cxnSpMkLst>
+            <pc:docMk/>
+            <pc:sldMk cId="2821530507" sldId="267"/>
+            <ac:cxnSpMk id="13" creationId="{19FA2E94-DE07-1892-2002-244A4DB66D9E}"/>
+          </ac:cxnSpMkLst>
+        </pc:cxnChg>
+      </pc:sldChg>
+      <pc:sldChg chg="addSp delSp modSp new mod">
+        <pc:chgData name="상진 전" userId="b279be015be064a7" providerId="LiveId" clId="{2DB46C57-ACD9-4484-8351-0F00010CD1E7}" dt="2025-07-06T11:18:36.436" v="2950" actId="14100"/>
+        <pc:sldMkLst>
+          <pc:docMk/>
+          <pc:sldMk cId="2342294549" sldId="268"/>
+        </pc:sldMkLst>
+        <pc:spChg chg="del">
+          <ac:chgData name="상진 전" userId="b279be015be064a7" providerId="LiveId" clId="{2DB46C57-ACD9-4484-8351-0F00010CD1E7}" dt="2025-07-06T11:16:35.120" v="2777" actId="478"/>
+          <ac:spMkLst>
+            <pc:docMk/>
+            <pc:sldMk cId="2342294549" sldId="268"/>
+            <ac:spMk id="2" creationId="{717C67A8-F8C5-99F5-F894-AC8F2D35215C}"/>
+          </ac:spMkLst>
+        </pc:spChg>
+        <pc:spChg chg="del">
+          <ac:chgData name="상진 전" userId="b279be015be064a7" providerId="LiveId" clId="{2DB46C57-ACD9-4484-8351-0F00010CD1E7}" dt="2025-07-06T11:16:35.120" v="2777" actId="478"/>
+          <ac:spMkLst>
+            <pc:docMk/>
+            <pc:sldMk cId="2342294549" sldId="268"/>
+            <ac:spMk id="3" creationId="{8B2D1CE0-228D-6990-EB64-3D4D4BA64F1A}"/>
+          </ac:spMkLst>
+        </pc:spChg>
+        <pc:spChg chg="add mod">
+          <ac:chgData name="상진 전" userId="b279be015be064a7" providerId="LiveId" clId="{2DB46C57-ACD9-4484-8351-0F00010CD1E7}" dt="2025-07-06T11:17:22.158" v="2788" actId="14100"/>
+          <ac:spMkLst>
+            <pc:docMk/>
+            <pc:sldMk cId="2342294549" sldId="268"/>
+            <ac:spMk id="8" creationId="{892A3247-076B-DD5B-69A6-17BE768F7B32}"/>
+          </ac:spMkLst>
+        </pc:spChg>
+        <pc:spChg chg="add mod">
+          <ac:chgData name="상진 전" userId="b279be015be064a7" providerId="LiveId" clId="{2DB46C57-ACD9-4484-8351-0F00010CD1E7}" dt="2025-07-06T11:17:42.225" v="2802" actId="113"/>
+          <ac:spMkLst>
+            <pc:docMk/>
+            <pc:sldMk cId="2342294549" sldId="268"/>
+            <ac:spMk id="9" creationId="{DABE5E72-F00B-6B3C-5EF6-A4CE168E8B91}"/>
+          </ac:spMkLst>
+        </pc:spChg>
+        <pc:spChg chg="add mod">
+          <ac:chgData name="상진 전" userId="b279be015be064a7" providerId="LiveId" clId="{2DB46C57-ACD9-4484-8351-0F00010CD1E7}" dt="2025-07-06T11:18:24.950" v="2947" actId="1076"/>
+          <ac:spMkLst>
+            <pc:docMk/>
+            <pc:sldMk cId="2342294549" sldId="268"/>
+            <ac:spMk id="10" creationId="{C9698709-B2D0-57FE-E962-90DFE9E89C7A}"/>
+          </ac:spMkLst>
+        </pc:spChg>
+        <pc:picChg chg="add del mod">
+          <ac:chgData name="상진 전" userId="b279be015be064a7" providerId="LiveId" clId="{2DB46C57-ACD9-4484-8351-0F00010CD1E7}" dt="2025-07-06T11:16:39.907" v="2781" actId="21"/>
+          <ac:picMkLst>
+            <pc:docMk/>
+            <pc:sldMk cId="2342294549" sldId="268"/>
+            <ac:picMk id="5" creationId="{8B7E3061-CDE3-6243-99C0-FE2C6F2FC81E}"/>
+          </ac:picMkLst>
+        </pc:picChg>
+        <pc:picChg chg="add mod">
+          <ac:chgData name="상진 전" userId="b279be015be064a7" providerId="LiveId" clId="{2DB46C57-ACD9-4484-8351-0F00010CD1E7}" dt="2025-07-06T11:17:08.736" v="2785" actId="1076"/>
+          <ac:picMkLst>
+            <pc:docMk/>
+            <pc:sldMk cId="2342294549" sldId="268"/>
+            <ac:picMk id="7" creationId="{33F0FFB8-6221-0E55-D355-C500A2E87FAC}"/>
+          </ac:picMkLst>
+        </pc:picChg>
+        <pc:cxnChg chg="add mod">
+          <ac:chgData name="상진 전" userId="b279be015be064a7" providerId="LiveId" clId="{2DB46C57-ACD9-4484-8351-0F00010CD1E7}" dt="2025-07-06T11:18:36.436" v="2950" actId="14100"/>
+          <ac:cxnSpMkLst>
+            <pc:docMk/>
+            <pc:sldMk cId="2342294549" sldId="268"/>
+            <ac:cxnSpMk id="11" creationId="{A284D78A-21E6-0FFF-55A3-0F6BA6136D7F}"/>
           </ac:cxnSpMkLst>
         </pc:cxnChg>
       </pc:sldChg>
@@ -1333,7 +1149,7 @@
           <a:p>
             <a:fld id="{6444479B-705B-4489-957E-7E8A228BDFA0}" type="datetime1">
               <a:rPr lang="en-US" smtClean="0"/>
-              <a:t>7/1/2025</a:t>
+              <a:t>7/6/2025</a:t>
             </a:fld>
             <a:endParaRPr lang="en-US"/>
           </a:p>
@@ -1533,7 +1349,7 @@
           <a:p>
             <a:fld id="{C07B66AD-7C08-490A-ADA4-B47E10FB2407}" type="datetime1">
               <a:rPr lang="en-US" smtClean="0"/>
-              <a:t>7/1/2025</a:t>
+              <a:t>7/6/2025</a:t>
             </a:fld>
             <a:endParaRPr lang="en-US"/>
           </a:p>
@@ -1792,7 +1608,7 @@
           <a:p>
             <a:fld id="{05B95027-4255-49E7-9841-CD21BCC99996}" type="datetime1">
               <a:rPr lang="en-US" smtClean="0"/>
-              <a:t>7/1/2025</a:t>
+              <a:t>7/6/2025</a:t>
             </a:fld>
             <a:endParaRPr lang="en-US"/>
           </a:p>
@@ -2033,7 +1849,7 @@
           <a:p>
             <a:fld id="{9F89F774-3FA6-43B8-9241-99959C8FD463}" type="datetime1">
               <a:rPr lang="en-US" smtClean="0"/>
-              <a:t>7/1/2025</a:t>
+              <a:t>7/6/2025</a:t>
             </a:fld>
             <a:endParaRPr lang="en-US"/>
           </a:p>
@@ -2360,7 +2176,7 @@
           <a:p>
             <a:fld id="{F9504452-5DCC-4FE2-A5C9-8A5EF6714D65}" type="datetime1">
               <a:rPr lang="en-US" smtClean="0"/>
-              <a:t>7/1/2025</a:t>
+              <a:t>7/6/2025</a:t>
             </a:fld>
             <a:endParaRPr lang="en-US"/>
           </a:p>
@@ -2670,7 +2486,7 @@
           <a:p>
             <a:fld id="{E579ABC2-0180-4F3A-A895-A85BC724D472}" type="datetime1">
               <a:rPr lang="en-US" smtClean="0"/>
-              <a:t>7/1/2025</a:t>
+              <a:t>7/6/2025</a:t>
             </a:fld>
             <a:endParaRPr lang="en-US"/>
           </a:p>
@@ -3088,7 +2904,7 @@
           <a:p>
             <a:fld id="{6AEEA9BA-4E8F-439E-BEA4-91FBA01E3F5F}" type="datetime1">
               <a:rPr lang="en-US" smtClean="0"/>
-              <a:t>7/1/2025</a:t>
+              <a:t>7/6/2025</a:t>
             </a:fld>
             <a:endParaRPr lang="en-US"/>
           </a:p>
@@ -3230,7 +3046,7 @@
           <a:p>
             <a:fld id="{BE15BF18-0007-481C-AA29-413124BC3EE7}" type="datetime1">
               <a:rPr lang="en-US" smtClean="0"/>
-              <a:t>7/1/2025</a:t>
+              <a:t>7/6/2025</a:t>
             </a:fld>
             <a:endParaRPr lang="en-US"/>
           </a:p>
@@ -3392,7 +3208,7 @@
           <a:p>
             <a:fld id="{09BE9870-3748-43AD-B547-02A075CB4A1D}" type="datetime1">
               <a:rPr lang="en-US" smtClean="0"/>
-              <a:t>7/1/2025</a:t>
+              <a:t>7/6/2025</a:t>
             </a:fld>
             <a:endParaRPr lang="en-US"/>
           </a:p>
@@ -3709,7 +3525,7 @@
           <a:p>
             <a:fld id="{558E7897-33C5-4F1A-9307-D068E37F3DC7}" type="datetime1">
               <a:rPr lang="en-US" smtClean="0"/>
-              <a:t>7/1/2025</a:t>
+              <a:t>7/6/2025</a:t>
             </a:fld>
             <a:endParaRPr lang="en-US"/>
           </a:p>
@@ -4004,7 +3820,7 @@
           <a:p>
             <a:fld id="{82E171BA-CC09-47C8-A6DF-F5C5CB59CEEC}" type="datetime1">
               <a:rPr lang="en-US" smtClean="0"/>
-              <a:t>7/1/2025</a:t>
+              <a:t>7/6/2025</a:t>
             </a:fld>
             <a:endParaRPr lang="en-US"/>
           </a:p>
@@ -4241,7 +4057,7 @@
           <a:p>
             <a:fld id="{7DA38F49-B3E2-4BF0-BEC7-C30D34ABBB8D}" type="datetime1">
               <a:rPr lang="en-US" smtClean="0"/>
-              <a:t>7/1/2025</a:t>
+              <a:t>7/6/2025</a:t>
             </a:fld>
             <a:endParaRPr lang="en-US"/>
           </a:p>
@@ -5109,12 +4925,48 @@
           <a:chExt cx="0" cy="0"/>
         </a:xfrm>
       </p:grpSpPr>
+      <p:sp>
+        <p:nvSpPr>
+          <p:cNvPr id="4" name="TextBox 3">
+            <a:extLst>
+              <a:ext uri="{FF2B5EF4-FFF2-40B4-BE49-F238E27FC236}">
+                <a16:creationId xmlns:a16="http://schemas.microsoft.com/office/drawing/2014/main" id="{7B7E2DD0-EC11-EE18-3BD0-82F1F52D3FB2}"/>
+              </a:ext>
+            </a:extLst>
+          </p:cNvPr>
+          <p:cNvSpPr txBox="1"/>
+          <p:nvPr/>
+        </p:nvSpPr>
+        <p:spPr>
+          <a:xfrm>
+            <a:off x="504015" y="602219"/>
+            <a:ext cx="3248835" cy="369332"/>
+          </a:xfrm>
+          <a:prstGeom prst="rect">
+            <a:avLst/>
+          </a:prstGeom>
+          <a:noFill/>
+        </p:spPr>
+        <p:txBody>
+          <a:bodyPr wrap="square" rtlCol="0">
+            <a:spAutoFit/>
+          </a:bodyPr>
+          <a:lstStyle/>
+          <a:p>
+            <a:r>
+              <a:rPr lang="ko-KR" altLang="en-US" b="1" dirty="0" err="1"/>
+              <a:t>애니메이터</a:t>
+            </a:r>
+            <a:endParaRPr lang="ko-KR" altLang="en-US" b="1" dirty="0"/>
+          </a:p>
+        </p:txBody>
+      </p:sp>
       <p:pic>
         <p:nvPicPr>
-          <p:cNvPr id="7" name="그림 6">
-            <a:extLst>
-              <a:ext uri="{FF2B5EF4-FFF2-40B4-BE49-F238E27FC236}">
-                <a16:creationId xmlns:a16="http://schemas.microsoft.com/office/drawing/2014/main" id="{7F4C9E6E-0A0C-DEF4-FC58-15E9B99FF305}"/>
+          <p:cNvPr id="6" name="그림 5">
+            <a:extLst>
+              <a:ext uri="{FF2B5EF4-FFF2-40B4-BE49-F238E27FC236}">
+                <a16:creationId xmlns:a16="http://schemas.microsoft.com/office/drawing/2014/main" id="{171971C8-7FEA-314A-7199-3F4FEA3A5D41}"/>
               </a:ext>
             </a:extLst>
           </p:cNvPr>
@@ -5131,56 +4983,20 @@
         </p:blipFill>
         <p:spPr>
           <a:xfrm>
-            <a:off x="5986084" y="1152339"/>
-            <a:ext cx="5420481" cy="1667108"/>
+            <a:off x="714100" y="1314342"/>
+            <a:ext cx="3943900" cy="1543265"/>
           </a:xfrm>
           <a:prstGeom prst="rect">
             <a:avLst/>
           </a:prstGeom>
         </p:spPr>
       </p:pic>
-      <p:sp>
-        <p:nvSpPr>
-          <p:cNvPr id="8" name="TextBox 7">
-            <a:extLst>
-              <a:ext uri="{FF2B5EF4-FFF2-40B4-BE49-F238E27FC236}">
-                <a16:creationId xmlns:a16="http://schemas.microsoft.com/office/drawing/2014/main" id="{7D47BCC4-7379-11E3-FFDC-E2A92E22B4F1}"/>
-              </a:ext>
-            </a:extLst>
-          </p:cNvPr>
-          <p:cNvSpPr txBox="1"/>
-          <p:nvPr/>
-        </p:nvSpPr>
-        <p:spPr>
-          <a:xfrm>
-            <a:off x="504015" y="602219"/>
-            <a:ext cx="3248835" cy="369332"/>
-          </a:xfrm>
-          <a:prstGeom prst="rect">
-            <a:avLst/>
-          </a:prstGeom>
-          <a:noFill/>
-        </p:spPr>
-        <p:txBody>
-          <a:bodyPr wrap="square" rtlCol="0">
-            <a:spAutoFit/>
-          </a:bodyPr>
-          <a:lstStyle/>
-          <a:p>
-            <a:r>
-              <a:rPr lang="ko-KR" altLang="en-US" b="1" dirty="0" err="1"/>
-              <a:t>애니메이터</a:t>
-            </a:r>
-            <a:endParaRPr lang="ko-KR" altLang="en-US" b="1" dirty="0"/>
-          </a:p>
-        </p:txBody>
-      </p:sp>
       <p:pic>
         <p:nvPicPr>
-          <p:cNvPr id="10" name="그림 9">
-            <a:extLst>
-              <a:ext uri="{FF2B5EF4-FFF2-40B4-BE49-F238E27FC236}">
-                <a16:creationId xmlns:a16="http://schemas.microsoft.com/office/drawing/2014/main" id="{03FF3D1E-A00A-20BC-922B-BCE20742BF3B}"/>
+          <p:cNvPr id="8" name="그림 7">
+            <a:extLst>
+              <a:ext uri="{FF2B5EF4-FFF2-40B4-BE49-F238E27FC236}">
+                <a16:creationId xmlns:a16="http://schemas.microsoft.com/office/drawing/2014/main" id="{D8E34E8C-E7BD-8413-C395-753DC4CEB2CB}"/>
               </a:ext>
             </a:extLst>
           </p:cNvPr>
@@ -5197,65 +5013,20 @@
         </p:blipFill>
         <p:spPr>
           <a:xfrm>
-            <a:off x="504015" y="1152339"/>
-            <a:ext cx="4953691" cy="2667372"/>
+            <a:off x="8191056" y="862012"/>
+            <a:ext cx="1696444" cy="5133975"/>
           </a:xfrm>
           <a:prstGeom prst="rect">
             <a:avLst/>
           </a:prstGeom>
         </p:spPr>
       </p:pic>
-      <p:cxnSp>
-        <p:nvCxnSpPr>
-          <p:cNvPr id="11" name="직선 화살표 연결선 10">
-            <a:extLst>
-              <a:ext uri="{FF2B5EF4-FFF2-40B4-BE49-F238E27FC236}">
-                <a16:creationId xmlns:a16="http://schemas.microsoft.com/office/drawing/2014/main" id="{392557BA-C687-71B5-EFB9-9F368175407F}"/>
-              </a:ext>
-            </a:extLst>
-          </p:cNvPr>
-          <p:cNvCxnSpPr>
-            <a:cxnSpLocks/>
-            <a:endCxn id="7" idx="1"/>
-          </p:cNvCxnSpPr>
-          <p:nvPr/>
-        </p:nvCxnSpPr>
-        <p:spPr>
-          <a:xfrm flipV="1">
-            <a:off x="3752850" y="1985893"/>
-            <a:ext cx="2233234" cy="1166882"/>
-          </a:xfrm>
-          <a:prstGeom prst="straightConnector1">
-            <a:avLst/>
-          </a:prstGeom>
-          <a:ln w="57150">
-            <a:solidFill>
-              <a:srgbClr val="C00000"/>
-            </a:solidFill>
-            <a:tailEnd type="triangle"/>
-          </a:ln>
-        </p:spPr>
-        <p:style>
-          <a:lnRef idx="1">
-            <a:schemeClr val="accent1"/>
-          </a:lnRef>
-          <a:fillRef idx="0">
-            <a:schemeClr val="accent1"/>
-          </a:fillRef>
-          <a:effectRef idx="0">
-            <a:schemeClr val="accent1"/>
-          </a:effectRef>
-          <a:fontRef idx="minor">
-            <a:schemeClr val="tx1"/>
-          </a:fontRef>
-        </p:style>
-      </p:cxnSp>
-      <p:sp>
-        <p:nvSpPr>
-          <p:cNvPr id="14" name="직사각형 13">
-            <a:extLst>
-              <a:ext uri="{FF2B5EF4-FFF2-40B4-BE49-F238E27FC236}">
-                <a16:creationId xmlns:a16="http://schemas.microsoft.com/office/drawing/2014/main" id="{E34684DB-6656-6A75-C623-B1BE43D7384D}"/>
+      <p:sp>
+        <p:nvSpPr>
+          <p:cNvPr id="9" name="직사각형 8">
+            <a:extLst>
+              <a:ext uri="{FF2B5EF4-FFF2-40B4-BE49-F238E27FC236}">
+                <a16:creationId xmlns:a16="http://schemas.microsoft.com/office/drawing/2014/main" id="{BCA8AA2D-0B1C-B185-4ABE-2B3346AFB1D3}"/>
               </a:ext>
             </a:extLst>
           </p:cNvPr>
@@ -5264,8 +5035,8 @@
         </p:nvSpPr>
         <p:spPr>
           <a:xfrm>
-            <a:off x="6657529" y="2088398"/>
-            <a:ext cx="2049011" cy="283328"/>
+            <a:off x="2247900" y="1566939"/>
+            <a:ext cx="933450" cy="280911"/>
           </a:xfrm>
           <a:prstGeom prst="rect">
             <a:avLst/>
@@ -5302,25 +5073,78 @@
           </a:p>
         </p:txBody>
       </p:sp>
+      <p:sp>
+        <p:nvSpPr>
+          <p:cNvPr id="10" name="직사각형 9">
+            <a:extLst>
+              <a:ext uri="{FF2B5EF4-FFF2-40B4-BE49-F238E27FC236}">
+                <a16:creationId xmlns:a16="http://schemas.microsoft.com/office/drawing/2014/main" id="{CC08A736-C015-1D94-65C4-E145AD361778}"/>
+              </a:ext>
+            </a:extLst>
+          </p:cNvPr>
+          <p:cNvSpPr/>
+          <p:nvPr/>
+        </p:nvSpPr>
+        <p:spPr>
+          <a:xfrm>
+            <a:off x="8191055" y="3167138"/>
+            <a:ext cx="1696444" cy="461887"/>
+          </a:xfrm>
+          <a:prstGeom prst="rect">
+            <a:avLst/>
+          </a:prstGeom>
+          <a:noFill/>
+          <a:ln w="57150">
+            <a:solidFill>
+              <a:srgbClr val="C00000"/>
+            </a:solidFill>
+          </a:ln>
+        </p:spPr>
+        <p:style>
+          <a:lnRef idx="2">
+            <a:schemeClr val="accent1">
+              <a:shade val="15000"/>
+            </a:schemeClr>
+          </a:lnRef>
+          <a:fillRef idx="1">
+            <a:schemeClr val="accent1"/>
+          </a:fillRef>
+          <a:effectRef idx="0">
+            <a:schemeClr val="accent1"/>
+          </a:effectRef>
+          <a:fontRef idx="minor">
+            <a:schemeClr val="lt1"/>
+          </a:fontRef>
+        </p:style>
+        <p:txBody>
+          <a:bodyPr rtlCol="0" anchor="ctr"/>
+          <a:lstStyle/>
+          <a:p>
+            <a:pPr algn="ctr"/>
+            <a:endParaRPr lang="ko-KR" altLang="en-US"/>
+          </a:p>
+        </p:txBody>
+      </p:sp>
       <p:cxnSp>
         <p:nvCxnSpPr>
-          <p:cNvPr id="15" name="직선 화살표 연결선 14">
-            <a:extLst>
-              <a:ext uri="{FF2B5EF4-FFF2-40B4-BE49-F238E27FC236}">
-                <a16:creationId xmlns:a16="http://schemas.microsoft.com/office/drawing/2014/main" id="{AFE4A75F-B236-9E90-2A30-2268B9FF7CFB}"/>
+          <p:cNvPr id="11" name="직선 화살표 연결선 10">
+            <a:extLst>
+              <a:ext uri="{FF2B5EF4-FFF2-40B4-BE49-F238E27FC236}">
+                <a16:creationId xmlns:a16="http://schemas.microsoft.com/office/drawing/2014/main" id="{5998C6F9-13A1-425E-4151-DD216002B67A}"/>
               </a:ext>
             </a:extLst>
           </p:cNvPr>
           <p:cNvCxnSpPr>
             <a:cxnSpLocks/>
-            <a:stCxn id="14" idx="2"/>
+            <a:stCxn id="9" idx="3"/>
+            <a:endCxn id="10" idx="1"/>
           </p:cNvCxnSpPr>
           <p:nvPr/>
         </p:nvCxnSpPr>
         <p:spPr>
-          <a:xfrm flipH="1">
-            <a:off x="7010400" y="2371726"/>
-            <a:ext cx="671635" cy="1590674"/>
+          <a:xfrm>
+            <a:off x="3181350" y="1707395"/>
+            <a:ext cx="5009705" cy="1690687"/>
           </a:xfrm>
           <a:prstGeom prst="straightConnector1">
             <a:avLst/>
@@ -5349,10 +5173,10 @@
       </p:cxnSp>
       <p:sp>
         <p:nvSpPr>
-          <p:cNvPr id="18" name="TextBox 17">
-            <a:extLst>
-              <a:ext uri="{FF2B5EF4-FFF2-40B4-BE49-F238E27FC236}">
-                <a16:creationId xmlns:a16="http://schemas.microsoft.com/office/drawing/2014/main" id="{701BB604-8763-8808-99F9-F295F8C1D085}"/>
+          <p:cNvPr id="14" name="TextBox 13">
+            <a:extLst>
+              <a:ext uri="{FF2B5EF4-FFF2-40B4-BE49-F238E27FC236}">
+                <a16:creationId xmlns:a16="http://schemas.microsoft.com/office/drawing/2014/main" id="{6B307597-D6D0-4FA3-1A18-ACA6B2BA169B}"/>
               </a:ext>
             </a:extLst>
           </p:cNvPr>
@@ -5361,8 +5185,8 @@
         </p:nvSpPr>
         <p:spPr>
           <a:xfrm>
-            <a:off x="4705350" y="4245728"/>
-            <a:ext cx="5772150" cy="646331"/>
+            <a:off x="5129127" y="1247685"/>
+            <a:ext cx="2733402" cy="1200329"/>
           </a:xfrm>
           <a:prstGeom prst="rect">
             <a:avLst/>
@@ -5377,35 +5201,129 @@
           <a:p>
             <a:r>
               <a:rPr lang="en-US" altLang="ko-KR" dirty="0"/>
-              <a:t>Animator </a:t>
+              <a:t>Animation </a:t>
+            </a:r>
+            <a:r>
+              <a:rPr lang="ko-KR" altLang="en-US" dirty="0" err="1"/>
+              <a:t>우클릭시</a:t>
             </a:r>
             <a:r>
               <a:rPr lang="ko-KR" altLang="en-US" dirty="0"/>
-              <a:t>다음 그림처럼 만들고</a:t>
+              <a:t> </a:t>
             </a:r>
             <a:r>
               <a:rPr lang="en-US" altLang="ko-KR" dirty="0"/>
-              <a:t>, </a:t>
+              <a:t>Make Transition</a:t>
             </a:r>
             <a:r>
               <a:rPr lang="ko-KR" altLang="en-US" dirty="0"/>
-              <a:t>코드로 </a:t>
-            </a:r>
+              <a:t>이 나오고</a:t>
+            </a:r>
+            <a:endParaRPr lang="en-US" altLang="ko-KR" dirty="0"/>
+          </a:p>
+          <a:p>
             <a:r>
               <a:rPr lang="en-US" altLang="ko-KR" dirty="0"/>
-              <a:t>animator </a:t>
+              <a:t>Transition</a:t>
             </a:r>
             <a:r>
               <a:rPr lang="ko-KR" altLang="en-US" dirty="0"/>
-              <a:t>연결 후 </a:t>
-            </a:r>
+              <a:t>을 누르면 저런 </a:t>
+            </a:r>
+            <a:endParaRPr lang="en-US" altLang="ko-KR" dirty="0"/>
+          </a:p>
+          <a:p>
             <a:r>
               <a:rPr lang="en-US" altLang="ko-KR" dirty="0"/>
-              <a:t>Set</a:t>
+              <a:t>Inspector </a:t>
             </a:r>
             <a:r>
               <a:rPr lang="ko-KR" altLang="en-US" dirty="0"/>
-              <a:t>자료형 하면 해당 파라미터를 조절할 수 있음</a:t>
+              <a:t>창이 나옴</a:t>
+            </a:r>
+          </a:p>
+        </p:txBody>
+      </p:sp>
+      <p:cxnSp>
+        <p:nvCxnSpPr>
+          <p:cNvPr id="15" name="직선 화살표 연결선 14">
+            <a:extLst>
+              <a:ext uri="{FF2B5EF4-FFF2-40B4-BE49-F238E27FC236}">
+                <a16:creationId xmlns:a16="http://schemas.microsoft.com/office/drawing/2014/main" id="{69C5D304-F777-615E-55A2-9AFC200AF079}"/>
+              </a:ext>
+            </a:extLst>
+          </p:cNvPr>
+          <p:cNvCxnSpPr>
+            <a:cxnSpLocks/>
+            <a:stCxn id="10" idx="2"/>
+          </p:cNvCxnSpPr>
+          <p:nvPr/>
+        </p:nvCxnSpPr>
+        <p:spPr>
+          <a:xfrm flipH="1">
+            <a:off x="6972300" y="3629025"/>
+            <a:ext cx="2066977" cy="447675"/>
+          </a:xfrm>
+          <a:prstGeom prst="straightConnector1">
+            <a:avLst/>
+          </a:prstGeom>
+          <a:ln w="57150">
+            <a:solidFill>
+              <a:srgbClr val="C00000"/>
+            </a:solidFill>
+            <a:tailEnd type="triangle"/>
+          </a:ln>
+        </p:spPr>
+        <p:style>
+          <a:lnRef idx="1">
+            <a:schemeClr val="accent1"/>
+          </a:lnRef>
+          <a:fillRef idx="0">
+            <a:schemeClr val="accent1"/>
+          </a:fillRef>
+          <a:effectRef idx="0">
+            <a:schemeClr val="accent1"/>
+          </a:effectRef>
+          <a:fontRef idx="minor">
+            <a:schemeClr val="tx1"/>
+          </a:fontRef>
+        </p:style>
+      </p:cxnSp>
+      <p:sp>
+        <p:nvSpPr>
+          <p:cNvPr id="18" name="TextBox 17">
+            <a:extLst>
+              <a:ext uri="{FF2B5EF4-FFF2-40B4-BE49-F238E27FC236}">
+                <a16:creationId xmlns:a16="http://schemas.microsoft.com/office/drawing/2014/main" id="{B4C044BE-0CAB-7BAD-535F-4FAF6FAE64E9}"/>
+              </a:ext>
+            </a:extLst>
+          </p:cNvPr>
+          <p:cNvSpPr txBox="1"/>
+          <p:nvPr/>
+        </p:nvSpPr>
+        <p:spPr>
+          <a:xfrm>
+            <a:off x="3038475" y="3791135"/>
+            <a:ext cx="3686347" cy="646331"/>
+          </a:xfrm>
+          <a:prstGeom prst="rect">
+            <a:avLst/>
+          </a:prstGeom>
+          <a:noFill/>
+        </p:spPr>
+        <p:txBody>
+          <a:bodyPr wrap="square" rtlCol="0">
+            <a:spAutoFit/>
+          </a:bodyPr>
+          <a:lstStyle/>
+          <a:p>
+            <a:r>
+              <a:rPr lang="en-US" altLang="ko-KR" dirty="0"/>
+              <a:t>Conditions </a:t>
+            </a:r>
+            <a:r>
+              <a:rPr lang="ko-KR" altLang="en-US" dirty="0"/>
+              <a:t>눌려서 애니메이션 재생 조건을 추가할 수 있음</a:t>
             </a:r>
           </a:p>
         </p:txBody>
@@ -5413,7 +5331,7 @@
     </p:spTree>
     <p:extLst>
       <p:ext uri="{BB962C8B-B14F-4D97-AF65-F5344CB8AC3E}">
-        <p14:creationId xmlns:p14="http://schemas.microsoft.com/office/powerpoint/2010/main" val="368024196"/>
+        <p14:creationId xmlns:p14="http://schemas.microsoft.com/office/powerpoint/2010/main" val="894620890"/>
       </p:ext>
     </p:extLst>
   </p:cSld>
@@ -5442,10 +5360,10 @@
       </p:grpSpPr>
       <p:pic>
         <p:nvPicPr>
-          <p:cNvPr id="5" name="그림 4">
-            <a:extLst>
-              <a:ext uri="{FF2B5EF4-FFF2-40B4-BE49-F238E27FC236}">
-                <a16:creationId xmlns:a16="http://schemas.microsoft.com/office/drawing/2014/main" id="{79AA5608-1CC1-9024-C8D3-F9314B26433F}"/>
+          <p:cNvPr id="7" name="그림 6">
+            <a:extLst>
+              <a:ext uri="{FF2B5EF4-FFF2-40B4-BE49-F238E27FC236}">
+                <a16:creationId xmlns:a16="http://schemas.microsoft.com/office/drawing/2014/main" id="{7F4C9E6E-0A0C-DEF4-FC58-15E9B99FF305}"/>
               </a:ext>
             </a:extLst>
           </p:cNvPr>
@@ -5462,8 +5380,8 @@
         </p:blipFill>
         <p:spPr>
           <a:xfrm>
-            <a:off x="680914" y="1476102"/>
-            <a:ext cx="1762371" cy="1952898"/>
+            <a:off x="5986084" y="1152339"/>
+            <a:ext cx="5420481" cy="1667108"/>
           </a:xfrm>
           <a:prstGeom prst="rect">
             <a:avLst/>
@@ -5472,10 +5390,10 @@
       </p:pic>
       <p:sp>
         <p:nvSpPr>
-          <p:cNvPr id="6" name="TextBox 5">
-            <a:extLst>
-              <a:ext uri="{FF2B5EF4-FFF2-40B4-BE49-F238E27FC236}">
-                <a16:creationId xmlns:a16="http://schemas.microsoft.com/office/drawing/2014/main" id="{CF91A2E8-C43F-6B39-C583-0BA8609380A7}"/>
+          <p:cNvPr id="8" name="TextBox 7">
+            <a:extLst>
+              <a:ext uri="{FF2B5EF4-FFF2-40B4-BE49-F238E27FC236}">
+                <a16:creationId xmlns:a16="http://schemas.microsoft.com/office/drawing/2014/main" id="{7D47BCC4-7379-11E3-FFDC-E2A92E22B4F1}"/>
               </a:ext>
             </a:extLst>
           </p:cNvPr>
@@ -5499,31 +5417,62 @@
           <a:lstStyle/>
           <a:p>
             <a:r>
-              <a:rPr lang="ko-KR" altLang="en-US" b="1" dirty="0"/>
-              <a:t>장애물 제작하기</a:t>
-            </a:r>
-          </a:p>
-        </p:txBody>
-      </p:sp>
+              <a:rPr lang="ko-KR" altLang="en-US" b="1" dirty="0" err="1"/>
+              <a:t>애니메이터</a:t>
+            </a:r>
+            <a:endParaRPr lang="ko-KR" altLang="en-US" b="1" dirty="0"/>
+          </a:p>
+        </p:txBody>
+      </p:sp>
+      <p:pic>
+        <p:nvPicPr>
+          <p:cNvPr id="10" name="그림 9">
+            <a:extLst>
+              <a:ext uri="{FF2B5EF4-FFF2-40B4-BE49-F238E27FC236}">
+                <a16:creationId xmlns:a16="http://schemas.microsoft.com/office/drawing/2014/main" id="{03FF3D1E-A00A-20BC-922B-BCE20742BF3B}"/>
+              </a:ext>
+            </a:extLst>
+          </p:cNvPr>
+          <p:cNvPicPr>
+            <a:picLocks noChangeAspect="1"/>
+          </p:cNvPicPr>
+          <p:nvPr/>
+        </p:nvPicPr>
+        <p:blipFill>
+          <a:blip r:embed="rId3"/>
+          <a:stretch>
+            <a:fillRect/>
+          </a:stretch>
+        </p:blipFill>
+        <p:spPr>
+          <a:xfrm>
+            <a:off x="504015" y="1152339"/>
+            <a:ext cx="4953691" cy="2667372"/>
+          </a:xfrm>
+          <a:prstGeom prst="rect">
+            <a:avLst/>
+          </a:prstGeom>
+        </p:spPr>
+      </p:pic>
       <p:cxnSp>
         <p:nvCxnSpPr>
-          <p:cNvPr id="7" name="직선 화살표 연결선 6">
-            <a:extLst>
-              <a:ext uri="{FF2B5EF4-FFF2-40B4-BE49-F238E27FC236}">
-                <a16:creationId xmlns:a16="http://schemas.microsoft.com/office/drawing/2014/main" id="{5A6D66F1-A109-373C-1908-342C834677A0}"/>
+          <p:cNvPr id="11" name="직선 화살표 연결선 10">
+            <a:extLst>
+              <a:ext uri="{FF2B5EF4-FFF2-40B4-BE49-F238E27FC236}">
+                <a16:creationId xmlns:a16="http://schemas.microsoft.com/office/drawing/2014/main" id="{392557BA-C687-71B5-EFB9-9F368175407F}"/>
               </a:ext>
             </a:extLst>
           </p:cNvPr>
           <p:cNvCxnSpPr>
             <a:cxnSpLocks/>
-            <a:stCxn id="5" idx="3"/>
+            <a:endCxn id="7" idx="1"/>
           </p:cNvCxnSpPr>
           <p:nvPr/>
         </p:nvCxnSpPr>
         <p:spPr>
           <a:xfrm flipV="1">
-            <a:off x="2443285" y="2200275"/>
-            <a:ext cx="2328740" cy="252276"/>
+            <a:off x="3752850" y="1985893"/>
+            <a:ext cx="2233234" cy="1166882"/>
           </a:xfrm>
           <a:prstGeom prst="straightConnector1">
             <a:avLst/>
@@ -5552,10 +5501,107 @@
       </p:cxnSp>
       <p:sp>
         <p:nvSpPr>
-          <p:cNvPr id="10" name="TextBox 9">
-            <a:extLst>
-              <a:ext uri="{FF2B5EF4-FFF2-40B4-BE49-F238E27FC236}">
-                <a16:creationId xmlns:a16="http://schemas.microsoft.com/office/drawing/2014/main" id="{ABBEF741-A7D7-FC40-3E95-C8A6FCA3404F}"/>
+          <p:cNvPr id="14" name="직사각형 13">
+            <a:extLst>
+              <a:ext uri="{FF2B5EF4-FFF2-40B4-BE49-F238E27FC236}">
+                <a16:creationId xmlns:a16="http://schemas.microsoft.com/office/drawing/2014/main" id="{E34684DB-6656-6A75-C623-B1BE43D7384D}"/>
+              </a:ext>
+            </a:extLst>
+          </p:cNvPr>
+          <p:cNvSpPr/>
+          <p:nvPr/>
+        </p:nvSpPr>
+        <p:spPr>
+          <a:xfrm>
+            <a:off x="6657529" y="2088398"/>
+            <a:ext cx="2049011" cy="283328"/>
+          </a:xfrm>
+          <a:prstGeom prst="rect">
+            <a:avLst/>
+          </a:prstGeom>
+          <a:noFill/>
+          <a:ln w="57150">
+            <a:solidFill>
+              <a:srgbClr val="C00000"/>
+            </a:solidFill>
+          </a:ln>
+        </p:spPr>
+        <p:style>
+          <a:lnRef idx="2">
+            <a:schemeClr val="accent1">
+              <a:shade val="15000"/>
+            </a:schemeClr>
+          </a:lnRef>
+          <a:fillRef idx="1">
+            <a:schemeClr val="accent1"/>
+          </a:fillRef>
+          <a:effectRef idx="0">
+            <a:schemeClr val="accent1"/>
+          </a:effectRef>
+          <a:fontRef idx="minor">
+            <a:schemeClr val="lt1"/>
+          </a:fontRef>
+        </p:style>
+        <p:txBody>
+          <a:bodyPr rtlCol="0" anchor="ctr"/>
+          <a:lstStyle/>
+          <a:p>
+            <a:pPr algn="ctr"/>
+            <a:endParaRPr lang="ko-KR" altLang="en-US"/>
+          </a:p>
+        </p:txBody>
+      </p:sp>
+      <p:cxnSp>
+        <p:nvCxnSpPr>
+          <p:cNvPr id="15" name="직선 화살표 연결선 14">
+            <a:extLst>
+              <a:ext uri="{FF2B5EF4-FFF2-40B4-BE49-F238E27FC236}">
+                <a16:creationId xmlns:a16="http://schemas.microsoft.com/office/drawing/2014/main" id="{AFE4A75F-B236-9E90-2A30-2268B9FF7CFB}"/>
+              </a:ext>
+            </a:extLst>
+          </p:cNvPr>
+          <p:cNvCxnSpPr>
+            <a:cxnSpLocks/>
+            <a:stCxn id="14" idx="2"/>
+          </p:cNvCxnSpPr>
+          <p:nvPr/>
+        </p:nvCxnSpPr>
+        <p:spPr>
+          <a:xfrm flipH="1">
+            <a:off x="7010400" y="2371726"/>
+            <a:ext cx="671635" cy="1590674"/>
+          </a:xfrm>
+          <a:prstGeom prst="straightConnector1">
+            <a:avLst/>
+          </a:prstGeom>
+          <a:ln w="57150">
+            <a:solidFill>
+              <a:srgbClr val="C00000"/>
+            </a:solidFill>
+            <a:tailEnd type="triangle"/>
+          </a:ln>
+        </p:spPr>
+        <p:style>
+          <a:lnRef idx="1">
+            <a:schemeClr val="accent1"/>
+          </a:lnRef>
+          <a:fillRef idx="0">
+            <a:schemeClr val="accent1"/>
+          </a:fillRef>
+          <a:effectRef idx="0">
+            <a:schemeClr val="accent1"/>
+          </a:effectRef>
+          <a:fontRef idx="minor">
+            <a:schemeClr val="tx1"/>
+          </a:fontRef>
+        </p:style>
+      </p:cxnSp>
+      <p:sp>
+        <p:nvSpPr>
+          <p:cNvPr id="18" name="TextBox 17">
+            <a:extLst>
+              <a:ext uri="{FF2B5EF4-FFF2-40B4-BE49-F238E27FC236}">
+                <a16:creationId xmlns:a16="http://schemas.microsoft.com/office/drawing/2014/main" id="{701BB604-8763-8808-99F9-F295F8C1D085}"/>
               </a:ext>
             </a:extLst>
           </p:cNvPr>
@@ -5564,8 +5610,8 @@
         </p:nvSpPr>
         <p:spPr>
           <a:xfrm>
-            <a:off x="4953000" y="1877109"/>
-            <a:ext cx="5915025" cy="646331"/>
+            <a:off x="4705350" y="4245728"/>
+            <a:ext cx="5772150" cy="646331"/>
           </a:xfrm>
           <a:prstGeom prst="rect">
             <a:avLst/>
@@ -5580,35 +5626,323 @@
           <a:p>
             <a:r>
               <a:rPr lang="en-US" altLang="ko-KR" dirty="0"/>
-              <a:t>Cactus A,B,C </a:t>
+              <a:t>Animator </a:t>
             </a:r>
             <a:r>
               <a:rPr lang="ko-KR" altLang="en-US" dirty="0"/>
-              <a:t>장애물 제작하고 닿으면 체력이 깎이도록 제작</a:t>
+              <a:t>다음 그림처럼 만들고</a:t>
             </a:r>
             <a:r>
               <a:rPr lang="en-US" altLang="ko-KR" dirty="0"/>
-              <a:t>(</a:t>
+              <a:t>, </a:t>
             </a:r>
             <a:r>
               <a:rPr lang="ko-KR" altLang="en-US" dirty="0"/>
-              <a:t>체력은 </a:t>
+              <a:t>코드로 </a:t>
             </a:r>
             <a:r>
               <a:rPr lang="en-US" altLang="ko-KR" dirty="0"/>
-              <a:t>3, </a:t>
+              <a:t>animator </a:t>
             </a:r>
             <a:r>
               <a:rPr lang="ko-KR" altLang="en-US" dirty="0"/>
-              <a:t>다 죽으면 사망</a:t>
+              <a:t>연결 후 </a:t>
             </a:r>
             <a:r>
               <a:rPr lang="en-US" altLang="ko-KR" dirty="0"/>
-              <a:t>) -&gt; </a:t>
+              <a:t>Set</a:t>
             </a:r>
             <a:r>
               <a:rPr lang="ko-KR" altLang="en-US" dirty="0"/>
-              <a:t>애니메이션 작업까지</a:t>
+              <a:t>자료형 하면 해당 파라미터를 조절할 수 있음</a:t>
+            </a:r>
+          </a:p>
+        </p:txBody>
+      </p:sp>
+    </p:spTree>
+    <p:extLst>
+      <p:ext uri="{BB962C8B-B14F-4D97-AF65-F5344CB8AC3E}">
+        <p14:creationId xmlns:p14="http://schemas.microsoft.com/office/powerpoint/2010/main" val="368024196"/>
+      </p:ext>
+    </p:extLst>
+  </p:cSld>
+  <p:clrMapOvr>
+    <a:masterClrMapping/>
+  </p:clrMapOvr>
+</p:sld>
+</file>
+
+<file path=ppt/slides/slide12.xml><?xml version="1.0" encoding="utf-8"?>
+<p:sld xmlns:a="http://schemas.openxmlformats.org/drawingml/2006/main" xmlns:r="http://schemas.openxmlformats.org/officeDocument/2006/relationships" xmlns:p="http://schemas.openxmlformats.org/presentationml/2006/main">
+  <p:cSld>
+    <p:spTree>
+      <p:nvGrpSpPr>
+        <p:cNvPr id="1" name=""/>
+        <p:cNvGrpSpPr/>
+        <p:nvPr/>
+      </p:nvGrpSpPr>
+      <p:grpSpPr>
+        <a:xfrm>
+          <a:off x="0" y="0"/>
+          <a:ext cx="0" cy="0"/>
+          <a:chOff x="0" y="0"/>
+          <a:chExt cx="0" cy="0"/>
+        </a:xfrm>
+      </p:grpSpPr>
+      <p:pic>
+        <p:nvPicPr>
+          <p:cNvPr id="5" name="그림 4">
+            <a:extLst>
+              <a:ext uri="{FF2B5EF4-FFF2-40B4-BE49-F238E27FC236}">
+                <a16:creationId xmlns:a16="http://schemas.microsoft.com/office/drawing/2014/main" id="{79AA5608-1CC1-9024-C8D3-F9314B26433F}"/>
+              </a:ext>
+            </a:extLst>
+          </p:cNvPr>
+          <p:cNvPicPr>
+            <a:picLocks noChangeAspect="1"/>
+          </p:cNvPicPr>
+          <p:nvPr/>
+        </p:nvPicPr>
+        <p:blipFill>
+          <a:blip r:embed="rId2"/>
+          <a:stretch>
+            <a:fillRect/>
+          </a:stretch>
+        </p:blipFill>
+        <p:spPr>
+          <a:xfrm>
+            <a:off x="680914" y="1476102"/>
+            <a:ext cx="1762371" cy="1952898"/>
+          </a:xfrm>
+          <a:prstGeom prst="rect">
+            <a:avLst/>
+          </a:prstGeom>
+        </p:spPr>
+      </p:pic>
+      <p:sp>
+        <p:nvSpPr>
+          <p:cNvPr id="6" name="TextBox 5">
+            <a:extLst>
+              <a:ext uri="{FF2B5EF4-FFF2-40B4-BE49-F238E27FC236}">
+                <a16:creationId xmlns:a16="http://schemas.microsoft.com/office/drawing/2014/main" id="{CF91A2E8-C43F-6B39-C583-0BA8609380A7}"/>
+              </a:ext>
+            </a:extLst>
+          </p:cNvPr>
+          <p:cNvSpPr txBox="1"/>
+          <p:nvPr/>
+        </p:nvSpPr>
+        <p:spPr>
+          <a:xfrm>
+            <a:off x="504015" y="602219"/>
+            <a:ext cx="3248835" cy="369332"/>
+          </a:xfrm>
+          <a:prstGeom prst="rect">
+            <a:avLst/>
+          </a:prstGeom>
+          <a:noFill/>
+        </p:spPr>
+        <p:txBody>
+          <a:bodyPr wrap="square" rtlCol="0">
+            <a:spAutoFit/>
+          </a:bodyPr>
+          <a:lstStyle/>
+          <a:p>
+            <a:r>
+              <a:rPr lang="ko-KR" altLang="en-US" b="1" dirty="0"/>
+              <a:t>장애물 제작하기</a:t>
+            </a:r>
+          </a:p>
+        </p:txBody>
+      </p:sp>
+      <p:pic>
+        <p:nvPicPr>
+          <p:cNvPr id="3" name="그림 2">
+            <a:extLst>
+              <a:ext uri="{FF2B5EF4-FFF2-40B4-BE49-F238E27FC236}">
+                <a16:creationId xmlns:a16="http://schemas.microsoft.com/office/drawing/2014/main" id="{8392547B-678B-3CF3-7C15-7E10686687B9}"/>
+              </a:ext>
+            </a:extLst>
+          </p:cNvPr>
+          <p:cNvPicPr>
+            <a:picLocks noChangeAspect="1"/>
+          </p:cNvPicPr>
+          <p:nvPr/>
+        </p:nvPicPr>
+        <p:blipFill>
+          <a:blip r:embed="rId3"/>
+          <a:stretch>
+            <a:fillRect/>
+          </a:stretch>
+        </p:blipFill>
+        <p:spPr>
+          <a:xfrm>
+            <a:off x="2928272" y="1386881"/>
+            <a:ext cx="3886869" cy="2500643"/>
+          </a:xfrm>
+          <a:prstGeom prst="rect">
+            <a:avLst/>
+          </a:prstGeom>
+        </p:spPr>
+      </p:pic>
+      <p:pic>
+        <p:nvPicPr>
+          <p:cNvPr id="8" name="그림 7">
+            <a:extLst>
+              <a:ext uri="{FF2B5EF4-FFF2-40B4-BE49-F238E27FC236}">
+                <a16:creationId xmlns:a16="http://schemas.microsoft.com/office/drawing/2014/main" id="{09648022-B90E-20CD-B616-0F82A2723D65}"/>
+              </a:ext>
+            </a:extLst>
+          </p:cNvPr>
+          <p:cNvPicPr>
+            <a:picLocks noChangeAspect="1"/>
+          </p:cNvPicPr>
+          <p:nvPr/>
+        </p:nvPicPr>
+        <p:blipFill>
+          <a:blip r:embed="rId4"/>
+          <a:stretch>
+            <a:fillRect/>
+          </a:stretch>
+        </p:blipFill>
+        <p:spPr>
+          <a:xfrm>
+            <a:off x="7771731" y="1386881"/>
+            <a:ext cx="3886869" cy="2356849"/>
+          </a:xfrm>
+          <a:prstGeom prst="rect">
+            <a:avLst/>
+          </a:prstGeom>
+        </p:spPr>
+      </p:pic>
+      <p:cxnSp>
+        <p:nvCxnSpPr>
+          <p:cNvPr id="9" name="직선 화살표 연결선 8">
+            <a:extLst>
+              <a:ext uri="{FF2B5EF4-FFF2-40B4-BE49-F238E27FC236}">
+                <a16:creationId xmlns:a16="http://schemas.microsoft.com/office/drawing/2014/main" id="{C25DCA69-CAA1-C11F-A09C-56E3CCE4D0E2}"/>
+              </a:ext>
+            </a:extLst>
+          </p:cNvPr>
+          <p:cNvCxnSpPr>
+            <a:cxnSpLocks/>
+            <a:endCxn id="3" idx="1"/>
+          </p:cNvCxnSpPr>
+          <p:nvPr/>
+        </p:nvCxnSpPr>
+        <p:spPr>
+          <a:xfrm>
+            <a:off x="1971675" y="2600325"/>
+            <a:ext cx="956597" cy="36878"/>
+          </a:xfrm>
+          <a:prstGeom prst="straightConnector1">
+            <a:avLst/>
+          </a:prstGeom>
+          <a:ln w="57150">
+            <a:solidFill>
+              <a:srgbClr val="C00000"/>
+            </a:solidFill>
+            <a:tailEnd type="triangle"/>
+          </a:ln>
+        </p:spPr>
+        <p:style>
+          <a:lnRef idx="1">
+            <a:schemeClr val="accent1"/>
+          </a:lnRef>
+          <a:fillRef idx="0">
+            <a:schemeClr val="accent1"/>
+          </a:fillRef>
+          <a:effectRef idx="0">
+            <a:schemeClr val="accent1"/>
+          </a:effectRef>
+          <a:fontRef idx="minor">
+            <a:schemeClr val="tx1"/>
+          </a:fontRef>
+        </p:style>
+      </p:cxnSp>
+      <p:cxnSp>
+        <p:nvCxnSpPr>
+          <p:cNvPr id="13" name="직선 화살표 연결선 12">
+            <a:extLst>
+              <a:ext uri="{FF2B5EF4-FFF2-40B4-BE49-F238E27FC236}">
+                <a16:creationId xmlns:a16="http://schemas.microsoft.com/office/drawing/2014/main" id="{19FA2E94-DE07-1892-2002-244A4DB66D9E}"/>
+              </a:ext>
+            </a:extLst>
+          </p:cNvPr>
+          <p:cNvCxnSpPr>
+            <a:cxnSpLocks/>
+            <a:stCxn id="3" idx="3"/>
+          </p:cNvCxnSpPr>
+          <p:nvPr/>
+        </p:nvCxnSpPr>
+        <p:spPr>
+          <a:xfrm flipV="1">
+            <a:off x="6815141" y="2600325"/>
+            <a:ext cx="963285" cy="36878"/>
+          </a:xfrm>
+          <a:prstGeom prst="straightConnector1">
+            <a:avLst/>
+          </a:prstGeom>
+          <a:ln w="57150">
+            <a:solidFill>
+              <a:srgbClr val="C00000"/>
+            </a:solidFill>
+            <a:tailEnd type="triangle"/>
+          </a:ln>
+        </p:spPr>
+        <p:style>
+          <a:lnRef idx="1">
+            <a:schemeClr val="accent1"/>
+          </a:lnRef>
+          <a:fillRef idx="0">
+            <a:schemeClr val="accent1"/>
+          </a:fillRef>
+          <a:effectRef idx="0">
+            <a:schemeClr val="accent1"/>
+          </a:effectRef>
+          <a:fontRef idx="minor">
+            <a:schemeClr val="tx1"/>
+          </a:fontRef>
+        </p:style>
+      </p:cxnSp>
+      <p:sp>
+        <p:nvSpPr>
+          <p:cNvPr id="15" name="TextBox 14">
+            <a:extLst>
+              <a:ext uri="{FF2B5EF4-FFF2-40B4-BE49-F238E27FC236}">
+                <a16:creationId xmlns:a16="http://schemas.microsoft.com/office/drawing/2014/main" id="{E5B972EB-C663-D662-D022-B8F837E05ACE}"/>
+              </a:ext>
+            </a:extLst>
+          </p:cNvPr>
+          <p:cNvSpPr txBox="1"/>
+          <p:nvPr/>
+        </p:nvSpPr>
+        <p:spPr>
+          <a:xfrm>
+            <a:off x="942975" y="4181475"/>
+            <a:ext cx="10715625" cy="646331"/>
+          </a:xfrm>
+          <a:prstGeom prst="rect">
+            <a:avLst/>
+          </a:prstGeom>
+          <a:noFill/>
+        </p:spPr>
+        <p:txBody>
+          <a:bodyPr wrap="square" rtlCol="0">
+            <a:spAutoFit/>
+          </a:bodyPr>
+          <a:lstStyle/>
+          <a:p>
+            <a:r>
+              <a:rPr lang="ko-KR" altLang="en-US" dirty="0"/>
+              <a:t>장애물을 </a:t>
+            </a:r>
+            <a:r>
+              <a:rPr lang="ko-KR" altLang="en-US" dirty="0" err="1"/>
+              <a:t>프리팹으로</a:t>
+            </a:r>
+            <a:r>
+              <a:rPr lang="ko-KR" altLang="en-US" dirty="0"/>
+              <a:t> 제작하여 시간이 일정 시간이 지나면 장애물이 생성되고 장애물을 맞으면 체력이 달면서 이펙트가 나오도록 설계</a:t>
             </a:r>
           </a:p>
         </p:txBody>
@@ -6416,7 +6750,7 @@
           <p:cNvPr id="7" name="그림 6">
             <a:extLst>
               <a:ext uri="{FF2B5EF4-FFF2-40B4-BE49-F238E27FC236}">
-                <a16:creationId xmlns:a16="http://schemas.microsoft.com/office/drawing/2014/main" id="{E4ECB108-857B-0979-9221-B455FB7A0C0F}"/>
+                <a16:creationId xmlns:a16="http://schemas.microsoft.com/office/drawing/2014/main" id="{33F0FFB8-6221-0E55-D355-C500A2E87FAC}"/>
               </a:ext>
             </a:extLst>
           </p:cNvPr>
@@ -6433,8 +6767,8 @@
         </p:blipFill>
         <p:spPr>
           <a:xfrm>
-            <a:off x="542115" y="1162049"/>
-            <a:ext cx="2621305" cy="5419725"/>
+            <a:off x="804413" y="1147412"/>
+            <a:ext cx="1786387" cy="5424838"/>
           </a:xfrm>
           <a:prstGeom prst="rect">
             <a:avLst/>
@@ -6446,7 +6780,7 @@
           <p:cNvPr id="8" name="직사각형 7">
             <a:extLst>
               <a:ext uri="{FF2B5EF4-FFF2-40B4-BE49-F238E27FC236}">
-                <a16:creationId xmlns:a16="http://schemas.microsoft.com/office/drawing/2014/main" id="{C34930C1-D934-144E-7892-9F9EE4751FE9}"/>
+                <a16:creationId xmlns:a16="http://schemas.microsoft.com/office/drawing/2014/main" id="{892A3247-076B-DD5B-69A6-17BE768F7B32}"/>
               </a:ext>
             </a:extLst>
           </p:cNvPr>
@@ -6455,8 +6789,8 @@
         </p:nvSpPr>
         <p:spPr>
           <a:xfrm>
-            <a:off x="1924050" y="5143499"/>
-            <a:ext cx="1239370" cy="1133475"/>
+            <a:off x="804413" y="4986337"/>
+            <a:ext cx="1786387" cy="481014"/>
           </a:xfrm>
           <a:prstGeom prst="rect">
             <a:avLst/>
@@ -6493,24 +6827,106 @@
           </a:p>
         </p:txBody>
       </p:sp>
+      <p:sp>
+        <p:nvSpPr>
+          <p:cNvPr id="9" name="TextBox 8">
+            <a:extLst>
+              <a:ext uri="{FF2B5EF4-FFF2-40B4-BE49-F238E27FC236}">
+                <a16:creationId xmlns:a16="http://schemas.microsoft.com/office/drawing/2014/main" id="{DABE5E72-F00B-6B3C-5EF6-A4CE168E8B91}"/>
+              </a:ext>
+            </a:extLst>
+          </p:cNvPr>
+          <p:cNvSpPr txBox="1"/>
+          <p:nvPr/>
+        </p:nvSpPr>
+        <p:spPr>
+          <a:xfrm>
+            <a:off x="600075" y="600075"/>
+            <a:ext cx="2476500" cy="369332"/>
+          </a:xfrm>
+          <a:prstGeom prst="rect">
+            <a:avLst/>
+          </a:prstGeom>
+          <a:noFill/>
+        </p:spPr>
+        <p:txBody>
+          <a:bodyPr wrap="square" rtlCol="0">
+            <a:spAutoFit/>
+          </a:bodyPr>
+          <a:lstStyle/>
+          <a:p>
+            <a:r>
+              <a:rPr lang="ko-KR" altLang="en-US" b="1" dirty="0"/>
+              <a:t>캐릭터</a:t>
+            </a:r>
+            <a:r>
+              <a:rPr lang="ko-KR" altLang="en-US" dirty="0"/>
+              <a:t> </a:t>
+            </a:r>
+          </a:p>
+        </p:txBody>
+      </p:sp>
+      <p:sp>
+        <p:nvSpPr>
+          <p:cNvPr id="10" name="TextBox 9">
+            <a:extLst>
+              <a:ext uri="{FF2B5EF4-FFF2-40B4-BE49-F238E27FC236}">
+                <a16:creationId xmlns:a16="http://schemas.microsoft.com/office/drawing/2014/main" id="{C9698709-B2D0-57FE-E962-90DFE9E89C7A}"/>
+              </a:ext>
+            </a:extLst>
+          </p:cNvPr>
+          <p:cNvSpPr txBox="1"/>
+          <p:nvPr/>
+        </p:nvSpPr>
+        <p:spPr>
+          <a:xfrm>
+            <a:off x="4455876" y="2729573"/>
+            <a:ext cx="3647265" cy="923330"/>
+          </a:xfrm>
+          <a:prstGeom prst="rect">
+            <a:avLst/>
+          </a:prstGeom>
+          <a:noFill/>
+        </p:spPr>
+        <p:txBody>
+          <a:bodyPr wrap="square" rtlCol="0">
+            <a:spAutoFit/>
+          </a:bodyPr>
+          <a:lstStyle/>
+          <a:p>
+            <a:r>
+              <a:rPr lang="ko-KR" altLang="en-US" dirty="0"/>
+              <a:t>캐릭터 위 아래로 움직이지 못하게 하거나 돌아가는 것을 방지하기 </a:t>
+            </a:r>
+            <a:endParaRPr lang="en-US" altLang="ko-KR" dirty="0"/>
+          </a:p>
+          <a:p>
+            <a:r>
+              <a:rPr lang="ko-KR" altLang="en-US" dirty="0"/>
+              <a:t>위한 옵션</a:t>
+            </a:r>
+          </a:p>
+        </p:txBody>
+      </p:sp>
       <p:cxnSp>
         <p:nvCxnSpPr>
-          <p:cNvPr id="10" name="직선 화살표 연결선 9">
-            <a:extLst>
-              <a:ext uri="{FF2B5EF4-FFF2-40B4-BE49-F238E27FC236}">
-                <a16:creationId xmlns:a16="http://schemas.microsoft.com/office/drawing/2014/main" id="{895FD0F8-AE3A-4F4E-6E46-660FAD46B7FA}"/>
+          <p:cNvPr id="11" name="직선 화살표 연결선 10">
+            <a:extLst>
+              <a:ext uri="{FF2B5EF4-FFF2-40B4-BE49-F238E27FC236}">
+                <a16:creationId xmlns:a16="http://schemas.microsoft.com/office/drawing/2014/main" id="{A284D78A-21E6-0FFF-55A3-0F6BA6136D7F}"/>
               </a:ext>
             </a:extLst>
           </p:cNvPr>
           <p:cNvCxnSpPr>
             <a:cxnSpLocks/>
+            <a:stCxn id="8" idx="3"/>
           </p:cNvCxnSpPr>
           <p:nvPr/>
         </p:nvCxnSpPr>
         <p:spPr>
-          <a:xfrm flipH="1" flipV="1">
-            <a:off x="1762125" y="2362200"/>
-            <a:ext cx="781610" cy="2781299"/>
+          <a:xfrm flipV="1">
+            <a:off x="2590800" y="3279913"/>
+            <a:ext cx="1752600" cy="1946931"/>
           </a:xfrm>
           <a:prstGeom prst="straightConnector1">
             <a:avLst/>
@@ -6537,266 +6953,10 @@
           </a:fontRef>
         </p:style>
       </p:cxnSp>
-      <p:sp>
-        <p:nvSpPr>
-          <p:cNvPr id="13" name="TextBox 12">
-            <a:extLst>
-              <a:ext uri="{FF2B5EF4-FFF2-40B4-BE49-F238E27FC236}">
-                <a16:creationId xmlns:a16="http://schemas.microsoft.com/office/drawing/2014/main" id="{1EF18F7C-2FD5-4499-E639-99F2A9F5D4FF}"/>
-              </a:ext>
-            </a:extLst>
-          </p:cNvPr>
-          <p:cNvSpPr txBox="1"/>
-          <p:nvPr/>
-        </p:nvSpPr>
-        <p:spPr>
-          <a:xfrm>
-            <a:off x="3238500" y="1228725"/>
-            <a:ext cx="7191375" cy="646331"/>
-          </a:xfrm>
-          <a:prstGeom prst="rect">
-            <a:avLst/>
-          </a:prstGeom>
-          <a:noFill/>
-        </p:spPr>
-        <p:txBody>
-          <a:bodyPr wrap="square" rtlCol="0">
-            <a:spAutoFit/>
-          </a:bodyPr>
-          <a:lstStyle/>
-          <a:p>
-            <a:r>
-              <a:rPr lang="ko-KR" altLang="en-US" dirty="0"/>
-              <a:t>이미지들을 묶어서 </a:t>
-            </a:r>
-            <a:r>
-              <a:rPr lang="en-US" altLang="ko-KR" dirty="0" err="1"/>
-              <a:t>Hirerarchy</a:t>
-            </a:r>
-            <a:r>
-              <a:rPr lang="ko-KR" altLang="en-US" dirty="0"/>
-              <a:t>에 드래그 앤 드랍 하면 이미지와 애니메이션 </a:t>
-            </a:r>
-            <a:r>
-              <a:rPr lang="ko-KR" altLang="en-US" dirty="0" err="1"/>
-              <a:t>애니메이터가</a:t>
-            </a:r>
-            <a:r>
-              <a:rPr lang="ko-KR" altLang="en-US" dirty="0"/>
-              <a:t> 자동으로 제작됨 </a:t>
-            </a:r>
-          </a:p>
-        </p:txBody>
-      </p:sp>
-      <p:sp>
-        <p:nvSpPr>
-          <p:cNvPr id="14" name="TextBox 13">
-            <a:extLst>
-              <a:ext uri="{FF2B5EF4-FFF2-40B4-BE49-F238E27FC236}">
-                <a16:creationId xmlns:a16="http://schemas.microsoft.com/office/drawing/2014/main" id="{BF14BED3-20C7-7DE6-649D-7A6454F5437B}"/>
-              </a:ext>
-            </a:extLst>
-          </p:cNvPr>
-          <p:cNvSpPr txBox="1"/>
-          <p:nvPr/>
-        </p:nvSpPr>
-        <p:spPr>
-          <a:xfrm>
-            <a:off x="504015" y="602219"/>
-            <a:ext cx="3248835" cy="369332"/>
-          </a:xfrm>
-          <a:prstGeom prst="rect">
-            <a:avLst/>
-          </a:prstGeom>
-          <a:noFill/>
-        </p:spPr>
-        <p:txBody>
-          <a:bodyPr wrap="square" rtlCol="0">
-            <a:spAutoFit/>
-          </a:bodyPr>
-          <a:lstStyle/>
-          <a:p>
-            <a:r>
-              <a:rPr lang="ko-KR" altLang="en-US" b="1" dirty="0"/>
-              <a:t>애니메이션</a:t>
-            </a:r>
-          </a:p>
-        </p:txBody>
-      </p:sp>
-      <p:pic>
-        <p:nvPicPr>
-          <p:cNvPr id="3" name="그림 2">
-            <a:extLst>
-              <a:ext uri="{FF2B5EF4-FFF2-40B4-BE49-F238E27FC236}">
-                <a16:creationId xmlns:a16="http://schemas.microsoft.com/office/drawing/2014/main" id="{01759584-FDA1-7897-25F2-972AC3D9BD52}"/>
-              </a:ext>
-            </a:extLst>
-          </p:cNvPr>
-          <p:cNvPicPr>
-            <a:picLocks noChangeAspect="1"/>
-          </p:cNvPicPr>
-          <p:nvPr/>
-        </p:nvPicPr>
-        <p:blipFill>
-          <a:blip r:embed="rId3"/>
-          <a:stretch>
-            <a:fillRect/>
-          </a:stretch>
-        </p:blipFill>
-        <p:spPr>
-          <a:xfrm>
-            <a:off x="3395440" y="3095137"/>
-            <a:ext cx="3191320" cy="3486637"/>
-          </a:xfrm>
-          <a:prstGeom prst="rect">
-            <a:avLst/>
-          </a:prstGeom>
-        </p:spPr>
-      </p:pic>
-      <p:sp>
-        <p:nvSpPr>
-          <p:cNvPr id="5" name="직사각형 4">
-            <a:extLst>
-              <a:ext uri="{FF2B5EF4-FFF2-40B4-BE49-F238E27FC236}">
-                <a16:creationId xmlns:a16="http://schemas.microsoft.com/office/drawing/2014/main" id="{ABEAB51F-0E27-BC3E-6E4E-162AC38F3122}"/>
-              </a:ext>
-            </a:extLst>
-          </p:cNvPr>
-          <p:cNvSpPr/>
-          <p:nvPr/>
-        </p:nvSpPr>
-        <p:spPr>
-          <a:xfrm>
-            <a:off x="3395439" y="3871911"/>
-            <a:ext cx="1871885" cy="566739"/>
-          </a:xfrm>
-          <a:prstGeom prst="rect">
-            <a:avLst/>
-          </a:prstGeom>
-          <a:noFill/>
-          <a:ln w="57150">
-            <a:solidFill>
-              <a:srgbClr val="C00000"/>
-            </a:solidFill>
-          </a:ln>
-        </p:spPr>
-        <p:style>
-          <a:lnRef idx="2">
-            <a:schemeClr val="accent1">
-              <a:shade val="15000"/>
-            </a:schemeClr>
-          </a:lnRef>
-          <a:fillRef idx="1">
-            <a:schemeClr val="accent1"/>
-          </a:fillRef>
-          <a:effectRef idx="0">
-            <a:schemeClr val="accent1"/>
-          </a:effectRef>
-          <a:fontRef idx="minor">
-            <a:schemeClr val="lt1"/>
-          </a:fontRef>
-        </p:style>
-        <p:txBody>
-          <a:bodyPr rtlCol="0" anchor="ctr"/>
-          <a:lstStyle/>
-          <a:p>
-            <a:pPr algn="ctr"/>
-            <a:endParaRPr lang="ko-KR" altLang="en-US"/>
-          </a:p>
-        </p:txBody>
-      </p:sp>
-      <p:cxnSp>
-        <p:nvCxnSpPr>
-          <p:cNvPr id="6" name="직선 화살표 연결선 5">
-            <a:extLst>
-              <a:ext uri="{FF2B5EF4-FFF2-40B4-BE49-F238E27FC236}">
-                <a16:creationId xmlns:a16="http://schemas.microsoft.com/office/drawing/2014/main" id="{E29A5EC8-7CFB-70C3-E0C8-208A71A6D25B}"/>
-              </a:ext>
-            </a:extLst>
-          </p:cNvPr>
-          <p:cNvCxnSpPr>
-            <a:cxnSpLocks/>
-            <a:stCxn id="5" idx="3"/>
-          </p:cNvCxnSpPr>
-          <p:nvPr/>
-        </p:nvCxnSpPr>
-        <p:spPr>
-          <a:xfrm>
-            <a:off x="5267324" y="4155281"/>
-            <a:ext cx="3147102" cy="606028"/>
-          </a:xfrm>
-          <a:prstGeom prst="straightConnector1">
-            <a:avLst/>
-          </a:prstGeom>
-          <a:ln w="57150">
-            <a:solidFill>
-              <a:srgbClr val="C00000"/>
-            </a:solidFill>
-            <a:tailEnd type="triangle"/>
-          </a:ln>
-        </p:spPr>
-        <p:style>
-          <a:lnRef idx="1">
-            <a:schemeClr val="accent1"/>
-          </a:lnRef>
-          <a:fillRef idx="0">
-            <a:schemeClr val="accent1"/>
-          </a:fillRef>
-          <a:effectRef idx="0">
-            <a:schemeClr val="accent1"/>
-          </a:effectRef>
-          <a:fontRef idx="minor">
-            <a:schemeClr val="tx1"/>
-          </a:fontRef>
-        </p:style>
-      </p:cxnSp>
-      <p:sp>
-        <p:nvSpPr>
-          <p:cNvPr id="12" name="TextBox 11">
-            <a:extLst>
-              <a:ext uri="{FF2B5EF4-FFF2-40B4-BE49-F238E27FC236}">
-                <a16:creationId xmlns:a16="http://schemas.microsoft.com/office/drawing/2014/main" id="{D91E0C0C-93AA-EC8E-F196-197F182C9CB4}"/>
-              </a:ext>
-            </a:extLst>
-          </p:cNvPr>
-          <p:cNvSpPr txBox="1"/>
-          <p:nvPr/>
-        </p:nvSpPr>
-        <p:spPr>
-          <a:xfrm>
-            <a:off x="7437809" y="4860013"/>
-            <a:ext cx="4212076" cy="369332"/>
-          </a:xfrm>
-          <a:prstGeom prst="rect">
-            <a:avLst/>
-          </a:prstGeom>
-          <a:noFill/>
-        </p:spPr>
-        <p:txBody>
-          <a:bodyPr wrap="square" rtlCol="0">
-            <a:spAutoFit/>
-          </a:bodyPr>
-          <a:lstStyle/>
-          <a:p>
-            <a:r>
-              <a:rPr lang="ko-KR" altLang="en-US" dirty="0"/>
-              <a:t>새로운 </a:t>
-            </a:r>
-            <a:r>
-              <a:rPr lang="en-US" altLang="ko-KR" dirty="0"/>
-              <a:t>animation clip </a:t>
-            </a:r>
-            <a:r>
-              <a:rPr lang="ko-KR" altLang="en-US" dirty="0"/>
-              <a:t>제작 가능</a:t>
-            </a:r>
-          </a:p>
-        </p:txBody>
-      </p:sp>
     </p:spTree>
     <p:extLst>
       <p:ext uri="{BB962C8B-B14F-4D97-AF65-F5344CB8AC3E}">
-        <p14:creationId xmlns:p14="http://schemas.microsoft.com/office/powerpoint/2010/main" val="2261106642"/>
+        <p14:creationId xmlns:p14="http://schemas.microsoft.com/office/powerpoint/2010/main" val="2342294549"/>
       </p:ext>
     </p:extLst>
   </p:cSld>
@@ -6825,10 +6985,10 @@
       </p:grpSpPr>
       <p:pic>
         <p:nvPicPr>
-          <p:cNvPr id="5" name="그림 4">
-            <a:extLst>
-              <a:ext uri="{FF2B5EF4-FFF2-40B4-BE49-F238E27FC236}">
-                <a16:creationId xmlns:a16="http://schemas.microsoft.com/office/drawing/2014/main" id="{C273BA2A-6C99-AA01-2AF5-A803B2A2D361}"/>
+          <p:cNvPr id="7" name="그림 6">
+            <a:extLst>
+              <a:ext uri="{FF2B5EF4-FFF2-40B4-BE49-F238E27FC236}">
+                <a16:creationId xmlns:a16="http://schemas.microsoft.com/office/drawing/2014/main" id="{E4ECB108-857B-0979-9221-B455FB7A0C0F}"/>
               </a:ext>
             </a:extLst>
           </p:cNvPr>
@@ -6845,8 +7005,8 @@
         </p:blipFill>
         <p:spPr>
           <a:xfrm>
-            <a:off x="352425" y="1235794"/>
-            <a:ext cx="8524875" cy="4386411"/>
+            <a:off x="542115" y="1162049"/>
+            <a:ext cx="2621305" cy="5419725"/>
           </a:xfrm>
           <a:prstGeom prst="rect">
             <a:avLst/>
@@ -6855,10 +7015,10 @@
       </p:pic>
       <p:sp>
         <p:nvSpPr>
-          <p:cNvPr id="6" name="직사각형 5">
-            <a:extLst>
-              <a:ext uri="{FF2B5EF4-FFF2-40B4-BE49-F238E27FC236}">
-                <a16:creationId xmlns:a16="http://schemas.microsoft.com/office/drawing/2014/main" id="{230F11E4-BD36-7686-EBB1-F3DDF6979EA5}"/>
+          <p:cNvPr id="8" name="직사각형 7">
+            <a:extLst>
+              <a:ext uri="{FF2B5EF4-FFF2-40B4-BE49-F238E27FC236}">
+                <a16:creationId xmlns:a16="http://schemas.microsoft.com/office/drawing/2014/main" id="{C34930C1-D934-144E-7892-9F9EE4751FE9}"/>
               </a:ext>
             </a:extLst>
           </p:cNvPr>
@@ -6867,8 +7027,8 @@
         </p:nvSpPr>
         <p:spPr>
           <a:xfrm>
-            <a:off x="6881589" y="3938586"/>
-            <a:ext cx="967011" cy="871539"/>
+            <a:off x="1924050" y="5143499"/>
+            <a:ext cx="1239370" cy="1133475"/>
           </a:xfrm>
           <a:prstGeom prst="rect">
             <a:avLst/>
@@ -6907,23 +7067,22 @@
       </p:sp>
       <p:cxnSp>
         <p:nvCxnSpPr>
-          <p:cNvPr id="7" name="직선 화살표 연결선 6">
-            <a:extLst>
-              <a:ext uri="{FF2B5EF4-FFF2-40B4-BE49-F238E27FC236}">
-                <a16:creationId xmlns:a16="http://schemas.microsoft.com/office/drawing/2014/main" id="{267EAD1C-664A-AAF1-DA0A-E518DB30B40F}"/>
+          <p:cNvPr id="10" name="직선 화살표 연결선 9">
+            <a:extLst>
+              <a:ext uri="{FF2B5EF4-FFF2-40B4-BE49-F238E27FC236}">
+                <a16:creationId xmlns:a16="http://schemas.microsoft.com/office/drawing/2014/main" id="{895FD0F8-AE3A-4F4E-6E46-660FAD46B7FA}"/>
               </a:ext>
             </a:extLst>
           </p:cNvPr>
           <p:cNvCxnSpPr>
             <a:cxnSpLocks/>
-            <a:stCxn id="6" idx="3"/>
           </p:cNvCxnSpPr>
           <p:nvPr/>
         </p:nvCxnSpPr>
         <p:spPr>
-          <a:xfrm>
-            <a:off x="7848600" y="4374356"/>
-            <a:ext cx="1809750" cy="692944"/>
+          <a:xfrm flipH="1" flipV="1">
+            <a:off x="1762125" y="2362200"/>
+            <a:ext cx="781610" cy="2781299"/>
           </a:xfrm>
           <a:prstGeom prst="straightConnector1">
             <a:avLst/>
@@ -6952,10 +7111,126 @@
       </p:cxnSp>
       <p:sp>
         <p:nvSpPr>
-          <p:cNvPr id="10" name="직사각형 9">
-            <a:extLst>
-              <a:ext uri="{FF2B5EF4-FFF2-40B4-BE49-F238E27FC236}">
-                <a16:creationId xmlns:a16="http://schemas.microsoft.com/office/drawing/2014/main" id="{0F2BF010-DB42-4C49-84DC-E2090E2E92B8}"/>
+          <p:cNvPr id="13" name="TextBox 12">
+            <a:extLst>
+              <a:ext uri="{FF2B5EF4-FFF2-40B4-BE49-F238E27FC236}">
+                <a16:creationId xmlns:a16="http://schemas.microsoft.com/office/drawing/2014/main" id="{1EF18F7C-2FD5-4499-E639-99F2A9F5D4FF}"/>
+              </a:ext>
+            </a:extLst>
+          </p:cNvPr>
+          <p:cNvSpPr txBox="1"/>
+          <p:nvPr/>
+        </p:nvSpPr>
+        <p:spPr>
+          <a:xfrm>
+            <a:off x="3238500" y="1228725"/>
+            <a:ext cx="7191375" cy="646331"/>
+          </a:xfrm>
+          <a:prstGeom prst="rect">
+            <a:avLst/>
+          </a:prstGeom>
+          <a:noFill/>
+        </p:spPr>
+        <p:txBody>
+          <a:bodyPr wrap="square" rtlCol="0">
+            <a:spAutoFit/>
+          </a:bodyPr>
+          <a:lstStyle/>
+          <a:p>
+            <a:r>
+              <a:rPr lang="ko-KR" altLang="en-US" dirty="0"/>
+              <a:t>이미지들을 묶어서 </a:t>
+            </a:r>
+            <a:r>
+              <a:rPr lang="en-US" altLang="ko-KR" dirty="0" err="1"/>
+              <a:t>Hirerarchy</a:t>
+            </a:r>
+            <a:r>
+              <a:rPr lang="ko-KR" altLang="en-US" dirty="0"/>
+              <a:t>에 드래그 앤 드랍 하면 이미지와 애니메이션 </a:t>
+            </a:r>
+            <a:r>
+              <a:rPr lang="ko-KR" altLang="en-US" dirty="0" err="1"/>
+              <a:t>애니메이터가</a:t>
+            </a:r>
+            <a:r>
+              <a:rPr lang="ko-KR" altLang="en-US" dirty="0"/>
+              <a:t> 자동으로 제작됨 </a:t>
+            </a:r>
+          </a:p>
+        </p:txBody>
+      </p:sp>
+      <p:sp>
+        <p:nvSpPr>
+          <p:cNvPr id="14" name="TextBox 13">
+            <a:extLst>
+              <a:ext uri="{FF2B5EF4-FFF2-40B4-BE49-F238E27FC236}">
+                <a16:creationId xmlns:a16="http://schemas.microsoft.com/office/drawing/2014/main" id="{BF14BED3-20C7-7DE6-649D-7A6454F5437B}"/>
+              </a:ext>
+            </a:extLst>
+          </p:cNvPr>
+          <p:cNvSpPr txBox="1"/>
+          <p:nvPr/>
+        </p:nvSpPr>
+        <p:spPr>
+          <a:xfrm>
+            <a:off x="504015" y="602219"/>
+            <a:ext cx="3248835" cy="369332"/>
+          </a:xfrm>
+          <a:prstGeom prst="rect">
+            <a:avLst/>
+          </a:prstGeom>
+          <a:noFill/>
+        </p:spPr>
+        <p:txBody>
+          <a:bodyPr wrap="square" rtlCol="0">
+            <a:spAutoFit/>
+          </a:bodyPr>
+          <a:lstStyle/>
+          <a:p>
+            <a:r>
+              <a:rPr lang="ko-KR" altLang="en-US" b="1" dirty="0"/>
+              <a:t>애니메이션</a:t>
+            </a:r>
+          </a:p>
+        </p:txBody>
+      </p:sp>
+      <p:pic>
+        <p:nvPicPr>
+          <p:cNvPr id="3" name="그림 2">
+            <a:extLst>
+              <a:ext uri="{FF2B5EF4-FFF2-40B4-BE49-F238E27FC236}">
+                <a16:creationId xmlns:a16="http://schemas.microsoft.com/office/drawing/2014/main" id="{01759584-FDA1-7897-25F2-972AC3D9BD52}"/>
+              </a:ext>
+            </a:extLst>
+          </p:cNvPr>
+          <p:cNvPicPr>
+            <a:picLocks noChangeAspect="1"/>
+          </p:cNvPicPr>
+          <p:nvPr/>
+        </p:nvPicPr>
+        <p:blipFill>
+          <a:blip r:embed="rId3"/>
+          <a:stretch>
+            <a:fillRect/>
+          </a:stretch>
+        </p:blipFill>
+        <p:spPr>
+          <a:xfrm>
+            <a:off x="3395440" y="3095137"/>
+            <a:ext cx="3191320" cy="3486637"/>
+          </a:xfrm>
+          <a:prstGeom prst="rect">
+            <a:avLst/>
+          </a:prstGeom>
+        </p:spPr>
+      </p:pic>
+      <p:sp>
+        <p:nvSpPr>
+          <p:cNvPr id="5" name="직사각형 4">
+            <a:extLst>
+              <a:ext uri="{FF2B5EF4-FFF2-40B4-BE49-F238E27FC236}">
+                <a16:creationId xmlns:a16="http://schemas.microsoft.com/office/drawing/2014/main" id="{ABEAB51F-0E27-BC3E-6E4E-162AC38F3122}"/>
               </a:ext>
             </a:extLst>
           </p:cNvPr>
@@ -6964,8 +7239,8 @@
         </p:nvSpPr>
         <p:spPr>
           <a:xfrm>
-            <a:off x="6205315" y="1695450"/>
-            <a:ext cx="852710" cy="133350"/>
+            <a:off x="3395439" y="3871911"/>
+            <a:ext cx="1871885" cy="566739"/>
           </a:xfrm>
           <a:prstGeom prst="rect">
             <a:avLst/>
@@ -7002,159 +7277,25 @@
           </a:p>
         </p:txBody>
       </p:sp>
-      <p:sp>
-        <p:nvSpPr>
-          <p:cNvPr id="11" name="TextBox 10">
-            <a:extLst>
-              <a:ext uri="{FF2B5EF4-FFF2-40B4-BE49-F238E27FC236}">
-                <a16:creationId xmlns:a16="http://schemas.microsoft.com/office/drawing/2014/main" id="{ECA651C2-D802-F33A-418B-3C08F25C11A0}"/>
-              </a:ext>
-            </a:extLst>
-          </p:cNvPr>
-          <p:cNvSpPr txBox="1"/>
-          <p:nvPr/>
-        </p:nvSpPr>
-        <p:spPr>
-          <a:xfrm>
-            <a:off x="6534150" y="5688643"/>
-            <a:ext cx="5467350" cy="923330"/>
-          </a:xfrm>
-          <a:prstGeom prst="rect">
-            <a:avLst/>
-          </a:prstGeom>
-          <a:noFill/>
-        </p:spPr>
-        <p:txBody>
-          <a:bodyPr wrap="square" rtlCol="0">
-            <a:spAutoFit/>
-          </a:bodyPr>
-          <a:lstStyle/>
-          <a:p>
-            <a:r>
-              <a:rPr lang="en-US" altLang="ko-KR" dirty="0"/>
-              <a:t>Project </a:t>
-            </a:r>
-            <a:r>
-              <a:rPr lang="ko-KR" altLang="en-US" dirty="0"/>
-              <a:t>파일에서 </a:t>
-            </a:r>
-            <a:r>
-              <a:rPr lang="en-US" altLang="ko-KR" dirty="0"/>
-              <a:t>animation clip</a:t>
-            </a:r>
-            <a:r>
-              <a:rPr lang="ko-KR" altLang="en-US" dirty="0"/>
-              <a:t> 만들고 해당 </a:t>
-            </a:r>
-            <a:r>
-              <a:rPr lang="en-US" altLang="ko-KR" dirty="0"/>
-              <a:t>clip</a:t>
-            </a:r>
-            <a:r>
-              <a:rPr lang="ko-KR" altLang="en-US" dirty="0"/>
-              <a:t>을 누르고 </a:t>
-            </a:r>
-            <a:r>
-              <a:rPr lang="en-US" altLang="ko-KR" dirty="0"/>
-              <a:t>animator </a:t>
-            </a:r>
-            <a:r>
-              <a:rPr lang="ko-KR" altLang="en-US" dirty="0"/>
-              <a:t>컴포넌트가 붙어있는 </a:t>
-            </a:r>
-            <a:r>
-              <a:rPr lang="en-US" altLang="ko-KR" dirty="0"/>
-              <a:t>Game </a:t>
-            </a:r>
-            <a:r>
-              <a:rPr lang="en-US" altLang="ko-KR" dirty="0" err="1"/>
-              <a:t>objec</a:t>
-            </a:r>
-            <a:r>
-              <a:rPr lang="ko-KR" altLang="en-US" dirty="0"/>
-              <a:t>를  드래그 앤 드롭 </a:t>
-            </a:r>
-            <a:r>
-              <a:rPr lang="en-US" altLang="ko-KR" dirty="0"/>
-              <a:t>animation </a:t>
-            </a:r>
-            <a:r>
-              <a:rPr lang="ko-KR" altLang="en-US" dirty="0"/>
-              <a:t>제작 가능 </a:t>
-            </a:r>
-          </a:p>
-        </p:txBody>
-      </p:sp>
-      <p:sp>
-        <p:nvSpPr>
-          <p:cNvPr id="12" name="직사각형 11">
-            <a:extLst>
-              <a:ext uri="{FF2B5EF4-FFF2-40B4-BE49-F238E27FC236}">
-                <a16:creationId xmlns:a16="http://schemas.microsoft.com/office/drawing/2014/main" id="{7772BD45-6A36-8B13-BFAC-10722507BC55}"/>
-              </a:ext>
-            </a:extLst>
-          </p:cNvPr>
-          <p:cNvSpPr/>
-          <p:nvPr/>
-        </p:nvSpPr>
-        <p:spPr>
-          <a:xfrm>
-            <a:off x="352425" y="3832621"/>
-            <a:ext cx="5600700" cy="1776414"/>
-          </a:xfrm>
-          <a:prstGeom prst="rect">
-            <a:avLst/>
-          </a:prstGeom>
-          <a:noFill/>
-          <a:ln w="57150">
-            <a:solidFill>
-              <a:srgbClr val="C00000"/>
-            </a:solidFill>
-          </a:ln>
-        </p:spPr>
-        <p:style>
-          <a:lnRef idx="2">
-            <a:schemeClr val="accent1">
-              <a:shade val="15000"/>
-            </a:schemeClr>
-          </a:lnRef>
-          <a:fillRef idx="1">
-            <a:schemeClr val="accent1"/>
-          </a:fillRef>
-          <a:effectRef idx="0">
-            <a:schemeClr val="accent1"/>
-          </a:effectRef>
-          <a:fontRef idx="minor">
-            <a:schemeClr val="lt1"/>
-          </a:fontRef>
-        </p:style>
-        <p:txBody>
-          <a:bodyPr rtlCol="0" anchor="ctr"/>
-          <a:lstStyle/>
-          <a:p>
-            <a:pPr algn="ctr"/>
-            <a:endParaRPr lang="ko-KR" altLang="en-US"/>
-          </a:p>
-        </p:txBody>
-      </p:sp>
       <p:cxnSp>
         <p:nvCxnSpPr>
-          <p:cNvPr id="13" name="직선 화살표 연결선 12">
-            <a:extLst>
-              <a:ext uri="{FF2B5EF4-FFF2-40B4-BE49-F238E27FC236}">
-                <a16:creationId xmlns:a16="http://schemas.microsoft.com/office/drawing/2014/main" id="{C7B2CF8E-F248-E82F-0E57-B94B65D40045}"/>
+          <p:cNvPr id="6" name="직선 화살표 연결선 5">
+            <a:extLst>
+              <a:ext uri="{FF2B5EF4-FFF2-40B4-BE49-F238E27FC236}">
+                <a16:creationId xmlns:a16="http://schemas.microsoft.com/office/drawing/2014/main" id="{E29A5EC8-7CFB-70C3-E0C8-208A71A6D25B}"/>
               </a:ext>
             </a:extLst>
           </p:cNvPr>
           <p:cNvCxnSpPr>
             <a:cxnSpLocks/>
+            <a:stCxn id="5" idx="3"/>
           </p:cNvCxnSpPr>
           <p:nvPr/>
         </p:nvCxnSpPr>
         <p:spPr>
-          <a:xfrm flipH="1">
-            <a:off x="2790825" y="5067300"/>
-            <a:ext cx="180975" cy="1083008"/>
+          <a:xfrm>
+            <a:off x="5267324" y="4155281"/>
+            <a:ext cx="3147102" cy="606028"/>
           </a:xfrm>
           <a:prstGeom prst="straightConnector1">
             <a:avLst/>
@@ -7183,10 +7324,10 @@
       </p:cxnSp>
       <p:sp>
         <p:nvSpPr>
-          <p:cNvPr id="16" name="TextBox 15">
-            <a:extLst>
-              <a:ext uri="{FF2B5EF4-FFF2-40B4-BE49-F238E27FC236}">
-                <a16:creationId xmlns:a16="http://schemas.microsoft.com/office/drawing/2014/main" id="{5EAFD933-53C9-DBA1-3949-199B39541E7A}"/>
+          <p:cNvPr id="12" name="TextBox 11">
+            <a:extLst>
+              <a:ext uri="{FF2B5EF4-FFF2-40B4-BE49-F238E27FC236}">
+                <a16:creationId xmlns:a16="http://schemas.microsoft.com/office/drawing/2014/main" id="{D91E0C0C-93AA-EC8E-F196-197F182C9CB4}"/>
               </a:ext>
             </a:extLst>
           </p:cNvPr>
@@ -7195,8 +7336,8 @@
         </p:nvSpPr>
         <p:spPr>
           <a:xfrm>
-            <a:off x="1571625" y="6150308"/>
-            <a:ext cx="3771900" cy="646331"/>
+            <a:off x="7437809" y="4860013"/>
+            <a:ext cx="4212076" cy="369332"/>
           </a:xfrm>
           <a:prstGeom prst="rect">
             <a:avLst/>
@@ -7210,51 +7351,16 @@
           <a:lstStyle/>
           <a:p>
             <a:r>
+              <a:rPr lang="ko-KR" altLang="en-US" dirty="0"/>
+              <a:t>새로운 </a:t>
+            </a:r>
+            <a:r>
               <a:rPr lang="en-US" altLang="ko-KR" dirty="0"/>
-              <a:t>Animation</a:t>
+              <a:t>animation clip </a:t>
             </a:r>
             <a:r>
               <a:rPr lang="ko-KR" altLang="en-US" dirty="0"/>
-              <a:t> 창</a:t>
-            </a:r>
-            <a:endParaRPr lang="en-US" altLang="ko-KR" dirty="0"/>
-          </a:p>
-          <a:p>
-            <a:endParaRPr lang="ko-KR" altLang="en-US" dirty="0"/>
-          </a:p>
-        </p:txBody>
-      </p:sp>
-      <p:sp>
-        <p:nvSpPr>
-          <p:cNvPr id="17" name="TextBox 16">
-            <a:extLst>
-              <a:ext uri="{FF2B5EF4-FFF2-40B4-BE49-F238E27FC236}">
-                <a16:creationId xmlns:a16="http://schemas.microsoft.com/office/drawing/2014/main" id="{AE8C5A25-E38A-B5DD-DAE2-AF9A02173F09}"/>
-              </a:ext>
-            </a:extLst>
-          </p:cNvPr>
-          <p:cNvSpPr txBox="1"/>
-          <p:nvPr/>
-        </p:nvSpPr>
-        <p:spPr>
-          <a:xfrm>
-            <a:off x="504015" y="602219"/>
-            <a:ext cx="3248835" cy="369332"/>
-          </a:xfrm>
-          <a:prstGeom prst="rect">
-            <a:avLst/>
-          </a:prstGeom>
-          <a:noFill/>
-        </p:spPr>
-        <p:txBody>
-          <a:bodyPr wrap="square" rtlCol="0">
-            <a:spAutoFit/>
-          </a:bodyPr>
-          <a:lstStyle/>
-          <a:p>
-            <a:r>
-              <a:rPr lang="ko-KR" altLang="en-US" b="1" dirty="0"/>
-              <a:t>애니메이션</a:t>
+              <a:t>제작 가능</a:t>
             </a:r>
           </a:p>
         </p:txBody>
@@ -7262,7 +7368,7 @@
     </p:spTree>
     <p:extLst>
       <p:ext uri="{BB962C8B-B14F-4D97-AF65-F5344CB8AC3E}">
-        <p14:creationId xmlns:p14="http://schemas.microsoft.com/office/powerpoint/2010/main" val="2915316881"/>
+        <p14:creationId xmlns:p14="http://schemas.microsoft.com/office/powerpoint/2010/main" val="2261106642"/>
       </p:ext>
     </p:extLst>
   </p:cSld>
@@ -7294,7 +7400,7 @@
           <p:cNvPr id="5" name="그림 4">
             <a:extLst>
               <a:ext uri="{FF2B5EF4-FFF2-40B4-BE49-F238E27FC236}">
-                <a16:creationId xmlns:a16="http://schemas.microsoft.com/office/drawing/2014/main" id="{E0D45F94-812D-5AD1-696E-53DD93DAB343}"/>
+                <a16:creationId xmlns:a16="http://schemas.microsoft.com/office/drawing/2014/main" id="{C273BA2A-6C99-AA01-2AF5-A803B2A2D361}"/>
               </a:ext>
             </a:extLst>
           </p:cNvPr>
@@ -7311,8 +7417,8 @@
         </p:blipFill>
         <p:spPr>
           <a:xfrm>
-            <a:off x="113465" y="1076327"/>
-            <a:ext cx="7613069" cy="2466974"/>
+            <a:off x="352425" y="1235794"/>
+            <a:ext cx="8524875" cy="4386411"/>
           </a:xfrm>
           <a:prstGeom prst="rect">
             <a:avLst/>
@@ -7324,7 +7430,7 @@
           <p:cNvPr id="6" name="직사각형 5">
             <a:extLst>
               <a:ext uri="{FF2B5EF4-FFF2-40B4-BE49-F238E27FC236}">
-                <a16:creationId xmlns:a16="http://schemas.microsoft.com/office/drawing/2014/main" id="{AFB232CB-0F23-71E7-3AEB-5EEA471D6DC6}"/>
+                <a16:creationId xmlns:a16="http://schemas.microsoft.com/office/drawing/2014/main" id="{230F11E4-BD36-7686-EBB1-F3DDF6979EA5}"/>
               </a:ext>
             </a:extLst>
           </p:cNvPr>
@@ -7333,8 +7439,8 @@
         </p:nvSpPr>
         <p:spPr>
           <a:xfrm>
-            <a:off x="399240" y="1190625"/>
-            <a:ext cx="209550" cy="209550"/>
+            <a:off x="6881589" y="3938586"/>
+            <a:ext cx="967011" cy="871539"/>
           </a:xfrm>
           <a:prstGeom prst="rect">
             <a:avLst/>
@@ -7376,20 +7482,20 @@
           <p:cNvPr id="7" name="직선 화살표 연결선 6">
             <a:extLst>
               <a:ext uri="{FF2B5EF4-FFF2-40B4-BE49-F238E27FC236}">
-                <a16:creationId xmlns:a16="http://schemas.microsoft.com/office/drawing/2014/main" id="{1973FED4-FED8-86FD-61AF-CDF02A9808A2}"/>
+                <a16:creationId xmlns:a16="http://schemas.microsoft.com/office/drawing/2014/main" id="{267EAD1C-664A-AAF1-DA0A-E518DB30B40F}"/>
               </a:ext>
             </a:extLst>
           </p:cNvPr>
           <p:cNvCxnSpPr>
             <a:cxnSpLocks/>
-            <a:stCxn id="6" idx="2"/>
+            <a:stCxn id="6" idx="3"/>
           </p:cNvCxnSpPr>
           <p:nvPr/>
         </p:nvCxnSpPr>
         <p:spPr>
           <a:xfrm>
-            <a:off x="504015" y="1400175"/>
-            <a:ext cx="1809750" cy="3914775"/>
+            <a:off x="7848600" y="4374356"/>
+            <a:ext cx="1809750" cy="692944"/>
           </a:xfrm>
           <a:prstGeom prst="straightConnector1">
             <a:avLst/>
@@ -7418,10 +7524,62 @@
       </p:cxnSp>
       <p:sp>
         <p:nvSpPr>
-          <p:cNvPr id="10" name="TextBox 9">
-            <a:extLst>
-              <a:ext uri="{FF2B5EF4-FFF2-40B4-BE49-F238E27FC236}">
-                <a16:creationId xmlns:a16="http://schemas.microsoft.com/office/drawing/2014/main" id="{B6DF2A27-F127-07F7-4B5B-20DF34CE8CF3}"/>
+          <p:cNvPr id="10" name="직사각형 9">
+            <a:extLst>
+              <a:ext uri="{FF2B5EF4-FFF2-40B4-BE49-F238E27FC236}">
+                <a16:creationId xmlns:a16="http://schemas.microsoft.com/office/drawing/2014/main" id="{0F2BF010-DB42-4C49-84DC-E2090E2E92B8}"/>
+              </a:ext>
+            </a:extLst>
+          </p:cNvPr>
+          <p:cNvSpPr/>
+          <p:nvPr/>
+        </p:nvSpPr>
+        <p:spPr>
+          <a:xfrm>
+            <a:off x="6205315" y="1695450"/>
+            <a:ext cx="852710" cy="133350"/>
+          </a:xfrm>
+          <a:prstGeom prst="rect">
+            <a:avLst/>
+          </a:prstGeom>
+          <a:noFill/>
+          <a:ln w="57150">
+            <a:solidFill>
+              <a:srgbClr val="C00000"/>
+            </a:solidFill>
+          </a:ln>
+        </p:spPr>
+        <p:style>
+          <a:lnRef idx="2">
+            <a:schemeClr val="accent1">
+              <a:shade val="15000"/>
+            </a:schemeClr>
+          </a:lnRef>
+          <a:fillRef idx="1">
+            <a:schemeClr val="accent1"/>
+          </a:fillRef>
+          <a:effectRef idx="0">
+            <a:schemeClr val="accent1"/>
+          </a:effectRef>
+          <a:fontRef idx="minor">
+            <a:schemeClr val="lt1"/>
+          </a:fontRef>
+        </p:style>
+        <p:txBody>
+          <a:bodyPr rtlCol="0" anchor="ctr"/>
+          <a:lstStyle/>
+          <a:p>
+            <a:pPr algn="ctr"/>
+            <a:endParaRPr lang="ko-KR" altLang="en-US"/>
+          </a:p>
+        </p:txBody>
+      </p:sp>
+      <p:sp>
+        <p:nvSpPr>
+          <p:cNvPr id="11" name="TextBox 10">
+            <a:extLst>
+              <a:ext uri="{FF2B5EF4-FFF2-40B4-BE49-F238E27FC236}">
+                <a16:creationId xmlns:a16="http://schemas.microsoft.com/office/drawing/2014/main" id="{ECA651C2-D802-F33A-418B-3C08F25C11A0}"/>
               </a:ext>
             </a:extLst>
           </p:cNvPr>
@@ -7430,8 +7588,8 @@
         </p:nvSpPr>
         <p:spPr>
           <a:xfrm>
-            <a:off x="113465" y="5543550"/>
-            <a:ext cx="5163385" cy="923330"/>
+            <a:off x="6534150" y="5688643"/>
+            <a:ext cx="5467350" cy="923330"/>
           </a:xfrm>
           <a:prstGeom prst="rect">
             <a:avLst/>
@@ -7445,114 +7603,118 @@
           <a:lstStyle/>
           <a:p>
             <a:r>
+              <a:rPr lang="en-US" altLang="ko-KR" dirty="0"/>
+              <a:t>Project </a:t>
+            </a:r>
+            <a:r>
               <a:rPr lang="ko-KR" altLang="en-US" dirty="0"/>
-              <a:t>누르면 </a:t>
+              <a:t>파일에서 </a:t>
             </a:r>
             <a:r>
               <a:rPr lang="en-US" altLang="ko-KR" dirty="0"/>
-              <a:t>record </a:t>
+              <a:t>animation clip</a:t>
             </a:r>
             <a:r>
               <a:rPr lang="ko-KR" altLang="en-US" dirty="0"/>
-              <a:t>모드로 전환되어 해당 </a:t>
+              <a:t> 만들고 해당 </a:t>
             </a:r>
             <a:r>
               <a:rPr lang="en-US" altLang="ko-KR" dirty="0"/>
-              <a:t>Game object Inspector </a:t>
+              <a:t>clip</a:t>
             </a:r>
             <a:r>
               <a:rPr lang="ko-KR" altLang="en-US" dirty="0"/>
-              <a:t>창의 변경 사항이 </a:t>
+              <a:t>을 누르고 </a:t>
             </a:r>
             <a:r>
               <a:rPr lang="en-US" altLang="ko-KR" dirty="0"/>
-              <a:t>animation</a:t>
+              <a:t>animator </a:t>
             </a:r>
             <a:r>
               <a:rPr lang="ko-KR" altLang="en-US" dirty="0"/>
-              <a:t>창에</a:t>
-            </a:r>
-            <a:endParaRPr lang="en-US" altLang="ko-KR" dirty="0"/>
-          </a:p>
-          <a:p>
+              <a:t>컴포넌트가 붙어있는 </a:t>
+            </a:r>
+            <a:r>
+              <a:rPr lang="en-US" altLang="ko-KR" dirty="0"/>
+              <a:t>Game </a:t>
+            </a:r>
+            <a:r>
+              <a:rPr lang="en-US" altLang="ko-KR" dirty="0" err="1"/>
+              <a:t>objec</a:t>
+            </a:r>
             <a:r>
               <a:rPr lang="ko-KR" altLang="en-US" dirty="0"/>
-              <a:t>저장됨</a:t>
-            </a:r>
-          </a:p>
-        </p:txBody>
-      </p:sp>
-      <p:sp>
-        <p:nvSpPr>
-          <p:cNvPr id="11" name="TextBox 10">
-            <a:extLst>
-              <a:ext uri="{FF2B5EF4-FFF2-40B4-BE49-F238E27FC236}">
-                <a16:creationId xmlns:a16="http://schemas.microsoft.com/office/drawing/2014/main" id="{EA7D65E2-6FD2-8635-CB59-EF1AB6CED081}"/>
-              </a:ext>
-            </a:extLst>
-          </p:cNvPr>
-          <p:cNvSpPr txBox="1"/>
+              <a:t>를  드래그 앤 드롭 </a:t>
+            </a:r>
+            <a:r>
+              <a:rPr lang="en-US" altLang="ko-KR" dirty="0"/>
+              <a:t>animation </a:t>
+            </a:r>
+            <a:r>
+              <a:rPr lang="ko-KR" altLang="en-US" dirty="0"/>
+              <a:t>제작 가능 </a:t>
+            </a:r>
+          </a:p>
+        </p:txBody>
+      </p:sp>
+      <p:sp>
+        <p:nvSpPr>
+          <p:cNvPr id="12" name="직사각형 11">
+            <a:extLst>
+              <a:ext uri="{FF2B5EF4-FFF2-40B4-BE49-F238E27FC236}">
+                <a16:creationId xmlns:a16="http://schemas.microsoft.com/office/drawing/2014/main" id="{7772BD45-6A36-8B13-BFAC-10722507BC55}"/>
+              </a:ext>
+            </a:extLst>
+          </p:cNvPr>
+          <p:cNvSpPr/>
           <p:nvPr/>
         </p:nvSpPr>
         <p:spPr>
           <a:xfrm>
-            <a:off x="504015" y="602219"/>
-            <a:ext cx="3248835" cy="369332"/>
+            <a:off x="352425" y="3832621"/>
+            <a:ext cx="5600700" cy="1776414"/>
           </a:xfrm>
           <a:prstGeom prst="rect">
             <a:avLst/>
           </a:prstGeom>
           <a:noFill/>
-        </p:spPr>
-        <p:txBody>
-          <a:bodyPr wrap="square" rtlCol="0">
-            <a:spAutoFit/>
-          </a:bodyPr>
-          <a:lstStyle/>
-          <a:p>
-            <a:r>
-              <a:rPr lang="ko-KR" altLang="en-US" b="1" dirty="0"/>
-              <a:t>애니메이션</a:t>
-            </a:r>
-          </a:p>
-        </p:txBody>
-      </p:sp>
-      <p:pic>
-        <p:nvPicPr>
-          <p:cNvPr id="13" name="그림 12">
-            <a:extLst>
-              <a:ext uri="{FF2B5EF4-FFF2-40B4-BE49-F238E27FC236}">
-                <a16:creationId xmlns:a16="http://schemas.microsoft.com/office/drawing/2014/main" id="{AC8AFC15-E2C4-23C1-3AB9-0A066C25F9F8}"/>
-              </a:ext>
-            </a:extLst>
-          </p:cNvPr>
-          <p:cNvPicPr>
-            <a:picLocks noChangeAspect="1"/>
-          </p:cNvPicPr>
-          <p:nvPr/>
-        </p:nvPicPr>
-        <p:blipFill>
-          <a:blip r:embed="rId3"/>
-          <a:stretch>
-            <a:fillRect/>
-          </a:stretch>
-        </p:blipFill>
-        <p:spPr>
-          <a:xfrm>
-            <a:off x="8201027" y="3085033"/>
-            <a:ext cx="3324689" cy="3381847"/>
-          </a:xfrm>
-          <a:prstGeom prst="rect">
-            <a:avLst/>
-          </a:prstGeom>
-        </p:spPr>
-      </p:pic>
+          <a:ln w="57150">
+            <a:solidFill>
+              <a:srgbClr val="C00000"/>
+            </a:solidFill>
+          </a:ln>
+        </p:spPr>
+        <p:style>
+          <a:lnRef idx="2">
+            <a:schemeClr val="accent1">
+              <a:shade val="15000"/>
+            </a:schemeClr>
+          </a:lnRef>
+          <a:fillRef idx="1">
+            <a:schemeClr val="accent1"/>
+          </a:fillRef>
+          <a:effectRef idx="0">
+            <a:schemeClr val="accent1"/>
+          </a:effectRef>
+          <a:fontRef idx="minor">
+            <a:schemeClr val="lt1"/>
+          </a:fontRef>
+        </p:style>
+        <p:txBody>
+          <a:bodyPr rtlCol="0" anchor="ctr"/>
+          <a:lstStyle/>
+          <a:p>
+            <a:pPr algn="ctr"/>
+            <a:endParaRPr lang="ko-KR" altLang="en-US"/>
+          </a:p>
+        </p:txBody>
+      </p:sp>
       <p:cxnSp>
         <p:nvCxnSpPr>
-          <p:cNvPr id="14" name="직선 화살표 연결선 13">
-            <a:extLst>
-              <a:ext uri="{FF2B5EF4-FFF2-40B4-BE49-F238E27FC236}">
-                <a16:creationId xmlns:a16="http://schemas.microsoft.com/office/drawing/2014/main" id="{DC53E204-637A-F2A0-8FAC-B920314416FC}"/>
+          <p:cNvPr id="13" name="직선 화살표 연결선 12">
+            <a:extLst>
+              <a:ext uri="{FF2B5EF4-FFF2-40B4-BE49-F238E27FC236}">
+                <a16:creationId xmlns:a16="http://schemas.microsoft.com/office/drawing/2014/main" id="{C7B2CF8E-F248-E82F-0E57-B94B65D40045}"/>
               </a:ext>
             </a:extLst>
           </p:cNvPr>
@@ -7562,9 +7724,9 @@
           <p:nvPr/>
         </p:nvCxnSpPr>
         <p:spPr>
-          <a:xfrm flipV="1">
-            <a:off x="4352925" y="3962400"/>
-            <a:ext cx="3943350" cy="1562100"/>
+          <a:xfrm flipH="1">
+            <a:off x="2790825" y="5067300"/>
+            <a:ext cx="180975" cy="1083008"/>
           </a:xfrm>
           <a:prstGeom prst="straightConnector1">
             <a:avLst/>
@@ -7591,10 +7753,88 @@
           </a:fontRef>
         </p:style>
       </p:cxnSp>
+      <p:sp>
+        <p:nvSpPr>
+          <p:cNvPr id="16" name="TextBox 15">
+            <a:extLst>
+              <a:ext uri="{FF2B5EF4-FFF2-40B4-BE49-F238E27FC236}">
+                <a16:creationId xmlns:a16="http://schemas.microsoft.com/office/drawing/2014/main" id="{5EAFD933-53C9-DBA1-3949-199B39541E7A}"/>
+              </a:ext>
+            </a:extLst>
+          </p:cNvPr>
+          <p:cNvSpPr txBox="1"/>
+          <p:nvPr/>
+        </p:nvSpPr>
+        <p:spPr>
+          <a:xfrm>
+            <a:off x="1571625" y="6150308"/>
+            <a:ext cx="3771900" cy="646331"/>
+          </a:xfrm>
+          <a:prstGeom prst="rect">
+            <a:avLst/>
+          </a:prstGeom>
+          <a:noFill/>
+        </p:spPr>
+        <p:txBody>
+          <a:bodyPr wrap="square" rtlCol="0">
+            <a:spAutoFit/>
+          </a:bodyPr>
+          <a:lstStyle/>
+          <a:p>
+            <a:r>
+              <a:rPr lang="en-US" altLang="ko-KR" dirty="0"/>
+              <a:t>Animation</a:t>
+            </a:r>
+            <a:r>
+              <a:rPr lang="ko-KR" altLang="en-US" dirty="0"/>
+              <a:t> 창</a:t>
+            </a:r>
+            <a:endParaRPr lang="en-US" altLang="ko-KR" dirty="0"/>
+          </a:p>
+          <a:p>
+            <a:endParaRPr lang="ko-KR" altLang="en-US" dirty="0"/>
+          </a:p>
+        </p:txBody>
+      </p:sp>
+      <p:sp>
+        <p:nvSpPr>
+          <p:cNvPr id="17" name="TextBox 16">
+            <a:extLst>
+              <a:ext uri="{FF2B5EF4-FFF2-40B4-BE49-F238E27FC236}">
+                <a16:creationId xmlns:a16="http://schemas.microsoft.com/office/drawing/2014/main" id="{AE8C5A25-E38A-B5DD-DAE2-AF9A02173F09}"/>
+              </a:ext>
+            </a:extLst>
+          </p:cNvPr>
+          <p:cNvSpPr txBox="1"/>
+          <p:nvPr/>
+        </p:nvSpPr>
+        <p:spPr>
+          <a:xfrm>
+            <a:off x="504015" y="602219"/>
+            <a:ext cx="3248835" cy="369332"/>
+          </a:xfrm>
+          <a:prstGeom prst="rect">
+            <a:avLst/>
+          </a:prstGeom>
+          <a:noFill/>
+        </p:spPr>
+        <p:txBody>
+          <a:bodyPr wrap="square" rtlCol="0">
+            <a:spAutoFit/>
+          </a:bodyPr>
+          <a:lstStyle/>
+          <a:p>
+            <a:r>
+              <a:rPr lang="ko-KR" altLang="en-US" b="1" dirty="0"/>
+              <a:t>애니메이션</a:t>
+            </a:r>
+          </a:p>
+        </p:txBody>
+      </p:sp>
     </p:spTree>
     <p:extLst>
       <p:ext uri="{BB962C8B-B14F-4D97-AF65-F5344CB8AC3E}">
-        <p14:creationId xmlns:p14="http://schemas.microsoft.com/office/powerpoint/2010/main" val="2582996086"/>
+        <p14:creationId xmlns:p14="http://schemas.microsoft.com/office/powerpoint/2010/main" val="2915316881"/>
       </p:ext>
     </p:extLst>
   </p:cSld>
@@ -7626,7 +7866,7 @@
           <p:cNvPr id="5" name="그림 4">
             <a:extLst>
               <a:ext uri="{FF2B5EF4-FFF2-40B4-BE49-F238E27FC236}">
-                <a16:creationId xmlns:a16="http://schemas.microsoft.com/office/drawing/2014/main" id="{A19A16EB-1F35-C062-4237-9806503D4505}"/>
+                <a16:creationId xmlns:a16="http://schemas.microsoft.com/office/drawing/2014/main" id="{E0D45F94-812D-5AD1-696E-53DD93DAB343}"/>
               </a:ext>
             </a:extLst>
           </p:cNvPr>
@@ -7643,20 +7883,218 @@
         </p:blipFill>
         <p:spPr>
           <a:xfrm>
-            <a:off x="332888" y="1266470"/>
-            <a:ext cx="5582137" cy="4072215"/>
+            <a:off x="113465" y="1076327"/>
+            <a:ext cx="7613069" cy="2466974"/>
           </a:xfrm>
           <a:prstGeom prst="rect">
             <a:avLst/>
           </a:prstGeom>
         </p:spPr>
       </p:pic>
+      <p:sp>
+        <p:nvSpPr>
+          <p:cNvPr id="6" name="직사각형 5">
+            <a:extLst>
+              <a:ext uri="{FF2B5EF4-FFF2-40B4-BE49-F238E27FC236}">
+                <a16:creationId xmlns:a16="http://schemas.microsoft.com/office/drawing/2014/main" id="{AFB232CB-0F23-71E7-3AEB-5EEA471D6DC6}"/>
+              </a:ext>
+            </a:extLst>
+          </p:cNvPr>
+          <p:cNvSpPr/>
+          <p:nvPr/>
+        </p:nvSpPr>
+        <p:spPr>
+          <a:xfrm>
+            <a:off x="399240" y="1190625"/>
+            <a:ext cx="209550" cy="209550"/>
+          </a:xfrm>
+          <a:prstGeom prst="rect">
+            <a:avLst/>
+          </a:prstGeom>
+          <a:noFill/>
+          <a:ln w="57150">
+            <a:solidFill>
+              <a:srgbClr val="C00000"/>
+            </a:solidFill>
+          </a:ln>
+        </p:spPr>
+        <p:style>
+          <a:lnRef idx="2">
+            <a:schemeClr val="accent1">
+              <a:shade val="15000"/>
+            </a:schemeClr>
+          </a:lnRef>
+          <a:fillRef idx="1">
+            <a:schemeClr val="accent1"/>
+          </a:fillRef>
+          <a:effectRef idx="0">
+            <a:schemeClr val="accent1"/>
+          </a:effectRef>
+          <a:fontRef idx="minor">
+            <a:schemeClr val="lt1"/>
+          </a:fontRef>
+        </p:style>
+        <p:txBody>
+          <a:bodyPr rtlCol="0" anchor="ctr"/>
+          <a:lstStyle/>
+          <a:p>
+            <a:pPr algn="ctr"/>
+            <a:endParaRPr lang="ko-KR" altLang="en-US"/>
+          </a:p>
+        </p:txBody>
+      </p:sp>
+      <p:cxnSp>
+        <p:nvCxnSpPr>
+          <p:cNvPr id="7" name="직선 화살표 연결선 6">
+            <a:extLst>
+              <a:ext uri="{FF2B5EF4-FFF2-40B4-BE49-F238E27FC236}">
+                <a16:creationId xmlns:a16="http://schemas.microsoft.com/office/drawing/2014/main" id="{1973FED4-FED8-86FD-61AF-CDF02A9808A2}"/>
+              </a:ext>
+            </a:extLst>
+          </p:cNvPr>
+          <p:cNvCxnSpPr>
+            <a:cxnSpLocks/>
+            <a:stCxn id="6" idx="2"/>
+          </p:cNvCxnSpPr>
+          <p:nvPr/>
+        </p:nvCxnSpPr>
+        <p:spPr>
+          <a:xfrm>
+            <a:off x="504015" y="1400175"/>
+            <a:ext cx="1809750" cy="3914775"/>
+          </a:xfrm>
+          <a:prstGeom prst="straightConnector1">
+            <a:avLst/>
+          </a:prstGeom>
+          <a:ln w="57150">
+            <a:solidFill>
+              <a:srgbClr val="C00000"/>
+            </a:solidFill>
+            <a:tailEnd type="triangle"/>
+          </a:ln>
+        </p:spPr>
+        <p:style>
+          <a:lnRef idx="1">
+            <a:schemeClr val="accent1"/>
+          </a:lnRef>
+          <a:fillRef idx="0">
+            <a:schemeClr val="accent1"/>
+          </a:fillRef>
+          <a:effectRef idx="0">
+            <a:schemeClr val="accent1"/>
+          </a:effectRef>
+          <a:fontRef idx="minor">
+            <a:schemeClr val="tx1"/>
+          </a:fontRef>
+        </p:style>
+      </p:cxnSp>
+      <p:sp>
+        <p:nvSpPr>
+          <p:cNvPr id="10" name="TextBox 9">
+            <a:extLst>
+              <a:ext uri="{FF2B5EF4-FFF2-40B4-BE49-F238E27FC236}">
+                <a16:creationId xmlns:a16="http://schemas.microsoft.com/office/drawing/2014/main" id="{B6DF2A27-F127-07F7-4B5B-20DF34CE8CF3}"/>
+              </a:ext>
+            </a:extLst>
+          </p:cNvPr>
+          <p:cNvSpPr txBox="1"/>
+          <p:nvPr/>
+        </p:nvSpPr>
+        <p:spPr>
+          <a:xfrm>
+            <a:off x="113465" y="5543550"/>
+            <a:ext cx="5163385" cy="923330"/>
+          </a:xfrm>
+          <a:prstGeom prst="rect">
+            <a:avLst/>
+          </a:prstGeom>
+          <a:noFill/>
+        </p:spPr>
+        <p:txBody>
+          <a:bodyPr wrap="square" rtlCol="0">
+            <a:spAutoFit/>
+          </a:bodyPr>
+          <a:lstStyle/>
+          <a:p>
+            <a:r>
+              <a:rPr lang="ko-KR" altLang="en-US" dirty="0"/>
+              <a:t>누르면 </a:t>
+            </a:r>
+            <a:r>
+              <a:rPr lang="en-US" altLang="ko-KR" dirty="0"/>
+              <a:t>record </a:t>
+            </a:r>
+            <a:r>
+              <a:rPr lang="ko-KR" altLang="en-US" dirty="0"/>
+              <a:t>모드로 전환되어 해당 </a:t>
+            </a:r>
+            <a:r>
+              <a:rPr lang="en-US" altLang="ko-KR" dirty="0"/>
+              <a:t>Game object Inspector </a:t>
+            </a:r>
+            <a:r>
+              <a:rPr lang="ko-KR" altLang="en-US" dirty="0"/>
+              <a:t>창의 변경 사항이 </a:t>
+            </a:r>
+            <a:r>
+              <a:rPr lang="en-US" altLang="ko-KR" dirty="0"/>
+              <a:t>animation</a:t>
+            </a:r>
+            <a:r>
+              <a:rPr lang="ko-KR" altLang="en-US" dirty="0"/>
+              <a:t>창에</a:t>
+            </a:r>
+            <a:endParaRPr lang="en-US" altLang="ko-KR" dirty="0"/>
+          </a:p>
+          <a:p>
+            <a:r>
+              <a:rPr lang="ko-KR" altLang="en-US" dirty="0"/>
+              <a:t>저장됨</a:t>
+            </a:r>
+          </a:p>
+        </p:txBody>
+      </p:sp>
+      <p:sp>
+        <p:nvSpPr>
+          <p:cNvPr id="11" name="TextBox 10">
+            <a:extLst>
+              <a:ext uri="{FF2B5EF4-FFF2-40B4-BE49-F238E27FC236}">
+                <a16:creationId xmlns:a16="http://schemas.microsoft.com/office/drawing/2014/main" id="{EA7D65E2-6FD2-8635-CB59-EF1AB6CED081}"/>
+              </a:ext>
+            </a:extLst>
+          </p:cNvPr>
+          <p:cNvSpPr txBox="1"/>
+          <p:nvPr/>
+        </p:nvSpPr>
+        <p:spPr>
+          <a:xfrm>
+            <a:off x="504015" y="602219"/>
+            <a:ext cx="3248835" cy="369332"/>
+          </a:xfrm>
+          <a:prstGeom prst="rect">
+            <a:avLst/>
+          </a:prstGeom>
+          <a:noFill/>
+        </p:spPr>
+        <p:txBody>
+          <a:bodyPr wrap="square" rtlCol="0">
+            <a:spAutoFit/>
+          </a:bodyPr>
+          <a:lstStyle/>
+          <a:p>
+            <a:r>
+              <a:rPr lang="ko-KR" altLang="en-US" b="1" dirty="0"/>
+              <a:t>애니메이션</a:t>
+            </a:r>
+          </a:p>
+        </p:txBody>
+      </p:sp>
       <p:pic>
         <p:nvPicPr>
-          <p:cNvPr id="7" name="그림 6">
-            <a:extLst>
-              <a:ext uri="{FF2B5EF4-FFF2-40B4-BE49-F238E27FC236}">
-                <a16:creationId xmlns:a16="http://schemas.microsoft.com/office/drawing/2014/main" id="{41303993-EB1E-1849-52E6-9168FBCF74FD}"/>
+          <p:cNvPr id="13" name="그림 12">
+            <a:extLst>
+              <a:ext uri="{FF2B5EF4-FFF2-40B4-BE49-F238E27FC236}">
+                <a16:creationId xmlns:a16="http://schemas.microsoft.com/office/drawing/2014/main" id="{AC8AFC15-E2C4-23C1-3AB9-0A066C25F9F8}"/>
               </a:ext>
             </a:extLst>
           </p:cNvPr>
@@ -7673,124 +8111,20 @@
         </p:blipFill>
         <p:spPr>
           <a:xfrm>
-            <a:off x="6096000" y="1404697"/>
-            <a:ext cx="5528015" cy="3843578"/>
+            <a:off x="8201027" y="3085033"/>
+            <a:ext cx="3324689" cy="3381847"/>
           </a:xfrm>
           <a:prstGeom prst="rect">
             <a:avLst/>
           </a:prstGeom>
         </p:spPr>
       </p:pic>
-      <p:sp>
-        <p:nvSpPr>
-          <p:cNvPr id="8" name="직사각형 7">
-            <a:extLst>
-              <a:ext uri="{FF2B5EF4-FFF2-40B4-BE49-F238E27FC236}">
-                <a16:creationId xmlns:a16="http://schemas.microsoft.com/office/drawing/2014/main" id="{938BBE79-3A10-C382-ED22-6C8465C23E22}"/>
-              </a:ext>
-            </a:extLst>
-          </p:cNvPr>
-          <p:cNvSpPr/>
-          <p:nvPr/>
-        </p:nvSpPr>
-        <p:spPr>
-          <a:xfrm>
-            <a:off x="742950" y="1414539"/>
-            <a:ext cx="571499" cy="233285"/>
-          </a:xfrm>
-          <a:prstGeom prst="rect">
-            <a:avLst/>
-          </a:prstGeom>
-          <a:noFill/>
-          <a:ln w="57150">
-            <a:solidFill>
-              <a:srgbClr val="C00000"/>
-            </a:solidFill>
-          </a:ln>
-        </p:spPr>
-        <p:style>
-          <a:lnRef idx="2">
-            <a:schemeClr val="accent1">
-              <a:shade val="15000"/>
-            </a:schemeClr>
-          </a:lnRef>
-          <a:fillRef idx="1">
-            <a:schemeClr val="accent1"/>
-          </a:fillRef>
-          <a:effectRef idx="0">
-            <a:schemeClr val="accent1"/>
-          </a:effectRef>
-          <a:fontRef idx="minor">
-            <a:schemeClr val="lt1"/>
-          </a:fontRef>
-        </p:style>
-        <p:txBody>
-          <a:bodyPr rtlCol="0" anchor="ctr"/>
-          <a:lstStyle/>
-          <a:p>
-            <a:pPr algn="ctr"/>
-            <a:endParaRPr lang="ko-KR" altLang="en-US"/>
-          </a:p>
-        </p:txBody>
-      </p:sp>
-      <p:sp>
-        <p:nvSpPr>
-          <p:cNvPr id="9" name="직사각형 8">
-            <a:extLst>
-              <a:ext uri="{FF2B5EF4-FFF2-40B4-BE49-F238E27FC236}">
-                <a16:creationId xmlns:a16="http://schemas.microsoft.com/office/drawing/2014/main" id="{DD61B149-810D-BA1D-5948-5995379BE047}"/>
-              </a:ext>
-            </a:extLst>
-          </p:cNvPr>
-          <p:cNvSpPr/>
-          <p:nvPr/>
-        </p:nvSpPr>
-        <p:spPr>
-          <a:xfrm>
-            <a:off x="6896100" y="1609725"/>
-            <a:ext cx="257175" cy="219075"/>
-          </a:xfrm>
-          <a:prstGeom prst="rect">
-            <a:avLst/>
-          </a:prstGeom>
-          <a:noFill/>
-          <a:ln w="57150">
-            <a:solidFill>
-              <a:srgbClr val="C00000"/>
-            </a:solidFill>
-          </a:ln>
-        </p:spPr>
-        <p:style>
-          <a:lnRef idx="2">
-            <a:schemeClr val="accent1">
-              <a:shade val="15000"/>
-            </a:schemeClr>
-          </a:lnRef>
-          <a:fillRef idx="1">
-            <a:schemeClr val="accent1"/>
-          </a:fillRef>
-          <a:effectRef idx="0">
-            <a:schemeClr val="accent1"/>
-          </a:effectRef>
-          <a:fontRef idx="minor">
-            <a:schemeClr val="lt1"/>
-          </a:fontRef>
-        </p:style>
-        <p:txBody>
-          <a:bodyPr rtlCol="0" anchor="ctr"/>
-          <a:lstStyle/>
-          <a:p>
-            <a:pPr algn="ctr"/>
-            <a:endParaRPr lang="ko-KR" altLang="en-US"/>
-          </a:p>
-        </p:txBody>
-      </p:sp>
       <p:cxnSp>
         <p:nvCxnSpPr>
-          <p:cNvPr id="11" name="직선 화살표 연결선 10">
-            <a:extLst>
-              <a:ext uri="{FF2B5EF4-FFF2-40B4-BE49-F238E27FC236}">
-                <a16:creationId xmlns:a16="http://schemas.microsoft.com/office/drawing/2014/main" id="{3AC129E6-63B8-17C7-E239-962D22D82F3B}"/>
+          <p:cNvPr id="14" name="직선 화살표 연결선 13">
+            <a:extLst>
+              <a:ext uri="{FF2B5EF4-FFF2-40B4-BE49-F238E27FC236}">
+                <a16:creationId xmlns:a16="http://schemas.microsoft.com/office/drawing/2014/main" id="{DC53E204-637A-F2A0-8FAC-B920314416FC}"/>
               </a:ext>
             </a:extLst>
           </p:cNvPr>
@@ -7800,9 +8134,9 @@
           <p:nvPr/>
         </p:nvCxnSpPr>
         <p:spPr>
-          <a:xfrm>
-            <a:off x="1314449" y="1609725"/>
-            <a:ext cx="5581651" cy="109537"/>
+          <a:xfrm flipV="1">
+            <a:off x="4352925" y="3962400"/>
+            <a:ext cx="3943350" cy="1562100"/>
           </a:xfrm>
           <a:prstGeom prst="straightConnector1">
             <a:avLst/>
@@ -7829,137 +8163,10 @@
           </a:fontRef>
         </p:style>
       </p:cxnSp>
-      <p:cxnSp>
-        <p:nvCxnSpPr>
-          <p:cNvPr id="14" name="직선 화살표 연결선 13">
-            <a:extLst>
-              <a:ext uri="{FF2B5EF4-FFF2-40B4-BE49-F238E27FC236}">
-                <a16:creationId xmlns:a16="http://schemas.microsoft.com/office/drawing/2014/main" id="{3871DAA3-1640-E0D2-30C3-D70DEA729F5B}"/>
-              </a:ext>
-            </a:extLst>
-          </p:cNvPr>
-          <p:cNvCxnSpPr>
-            <a:cxnSpLocks/>
-          </p:cNvCxnSpPr>
-          <p:nvPr/>
-        </p:nvCxnSpPr>
-        <p:spPr>
-          <a:xfrm flipH="1">
-            <a:off x="4200525" y="1828800"/>
-            <a:ext cx="2824162" cy="3762730"/>
-          </a:xfrm>
-          <a:prstGeom prst="straightConnector1">
-            <a:avLst/>
-          </a:prstGeom>
-          <a:ln w="57150">
-            <a:solidFill>
-              <a:srgbClr val="C00000"/>
-            </a:solidFill>
-            <a:tailEnd type="triangle"/>
-          </a:ln>
-        </p:spPr>
-        <p:style>
-          <a:lnRef idx="1">
-            <a:schemeClr val="accent1"/>
-          </a:lnRef>
-          <a:fillRef idx="0">
-            <a:schemeClr val="accent1"/>
-          </a:fillRef>
-          <a:effectRef idx="0">
-            <a:schemeClr val="accent1"/>
-          </a:effectRef>
-          <a:fontRef idx="minor">
-            <a:schemeClr val="tx1"/>
-          </a:fontRef>
-        </p:style>
-      </p:cxnSp>
-      <p:sp>
-        <p:nvSpPr>
-          <p:cNvPr id="18" name="TextBox 17">
-            <a:extLst>
-              <a:ext uri="{FF2B5EF4-FFF2-40B4-BE49-F238E27FC236}">
-                <a16:creationId xmlns:a16="http://schemas.microsoft.com/office/drawing/2014/main" id="{F5C8D226-86C2-D88F-E76D-3B77E949F565}"/>
-              </a:ext>
-            </a:extLst>
-          </p:cNvPr>
-          <p:cNvSpPr txBox="1"/>
-          <p:nvPr/>
-        </p:nvSpPr>
-        <p:spPr>
-          <a:xfrm>
-            <a:off x="2162175" y="5753100"/>
-            <a:ext cx="8658225" cy="646331"/>
-          </a:xfrm>
-          <a:prstGeom prst="rect">
-            <a:avLst/>
-          </a:prstGeom>
-          <a:noFill/>
-        </p:spPr>
-        <p:txBody>
-          <a:bodyPr wrap="square" rtlCol="0">
-            <a:spAutoFit/>
-          </a:bodyPr>
-          <a:lstStyle/>
-          <a:p>
-            <a:r>
-              <a:rPr lang="en-US" altLang="ko-KR" dirty="0"/>
-              <a:t>Parameters </a:t>
-            </a:r>
-            <a:r>
-              <a:rPr lang="ko-KR" altLang="en-US" dirty="0"/>
-              <a:t>눌러서 추가하면 </a:t>
-            </a:r>
-            <a:r>
-              <a:rPr lang="en-US" altLang="ko-KR" dirty="0"/>
-              <a:t>animation</a:t>
-            </a:r>
-            <a:r>
-              <a:rPr lang="ko-KR" altLang="en-US" dirty="0"/>
-              <a:t>을 조절하는 기준을 만들어주는 값들을 설정할 수 있음</a:t>
-            </a:r>
-          </a:p>
-        </p:txBody>
-      </p:sp>
-      <p:sp>
-        <p:nvSpPr>
-          <p:cNvPr id="19" name="TextBox 18">
-            <a:extLst>
-              <a:ext uri="{FF2B5EF4-FFF2-40B4-BE49-F238E27FC236}">
-                <a16:creationId xmlns:a16="http://schemas.microsoft.com/office/drawing/2014/main" id="{1CBA5160-D1BB-8738-EA9D-9D07EA964C95}"/>
-              </a:ext>
-            </a:extLst>
-          </p:cNvPr>
-          <p:cNvSpPr txBox="1"/>
-          <p:nvPr/>
-        </p:nvSpPr>
-        <p:spPr>
-          <a:xfrm>
-            <a:off x="504015" y="602219"/>
-            <a:ext cx="3248835" cy="369332"/>
-          </a:xfrm>
-          <a:prstGeom prst="rect">
-            <a:avLst/>
-          </a:prstGeom>
-          <a:noFill/>
-        </p:spPr>
-        <p:txBody>
-          <a:bodyPr wrap="square" rtlCol="0">
-            <a:spAutoFit/>
-          </a:bodyPr>
-          <a:lstStyle/>
-          <a:p>
-            <a:r>
-              <a:rPr lang="ko-KR" altLang="en-US" b="1" dirty="0" err="1"/>
-              <a:t>애니메이터</a:t>
-            </a:r>
-            <a:endParaRPr lang="ko-KR" altLang="en-US" b="1" dirty="0"/>
-          </a:p>
-        </p:txBody>
-      </p:sp>
     </p:spTree>
     <p:extLst>
       <p:ext uri="{BB962C8B-B14F-4D97-AF65-F5344CB8AC3E}">
-        <p14:creationId xmlns:p14="http://schemas.microsoft.com/office/powerpoint/2010/main" val="3906307970"/>
+        <p14:creationId xmlns:p14="http://schemas.microsoft.com/office/powerpoint/2010/main" val="2582996086"/>
       </p:ext>
     </p:extLst>
   </p:cSld>
@@ -7986,48 +8193,12 @@
           <a:chExt cx="0" cy="0"/>
         </a:xfrm>
       </p:grpSpPr>
-      <p:sp>
-        <p:nvSpPr>
-          <p:cNvPr id="4" name="TextBox 3">
-            <a:extLst>
-              <a:ext uri="{FF2B5EF4-FFF2-40B4-BE49-F238E27FC236}">
-                <a16:creationId xmlns:a16="http://schemas.microsoft.com/office/drawing/2014/main" id="{7B7E2DD0-EC11-EE18-3BD0-82F1F52D3FB2}"/>
-              </a:ext>
-            </a:extLst>
-          </p:cNvPr>
-          <p:cNvSpPr txBox="1"/>
-          <p:nvPr/>
-        </p:nvSpPr>
-        <p:spPr>
-          <a:xfrm>
-            <a:off x="504015" y="602219"/>
-            <a:ext cx="3248835" cy="369332"/>
-          </a:xfrm>
-          <a:prstGeom prst="rect">
-            <a:avLst/>
-          </a:prstGeom>
-          <a:noFill/>
-        </p:spPr>
-        <p:txBody>
-          <a:bodyPr wrap="square" rtlCol="0">
-            <a:spAutoFit/>
-          </a:bodyPr>
-          <a:lstStyle/>
-          <a:p>
-            <a:r>
-              <a:rPr lang="ko-KR" altLang="en-US" b="1" dirty="0" err="1"/>
-              <a:t>애니메이터</a:t>
-            </a:r>
-            <a:endParaRPr lang="ko-KR" altLang="en-US" b="1" dirty="0"/>
-          </a:p>
-        </p:txBody>
-      </p:sp>
       <p:pic>
         <p:nvPicPr>
-          <p:cNvPr id="6" name="그림 5">
-            <a:extLst>
-              <a:ext uri="{FF2B5EF4-FFF2-40B4-BE49-F238E27FC236}">
-                <a16:creationId xmlns:a16="http://schemas.microsoft.com/office/drawing/2014/main" id="{171971C8-7FEA-314A-7199-3F4FEA3A5D41}"/>
+          <p:cNvPr id="5" name="그림 4">
+            <a:extLst>
+              <a:ext uri="{FF2B5EF4-FFF2-40B4-BE49-F238E27FC236}">
+                <a16:creationId xmlns:a16="http://schemas.microsoft.com/office/drawing/2014/main" id="{A19A16EB-1F35-C062-4237-9806503D4505}"/>
               </a:ext>
             </a:extLst>
           </p:cNvPr>
@@ -8044,8 +8215,8 @@
         </p:blipFill>
         <p:spPr>
           <a:xfrm>
-            <a:off x="714100" y="1314342"/>
-            <a:ext cx="3943900" cy="1543265"/>
+            <a:off x="332888" y="1266470"/>
+            <a:ext cx="5582137" cy="4072215"/>
           </a:xfrm>
           <a:prstGeom prst="rect">
             <a:avLst/>
@@ -8054,10 +8225,10 @@
       </p:pic>
       <p:pic>
         <p:nvPicPr>
-          <p:cNvPr id="8" name="그림 7">
-            <a:extLst>
-              <a:ext uri="{FF2B5EF4-FFF2-40B4-BE49-F238E27FC236}">
-                <a16:creationId xmlns:a16="http://schemas.microsoft.com/office/drawing/2014/main" id="{D8E34E8C-E7BD-8413-C395-753DC4CEB2CB}"/>
+          <p:cNvPr id="7" name="그림 6">
+            <a:extLst>
+              <a:ext uri="{FF2B5EF4-FFF2-40B4-BE49-F238E27FC236}">
+                <a16:creationId xmlns:a16="http://schemas.microsoft.com/office/drawing/2014/main" id="{41303993-EB1E-1849-52E6-9168FBCF74FD}"/>
               </a:ext>
             </a:extLst>
           </p:cNvPr>
@@ -8074,8 +8245,8 @@
         </p:blipFill>
         <p:spPr>
           <a:xfrm>
-            <a:off x="8191056" y="862012"/>
-            <a:ext cx="1696444" cy="5133975"/>
+            <a:off x="6096000" y="1404697"/>
+            <a:ext cx="5528015" cy="3843578"/>
           </a:xfrm>
           <a:prstGeom prst="rect">
             <a:avLst/>
@@ -8084,10 +8255,10 @@
       </p:pic>
       <p:sp>
         <p:nvSpPr>
-          <p:cNvPr id="9" name="직사각형 8">
-            <a:extLst>
-              <a:ext uri="{FF2B5EF4-FFF2-40B4-BE49-F238E27FC236}">
-                <a16:creationId xmlns:a16="http://schemas.microsoft.com/office/drawing/2014/main" id="{BCA8AA2D-0B1C-B185-4ABE-2B3346AFB1D3}"/>
+          <p:cNvPr id="8" name="직사각형 7">
+            <a:extLst>
+              <a:ext uri="{FF2B5EF4-FFF2-40B4-BE49-F238E27FC236}">
+                <a16:creationId xmlns:a16="http://schemas.microsoft.com/office/drawing/2014/main" id="{938BBE79-3A10-C382-ED22-6C8465C23E22}"/>
               </a:ext>
             </a:extLst>
           </p:cNvPr>
@@ -8096,8 +8267,8 @@
         </p:nvSpPr>
         <p:spPr>
           <a:xfrm>
-            <a:off x="2247900" y="1566939"/>
-            <a:ext cx="933450" cy="280911"/>
+            <a:off x="742950" y="1414539"/>
+            <a:ext cx="571499" cy="233285"/>
           </a:xfrm>
           <a:prstGeom prst="rect">
             <a:avLst/>
@@ -8136,10 +8307,10 @@
       </p:sp>
       <p:sp>
         <p:nvSpPr>
-          <p:cNvPr id="10" name="직사각형 9">
-            <a:extLst>
-              <a:ext uri="{FF2B5EF4-FFF2-40B4-BE49-F238E27FC236}">
-                <a16:creationId xmlns:a16="http://schemas.microsoft.com/office/drawing/2014/main" id="{CC08A736-C015-1D94-65C4-E145AD361778}"/>
+          <p:cNvPr id="9" name="직사각형 8">
+            <a:extLst>
+              <a:ext uri="{FF2B5EF4-FFF2-40B4-BE49-F238E27FC236}">
+                <a16:creationId xmlns:a16="http://schemas.microsoft.com/office/drawing/2014/main" id="{DD61B149-810D-BA1D-5948-5995379BE047}"/>
               </a:ext>
             </a:extLst>
           </p:cNvPr>
@@ -8148,8 +8319,8 @@
         </p:nvSpPr>
         <p:spPr>
           <a:xfrm>
-            <a:off x="8191055" y="3167138"/>
-            <a:ext cx="1696444" cy="461887"/>
+            <a:off x="6896100" y="1609725"/>
+            <a:ext cx="257175" cy="219075"/>
           </a:xfrm>
           <a:prstGeom prst="rect">
             <a:avLst/>
@@ -8191,21 +8362,19 @@
           <p:cNvPr id="11" name="직선 화살표 연결선 10">
             <a:extLst>
               <a:ext uri="{FF2B5EF4-FFF2-40B4-BE49-F238E27FC236}">
-                <a16:creationId xmlns:a16="http://schemas.microsoft.com/office/drawing/2014/main" id="{5998C6F9-13A1-425E-4151-DD216002B67A}"/>
+                <a16:creationId xmlns:a16="http://schemas.microsoft.com/office/drawing/2014/main" id="{3AC129E6-63B8-17C7-E239-962D22D82F3B}"/>
               </a:ext>
             </a:extLst>
           </p:cNvPr>
           <p:cNvCxnSpPr>
             <a:cxnSpLocks/>
-            <a:stCxn id="9" idx="3"/>
-            <a:endCxn id="10" idx="1"/>
           </p:cNvCxnSpPr>
           <p:nvPr/>
         </p:nvCxnSpPr>
         <p:spPr>
           <a:xfrm>
-            <a:off x="3181350" y="1707395"/>
-            <a:ext cx="5009705" cy="1690687"/>
+            <a:off x="1314449" y="1609725"/>
+            <a:ext cx="5581651" cy="109537"/>
           </a:xfrm>
           <a:prstGeom prst="straightConnector1">
             <a:avLst/>
@@ -8232,98 +8401,24 @@
           </a:fontRef>
         </p:style>
       </p:cxnSp>
-      <p:sp>
-        <p:nvSpPr>
-          <p:cNvPr id="14" name="TextBox 13">
-            <a:extLst>
-              <a:ext uri="{FF2B5EF4-FFF2-40B4-BE49-F238E27FC236}">
-                <a16:creationId xmlns:a16="http://schemas.microsoft.com/office/drawing/2014/main" id="{6B307597-D6D0-4FA3-1A18-ACA6B2BA169B}"/>
-              </a:ext>
-            </a:extLst>
-          </p:cNvPr>
-          <p:cNvSpPr txBox="1"/>
-          <p:nvPr/>
-        </p:nvSpPr>
-        <p:spPr>
-          <a:xfrm>
-            <a:off x="5129127" y="1247685"/>
-            <a:ext cx="2733402" cy="1200329"/>
-          </a:xfrm>
-          <a:prstGeom prst="rect">
-            <a:avLst/>
-          </a:prstGeom>
-          <a:noFill/>
-        </p:spPr>
-        <p:txBody>
-          <a:bodyPr wrap="square" rtlCol="0">
-            <a:spAutoFit/>
-          </a:bodyPr>
-          <a:lstStyle/>
-          <a:p>
-            <a:r>
-              <a:rPr lang="en-US" altLang="ko-KR" dirty="0"/>
-              <a:t>Animation </a:t>
-            </a:r>
-            <a:r>
-              <a:rPr lang="ko-KR" altLang="en-US" dirty="0" err="1"/>
-              <a:t>우클릭시</a:t>
-            </a:r>
-            <a:r>
-              <a:rPr lang="ko-KR" altLang="en-US" dirty="0"/>
-              <a:t> </a:t>
-            </a:r>
-            <a:r>
-              <a:rPr lang="en-US" altLang="ko-KR" dirty="0"/>
-              <a:t>Make Transition</a:t>
-            </a:r>
-            <a:r>
-              <a:rPr lang="ko-KR" altLang="en-US" dirty="0"/>
-              <a:t>이 나오고</a:t>
-            </a:r>
-            <a:endParaRPr lang="en-US" altLang="ko-KR" dirty="0"/>
-          </a:p>
-          <a:p>
-            <a:r>
-              <a:rPr lang="en-US" altLang="ko-KR" dirty="0"/>
-              <a:t>Transition</a:t>
-            </a:r>
-            <a:r>
-              <a:rPr lang="ko-KR" altLang="en-US" dirty="0"/>
-              <a:t>을 누르면 저런 </a:t>
-            </a:r>
-            <a:endParaRPr lang="en-US" altLang="ko-KR" dirty="0"/>
-          </a:p>
-          <a:p>
-            <a:r>
-              <a:rPr lang="en-US" altLang="ko-KR" dirty="0"/>
-              <a:t>Inspector </a:t>
-            </a:r>
-            <a:r>
-              <a:rPr lang="ko-KR" altLang="en-US" dirty="0"/>
-              <a:t>창이 나옴</a:t>
-            </a:r>
-          </a:p>
-        </p:txBody>
-      </p:sp>
       <p:cxnSp>
         <p:nvCxnSpPr>
-          <p:cNvPr id="15" name="직선 화살표 연결선 14">
-            <a:extLst>
-              <a:ext uri="{FF2B5EF4-FFF2-40B4-BE49-F238E27FC236}">
-                <a16:creationId xmlns:a16="http://schemas.microsoft.com/office/drawing/2014/main" id="{69C5D304-F777-615E-55A2-9AFC200AF079}"/>
+          <p:cNvPr id="14" name="직선 화살표 연결선 13">
+            <a:extLst>
+              <a:ext uri="{FF2B5EF4-FFF2-40B4-BE49-F238E27FC236}">
+                <a16:creationId xmlns:a16="http://schemas.microsoft.com/office/drawing/2014/main" id="{3871DAA3-1640-E0D2-30C3-D70DEA729F5B}"/>
               </a:ext>
             </a:extLst>
           </p:cNvPr>
           <p:cNvCxnSpPr>
             <a:cxnSpLocks/>
-            <a:stCxn id="10" idx="2"/>
           </p:cNvCxnSpPr>
           <p:nvPr/>
         </p:nvCxnSpPr>
         <p:spPr>
           <a:xfrm flipH="1">
-            <a:off x="6972300" y="3629025"/>
-            <a:ext cx="2066977" cy="447675"/>
+            <a:off x="4200525" y="1828800"/>
+            <a:ext cx="2824162" cy="3762730"/>
           </a:xfrm>
           <a:prstGeom prst="straightConnector1">
             <a:avLst/>
@@ -8355,7 +8450,7 @@
           <p:cNvPr id="18" name="TextBox 17">
             <a:extLst>
               <a:ext uri="{FF2B5EF4-FFF2-40B4-BE49-F238E27FC236}">
-                <a16:creationId xmlns:a16="http://schemas.microsoft.com/office/drawing/2014/main" id="{B4C044BE-0CAB-7BAD-535F-4FAF6FAE64E9}"/>
+                <a16:creationId xmlns:a16="http://schemas.microsoft.com/office/drawing/2014/main" id="{F5C8D226-86C2-D88F-E76D-3B77E949F565}"/>
               </a:ext>
             </a:extLst>
           </p:cNvPr>
@@ -8364,8 +8459,8 @@
         </p:nvSpPr>
         <p:spPr>
           <a:xfrm>
-            <a:off x="3038475" y="3791135"/>
-            <a:ext cx="3686347" cy="646331"/>
+            <a:off x="2162175" y="5753100"/>
+            <a:ext cx="8658225" cy="646331"/>
           </a:xfrm>
           <a:prstGeom prst="rect">
             <a:avLst/>
@@ -8380,19 +8475,63 @@
           <a:p>
             <a:r>
               <a:rPr lang="en-US" altLang="ko-KR" dirty="0"/>
-              <a:t>Conditions </a:t>
+              <a:t>Parameters </a:t>
             </a:r>
             <a:r>
               <a:rPr lang="ko-KR" altLang="en-US" dirty="0"/>
-              <a:t>눌려서 애니메이션 재생 조건을 추가할 수 있음</a:t>
-            </a:r>
+              <a:t>눌러서 추가하면 </a:t>
+            </a:r>
+            <a:r>
+              <a:rPr lang="en-US" altLang="ko-KR" dirty="0"/>
+              <a:t>animation</a:t>
+            </a:r>
+            <a:r>
+              <a:rPr lang="ko-KR" altLang="en-US" dirty="0"/>
+              <a:t>을 조절하는 기준을 만들어주는 값들을 설정할 수 있음</a:t>
+            </a:r>
+          </a:p>
+        </p:txBody>
+      </p:sp>
+      <p:sp>
+        <p:nvSpPr>
+          <p:cNvPr id="19" name="TextBox 18">
+            <a:extLst>
+              <a:ext uri="{FF2B5EF4-FFF2-40B4-BE49-F238E27FC236}">
+                <a16:creationId xmlns:a16="http://schemas.microsoft.com/office/drawing/2014/main" id="{1CBA5160-D1BB-8738-EA9D-9D07EA964C95}"/>
+              </a:ext>
+            </a:extLst>
+          </p:cNvPr>
+          <p:cNvSpPr txBox="1"/>
+          <p:nvPr/>
+        </p:nvSpPr>
+        <p:spPr>
+          <a:xfrm>
+            <a:off x="504015" y="602219"/>
+            <a:ext cx="3248835" cy="369332"/>
+          </a:xfrm>
+          <a:prstGeom prst="rect">
+            <a:avLst/>
+          </a:prstGeom>
+          <a:noFill/>
+        </p:spPr>
+        <p:txBody>
+          <a:bodyPr wrap="square" rtlCol="0">
+            <a:spAutoFit/>
+          </a:bodyPr>
+          <a:lstStyle/>
+          <a:p>
+            <a:r>
+              <a:rPr lang="ko-KR" altLang="en-US" b="1" dirty="0" err="1"/>
+              <a:t>애니메이터</a:t>
+            </a:r>
+            <a:endParaRPr lang="ko-KR" altLang="en-US" b="1" dirty="0"/>
           </a:p>
         </p:txBody>
       </p:sp>
     </p:spTree>
     <p:extLst>
       <p:ext uri="{BB962C8B-B14F-4D97-AF65-F5344CB8AC3E}">
-        <p14:creationId xmlns:p14="http://schemas.microsoft.com/office/powerpoint/2010/main" val="894620890"/>
+        <p14:creationId xmlns:p14="http://schemas.microsoft.com/office/powerpoint/2010/main" val="3906307970"/>
       </p:ext>
     </p:extLst>
   </p:cSld>
